--- a/thesis/ukapp2/wqu_isc/sofware_design/Lesson 4 - Java.pptx
+++ b/thesis/ukapp2/wqu_isc/sofware_design/Lesson 4 - Java.pptx
@@ -340,7 +340,7 @@
           <a:p>
             <a:fld id="{CD13FC2D-BEDB-45BE-AF82-649A39BEFF71}" type="datetimeFigureOut">
               <a:rPr lang="en-GB" smtClean="0"/>
-              <a:t>13/10/2020</a:t>
+              <a:t>15/10/2020</a:t>
             </a:fld>
             <a:endParaRPr lang="en-GB"/>
           </a:p>
@@ -548,7 +548,7 @@
           <a:p>
             <a:fld id="{CD13FC2D-BEDB-45BE-AF82-649A39BEFF71}" type="datetimeFigureOut">
               <a:rPr lang="en-GB" smtClean="0"/>
-              <a:t>13/10/2020</a:t>
+              <a:t>15/10/2020</a:t>
             </a:fld>
             <a:endParaRPr lang="en-GB"/>
           </a:p>
@@ -804,7 +804,7 @@
           <a:p>
             <a:fld id="{CD13FC2D-BEDB-45BE-AF82-649A39BEFF71}" type="datetimeFigureOut">
               <a:rPr lang="en-GB" smtClean="0"/>
-              <a:t>13/10/2020</a:t>
+              <a:t>15/10/2020</a:t>
             </a:fld>
             <a:endParaRPr lang="en-GB"/>
           </a:p>
@@ -974,7 +974,7 @@
           <a:p>
             <a:fld id="{CD13FC2D-BEDB-45BE-AF82-649A39BEFF71}" type="datetimeFigureOut">
               <a:rPr lang="en-GB" smtClean="0"/>
-              <a:t>13/10/2020</a:t>
+              <a:t>15/10/2020</a:t>
             </a:fld>
             <a:endParaRPr lang="en-GB"/>
           </a:p>
@@ -1317,7 +1317,7 @@
           <a:p>
             <a:fld id="{CD13FC2D-BEDB-45BE-AF82-649A39BEFF71}" type="datetimeFigureOut">
               <a:rPr lang="en-GB" smtClean="0"/>
-              <a:t>13/10/2020</a:t>
+              <a:t>15/10/2020</a:t>
             </a:fld>
             <a:endParaRPr lang="en-GB"/>
           </a:p>
@@ -1592,7 +1592,7 @@
           <a:p>
             <a:fld id="{CD13FC2D-BEDB-45BE-AF82-649A39BEFF71}" type="datetimeFigureOut">
               <a:rPr lang="en-GB" smtClean="0"/>
-              <a:t>13/10/2020</a:t>
+              <a:t>15/10/2020</a:t>
             </a:fld>
             <a:endParaRPr lang="en-GB"/>
           </a:p>
@@ -1971,7 +1971,7 @@
           <a:p>
             <a:fld id="{CD13FC2D-BEDB-45BE-AF82-649A39BEFF71}" type="datetimeFigureOut">
               <a:rPr lang="en-GB" smtClean="0"/>
-              <a:t>13/10/2020</a:t>
+              <a:t>15/10/2020</a:t>
             </a:fld>
             <a:endParaRPr lang="en-GB"/>
           </a:p>
@@ -2089,7 +2089,7 @@
           <a:p>
             <a:fld id="{CD13FC2D-BEDB-45BE-AF82-649A39BEFF71}" type="datetimeFigureOut">
               <a:rPr lang="en-GB" smtClean="0"/>
-              <a:t>13/10/2020</a:t>
+              <a:t>15/10/2020</a:t>
             </a:fld>
             <a:endParaRPr lang="en-GB"/>
           </a:p>
@@ -2260,7 +2260,7 @@
           <a:p>
             <a:fld id="{CD13FC2D-BEDB-45BE-AF82-649A39BEFF71}" type="datetimeFigureOut">
               <a:rPr lang="en-GB" smtClean="0"/>
-              <a:t>13/10/2020</a:t>
+              <a:t>15/10/2020</a:t>
             </a:fld>
             <a:endParaRPr lang="en-GB"/>
           </a:p>
@@ -2614,7 +2614,7 @@
           <a:p>
             <a:fld id="{CD13FC2D-BEDB-45BE-AF82-649A39BEFF71}" type="datetimeFigureOut">
               <a:rPr lang="en-GB" smtClean="0"/>
-              <a:t>13/10/2020</a:t>
+              <a:t>15/10/2020</a:t>
             </a:fld>
             <a:endParaRPr lang="en-GB"/>
           </a:p>
@@ -2996,7 +2996,7 @@
           <a:p>
             <a:fld id="{CD13FC2D-BEDB-45BE-AF82-649A39BEFF71}" type="datetimeFigureOut">
               <a:rPr lang="en-GB" smtClean="0"/>
-              <a:t>13/10/2020</a:t>
+              <a:t>15/10/2020</a:t>
             </a:fld>
             <a:endParaRPr lang="en-GB"/>
           </a:p>
@@ -3283,7 +3283,7 @@
           <a:p>
             <a:fld id="{CD13FC2D-BEDB-45BE-AF82-649A39BEFF71}" type="datetimeFigureOut">
               <a:rPr lang="en-GB" smtClean="0"/>
-              <a:t>13/10/2020</a:t>
+              <a:t>15/10/2020</a:t>
             </a:fld>
             <a:endParaRPr lang="en-GB"/>
           </a:p>
@@ -3870,11 +3870,7 @@
           <a:p>
             <a:r>
               <a:rPr lang="en-GB" dirty="0" smtClean="0"/>
-              <a:t>An Introduction to object-orientation and the java programming </a:t>
-            </a:r>
-            <a:r>
-              <a:rPr lang="en-GB" dirty="0" smtClean="0"/>
-              <a:t>language</a:t>
+              <a:t>An Introduction to object-orientation and the java programming language</a:t>
             </a:r>
           </a:p>
           <a:p>
@@ -4021,11 +4017,13 @@
         <p:spPr>
           <a:xfrm>
             <a:off x="822960" y="1845734"/>
-            <a:ext cx="3444240" cy="4023360"/>
+            <a:ext cx="4682490" cy="4023360"/>
           </a:xfrm>
         </p:spPr>
         <p:txBody>
-          <a:bodyPr/>
+          <a:bodyPr>
+            <a:normAutofit fontScale="85000" lnSpcReduction="20000"/>
+          </a:bodyPr>
           <a:lstStyle/>
           <a:p>
             <a:pPr>
@@ -4033,13 +4031,10 @@
               <a:buChar char="v"/>
             </a:pPr>
             <a:r>
-              <a:rPr lang="en-GB" dirty="0"/>
-              <a:t> </a:t>
-            </a:r>
-            <a:r>
               <a:rPr lang="en-US" dirty="0" smtClean="0"/>
-              <a:t>Object Oriented programming</a:t>
-            </a:r>
+              <a:t> Getters and setters</a:t>
+            </a:r>
+            <a:endParaRPr lang="en-US" dirty="0" smtClean="0"/>
           </a:p>
           <a:p>
             <a:pPr>
@@ -4047,13 +4042,10 @@
               <a:buChar char="v"/>
             </a:pPr>
             <a:r>
-              <a:rPr lang="en-US" dirty="0"/>
-              <a:t> </a:t>
-            </a:r>
-            <a:r>
               <a:rPr lang="en-US" dirty="0" smtClean="0"/>
-              <a:t>Abstraction</a:t>
-            </a:r>
+              <a:t> Inheritance</a:t>
+            </a:r>
+            <a:endParaRPr lang="en-US" dirty="0" smtClean="0"/>
           </a:p>
           <a:p>
             <a:pPr>
@@ -4066,8 +4058,9 @@
             </a:r>
             <a:r>
               <a:rPr lang="en-US" dirty="0" smtClean="0"/>
-              <a:t>Encapsulation</a:t>
-            </a:r>
+              <a:t>Polymorphism</a:t>
+            </a:r>
+            <a:endParaRPr lang="en-GB" dirty="0"/>
           </a:p>
           <a:p>
             <a:pPr>
@@ -4080,7 +4073,7 @@
             </a:r>
             <a:r>
               <a:rPr lang="en-US" dirty="0" smtClean="0"/>
-              <a:t>Inheritance</a:t>
+              <a:t>Composition vs Inheritance</a:t>
             </a:r>
           </a:p>
           <a:p>
@@ -4094,7 +4087,7 @@
             </a:r>
             <a:r>
               <a:rPr lang="en-US" dirty="0" smtClean="0"/>
-              <a:t>Polymorphism</a:t>
+              <a:t>Interface vs Inheritance</a:t>
             </a:r>
           </a:p>
           <a:p>
@@ -4108,7 +4101,7 @@
             </a:r>
             <a:r>
               <a:rPr lang="en-US" dirty="0" smtClean="0"/>
-              <a:t>OOP keywords</a:t>
+              <a:t>Abstract class vs interface</a:t>
             </a:r>
           </a:p>
           <a:p>
@@ -4122,12 +4115,65 @@
             </a:r>
             <a:r>
               <a:rPr lang="en-US" dirty="0" smtClean="0"/>
-              <a:t>Class diagrams</a:t>
-            </a:r>
-            <a:endParaRPr lang="en-GB" dirty="0"/>
-          </a:p>
-          <a:p>
-            <a:endParaRPr lang="en-GB" dirty="0"/>
+              <a:t>Introduction to GUI development</a:t>
+            </a:r>
+          </a:p>
+          <a:p>
+            <a:pPr>
+              <a:buFont typeface="Wingdings" panose="05000000000000000000" pitchFamily="2" charset="2"/>
+              <a:buChar char="v"/>
+            </a:pPr>
+            <a:r>
+              <a:rPr lang="en-US" dirty="0"/>
+              <a:t> </a:t>
+            </a:r>
+            <a:r>
+              <a:rPr lang="en-US" dirty="0" smtClean="0"/>
+              <a:t>Layouts</a:t>
+            </a:r>
+          </a:p>
+          <a:p>
+            <a:pPr>
+              <a:buFont typeface="Wingdings" panose="05000000000000000000" pitchFamily="2" charset="2"/>
+              <a:buChar char="v"/>
+            </a:pPr>
+            <a:r>
+              <a:rPr lang="en-US" dirty="0"/>
+              <a:t> </a:t>
+            </a:r>
+            <a:r>
+              <a:rPr lang="en-US" dirty="0" smtClean="0"/>
+              <a:t>Buttons</a:t>
+            </a:r>
+          </a:p>
+          <a:p>
+            <a:pPr>
+              <a:buFont typeface="Wingdings" panose="05000000000000000000" pitchFamily="2" charset="2"/>
+              <a:buChar char="v"/>
+            </a:pPr>
+            <a:r>
+              <a:rPr lang="en-US" dirty="0"/>
+              <a:t> </a:t>
+            </a:r>
+            <a:r>
+              <a:rPr lang="en-US" dirty="0" smtClean="0"/>
+              <a:t>Labels</a:t>
+            </a:r>
+          </a:p>
+          <a:p>
+            <a:pPr>
+              <a:buFont typeface="Wingdings" panose="05000000000000000000" pitchFamily="2" charset="2"/>
+              <a:buChar char="v"/>
+            </a:pPr>
+            <a:r>
+              <a:rPr lang="en-US" dirty="0"/>
+              <a:t> </a:t>
+            </a:r>
+            <a:r>
+              <a:rPr lang="en-US" dirty="0" smtClean="0"/>
+              <a:t>TextFields</a:t>
+            </a:r>
+            <a:endParaRPr lang="en-US" dirty="0" smtClean="0"/>
           </a:p>
         </p:txBody>
       </p:sp>
@@ -4501,6 +4547,21 @@
 </file>
 
 <file path=customXml/item1.xml><?xml version="1.0" encoding="utf-8"?>
+<?mso-contentType ?>
+<FormTemplates xmlns="http://schemas.microsoft.com/sharepoint/v3/contenttype/forms">
+  <Display>DocumentLibraryForm</Display>
+  <Edit>DocumentLibraryForm</Edit>
+  <New>DocumentLibraryForm</New>
+</FormTemplates>
+</file>
+
+<file path=customXml/item2.xml><?xml version="1.0" encoding="utf-8"?>
+<p:properties xmlns:p="http://schemas.microsoft.com/office/2006/metadata/properties" xmlns:xsi="http://www.w3.org/2001/XMLSchema-instance" xmlns:pc="http://schemas.microsoft.com/office/infopath/2007/PartnerControls">
+  <documentManagement/>
+</p:properties>
+</file>
+
+<file path=customXml/item3.xml><?xml version="1.0" encoding="utf-8"?>
 <ct:contentTypeSchema xmlns:ct="http://schemas.microsoft.com/office/2006/metadata/contentType" xmlns:ma="http://schemas.microsoft.com/office/2006/metadata/properties/metaAttributes" ct:_="" ma:_="" ma:contentTypeName="Document" ma:contentTypeID="0x010100062A1965C0ED8D4B93D90EC9097FB304" ma:contentTypeVersion="13" ma:contentTypeDescription="Create a new document." ma:contentTypeScope="" ma:versionID="ad8c00255a362f38b965062bb6973433">
   <xsd:schema xmlns:xsd="http://www.w3.org/2001/XMLSchema" xmlns:xs="http://www.w3.org/2001/XMLSchema" xmlns:p="http://schemas.microsoft.com/office/2006/metadata/properties" xmlns:ns3="cab83b3b-4db3-4a13-8dd4-e60be6d87cf5" xmlns:ns4="c2e86655-d7ed-4420-bc92-1b9547829f54" targetNamespace="http://schemas.microsoft.com/office/2006/metadata/properties" ma:root="true" ma:fieldsID="d47f86c9060cacabc5fb99b2dd628c7d" ns3:_="" ns4:_="">
     <xsd:import namespace="cab83b3b-4db3-4a13-8dd4-e60be6d87cf5"/>
@@ -4723,36 +4784,10 @@
 </ct:contentTypeSchema>
 </file>
 
-<file path=customXml/item2.xml><?xml version="1.0" encoding="utf-8"?>
-<p:properties xmlns:p="http://schemas.microsoft.com/office/2006/metadata/properties" xmlns:xsi="http://www.w3.org/2001/XMLSchema-instance" xmlns:pc="http://schemas.microsoft.com/office/infopath/2007/PartnerControls">
-  <documentManagement/>
-</p:properties>
-</file>
-
-<file path=customXml/item3.xml><?xml version="1.0" encoding="utf-8"?>
-<?mso-contentType ?>
-<FormTemplates xmlns="http://schemas.microsoft.com/sharepoint/v3/contenttype/forms">
-  <Display>DocumentLibraryForm</Display>
-  <Edit>DocumentLibraryForm</Edit>
-  <New>DocumentLibraryForm</New>
-</FormTemplates>
-</file>
-
 <file path=customXml/itemProps1.xml><?xml version="1.0" encoding="utf-8"?>
-<ds:datastoreItem xmlns:ds="http://schemas.openxmlformats.org/officeDocument/2006/customXml" ds:itemID="{03233C07-2685-44F7-9601-FF64EA49BA1B}">
+<ds:datastoreItem xmlns:ds="http://schemas.openxmlformats.org/officeDocument/2006/customXml" ds:itemID="{07A05CC1-FF68-453F-AE9C-352B80151440}">
   <ds:schemaRefs>
-    <ds:schemaRef ds:uri="http://schemas.microsoft.com/office/2006/metadata/contentType"/>
-    <ds:schemaRef ds:uri="http://schemas.microsoft.com/office/2006/metadata/properties/metaAttributes"/>
-    <ds:schemaRef ds:uri="http://www.w3.org/2001/XMLSchema"/>
-    <ds:schemaRef ds:uri="http://schemas.microsoft.com/office/2006/metadata/properties"/>
-    <ds:schemaRef ds:uri="cab83b3b-4db3-4a13-8dd4-e60be6d87cf5"/>
-    <ds:schemaRef ds:uri="c2e86655-d7ed-4420-bc92-1b9547829f54"/>
-    <ds:schemaRef ds:uri="http://schemas.microsoft.com/office/2006/documentManagement/types"/>
-    <ds:schemaRef ds:uri="http://schemas.microsoft.com/office/infopath/2007/PartnerControls"/>
-    <ds:schemaRef ds:uri="http://schemas.openxmlformats.org/package/2006/metadata/core-properties"/>
-    <ds:schemaRef ds:uri="http://purl.org/dc/elements/1.1/"/>
-    <ds:schemaRef ds:uri="http://purl.org/dc/terms/"/>
-    <ds:schemaRef ds:uri="http://schemas.microsoft.com/internal/obd"/>
+    <ds:schemaRef ds:uri="http://schemas.microsoft.com/sharepoint/v3/contenttype/forms"/>
   </ds:schemaRefs>
 </ds:datastoreItem>
 </file>
@@ -4775,9 +4810,20 @@
 </file>
 
 <file path=customXml/itemProps3.xml><?xml version="1.0" encoding="utf-8"?>
-<ds:datastoreItem xmlns:ds="http://schemas.openxmlformats.org/officeDocument/2006/customXml" ds:itemID="{07A05CC1-FF68-453F-AE9C-352B80151440}">
+<ds:datastoreItem xmlns:ds="http://schemas.openxmlformats.org/officeDocument/2006/customXml" ds:itemID="{03233C07-2685-44F7-9601-FF64EA49BA1B}">
   <ds:schemaRefs>
-    <ds:schemaRef ds:uri="http://schemas.microsoft.com/sharepoint/v3/contenttype/forms"/>
+    <ds:schemaRef ds:uri="http://schemas.microsoft.com/office/2006/metadata/contentType"/>
+    <ds:schemaRef ds:uri="http://schemas.microsoft.com/office/2006/metadata/properties/metaAttributes"/>
+    <ds:schemaRef ds:uri="http://www.w3.org/2001/XMLSchema"/>
+    <ds:schemaRef ds:uri="http://schemas.microsoft.com/office/2006/metadata/properties"/>
+    <ds:schemaRef ds:uri="cab83b3b-4db3-4a13-8dd4-e60be6d87cf5"/>
+    <ds:schemaRef ds:uri="c2e86655-d7ed-4420-bc92-1b9547829f54"/>
+    <ds:schemaRef ds:uri="http://schemas.microsoft.com/office/2006/documentManagement/types"/>
+    <ds:schemaRef ds:uri="http://schemas.microsoft.com/office/infopath/2007/PartnerControls"/>
+    <ds:schemaRef ds:uri="http://schemas.openxmlformats.org/package/2006/metadata/core-properties"/>
+    <ds:schemaRef ds:uri="http://purl.org/dc/elements/1.1/"/>
+    <ds:schemaRef ds:uri="http://purl.org/dc/terms/"/>
+    <ds:schemaRef ds:uri="http://schemas.microsoft.com/internal/obd"/>
   </ds:schemaRefs>
 </ds:datastoreItem>
 </file>
--- a/thesis/ukapp2/wqu_isc/sofware_design/Lesson 4 - Java.pptx
+++ b/thesis/ukapp2/wqu_isc/sofware_design/Lesson 4 - Java.pptx
@@ -3876,7 +3876,7 @@
           <a:p>
             <a:r>
               <a:rPr lang="en-US" b="1" dirty="0" smtClean="0"/>
-              <a:t>More examples</a:t>
+              <a:t>ADVANCED TOPICS</a:t>
             </a:r>
             <a:endParaRPr lang="en-GB" b="1" dirty="0" smtClean="0"/>
           </a:p>
@@ -4016,164 +4016,231 @@
         </p:nvSpPr>
         <p:spPr>
           <a:xfrm>
-            <a:off x="822960" y="1845734"/>
+            <a:off x="822960" y="1788584"/>
             <a:ext cx="4682490" cy="4023360"/>
           </a:xfrm>
         </p:spPr>
         <p:txBody>
           <a:bodyPr>
-            <a:normAutofit fontScale="85000" lnSpcReduction="20000"/>
+            <a:noAutofit/>
           </a:bodyPr>
           <a:lstStyle/>
           <a:p>
             <a:pPr>
+              <a:spcBef>
+                <a:spcPts val="600"/>
+              </a:spcBef>
               <a:buFont typeface="Wingdings" panose="05000000000000000000" pitchFamily="2" charset="2"/>
               <a:buChar char="v"/>
             </a:pPr>
             <a:r>
-              <a:rPr lang="en-US" dirty="0" smtClean="0"/>
+              <a:rPr lang="en-US" sz="1600" dirty="0" smtClean="0"/>
               <a:t> Getters and setters</a:t>
             </a:r>
-            <a:endParaRPr lang="en-US" dirty="0" smtClean="0"/>
           </a:p>
           <a:p>
             <a:pPr>
+              <a:spcBef>
+                <a:spcPts val="600"/>
+              </a:spcBef>
               <a:buFont typeface="Wingdings" panose="05000000000000000000" pitchFamily="2" charset="2"/>
               <a:buChar char="v"/>
             </a:pPr>
             <a:r>
-              <a:rPr lang="en-US" dirty="0" smtClean="0"/>
+              <a:rPr lang="en-US" sz="1600" dirty="0" smtClean="0"/>
               <a:t> Inheritance</a:t>
             </a:r>
-            <a:endParaRPr lang="en-US" dirty="0" smtClean="0"/>
           </a:p>
           <a:p>
             <a:pPr>
+              <a:spcBef>
+                <a:spcPts val="600"/>
+              </a:spcBef>
               <a:buFont typeface="Wingdings" panose="05000000000000000000" pitchFamily="2" charset="2"/>
               <a:buChar char="v"/>
             </a:pPr>
             <a:r>
-              <a:rPr lang="en-US" dirty="0"/>
+              <a:rPr lang="en-US" sz="1600" dirty="0"/>
               <a:t> </a:t>
             </a:r>
             <a:r>
-              <a:rPr lang="en-US" dirty="0" smtClean="0"/>
+              <a:rPr lang="en-US" sz="1600" dirty="0" smtClean="0"/>
               <a:t>Polymorphism</a:t>
             </a:r>
-            <a:endParaRPr lang="en-GB" dirty="0"/>
+            <a:endParaRPr lang="en-GB" sz="1600" dirty="0"/>
           </a:p>
           <a:p>
             <a:pPr>
+              <a:spcBef>
+                <a:spcPts val="600"/>
+              </a:spcBef>
               <a:buFont typeface="Wingdings" panose="05000000000000000000" pitchFamily="2" charset="2"/>
               <a:buChar char="v"/>
             </a:pPr>
             <a:r>
-              <a:rPr lang="en-US" dirty="0"/>
+              <a:rPr lang="en-US" sz="1600" dirty="0"/>
               <a:t> </a:t>
             </a:r>
             <a:r>
-              <a:rPr lang="en-US" dirty="0" smtClean="0"/>
+              <a:rPr lang="en-US" sz="1600" dirty="0" smtClean="0"/>
               <a:t>Composition vs Inheritance</a:t>
             </a:r>
           </a:p>
           <a:p>
             <a:pPr>
+              <a:spcBef>
+                <a:spcPts val="600"/>
+              </a:spcBef>
               <a:buFont typeface="Wingdings" panose="05000000000000000000" pitchFamily="2" charset="2"/>
               <a:buChar char="v"/>
             </a:pPr>
             <a:r>
-              <a:rPr lang="en-US" dirty="0"/>
+              <a:rPr lang="en-US" sz="1600" dirty="0"/>
               <a:t> </a:t>
             </a:r>
             <a:r>
-              <a:rPr lang="en-US" dirty="0" smtClean="0"/>
+              <a:rPr lang="en-US" sz="1600" dirty="0" smtClean="0"/>
               <a:t>Interface vs Inheritance</a:t>
             </a:r>
           </a:p>
           <a:p>
             <a:pPr>
+              <a:spcBef>
+                <a:spcPts val="600"/>
+              </a:spcBef>
               <a:buFont typeface="Wingdings" panose="05000000000000000000" pitchFamily="2" charset="2"/>
               <a:buChar char="v"/>
             </a:pPr>
             <a:r>
-              <a:rPr lang="en-US" dirty="0"/>
+              <a:rPr lang="en-US" sz="1600" dirty="0"/>
               <a:t> </a:t>
             </a:r>
             <a:r>
-              <a:rPr lang="en-US" dirty="0" smtClean="0"/>
-              <a:t>Abstract class vs interface</a:t>
+              <a:rPr lang="en-US" sz="1600" dirty="0" smtClean="0"/>
+              <a:t>Abstract class vs </a:t>
+            </a:r>
+            <a:r>
+              <a:rPr lang="en-US" sz="1600" dirty="0" smtClean="0"/>
+              <a:t>interface</a:t>
             </a:r>
           </a:p>
           <a:p>
             <a:pPr>
+              <a:spcBef>
+                <a:spcPts val="600"/>
+              </a:spcBef>
               <a:buFont typeface="Wingdings" panose="05000000000000000000" pitchFamily="2" charset="2"/>
               <a:buChar char="v"/>
             </a:pPr>
             <a:r>
-              <a:rPr lang="en-US" dirty="0"/>
-              <a:t> </a:t>
-            </a:r>
-            <a:r>
-              <a:rPr lang="en-US" dirty="0" smtClean="0"/>
-              <a:t>Introduction to GUI development</a:t>
-            </a:r>
+              <a:rPr lang="en-US" sz="1600" dirty="0" smtClean="0"/>
+              <a:t> Java packages</a:t>
+            </a:r>
+            <a:endParaRPr lang="en-US" sz="1600" dirty="0" smtClean="0"/>
           </a:p>
           <a:p>
             <a:pPr>
+              <a:spcBef>
+                <a:spcPts val="600"/>
+              </a:spcBef>
               <a:buFont typeface="Wingdings" panose="05000000000000000000" pitchFamily="2" charset="2"/>
               <a:buChar char="v"/>
             </a:pPr>
             <a:r>
-              <a:rPr lang="en-US" dirty="0"/>
+              <a:rPr lang="en-US" sz="1600" dirty="0"/>
               <a:t> </a:t>
             </a:r>
             <a:r>
-              <a:rPr lang="en-US" dirty="0" smtClean="0"/>
-              <a:t>Layouts</a:t>
+              <a:rPr lang="en-US" sz="1600" dirty="0" smtClean="0"/>
+              <a:t>Introduction to GUI development</a:t>
             </a:r>
           </a:p>
           <a:p>
             <a:pPr>
+              <a:spcBef>
+                <a:spcPts val="600"/>
+              </a:spcBef>
               <a:buFont typeface="Wingdings" panose="05000000000000000000" pitchFamily="2" charset="2"/>
               <a:buChar char="v"/>
             </a:pPr>
             <a:r>
-              <a:rPr lang="en-US" dirty="0"/>
+              <a:rPr lang="en-US" sz="1600" dirty="0"/>
               <a:t> </a:t>
             </a:r>
             <a:r>
-              <a:rPr lang="en-US" dirty="0" smtClean="0"/>
-              <a:t>Buttons</a:t>
+              <a:rPr lang="en-US" sz="1600" dirty="0" smtClean="0"/>
+              <a:t>Layouts</a:t>
             </a:r>
           </a:p>
           <a:p>
             <a:pPr>
+              <a:spcBef>
+                <a:spcPts val="600"/>
+              </a:spcBef>
               <a:buFont typeface="Wingdings" panose="05000000000000000000" pitchFamily="2" charset="2"/>
               <a:buChar char="v"/>
             </a:pPr>
             <a:r>
-              <a:rPr lang="en-US" dirty="0"/>
+              <a:rPr lang="en-US" sz="1600" dirty="0"/>
               <a:t> </a:t>
             </a:r>
             <a:r>
-              <a:rPr lang="en-US" dirty="0" smtClean="0"/>
-              <a:t>Labels</a:t>
+              <a:rPr lang="en-US" sz="1600" dirty="0" smtClean="0"/>
+              <a:t>Buttons</a:t>
             </a:r>
           </a:p>
           <a:p>
             <a:pPr>
+              <a:spcBef>
+                <a:spcPts val="600"/>
+              </a:spcBef>
               <a:buFont typeface="Wingdings" panose="05000000000000000000" pitchFamily="2" charset="2"/>
               <a:buChar char="v"/>
             </a:pPr>
             <a:r>
-              <a:rPr lang="en-US" dirty="0"/>
+              <a:rPr lang="en-US" sz="1600" dirty="0"/>
               <a:t> </a:t>
             </a:r>
             <a:r>
-              <a:rPr lang="en-US" dirty="0" smtClean="0"/>
+              <a:rPr lang="en-US" sz="1600" dirty="0" smtClean="0"/>
+              <a:t>Labels</a:t>
+            </a:r>
+          </a:p>
+          <a:p>
+            <a:pPr>
+              <a:spcBef>
+                <a:spcPts val="600"/>
+              </a:spcBef>
+              <a:buFont typeface="Wingdings" panose="05000000000000000000" pitchFamily="2" charset="2"/>
+              <a:buChar char="v"/>
+            </a:pPr>
+            <a:r>
+              <a:rPr lang="en-US" sz="1600" dirty="0"/>
+              <a:t> </a:t>
+            </a:r>
+            <a:r>
+              <a:rPr lang="en-US" sz="1600" dirty="0" err="1" smtClean="0"/>
               <a:t>TextFields</a:t>
             </a:r>
-            <a:endParaRPr lang="en-US" dirty="0" smtClean="0"/>
+            <a:endParaRPr lang="en-US" sz="1600" dirty="0" smtClean="0"/>
+          </a:p>
+          <a:p>
+            <a:pPr>
+              <a:spcBef>
+                <a:spcPts val="600"/>
+              </a:spcBef>
+              <a:buFont typeface="Wingdings" panose="05000000000000000000" pitchFamily="2" charset="2"/>
+              <a:buChar char="v"/>
+            </a:pPr>
+            <a:r>
+              <a:rPr lang="en-US" sz="1600" dirty="0"/>
+              <a:t> </a:t>
+            </a:r>
+            <a:r>
+              <a:rPr lang="en-US" sz="1600" dirty="0" smtClean="0"/>
+              <a:t>Event Handling</a:t>
+            </a:r>
+            <a:endParaRPr lang="en-US" sz="1600" dirty="0" smtClean="0"/>
           </a:p>
         </p:txBody>
       </p:sp>
@@ -4547,21 +4614,6 @@
 </file>
 
 <file path=customXml/item1.xml><?xml version="1.0" encoding="utf-8"?>
-<?mso-contentType ?>
-<FormTemplates xmlns="http://schemas.microsoft.com/sharepoint/v3/contenttype/forms">
-  <Display>DocumentLibraryForm</Display>
-  <Edit>DocumentLibraryForm</Edit>
-  <New>DocumentLibraryForm</New>
-</FormTemplates>
-</file>
-
-<file path=customXml/item2.xml><?xml version="1.0" encoding="utf-8"?>
-<p:properties xmlns:p="http://schemas.microsoft.com/office/2006/metadata/properties" xmlns:xsi="http://www.w3.org/2001/XMLSchema-instance" xmlns:pc="http://schemas.microsoft.com/office/infopath/2007/PartnerControls">
-  <documentManagement/>
-</p:properties>
-</file>
-
-<file path=customXml/item3.xml><?xml version="1.0" encoding="utf-8"?>
 <ct:contentTypeSchema xmlns:ct="http://schemas.microsoft.com/office/2006/metadata/contentType" xmlns:ma="http://schemas.microsoft.com/office/2006/metadata/properties/metaAttributes" ct:_="" ma:_="" ma:contentTypeName="Document" ma:contentTypeID="0x010100062A1965C0ED8D4B93D90EC9097FB304" ma:contentTypeVersion="13" ma:contentTypeDescription="Create a new document." ma:contentTypeScope="" ma:versionID="ad8c00255a362f38b965062bb6973433">
   <xsd:schema xmlns:xsd="http://www.w3.org/2001/XMLSchema" xmlns:xs="http://www.w3.org/2001/XMLSchema" xmlns:p="http://schemas.microsoft.com/office/2006/metadata/properties" xmlns:ns3="cab83b3b-4db3-4a13-8dd4-e60be6d87cf5" xmlns:ns4="c2e86655-d7ed-4420-bc92-1b9547829f54" targetNamespace="http://schemas.microsoft.com/office/2006/metadata/properties" ma:root="true" ma:fieldsID="d47f86c9060cacabc5fb99b2dd628c7d" ns3:_="" ns4:_="">
     <xsd:import namespace="cab83b3b-4db3-4a13-8dd4-e60be6d87cf5"/>
@@ -4784,10 +4836,36 @@
 </ct:contentTypeSchema>
 </file>
 
+<file path=customXml/item2.xml><?xml version="1.0" encoding="utf-8"?>
+<p:properties xmlns:p="http://schemas.microsoft.com/office/2006/metadata/properties" xmlns:xsi="http://www.w3.org/2001/XMLSchema-instance" xmlns:pc="http://schemas.microsoft.com/office/infopath/2007/PartnerControls">
+  <documentManagement/>
+</p:properties>
+</file>
+
+<file path=customXml/item3.xml><?xml version="1.0" encoding="utf-8"?>
+<?mso-contentType ?>
+<FormTemplates xmlns="http://schemas.microsoft.com/sharepoint/v3/contenttype/forms">
+  <Display>DocumentLibraryForm</Display>
+  <Edit>DocumentLibraryForm</Edit>
+  <New>DocumentLibraryForm</New>
+</FormTemplates>
+</file>
+
 <file path=customXml/itemProps1.xml><?xml version="1.0" encoding="utf-8"?>
-<ds:datastoreItem xmlns:ds="http://schemas.openxmlformats.org/officeDocument/2006/customXml" ds:itemID="{07A05CC1-FF68-453F-AE9C-352B80151440}">
+<ds:datastoreItem xmlns:ds="http://schemas.openxmlformats.org/officeDocument/2006/customXml" ds:itemID="{03233C07-2685-44F7-9601-FF64EA49BA1B}">
   <ds:schemaRefs>
-    <ds:schemaRef ds:uri="http://schemas.microsoft.com/sharepoint/v3/contenttype/forms"/>
+    <ds:schemaRef ds:uri="http://schemas.microsoft.com/office/2006/metadata/contentType"/>
+    <ds:schemaRef ds:uri="http://schemas.microsoft.com/office/2006/metadata/properties/metaAttributes"/>
+    <ds:schemaRef ds:uri="http://www.w3.org/2001/XMLSchema"/>
+    <ds:schemaRef ds:uri="http://schemas.microsoft.com/office/2006/metadata/properties"/>
+    <ds:schemaRef ds:uri="cab83b3b-4db3-4a13-8dd4-e60be6d87cf5"/>
+    <ds:schemaRef ds:uri="c2e86655-d7ed-4420-bc92-1b9547829f54"/>
+    <ds:schemaRef ds:uri="http://schemas.microsoft.com/office/2006/documentManagement/types"/>
+    <ds:schemaRef ds:uri="http://schemas.microsoft.com/office/infopath/2007/PartnerControls"/>
+    <ds:schemaRef ds:uri="http://schemas.openxmlformats.org/package/2006/metadata/core-properties"/>
+    <ds:schemaRef ds:uri="http://purl.org/dc/elements/1.1/"/>
+    <ds:schemaRef ds:uri="http://purl.org/dc/terms/"/>
+    <ds:schemaRef ds:uri="http://schemas.microsoft.com/internal/obd"/>
   </ds:schemaRefs>
 </ds:datastoreItem>
 </file>
@@ -4810,20 +4888,9 @@
 </file>
 
 <file path=customXml/itemProps3.xml><?xml version="1.0" encoding="utf-8"?>
-<ds:datastoreItem xmlns:ds="http://schemas.openxmlformats.org/officeDocument/2006/customXml" ds:itemID="{03233C07-2685-44F7-9601-FF64EA49BA1B}">
+<ds:datastoreItem xmlns:ds="http://schemas.openxmlformats.org/officeDocument/2006/customXml" ds:itemID="{07A05CC1-FF68-453F-AE9C-352B80151440}">
   <ds:schemaRefs>
-    <ds:schemaRef ds:uri="http://schemas.microsoft.com/office/2006/metadata/contentType"/>
-    <ds:schemaRef ds:uri="http://schemas.microsoft.com/office/2006/metadata/properties/metaAttributes"/>
-    <ds:schemaRef ds:uri="http://www.w3.org/2001/XMLSchema"/>
-    <ds:schemaRef ds:uri="http://schemas.microsoft.com/office/2006/metadata/properties"/>
-    <ds:schemaRef ds:uri="cab83b3b-4db3-4a13-8dd4-e60be6d87cf5"/>
-    <ds:schemaRef ds:uri="c2e86655-d7ed-4420-bc92-1b9547829f54"/>
-    <ds:schemaRef ds:uri="http://schemas.microsoft.com/office/2006/documentManagement/types"/>
-    <ds:schemaRef ds:uri="http://schemas.microsoft.com/office/infopath/2007/PartnerControls"/>
-    <ds:schemaRef ds:uri="http://schemas.openxmlformats.org/package/2006/metadata/core-properties"/>
-    <ds:schemaRef ds:uri="http://purl.org/dc/elements/1.1/"/>
-    <ds:schemaRef ds:uri="http://purl.org/dc/terms/"/>
-    <ds:schemaRef ds:uri="http://schemas.microsoft.com/internal/obd"/>
+    <ds:schemaRef ds:uri="http://schemas.microsoft.com/sharepoint/v3/contenttype/forms"/>
   </ds:schemaRefs>
 </ds:datastoreItem>
 </file>
--- a/thesis/ukapp2/wqu_isc/sofware_design/Lesson 4 - Java.pptx
+++ b/thesis/ukapp2/wqu_isc/sofware_design/Lesson 4 - Java.pptx
@@ -7,7 +7,40 @@
   <p:sldIdLst>
     <p:sldId id="256" r:id="rId5"/>
     <p:sldId id="272" r:id="rId6"/>
-    <p:sldId id="266" r:id="rId7"/>
+    <p:sldId id="274" r:id="rId7"/>
+    <p:sldId id="273" r:id="rId8"/>
+    <p:sldId id="266" r:id="rId9"/>
+    <p:sldId id="275" r:id="rId10"/>
+    <p:sldId id="279" r:id="rId11"/>
+    <p:sldId id="278" r:id="rId12"/>
+    <p:sldId id="291" r:id="rId13"/>
+    <p:sldId id="281" r:id="rId14"/>
+    <p:sldId id="292" r:id="rId15"/>
+    <p:sldId id="280" r:id="rId16"/>
+    <p:sldId id="282" r:id="rId17"/>
+    <p:sldId id="293" r:id="rId18"/>
+    <p:sldId id="276" r:id="rId19"/>
+    <p:sldId id="277" r:id="rId20"/>
+    <p:sldId id="294" r:id="rId21"/>
+    <p:sldId id="283" r:id="rId22"/>
+    <p:sldId id="284" r:id="rId23"/>
+    <p:sldId id="295" r:id="rId24"/>
+    <p:sldId id="285" r:id="rId25"/>
+    <p:sldId id="299" r:id="rId26"/>
+    <p:sldId id="296" r:id="rId27"/>
+    <p:sldId id="286" r:id="rId28"/>
+    <p:sldId id="303" r:id="rId29"/>
+    <p:sldId id="297" r:id="rId30"/>
+    <p:sldId id="287" r:id="rId31"/>
+    <p:sldId id="305" r:id="rId32"/>
+    <p:sldId id="306" r:id="rId33"/>
+    <p:sldId id="288" r:id="rId34"/>
+    <p:sldId id="289" r:id="rId35"/>
+    <p:sldId id="298" r:id="rId36"/>
+    <p:sldId id="290" r:id="rId37"/>
+    <p:sldId id="301" r:id="rId38"/>
+    <p:sldId id="302" r:id="rId39"/>
+    <p:sldId id="304" r:id="rId40"/>
   </p:sldIdLst>
   <p:sldSz cx="9144000" cy="6858000" type="screen4x3"/>
   <p:notesSz cx="6858000" cy="9144000"/>
@@ -340,7 +373,7 @@
           <a:p>
             <a:fld id="{CD13FC2D-BEDB-45BE-AF82-649A39BEFF71}" type="datetimeFigureOut">
               <a:rPr lang="en-GB" smtClean="0"/>
-              <a:t>15/10/2020</a:t>
+              <a:t>16/10/2020</a:t>
             </a:fld>
             <a:endParaRPr lang="en-GB"/>
           </a:p>
@@ -548,7 +581,7 @@
           <a:p>
             <a:fld id="{CD13FC2D-BEDB-45BE-AF82-649A39BEFF71}" type="datetimeFigureOut">
               <a:rPr lang="en-GB" smtClean="0"/>
-              <a:t>15/10/2020</a:t>
+              <a:t>16/10/2020</a:t>
             </a:fld>
             <a:endParaRPr lang="en-GB"/>
           </a:p>
@@ -804,7 +837,7 @@
           <a:p>
             <a:fld id="{CD13FC2D-BEDB-45BE-AF82-649A39BEFF71}" type="datetimeFigureOut">
               <a:rPr lang="en-GB" smtClean="0"/>
-              <a:t>15/10/2020</a:t>
+              <a:t>16/10/2020</a:t>
             </a:fld>
             <a:endParaRPr lang="en-GB"/>
           </a:p>
@@ -974,7 +1007,7 @@
           <a:p>
             <a:fld id="{CD13FC2D-BEDB-45BE-AF82-649A39BEFF71}" type="datetimeFigureOut">
               <a:rPr lang="en-GB" smtClean="0"/>
-              <a:t>15/10/2020</a:t>
+              <a:t>16/10/2020</a:t>
             </a:fld>
             <a:endParaRPr lang="en-GB"/>
           </a:p>
@@ -1317,7 +1350,7 @@
           <a:p>
             <a:fld id="{CD13FC2D-BEDB-45BE-AF82-649A39BEFF71}" type="datetimeFigureOut">
               <a:rPr lang="en-GB" smtClean="0"/>
-              <a:t>15/10/2020</a:t>
+              <a:t>16/10/2020</a:t>
             </a:fld>
             <a:endParaRPr lang="en-GB"/>
           </a:p>
@@ -1592,7 +1625,7 @@
           <a:p>
             <a:fld id="{CD13FC2D-BEDB-45BE-AF82-649A39BEFF71}" type="datetimeFigureOut">
               <a:rPr lang="en-GB" smtClean="0"/>
-              <a:t>15/10/2020</a:t>
+              <a:t>16/10/2020</a:t>
             </a:fld>
             <a:endParaRPr lang="en-GB"/>
           </a:p>
@@ -1971,7 +2004,7 @@
           <a:p>
             <a:fld id="{CD13FC2D-BEDB-45BE-AF82-649A39BEFF71}" type="datetimeFigureOut">
               <a:rPr lang="en-GB" smtClean="0"/>
-              <a:t>15/10/2020</a:t>
+              <a:t>16/10/2020</a:t>
             </a:fld>
             <a:endParaRPr lang="en-GB"/>
           </a:p>
@@ -2089,7 +2122,7 @@
           <a:p>
             <a:fld id="{CD13FC2D-BEDB-45BE-AF82-649A39BEFF71}" type="datetimeFigureOut">
               <a:rPr lang="en-GB" smtClean="0"/>
-              <a:t>15/10/2020</a:t>
+              <a:t>16/10/2020</a:t>
             </a:fld>
             <a:endParaRPr lang="en-GB"/>
           </a:p>
@@ -2260,7 +2293,7 @@
           <a:p>
             <a:fld id="{CD13FC2D-BEDB-45BE-AF82-649A39BEFF71}" type="datetimeFigureOut">
               <a:rPr lang="en-GB" smtClean="0"/>
-              <a:t>15/10/2020</a:t>
+              <a:t>16/10/2020</a:t>
             </a:fld>
             <a:endParaRPr lang="en-GB"/>
           </a:p>
@@ -2614,7 +2647,7 @@
           <a:p>
             <a:fld id="{CD13FC2D-BEDB-45BE-AF82-649A39BEFF71}" type="datetimeFigureOut">
               <a:rPr lang="en-GB" smtClean="0"/>
-              <a:t>15/10/2020</a:t>
+              <a:t>16/10/2020</a:t>
             </a:fld>
             <a:endParaRPr lang="en-GB"/>
           </a:p>
@@ -2996,7 +3029,7 @@
           <a:p>
             <a:fld id="{CD13FC2D-BEDB-45BE-AF82-649A39BEFF71}" type="datetimeFigureOut">
               <a:rPr lang="en-GB" smtClean="0"/>
-              <a:t>15/10/2020</a:t>
+              <a:t>16/10/2020</a:t>
             </a:fld>
             <a:endParaRPr lang="en-GB"/>
           </a:p>
@@ -3283,7 +3316,7 @@
           <a:p>
             <a:fld id="{CD13FC2D-BEDB-45BE-AF82-649A39BEFF71}" type="datetimeFigureOut">
               <a:rPr lang="en-GB" smtClean="0"/>
-              <a:t>15/10/2020</a:t>
+              <a:t>16/10/2020</a:t>
             </a:fld>
             <a:endParaRPr lang="en-GB"/>
           </a:p>
@@ -3869,16 +3902,16 @@
           <a:lstStyle/>
           <a:p>
             <a:r>
-              <a:rPr lang="en-GB" dirty="0" smtClean="0"/>
+              <a:rPr lang="en-GB" dirty="0"/>
               <a:t>An Introduction to object-orientation and the java programming language</a:t>
             </a:r>
           </a:p>
           <a:p>
             <a:r>
-              <a:rPr lang="en-US" b="1" dirty="0" smtClean="0"/>
-              <a:t>ADVANCED TOPICS</a:t>
-            </a:r>
-            <a:endParaRPr lang="en-GB" b="1" dirty="0" smtClean="0"/>
+              <a:rPr lang="en-US" b="1" dirty="0"/>
+              <a:t>ADVANCED OOP in java</a:t>
+            </a:r>
+            <a:endParaRPr lang="en-GB" b="1" dirty="0"/>
           </a:p>
         </p:txBody>
       </p:sp>
@@ -3943,6 +3976,1631 @@
     <p:extLst>
       <p:ext uri="{BB962C8B-B14F-4D97-AF65-F5344CB8AC3E}">
         <p14:creationId xmlns:p14="http://schemas.microsoft.com/office/powerpoint/2010/main" val="4209893728"/>
+      </p:ext>
+    </p:extLst>
+  </p:cSld>
+  <p:clrMapOvr>
+    <a:masterClrMapping/>
+  </p:clrMapOvr>
+</p:sld>
+</file>
+
+<file path=ppt/slides/slide10.xml><?xml version="1.0" encoding="utf-8"?>
+<p:sld xmlns:a="http://schemas.openxmlformats.org/drawingml/2006/main" xmlns:r="http://schemas.openxmlformats.org/officeDocument/2006/relationships" xmlns:p="http://schemas.openxmlformats.org/presentationml/2006/main">
+  <p:cSld>
+    <p:spTree>
+      <p:nvGrpSpPr>
+        <p:cNvPr id="1" name=""/>
+        <p:cNvGrpSpPr/>
+        <p:nvPr/>
+      </p:nvGrpSpPr>
+      <p:grpSpPr>
+        <a:xfrm>
+          <a:off x="0" y="0"/>
+          <a:ext cx="0" cy="0"/>
+          <a:chOff x="0" y="0"/>
+          <a:chExt cx="0" cy="0"/>
+        </a:xfrm>
+      </p:grpSpPr>
+      <p:sp>
+        <p:nvSpPr>
+          <p:cNvPr id="2" name="Title 1">
+            <a:extLst>
+              <a:ext uri="{FF2B5EF4-FFF2-40B4-BE49-F238E27FC236}">
+                <a16:creationId xmlns:a16="http://schemas.microsoft.com/office/drawing/2014/main" id="{7304BBA7-9D5E-4B9A-95AF-2E54F4B41C0E}"/>
+              </a:ext>
+            </a:extLst>
+          </p:cNvPr>
+          <p:cNvSpPr>
+            <a:spLocks noGrp="1"/>
+          </p:cNvSpPr>
+          <p:nvPr>
+            <p:ph type="title"/>
+          </p:nvPr>
+        </p:nvSpPr>
+        <p:spPr/>
+        <p:txBody>
+          <a:bodyPr/>
+          <a:lstStyle/>
+          <a:p>
+            <a:r>
+              <a:rPr lang="en-GB" dirty="0"/>
+              <a:t>Method overloading - Example</a:t>
+            </a:r>
+          </a:p>
+        </p:txBody>
+      </p:sp>
+      <p:sp>
+        <p:nvSpPr>
+          <p:cNvPr id="5" name="Content Placeholder 4">
+            <a:extLst>
+              <a:ext uri="{FF2B5EF4-FFF2-40B4-BE49-F238E27FC236}">
+                <a16:creationId xmlns:a16="http://schemas.microsoft.com/office/drawing/2014/main" id="{40238BCD-9802-4FCE-9F14-C5E3303B00CB}"/>
+              </a:ext>
+            </a:extLst>
+          </p:cNvPr>
+          <p:cNvSpPr>
+            <a:spLocks noGrp="1"/>
+          </p:cNvSpPr>
+          <p:nvPr>
+            <p:ph idx="1"/>
+          </p:nvPr>
+        </p:nvSpPr>
+        <p:spPr/>
+        <p:txBody>
+          <a:bodyPr>
+            <a:normAutofit fontScale="92500" lnSpcReduction="10000"/>
+          </a:bodyPr>
+          <a:lstStyle/>
+          <a:p>
+            <a:pPr>
+              <a:buFont typeface="Wingdings" panose="05000000000000000000" pitchFamily="2" charset="2"/>
+              <a:buChar char="v"/>
+            </a:pPr>
+            <a:r>
+              <a:rPr lang="en-GB" dirty="0"/>
+              <a:t> Note that for method overloading to work, the input parameters or arguments must be different in other words, the method signature or prototype must be different for each overloaded method.</a:t>
+            </a:r>
+          </a:p>
+          <a:p>
+            <a:pPr>
+              <a:buFont typeface="Wingdings" panose="05000000000000000000" pitchFamily="2" charset="2"/>
+              <a:buChar char="v"/>
+            </a:pPr>
+            <a:r>
+              <a:rPr lang="en-GB" dirty="0"/>
+              <a:t>Voltage can be obtained from various parameters. It can be obtained by multiplying the current, I  by the resistance, R.  Also voltage can be obtained by dividing charge, Q by capacitance, C.  When Q can also be derived from current, I, multiplied by the time, t. Thus</a:t>
+            </a:r>
+          </a:p>
+          <a:p>
+            <a:pPr marL="0" indent="0" algn="ctr">
+              <a:buNone/>
+            </a:pPr>
+            <a:r>
+              <a:rPr lang="en-GB" dirty="0"/>
+              <a:t>V=IR=It/C</a:t>
+            </a:r>
+          </a:p>
+          <a:p>
+            <a:pPr>
+              <a:buFont typeface="Wingdings" panose="05000000000000000000" pitchFamily="2" charset="2"/>
+              <a:buChar char="v"/>
+            </a:pPr>
+            <a:r>
+              <a:rPr lang="en-GB" dirty="0"/>
+              <a:t>We can therefore write two overloaded methods of </a:t>
+            </a:r>
+            <a:r>
+              <a:rPr lang="en-GB" dirty="0" err="1"/>
+              <a:t>getVoltage</a:t>
+            </a:r>
+            <a:r>
+              <a:rPr lang="en-GB" dirty="0"/>
+              <a:t>().  The first overloaded method having two double parameters and the other having three double parameters</a:t>
+            </a:r>
+          </a:p>
+          <a:p>
+            <a:pPr>
+              <a:buFont typeface="Wingdings" panose="05000000000000000000" pitchFamily="2" charset="2"/>
+              <a:buChar char="v"/>
+            </a:pPr>
+            <a:r>
+              <a:rPr lang="en-GB" dirty="0"/>
+              <a:t> </a:t>
+            </a:r>
+            <a:r>
+              <a:rPr lang="en-GB" dirty="0" err="1"/>
+              <a:t>getVoltage</a:t>
+            </a:r>
+            <a:r>
+              <a:rPr lang="en-GB" dirty="0"/>
+              <a:t>(double I, double R);</a:t>
+            </a:r>
+          </a:p>
+          <a:p>
+            <a:pPr>
+              <a:buFont typeface="Wingdings" panose="05000000000000000000" pitchFamily="2" charset="2"/>
+              <a:buChar char="v"/>
+            </a:pPr>
+            <a:r>
+              <a:rPr lang="en-GB" dirty="0"/>
+              <a:t> </a:t>
+            </a:r>
+            <a:r>
+              <a:rPr lang="en-GB" dirty="0" err="1"/>
+              <a:t>getVoltage</a:t>
+            </a:r>
+            <a:r>
+              <a:rPr lang="en-GB" dirty="0"/>
+              <a:t>(double I, double t, double C);</a:t>
+            </a:r>
+          </a:p>
+        </p:txBody>
+      </p:sp>
+    </p:spTree>
+    <p:extLst>
+      <p:ext uri="{BB962C8B-B14F-4D97-AF65-F5344CB8AC3E}">
+        <p14:creationId xmlns:p14="http://schemas.microsoft.com/office/powerpoint/2010/main" val="2204681836"/>
+      </p:ext>
+    </p:extLst>
+  </p:cSld>
+  <p:clrMapOvr>
+    <a:masterClrMapping/>
+  </p:clrMapOvr>
+</p:sld>
+</file>
+
+<file path=ppt/slides/slide11.xml><?xml version="1.0" encoding="utf-8"?>
+<p:sld xmlns:a="http://schemas.openxmlformats.org/drawingml/2006/main" xmlns:r="http://schemas.openxmlformats.org/officeDocument/2006/relationships" xmlns:p="http://schemas.openxmlformats.org/presentationml/2006/main">
+  <p:cSld>
+    <p:spTree>
+      <p:nvGrpSpPr>
+        <p:cNvPr id="1" name=""/>
+        <p:cNvGrpSpPr/>
+        <p:nvPr/>
+      </p:nvGrpSpPr>
+      <p:grpSpPr>
+        <a:xfrm>
+          <a:off x="0" y="0"/>
+          <a:ext cx="0" cy="0"/>
+          <a:chOff x="0" y="0"/>
+          <a:chExt cx="0" cy="0"/>
+        </a:xfrm>
+      </p:grpSpPr>
+      <p:sp>
+        <p:nvSpPr>
+          <p:cNvPr id="3" name="Content Placeholder 2">
+            <a:extLst>
+              <a:ext uri="{FF2B5EF4-FFF2-40B4-BE49-F238E27FC236}">
+                <a16:creationId xmlns:a16="http://schemas.microsoft.com/office/drawing/2014/main" id="{6C7F13ED-B066-4225-805E-0889FD78E024}"/>
+              </a:ext>
+            </a:extLst>
+          </p:cNvPr>
+          <p:cNvSpPr>
+            <a:spLocks noGrp="1"/>
+          </p:cNvSpPr>
+          <p:nvPr>
+            <p:ph idx="1"/>
+          </p:nvPr>
+        </p:nvSpPr>
+        <p:spPr/>
+        <p:txBody>
+          <a:bodyPr>
+            <a:normAutofit/>
+          </a:bodyPr>
+          <a:lstStyle/>
+          <a:p>
+            <a:pPr algn="ctr"/>
+            <a:endParaRPr lang="en-GB" sz="4800" dirty="0"/>
+          </a:p>
+          <a:p>
+            <a:pPr marL="0" indent="0" algn="ctr">
+              <a:buNone/>
+            </a:pPr>
+            <a:endParaRPr lang="en-GB" sz="4800" dirty="0"/>
+          </a:p>
+          <a:p>
+            <a:pPr marL="0" indent="0" algn="ctr">
+              <a:buNone/>
+            </a:pPr>
+            <a:r>
+              <a:rPr lang="en-GB" sz="4800" dirty="0"/>
+              <a:t>Any Questions?</a:t>
+            </a:r>
+          </a:p>
+        </p:txBody>
+      </p:sp>
+    </p:spTree>
+    <p:extLst>
+      <p:ext uri="{BB962C8B-B14F-4D97-AF65-F5344CB8AC3E}">
+        <p14:creationId xmlns:p14="http://schemas.microsoft.com/office/powerpoint/2010/main" val="2990784089"/>
+      </p:ext>
+    </p:extLst>
+  </p:cSld>
+  <p:clrMapOvr>
+    <a:masterClrMapping/>
+  </p:clrMapOvr>
+</p:sld>
+</file>
+
+<file path=ppt/slides/slide12.xml><?xml version="1.0" encoding="utf-8"?>
+<p:sld xmlns:a="http://schemas.openxmlformats.org/drawingml/2006/main" xmlns:r="http://schemas.openxmlformats.org/officeDocument/2006/relationships" xmlns:p="http://schemas.openxmlformats.org/presentationml/2006/main">
+  <p:cSld>
+    <p:spTree>
+      <p:nvGrpSpPr>
+        <p:cNvPr id="1" name=""/>
+        <p:cNvGrpSpPr/>
+        <p:nvPr/>
+      </p:nvGrpSpPr>
+      <p:grpSpPr>
+        <a:xfrm>
+          <a:off x="0" y="0"/>
+          <a:ext cx="0" cy="0"/>
+          <a:chOff x="0" y="0"/>
+          <a:chExt cx="0" cy="0"/>
+        </a:xfrm>
+      </p:grpSpPr>
+      <p:sp>
+        <p:nvSpPr>
+          <p:cNvPr id="2" name="Title 1">
+            <a:extLst>
+              <a:ext uri="{FF2B5EF4-FFF2-40B4-BE49-F238E27FC236}">
+                <a16:creationId xmlns:a16="http://schemas.microsoft.com/office/drawing/2014/main" id="{7304BBA7-9D5E-4B9A-95AF-2E54F4B41C0E}"/>
+              </a:ext>
+            </a:extLst>
+          </p:cNvPr>
+          <p:cNvSpPr>
+            <a:spLocks noGrp="1"/>
+          </p:cNvSpPr>
+          <p:nvPr>
+            <p:ph type="title"/>
+          </p:nvPr>
+        </p:nvSpPr>
+        <p:spPr/>
+        <p:txBody>
+          <a:bodyPr/>
+          <a:lstStyle/>
+          <a:p>
+            <a:r>
+              <a:rPr lang="en-GB" dirty="0"/>
+              <a:t>Method overriding - Example</a:t>
+            </a:r>
+          </a:p>
+        </p:txBody>
+      </p:sp>
+      <p:pic>
+        <p:nvPicPr>
+          <p:cNvPr id="9" name="Content Placeholder 8" descr="Diagram&#10;&#10;Description automatically generated">
+            <a:extLst>
+              <a:ext uri="{FF2B5EF4-FFF2-40B4-BE49-F238E27FC236}">
+                <a16:creationId xmlns:a16="http://schemas.microsoft.com/office/drawing/2014/main" id="{1525AC8F-D3DF-4398-92DE-0BB4C0723376}"/>
+              </a:ext>
+            </a:extLst>
+          </p:cNvPr>
+          <p:cNvPicPr>
+            <a:picLocks noGrp="1" noChangeAspect="1"/>
+          </p:cNvPicPr>
+          <p:nvPr>
+            <p:ph idx="1"/>
+          </p:nvPr>
+        </p:nvPicPr>
+        <p:blipFill>
+          <a:blip r:embed="rId2">
+            <a:extLst>
+              <a:ext uri="{28A0092B-C50C-407E-A947-70E740481C1C}">
+                <a14:useLocalDpi xmlns:a14="http://schemas.microsoft.com/office/drawing/2010/main" val="0"/>
+              </a:ext>
+            </a:extLst>
+          </a:blip>
+          <a:stretch>
+            <a:fillRect/>
+          </a:stretch>
+        </p:blipFill>
+        <p:spPr>
+          <a:xfrm>
+            <a:off x="77465" y="2512381"/>
+            <a:ext cx="8981843" cy="2760955"/>
+          </a:xfrm>
+        </p:spPr>
+      </p:pic>
+    </p:spTree>
+    <p:extLst>
+      <p:ext uri="{BB962C8B-B14F-4D97-AF65-F5344CB8AC3E}">
+        <p14:creationId xmlns:p14="http://schemas.microsoft.com/office/powerpoint/2010/main" val="992007966"/>
+      </p:ext>
+    </p:extLst>
+  </p:cSld>
+  <p:clrMapOvr>
+    <a:masterClrMapping/>
+  </p:clrMapOvr>
+</p:sld>
+</file>
+
+<file path=ppt/slides/slide13.xml><?xml version="1.0" encoding="utf-8"?>
+<p:sld xmlns:a="http://schemas.openxmlformats.org/drawingml/2006/main" xmlns:r="http://schemas.openxmlformats.org/officeDocument/2006/relationships" xmlns:p="http://schemas.openxmlformats.org/presentationml/2006/main">
+  <p:cSld>
+    <p:spTree>
+      <p:nvGrpSpPr>
+        <p:cNvPr id="1" name=""/>
+        <p:cNvGrpSpPr/>
+        <p:nvPr/>
+      </p:nvGrpSpPr>
+      <p:grpSpPr>
+        <a:xfrm>
+          <a:off x="0" y="0"/>
+          <a:ext cx="0" cy="0"/>
+          <a:chOff x="0" y="0"/>
+          <a:chExt cx="0" cy="0"/>
+        </a:xfrm>
+      </p:grpSpPr>
+      <p:sp>
+        <p:nvSpPr>
+          <p:cNvPr id="2" name="Title 1">
+            <a:extLst>
+              <a:ext uri="{FF2B5EF4-FFF2-40B4-BE49-F238E27FC236}">
+                <a16:creationId xmlns:a16="http://schemas.microsoft.com/office/drawing/2014/main" id="{7304BBA7-9D5E-4B9A-95AF-2E54F4B41C0E}"/>
+              </a:ext>
+            </a:extLst>
+          </p:cNvPr>
+          <p:cNvSpPr>
+            <a:spLocks noGrp="1"/>
+          </p:cNvSpPr>
+          <p:nvPr>
+            <p:ph type="title"/>
+          </p:nvPr>
+        </p:nvSpPr>
+        <p:spPr/>
+        <p:txBody>
+          <a:bodyPr/>
+          <a:lstStyle/>
+          <a:p>
+            <a:r>
+              <a:rPr lang="en-GB" dirty="0"/>
+              <a:t>Method overriding - Example</a:t>
+            </a:r>
+          </a:p>
+        </p:txBody>
+      </p:sp>
+      <p:pic>
+        <p:nvPicPr>
+          <p:cNvPr id="6" name="Content Placeholder 5" descr="Diagram&#10;&#10;Description automatically generated">
+            <a:extLst>
+              <a:ext uri="{FF2B5EF4-FFF2-40B4-BE49-F238E27FC236}">
+                <a16:creationId xmlns:a16="http://schemas.microsoft.com/office/drawing/2014/main" id="{917F070F-6005-4090-96F4-F1691CE79A5B}"/>
+              </a:ext>
+            </a:extLst>
+          </p:cNvPr>
+          <p:cNvPicPr>
+            <a:picLocks noGrp="1" noChangeAspect="1"/>
+          </p:cNvPicPr>
+          <p:nvPr>
+            <p:ph idx="1"/>
+          </p:nvPr>
+        </p:nvPicPr>
+        <p:blipFill>
+          <a:blip r:embed="rId2">
+            <a:extLst>
+              <a:ext uri="{28A0092B-C50C-407E-A947-70E740481C1C}">
+                <a14:useLocalDpi xmlns:a14="http://schemas.microsoft.com/office/drawing/2010/main" val="0"/>
+              </a:ext>
+            </a:extLst>
+          </a:blip>
+          <a:stretch>
+            <a:fillRect/>
+          </a:stretch>
+        </p:blipFill>
+        <p:spPr>
+          <a:xfrm>
+            <a:off x="2022833" y="1918132"/>
+            <a:ext cx="5142784" cy="3878986"/>
+          </a:xfrm>
+        </p:spPr>
+      </p:pic>
+    </p:spTree>
+    <p:extLst>
+      <p:ext uri="{BB962C8B-B14F-4D97-AF65-F5344CB8AC3E}">
+        <p14:creationId xmlns:p14="http://schemas.microsoft.com/office/powerpoint/2010/main" val="3980158926"/>
+      </p:ext>
+    </p:extLst>
+  </p:cSld>
+  <p:clrMapOvr>
+    <a:masterClrMapping/>
+  </p:clrMapOvr>
+</p:sld>
+</file>
+
+<file path=ppt/slides/slide14.xml><?xml version="1.0" encoding="utf-8"?>
+<p:sld xmlns:a="http://schemas.openxmlformats.org/drawingml/2006/main" xmlns:r="http://schemas.openxmlformats.org/officeDocument/2006/relationships" xmlns:p="http://schemas.openxmlformats.org/presentationml/2006/main">
+  <p:cSld>
+    <p:spTree>
+      <p:nvGrpSpPr>
+        <p:cNvPr id="1" name=""/>
+        <p:cNvGrpSpPr/>
+        <p:nvPr/>
+      </p:nvGrpSpPr>
+      <p:grpSpPr>
+        <a:xfrm>
+          <a:off x="0" y="0"/>
+          <a:ext cx="0" cy="0"/>
+          <a:chOff x="0" y="0"/>
+          <a:chExt cx="0" cy="0"/>
+        </a:xfrm>
+      </p:grpSpPr>
+      <p:sp>
+        <p:nvSpPr>
+          <p:cNvPr id="3" name="Content Placeholder 2">
+            <a:extLst>
+              <a:ext uri="{FF2B5EF4-FFF2-40B4-BE49-F238E27FC236}">
+                <a16:creationId xmlns:a16="http://schemas.microsoft.com/office/drawing/2014/main" id="{6C7F13ED-B066-4225-805E-0889FD78E024}"/>
+              </a:ext>
+            </a:extLst>
+          </p:cNvPr>
+          <p:cNvSpPr>
+            <a:spLocks noGrp="1"/>
+          </p:cNvSpPr>
+          <p:nvPr>
+            <p:ph idx="1"/>
+          </p:nvPr>
+        </p:nvSpPr>
+        <p:spPr/>
+        <p:txBody>
+          <a:bodyPr>
+            <a:normAutofit/>
+          </a:bodyPr>
+          <a:lstStyle/>
+          <a:p>
+            <a:pPr algn="ctr"/>
+            <a:endParaRPr lang="en-GB" sz="4800" dirty="0"/>
+          </a:p>
+          <a:p>
+            <a:pPr marL="0" indent="0" algn="ctr">
+              <a:buNone/>
+            </a:pPr>
+            <a:endParaRPr lang="en-GB" sz="4800" dirty="0"/>
+          </a:p>
+          <a:p>
+            <a:pPr marL="0" indent="0" algn="ctr">
+              <a:buNone/>
+            </a:pPr>
+            <a:r>
+              <a:rPr lang="en-GB" sz="4800" dirty="0"/>
+              <a:t>Any Questions?</a:t>
+            </a:r>
+          </a:p>
+        </p:txBody>
+      </p:sp>
+    </p:spTree>
+    <p:extLst>
+      <p:ext uri="{BB962C8B-B14F-4D97-AF65-F5344CB8AC3E}">
+        <p14:creationId xmlns:p14="http://schemas.microsoft.com/office/powerpoint/2010/main" val="3723097163"/>
+      </p:ext>
+    </p:extLst>
+  </p:cSld>
+  <p:clrMapOvr>
+    <a:masterClrMapping/>
+  </p:clrMapOvr>
+</p:sld>
+</file>
+
+<file path=ppt/slides/slide15.xml><?xml version="1.0" encoding="utf-8"?>
+<p:sld xmlns:a="http://schemas.openxmlformats.org/drawingml/2006/main" xmlns:r="http://schemas.openxmlformats.org/officeDocument/2006/relationships" xmlns:p="http://schemas.openxmlformats.org/presentationml/2006/main">
+  <p:cSld>
+    <p:spTree>
+      <p:nvGrpSpPr>
+        <p:cNvPr id="1" name=""/>
+        <p:cNvGrpSpPr/>
+        <p:nvPr/>
+      </p:nvGrpSpPr>
+      <p:grpSpPr>
+        <a:xfrm>
+          <a:off x="0" y="0"/>
+          <a:ext cx="0" cy="0"/>
+          <a:chOff x="0" y="0"/>
+          <a:chExt cx="0" cy="0"/>
+        </a:xfrm>
+      </p:grpSpPr>
+      <p:sp>
+        <p:nvSpPr>
+          <p:cNvPr id="2" name="Title 1">
+            <a:extLst>
+              <a:ext uri="{FF2B5EF4-FFF2-40B4-BE49-F238E27FC236}">
+                <a16:creationId xmlns:a16="http://schemas.microsoft.com/office/drawing/2014/main" id="{7304BBA7-9D5E-4B9A-95AF-2E54F4B41C0E}"/>
+              </a:ext>
+            </a:extLst>
+          </p:cNvPr>
+          <p:cNvSpPr>
+            <a:spLocks noGrp="1"/>
+          </p:cNvSpPr>
+          <p:nvPr>
+            <p:ph type="title"/>
+          </p:nvPr>
+        </p:nvSpPr>
+        <p:spPr>
+          <a:xfrm>
+            <a:off x="822960" y="286605"/>
+            <a:ext cx="7543800" cy="488647"/>
+          </a:xfrm>
+        </p:spPr>
+        <p:txBody>
+          <a:bodyPr>
+            <a:noAutofit/>
+          </a:bodyPr>
+          <a:lstStyle/>
+          <a:p>
+            <a:r>
+              <a:rPr lang="en-GB" sz="2800" dirty="0"/>
+              <a:t>POS Class diagram – Composition vs Inheritance</a:t>
+            </a:r>
+          </a:p>
+        </p:txBody>
+      </p:sp>
+      <p:pic>
+        <p:nvPicPr>
+          <p:cNvPr id="12" name="Content Placeholder 11" descr="Diagram&#10;&#10;Description automatically generated">
+            <a:extLst>
+              <a:ext uri="{FF2B5EF4-FFF2-40B4-BE49-F238E27FC236}">
+                <a16:creationId xmlns:a16="http://schemas.microsoft.com/office/drawing/2014/main" id="{F7F1C9E2-C167-4F32-9AA1-52779121CBF8}"/>
+              </a:ext>
+            </a:extLst>
+          </p:cNvPr>
+          <p:cNvPicPr>
+            <a:picLocks noGrp="1" noChangeAspect="1"/>
+          </p:cNvPicPr>
+          <p:nvPr>
+            <p:ph idx="1"/>
+          </p:nvPr>
+        </p:nvPicPr>
+        <p:blipFill>
+          <a:blip r:embed="rId2">
+            <a:extLst>
+              <a:ext uri="{28A0092B-C50C-407E-A947-70E740481C1C}">
+                <a14:useLocalDpi xmlns:a14="http://schemas.microsoft.com/office/drawing/2010/main" val="0"/>
+              </a:ext>
+            </a:extLst>
+          </a:blip>
+          <a:stretch>
+            <a:fillRect/>
+          </a:stretch>
+        </p:blipFill>
+        <p:spPr>
+          <a:xfrm>
+            <a:off x="1547814" y="789540"/>
+            <a:ext cx="6207199" cy="5626501"/>
+          </a:xfrm>
+        </p:spPr>
+      </p:pic>
+      <p:sp>
+        <p:nvSpPr>
+          <p:cNvPr id="4" name="Rectangle: Rounded Corners 3">
+            <a:extLst>
+              <a:ext uri="{FF2B5EF4-FFF2-40B4-BE49-F238E27FC236}">
+                <a16:creationId xmlns:a16="http://schemas.microsoft.com/office/drawing/2014/main" id="{1C2D8008-3788-428A-84B0-B1569139B420}"/>
+              </a:ext>
+            </a:extLst>
+          </p:cNvPr>
+          <p:cNvSpPr/>
+          <p:nvPr/>
+        </p:nvSpPr>
+        <p:spPr>
+          <a:xfrm>
+            <a:off x="1547814" y="4225772"/>
+            <a:ext cx="1241346" cy="786470"/>
+          </a:xfrm>
+          <a:prstGeom prst="roundRect">
+            <a:avLst/>
+          </a:prstGeom>
+          <a:solidFill>
+            <a:srgbClr val="E48312">
+              <a:alpha val="38824"/>
+            </a:srgbClr>
+          </a:solidFill>
+        </p:spPr>
+        <p:style>
+          <a:lnRef idx="2">
+            <a:schemeClr val="accent1">
+              <a:shade val="50000"/>
+            </a:schemeClr>
+          </a:lnRef>
+          <a:fillRef idx="1">
+            <a:schemeClr val="accent1"/>
+          </a:fillRef>
+          <a:effectRef idx="0">
+            <a:schemeClr val="accent1"/>
+          </a:effectRef>
+          <a:fontRef idx="minor">
+            <a:schemeClr val="lt1"/>
+          </a:fontRef>
+        </p:style>
+        <p:txBody>
+          <a:bodyPr rtlCol="0" anchor="ctr"/>
+          <a:lstStyle/>
+          <a:p>
+            <a:pPr algn="ctr"/>
+            <a:endParaRPr lang="en-GB"/>
+          </a:p>
+        </p:txBody>
+      </p:sp>
+      <p:sp>
+        <p:nvSpPr>
+          <p:cNvPr id="5" name="Rectangle: Rounded Corners 4">
+            <a:extLst>
+              <a:ext uri="{FF2B5EF4-FFF2-40B4-BE49-F238E27FC236}">
+                <a16:creationId xmlns:a16="http://schemas.microsoft.com/office/drawing/2014/main" id="{B63A072A-28E9-4EA3-B9F4-F6A799122467}"/>
+              </a:ext>
+            </a:extLst>
+          </p:cNvPr>
+          <p:cNvSpPr/>
+          <p:nvPr/>
+        </p:nvSpPr>
+        <p:spPr>
+          <a:xfrm>
+            <a:off x="3290287" y="693938"/>
+            <a:ext cx="1559000" cy="1711911"/>
+          </a:xfrm>
+          <a:prstGeom prst="roundRect">
+            <a:avLst/>
+          </a:prstGeom>
+          <a:solidFill>
+            <a:srgbClr val="E48312">
+              <a:alpha val="38824"/>
+            </a:srgbClr>
+          </a:solidFill>
+        </p:spPr>
+        <p:style>
+          <a:lnRef idx="2">
+            <a:schemeClr val="accent1">
+              <a:shade val="50000"/>
+            </a:schemeClr>
+          </a:lnRef>
+          <a:fillRef idx="1">
+            <a:schemeClr val="accent1"/>
+          </a:fillRef>
+          <a:effectRef idx="0">
+            <a:schemeClr val="accent1"/>
+          </a:effectRef>
+          <a:fontRef idx="minor">
+            <a:schemeClr val="lt1"/>
+          </a:fontRef>
+        </p:style>
+        <p:txBody>
+          <a:bodyPr rtlCol="0" anchor="ctr"/>
+          <a:lstStyle/>
+          <a:p>
+            <a:pPr algn="ctr"/>
+            <a:endParaRPr lang="en-GB"/>
+          </a:p>
+        </p:txBody>
+      </p:sp>
+      <p:sp>
+        <p:nvSpPr>
+          <p:cNvPr id="6" name="Rectangle: Rounded Corners 5">
+            <a:extLst>
+              <a:ext uri="{FF2B5EF4-FFF2-40B4-BE49-F238E27FC236}">
+                <a16:creationId xmlns:a16="http://schemas.microsoft.com/office/drawing/2014/main" id="{0107102A-DCF6-428A-BD88-59FFBB1D9734}"/>
+              </a:ext>
+            </a:extLst>
+          </p:cNvPr>
+          <p:cNvSpPr/>
+          <p:nvPr/>
+        </p:nvSpPr>
+        <p:spPr>
+          <a:xfrm>
+            <a:off x="5626594" y="2425083"/>
+            <a:ext cx="1559000" cy="2253449"/>
+          </a:xfrm>
+          <a:prstGeom prst="roundRect">
+            <a:avLst/>
+          </a:prstGeom>
+          <a:solidFill>
+            <a:schemeClr val="bg2">
+              <a:lumMod val="90000"/>
+              <a:alpha val="38824"/>
+            </a:schemeClr>
+          </a:solidFill>
+          <a:ln>
+            <a:solidFill>
+              <a:schemeClr val="bg2">
+                <a:lumMod val="50000"/>
+              </a:schemeClr>
+            </a:solidFill>
+          </a:ln>
+        </p:spPr>
+        <p:style>
+          <a:lnRef idx="2">
+            <a:schemeClr val="accent1">
+              <a:shade val="50000"/>
+            </a:schemeClr>
+          </a:lnRef>
+          <a:fillRef idx="1">
+            <a:schemeClr val="accent1"/>
+          </a:fillRef>
+          <a:effectRef idx="0">
+            <a:schemeClr val="accent1"/>
+          </a:effectRef>
+          <a:fontRef idx="minor">
+            <a:schemeClr val="lt1"/>
+          </a:fontRef>
+        </p:style>
+        <p:txBody>
+          <a:bodyPr rtlCol="0" anchor="ctr"/>
+          <a:lstStyle/>
+          <a:p>
+            <a:pPr algn="ctr"/>
+            <a:endParaRPr lang="en-GB"/>
+          </a:p>
+        </p:txBody>
+      </p:sp>
+      <p:sp>
+        <p:nvSpPr>
+          <p:cNvPr id="7" name="Rectangle: Rounded Corners 6">
+            <a:extLst>
+              <a:ext uri="{FF2B5EF4-FFF2-40B4-BE49-F238E27FC236}">
+                <a16:creationId xmlns:a16="http://schemas.microsoft.com/office/drawing/2014/main" id="{BD9BC766-A6B7-4E07-A0D9-A56AAFEB419D}"/>
+              </a:ext>
+            </a:extLst>
+          </p:cNvPr>
+          <p:cNvSpPr/>
+          <p:nvPr/>
+        </p:nvSpPr>
+        <p:spPr>
+          <a:xfrm>
+            <a:off x="6354840" y="5761608"/>
+            <a:ext cx="1559000" cy="668721"/>
+          </a:xfrm>
+          <a:prstGeom prst="roundRect">
+            <a:avLst/>
+          </a:prstGeom>
+          <a:solidFill>
+            <a:schemeClr val="bg2">
+              <a:lumMod val="90000"/>
+              <a:alpha val="38824"/>
+            </a:schemeClr>
+          </a:solidFill>
+          <a:ln>
+            <a:solidFill>
+              <a:schemeClr val="bg2">
+                <a:lumMod val="50000"/>
+              </a:schemeClr>
+            </a:solidFill>
+          </a:ln>
+        </p:spPr>
+        <p:style>
+          <a:lnRef idx="2">
+            <a:schemeClr val="accent1">
+              <a:shade val="50000"/>
+            </a:schemeClr>
+          </a:lnRef>
+          <a:fillRef idx="1">
+            <a:schemeClr val="accent1"/>
+          </a:fillRef>
+          <a:effectRef idx="0">
+            <a:schemeClr val="accent1"/>
+          </a:effectRef>
+          <a:fontRef idx="minor">
+            <a:schemeClr val="lt1"/>
+          </a:fontRef>
+        </p:style>
+        <p:txBody>
+          <a:bodyPr rtlCol="0" anchor="ctr"/>
+          <a:lstStyle/>
+          <a:p>
+            <a:pPr algn="ctr"/>
+            <a:endParaRPr lang="en-GB"/>
+          </a:p>
+        </p:txBody>
+      </p:sp>
+    </p:spTree>
+    <p:extLst>
+      <p:ext uri="{BB962C8B-B14F-4D97-AF65-F5344CB8AC3E}">
+        <p14:creationId xmlns:p14="http://schemas.microsoft.com/office/powerpoint/2010/main" val="3183160452"/>
+      </p:ext>
+    </p:extLst>
+  </p:cSld>
+  <p:clrMapOvr>
+    <a:masterClrMapping/>
+  </p:clrMapOvr>
+</p:sld>
+</file>
+
+<file path=ppt/slides/slide16.xml><?xml version="1.0" encoding="utf-8"?>
+<p:sld xmlns:a="http://schemas.openxmlformats.org/drawingml/2006/main" xmlns:r="http://schemas.openxmlformats.org/officeDocument/2006/relationships" xmlns:p="http://schemas.openxmlformats.org/presentationml/2006/main">
+  <p:cSld>
+    <p:spTree>
+      <p:nvGrpSpPr>
+        <p:cNvPr id="1" name=""/>
+        <p:cNvGrpSpPr/>
+        <p:nvPr/>
+      </p:nvGrpSpPr>
+      <p:grpSpPr>
+        <a:xfrm>
+          <a:off x="0" y="0"/>
+          <a:ext cx="0" cy="0"/>
+          <a:chOff x="0" y="0"/>
+          <a:chExt cx="0" cy="0"/>
+        </a:xfrm>
+      </p:grpSpPr>
+      <p:sp>
+        <p:nvSpPr>
+          <p:cNvPr id="2" name="Title 1">
+            <a:extLst>
+              <a:ext uri="{FF2B5EF4-FFF2-40B4-BE49-F238E27FC236}">
+                <a16:creationId xmlns:a16="http://schemas.microsoft.com/office/drawing/2014/main" id="{7304BBA7-9D5E-4B9A-95AF-2E54F4B41C0E}"/>
+              </a:ext>
+            </a:extLst>
+          </p:cNvPr>
+          <p:cNvSpPr>
+            <a:spLocks noGrp="1"/>
+          </p:cNvSpPr>
+          <p:nvPr>
+            <p:ph type="title"/>
+          </p:nvPr>
+        </p:nvSpPr>
+        <p:spPr>
+          <a:xfrm>
+            <a:off x="822960" y="286605"/>
+            <a:ext cx="7543800" cy="488647"/>
+          </a:xfrm>
+        </p:spPr>
+        <p:txBody>
+          <a:bodyPr>
+            <a:noAutofit/>
+          </a:bodyPr>
+          <a:lstStyle/>
+          <a:p>
+            <a:r>
+              <a:rPr lang="en-GB" sz="2800" dirty="0"/>
+              <a:t>POS Class diagram – Composition vs Inheritance</a:t>
+            </a:r>
+          </a:p>
+        </p:txBody>
+      </p:sp>
+      <p:pic>
+        <p:nvPicPr>
+          <p:cNvPr id="12" name="Content Placeholder 11" descr="Diagram&#10;&#10;Description automatically generated">
+            <a:extLst>
+              <a:ext uri="{FF2B5EF4-FFF2-40B4-BE49-F238E27FC236}">
+                <a16:creationId xmlns:a16="http://schemas.microsoft.com/office/drawing/2014/main" id="{F7F1C9E2-C167-4F32-9AA1-52779121CBF8}"/>
+              </a:ext>
+            </a:extLst>
+          </p:cNvPr>
+          <p:cNvPicPr>
+            <a:picLocks noGrp="1" noChangeAspect="1"/>
+          </p:cNvPicPr>
+          <p:nvPr>
+            <p:ph idx="1"/>
+          </p:nvPr>
+        </p:nvPicPr>
+        <p:blipFill>
+          <a:blip r:embed="rId2">
+            <a:extLst>
+              <a:ext uri="{28A0092B-C50C-407E-A947-70E740481C1C}">
+                <a14:useLocalDpi xmlns:a14="http://schemas.microsoft.com/office/drawing/2010/main" val="0"/>
+              </a:ext>
+            </a:extLst>
+          </a:blip>
+          <a:stretch>
+            <a:fillRect/>
+          </a:stretch>
+        </p:blipFill>
+        <p:spPr>
+          <a:xfrm>
+            <a:off x="1547814" y="789540"/>
+            <a:ext cx="6207199" cy="5626501"/>
+          </a:xfrm>
+        </p:spPr>
+      </p:pic>
+      <p:sp>
+        <p:nvSpPr>
+          <p:cNvPr id="4" name="Rectangle: Rounded Corners 3">
+            <a:extLst>
+              <a:ext uri="{FF2B5EF4-FFF2-40B4-BE49-F238E27FC236}">
+                <a16:creationId xmlns:a16="http://schemas.microsoft.com/office/drawing/2014/main" id="{1C2D8008-3788-428A-84B0-B1569139B420}"/>
+              </a:ext>
+            </a:extLst>
+          </p:cNvPr>
+          <p:cNvSpPr/>
+          <p:nvPr/>
+        </p:nvSpPr>
+        <p:spPr>
+          <a:xfrm>
+            <a:off x="1547814" y="4225772"/>
+            <a:ext cx="1241346" cy="786470"/>
+          </a:xfrm>
+          <a:prstGeom prst="roundRect">
+            <a:avLst/>
+          </a:prstGeom>
+          <a:solidFill>
+            <a:srgbClr val="E48312">
+              <a:alpha val="38824"/>
+            </a:srgbClr>
+          </a:solidFill>
+        </p:spPr>
+        <p:style>
+          <a:lnRef idx="2">
+            <a:schemeClr val="accent1">
+              <a:shade val="50000"/>
+            </a:schemeClr>
+          </a:lnRef>
+          <a:fillRef idx="1">
+            <a:schemeClr val="accent1"/>
+          </a:fillRef>
+          <a:effectRef idx="0">
+            <a:schemeClr val="accent1"/>
+          </a:effectRef>
+          <a:fontRef idx="minor">
+            <a:schemeClr val="lt1"/>
+          </a:fontRef>
+        </p:style>
+        <p:txBody>
+          <a:bodyPr rtlCol="0" anchor="ctr"/>
+          <a:lstStyle/>
+          <a:p>
+            <a:pPr algn="ctr"/>
+            <a:endParaRPr lang="en-GB"/>
+          </a:p>
+        </p:txBody>
+      </p:sp>
+      <p:sp>
+        <p:nvSpPr>
+          <p:cNvPr id="5" name="Rectangle: Rounded Corners 4">
+            <a:extLst>
+              <a:ext uri="{FF2B5EF4-FFF2-40B4-BE49-F238E27FC236}">
+                <a16:creationId xmlns:a16="http://schemas.microsoft.com/office/drawing/2014/main" id="{B63A072A-28E9-4EA3-B9F4-F6A799122467}"/>
+              </a:ext>
+            </a:extLst>
+          </p:cNvPr>
+          <p:cNvSpPr/>
+          <p:nvPr/>
+        </p:nvSpPr>
+        <p:spPr>
+          <a:xfrm>
+            <a:off x="3290287" y="693938"/>
+            <a:ext cx="1559000" cy="1711911"/>
+          </a:xfrm>
+          <a:prstGeom prst="roundRect">
+            <a:avLst/>
+          </a:prstGeom>
+          <a:solidFill>
+            <a:srgbClr val="E48312">
+              <a:alpha val="38824"/>
+            </a:srgbClr>
+          </a:solidFill>
+        </p:spPr>
+        <p:style>
+          <a:lnRef idx="2">
+            <a:schemeClr val="accent1">
+              <a:shade val="50000"/>
+            </a:schemeClr>
+          </a:lnRef>
+          <a:fillRef idx="1">
+            <a:schemeClr val="accent1"/>
+          </a:fillRef>
+          <a:effectRef idx="0">
+            <a:schemeClr val="accent1"/>
+          </a:effectRef>
+          <a:fontRef idx="minor">
+            <a:schemeClr val="lt1"/>
+          </a:fontRef>
+        </p:style>
+        <p:txBody>
+          <a:bodyPr rtlCol="0" anchor="ctr"/>
+          <a:lstStyle/>
+          <a:p>
+            <a:pPr algn="ctr"/>
+            <a:endParaRPr lang="en-GB"/>
+          </a:p>
+        </p:txBody>
+      </p:sp>
+      <p:sp>
+        <p:nvSpPr>
+          <p:cNvPr id="6" name="Rectangle: Rounded Corners 5">
+            <a:extLst>
+              <a:ext uri="{FF2B5EF4-FFF2-40B4-BE49-F238E27FC236}">
+                <a16:creationId xmlns:a16="http://schemas.microsoft.com/office/drawing/2014/main" id="{0107102A-DCF6-428A-BD88-59FFBB1D9734}"/>
+              </a:ext>
+            </a:extLst>
+          </p:cNvPr>
+          <p:cNvSpPr/>
+          <p:nvPr/>
+        </p:nvSpPr>
+        <p:spPr>
+          <a:xfrm>
+            <a:off x="5626594" y="2425083"/>
+            <a:ext cx="1559000" cy="2253449"/>
+          </a:xfrm>
+          <a:prstGeom prst="roundRect">
+            <a:avLst/>
+          </a:prstGeom>
+          <a:solidFill>
+            <a:schemeClr val="bg2">
+              <a:lumMod val="90000"/>
+              <a:alpha val="38824"/>
+            </a:schemeClr>
+          </a:solidFill>
+          <a:ln>
+            <a:solidFill>
+              <a:schemeClr val="bg2">
+                <a:lumMod val="50000"/>
+              </a:schemeClr>
+            </a:solidFill>
+          </a:ln>
+        </p:spPr>
+        <p:style>
+          <a:lnRef idx="2">
+            <a:schemeClr val="accent1">
+              <a:shade val="50000"/>
+            </a:schemeClr>
+          </a:lnRef>
+          <a:fillRef idx="1">
+            <a:schemeClr val="accent1"/>
+          </a:fillRef>
+          <a:effectRef idx="0">
+            <a:schemeClr val="accent1"/>
+          </a:effectRef>
+          <a:fontRef idx="minor">
+            <a:schemeClr val="lt1"/>
+          </a:fontRef>
+        </p:style>
+        <p:txBody>
+          <a:bodyPr rtlCol="0" anchor="ctr"/>
+          <a:lstStyle/>
+          <a:p>
+            <a:pPr algn="ctr"/>
+            <a:endParaRPr lang="en-GB"/>
+          </a:p>
+        </p:txBody>
+      </p:sp>
+      <p:sp>
+        <p:nvSpPr>
+          <p:cNvPr id="7" name="Rectangle: Rounded Corners 6">
+            <a:extLst>
+              <a:ext uri="{FF2B5EF4-FFF2-40B4-BE49-F238E27FC236}">
+                <a16:creationId xmlns:a16="http://schemas.microsoft.com/office/drawing/2014/main" id="{BD9BC766-A6B7-4E07-A0D9-A56AAFEB419D}"/>
+              </a:ext>
+            </a:extLst>
+          </p:cNvPr>
+          <p:cNvSpPr/>
+          <p:nvPr/>
+        </p:nvSpPr>
+        <p:spPr>
+          <a:xfrm>
+            <a:off x="6354840" y="5761608"/>
+            <a:ext cx="1559000" cy="668721"/>
+          </a:xfrm>
+          <a:prstGeom prst="roundRect">
+            <a:avLst/>
+          </a:prstGeom>
+          <a:solidFill>
+            <a:schemeClr val="bg2">
+              <a:lumMod val="90000"/>
+              <a:alpha val="38824"/>
+            </a:schemeClr>
+          </a:solidFill>
+          <a:ln>
+            <a:solidFill>
+              <a:schemeClr val="bg2">
+                <a:lumMod val="50000"/>
+              </a:schemeClr>
+            </a:solidFill>
+          </a:ln>
+        </p:spPr>
+        <p:style>
+          <a:lnRef idx="2">
+            <a:schemeClr val="accent1">
+              <a:shade val="50000"/>
+            </a:schemeClr>
+          </a:lnRef>
+          <a:fillRef idx="1">
+            <a:schemeClr val="accent1"/>
+          </a:fillRef>
+          <a:effectRef idx="0">
+            <a:schemeClr val="accent1"/>
+          </a:effectRef>
+          <a:fontRef idx="minor">
+            <a:schemeClr val="lt1"/>
+          </a:fontRef>
+        </p:style>
+        <p:txBody>
+          <a:bodyPr rtlCol="0" anchor="ctr"/>
+          <a:lstStyle/>
+          <a:p>
+            <a:pPr algn="ctr"/>
+            <a:endParaRPr lang="en-GB"/>
+          </a:p>
+        </p:txBody>
+      </p:sp>
+      <p:sp>
+        <p:nvSpPr>
+          <p:cNvPr id="3" name="Oval 2">
+            <a:extLst>
+              <a:ext uri="{FF2B5EF4-FFF2-40B4-BE49-F238E27FC236}">
+                <a16:creationId xmlns:a16="http://schemas.microsoft.com/office/drawing/2014/main" id="{A92B2579-F368-4E64-8D09-F79D0CBFA8B6}"/>
+              </a:ext>
+            </a:extLst>
+          </p:cNvPr>
+          <p:cNvSpPr/>
+          <p:nvPr/>
+        </p:nvSpPr>
+        <p:spPr>
+          <a:xfrm>
+            <a:off x="6232124" y="4589755"/>
+            <a:ext cx="257453" cy="266330"/>
+          </a:xfrm>
+          <a:prstGeom prst="ellipse">
+            <a:avLst/>
+          </a:prstGeom>
+          <a:solidFill>
+            <a:srgbClr val="FFFF00">
+              <a:alpha val="40000"/>
+            </a:srgbClr>
+          </a:solidFill>
+        </p:spPr>
+        <p:style>
+          <a:lnRef idx="2">
+            <a:schemeClr val="accent1">
+              <a:shade val="50000"/>
+            </a:schemeClr>
+          </a:lnRef>
+          <a:fillRef idx="1">
+            <a:schemeClr val="accent1"/>
+          </a:fillRef>
+          <a:effectRef idx="0">
+            <a:schemeClr val="accent1"/>
+          </a:effectRef>
+          <a:fontRef idx="minor">
+            <a:schemeClr val="lt1"/>
+          </a:fontRef>
+        </p:style>
+        <p:txBody>
+          <a:bodyPr rtlCol="0" anchor="ctr"/>
+          <a:lstStyle/>
+          <a:p>
+            <a:pPr algn="ctr"/>
+            <a:endParaRPr lang="en-GB"/>
+          </a:p>
+        </p:txBody>
+      </p:sp>
+      <p:sp>
+        <p:nvSpPr>
+          <p:cNvPr id="9" name="Oval 8">
+            <a:extLst>
+              <a:ext uri="{FF2B5EF4-FFF2-40B4-BE49-F238E27FC236}">
+                <a16:creationId xmlns:a16="http://schemas.microsoft.com/office/drawing/2014/main" id="{9792443C-4304-4E9C-98CF-A0ED8A00FB4D}"/>
+              </a:ext>
+            </a:extLst>
+          </p:cNvPr>
+          <p:cNvSpPr/>
+          <p:nvPr/>
+        </p:nvSpPr>
+        <p:spPr>
+          <a:xfrm>
+            <a:off x="2684107" y="4485842"/>
+            <a:ext cx="257453" cy="266330"/>
+          </a:xfrm>
+          <a:prstGeom prst="ellipse">
+            <a:avLst/>
+          </a:prstGeom>
+          <a:solidFill>
+            <a:srgbClr val="FFFF00">
+              <a:alpha val="40000"/>
+            </a:srgbClr>
+          </a:solidFill>
+        </p:spPr>
+        <p:style>
+          <a:lnRef idx="2">
+            <a:schemeClr val="accent1">
+              <a:shade val="50000"/>
+            </a:schemeClr>
+          </a:lnRef>
+          <a:fillRef idx="1">
+            <a:schemeClr val="accent1"/>
+          </a:fillRef>
+          <a:effectRef idx="0">
+            <a:schemeClr val="accent1"/>
+          </a:effectRef>
+          <a:fontRef idx="minor">
+            <a:schemeClr val="lt1"/>
+          </a:fontRef>
+        </p:style>
+        <p:txBody>
+          <a:bodyPr rtlCol="0" anchor="ctr"/>
+          <a:lstStyle/>
+          <a:p>
+            <a:pPr algn="ctr"/>
+            <a:endParaRPr lang="en-GB"/>
+          </a:p>
+        </p:txBody>
+      </p:sp>
+    </p:spTree>
+    <p:extLst>
+      <p:ext uri="{BB962C8B-B14F-4D97-AF65-F5344CB8AC3E}">
+        <p14:creationId xmlns:p14="http://schemas.microsoft.com/office/powerpoint/2010/main" val="3204325203"/>
+      </p:ext>
+    </p:extLst>
+  </p:cSld>
+  <p:clrMapOvr>
+    <a:masterClrMapping/>
+  </p:clrMapOvr>
+</p:sld>
+</file>
+
+<file path=ppt/slides/slide17.xml><?xml version="1.0" encoding="utf-8"?>
+<p:sld xmlns:a="http://schemas.openxmlformats.org/drawingml/2006/main" xmlns:r="http://schemas.openxmlformats.org/officeDocument/2006/relationships" xmlns:p="http://schemas.openxmlformats.org/presentationml/2006/main">
+  <p:cSld>
+    <p:spTree>
+      <p:nvGrpSpPr>
+        <p:cNvPr id="1" name=""/>
+        <p:cNvGrpSpPr/>
+        <p:nvPr/>
+      </p:nvGrpSpPr>
+      <p:grpSpPr>
+        <a:xfrm>
+          <a:off x="0" y="0"/>
+          <a:ext cx="0" cy="0"/>
+          <a:chOff x="0" y="0"/>
+          <a:chExt cx="0" cy="0"/>
+        </a:xfrm>
+      </p:grpSpPr>
+      <p:sp>
+        <p:nvSpPr>
+          <p:cNvPr id="3" name="Content Placeholder 2">
+            <a:extLst>
+              <a:ext uri="{FF2B5EF4-FFF2-40B4-BE49-F238E27FC236}">
+                <a16:creationId xmlns:a16="http://schemas.microsoft.com/office/drawing/2014/main" id="{6C7F13ED-B066-4225-805E-0889FD78E024}"/>
+              </a:ext>
+            </a:extLst>
+          </p:cNvPr>
+          <p:cNvSpPr>
+            <a:spLocks noGrp="1"/>
+          </p:cNvSpPr>
+          <p:nvPr>
+            <p:ph idx="1"/>
+          </p:nvPr>
+        </p:nvSpPr>
+        <p:spPr/>
+        <p:txBody>
+          <a:bodyPr>
+            <a:normAutofit/>
+          </a:bodyPr>
+          <a:lstStyle/>
+          <a:p>
+            <a:pPr algn="ctr"/>
+            <a:endParaRPr lang="en-GB" sz="4800" dirty="0"/>
+          </a:p>
+          <a:p>
+            <a:pPr marL="0" indent="0" algn="ctr">
+              <a:buNone/>
+            </a:pPr>
+            <a:endParaRPr lang="en-GB" sz="4800" dirty="0"/>
+          </a:p>
+          <a:p>
+            <a:pPr marL="0" indent="0" algn="ctr">
+              <a:buNone/>
+            </a:pPr>
+            <a:r>
+              <a:rPr lang="en-GB" sz="4800" dirty="0"/>
+              <a:t>Any Questions?</a:t>
+            </a:r>
+          </a:p>
+        </p:txBody>
+      </p:sp>
+    </p:spTree>
+    <p:extLst>
+      <p:ext uri="{BB962C8B-B14F-4D97-AF65-F5344CB8AC3E}">
+        <p14:creationId xmlns:p14="http://schemas.microsoft.com/office/powerpoint/2010/main" val="3621450793"/>
+      </p:ext>
+    </p:extLst>
+  </p:cSld>
+  <p:clrMapOvr>
+    <a:masterClrMapping/>
+  </p:clrMapOvr>
+</p:sld>
+</file>
+
+<file path=ppt/slides/slide18.xml><?xml version="1.0" encoding="utf-8"?>
+<p:sld xmlns:a="http://schemas.openxmlformats.org/drawingml/2006/main" xmlns:r="http://schemas.openxmlformats.org/officeDocument/2006/relationships" xmlns:p="http://schemas.openxmlformats.org/presentationml/2006/main">
+  <p:cSld>
+    <p:spTree>
+      <p:nvGrpSpPr>
+        <p:cNvPr id="1" name=""/>
+        <p:cNvGrpSpPr/>
+        <p:nvPr/>
+      </p:nvGrpSpPr>
+      <p:grpSpPr>
+        <a:xfrm>
+          <a:off x="0" y="0"/>
+          <a:ext cx="0" cy="0"/>
+          <a:chOff x="0" y="0"/>
+          <a:chExt cx="0" cy="0"/>
+        </a:xfrm>
+      </p:grpSpPr>
+      <p:sp>
+        <p:nvSpPr>
+          <p:cNvPr id="2" name="Title 1">
+            <a:extLst>
+              <a:ext uri="{FF2B5EF4-FFF2-40B4-BE49-F238E27FC236}">
+                <a16:creationId xmlns:a16="http://schemas.microsoft.com/office/drawing/2014/main" id="{7304BBA7-9D5E-4B9A-95AF-2E54F4B41C0E}"/>
+              </a:ext>
+            </a:extLst>
+          </p:cNvPr>
+          <p:cNvSpPr>
+            <a:spLocks noGrp="1"/>
+          </p:cNvSpPr>
+          <p:nvPr>
+            <p:ph type="title"/>
+          </p:nvPr>
+        </p:nvSpPr>
+        <p:spPr/>
+        <p:txBody>
+          <a:bodyPr/>
+          <a:lstStyle/>
+          <a:p>
+            <a:r>
+              <a:rPr lang="en-GB" dirty="0"/>
+              <a:t>Interface vs Inheritance</a:t>
+            </a:r>
+          </a:p>
+        </p:txBody>
+      </p:sp>
+      <p:sp>
+        <p:nvSpPr>
+          <p:cNvPr id="3" name="Content Placeholder 2">
+            <a:extLst>
+              <a:ext uri="{FF2B5EF4-FFF2-40B4-BE49-F238E27FC236}">
+                <a16:creationId xmlns:a16="http://schemas.microsoft.com/office/drawing/2014/main" id="{3AB586B9-467B-4F63-B336-2E9D19321584}"/>
+              </a:ext>
+            </a:extLst>
+          </p:cNvPr>
+          <p:cNvSpPr>
+            <a:spLocks noGrp="1"/>
+          </p:cNvSpPr>
+          <p:nvPr>
+            <p:ph idx="1"/>
+          </p:nvPr>
+        </p:nvSpPr>
+        <p:spPr>
+          <a:xfrm>
+            <a:off x="822960" y="1788584"/>
+            <a:ext cx="7415518" cy="4023360"/>
+          </a:xfrm>
+        </p:spPr>
+        <p:txBody>
+          <a:bodyPr>
+            <a:noAutofit/>
+          </a:bodyPr>
+          <a:lstStyle/>
+          <a:p>
+            <a:pPr>
+              <a:spcBef>
+                <a:spcPts val="600"/>
+              </a:spcBef>
+              <a:buFont typeface="Wingdings" panose="05000000000000000000" pitchFamily="2" charset="2"/>
+              <a:buChar char="v"/>
+            </a:pPr>
+            <a:r>
+              <a:rPr lang="en-GB" sz="2400" dirty="0"/>
+              <a:t> An interface is a special type of inheritance</a:t>
+            </a:r>
+          </a:p>
+          <a:p>
+            <a:pPr>
+              <a:spcBef>
+                <a:spcPts val="600"/>
+              </a:spcBef>
+              <a:buFont typeface="Wingdings" panose="05000000000000000000" pitchFamily="2" charset="2"/>
+              <a:buChar char="v"/>
+            </a:pPr>
+            <a:r>
+              <a:rPr lang="en-GB" sz="2400" dirty="0"/>
+              <a:t> An interface is a contract that every inherited class must keep by ensuring every method declared in the parent interface is overridden (object polymorphism)</a:t>
+            </a:r>
+          </a:p>
+          <a:p>
+            <a:pPr>
+              <a:spcBef>
+                <a:spcPts val="600"/>
+              </a:spcBef>
+              <a:buFont typeface="Wingdings" panose="05000000000000000000" pitchFamily="2" charset="2"/>
+              <a:buChar char="v"/>
+            </a:pPr>
+            <a:r>
+              <a:rPr lang="en-GB" sz="2400" dirty="0"/>
+              <a:t> An interface cannot implement any of its methods and doesn’t have any data members.</a:t>
+            </a:r>
+          </a:p>
+          <a:p>
+            <a:pPr>
+              <a:spcBef>
+                <a:spcPts val="600"/>
+              </a:spcBef>
+              <a:buFont typeface="Wingdings" panose="05000000000000000000" pitchFamily="2" charset="2"/>
+              <a:buChar char="v"/>
+            </a:pPr>
+            <a:r>
+              <a:rPr lang="en-GB" sz="2400" dirty="0"/>
+              <a:t> In Java interfaces are usually used to achieve a concept known as multiple inheritance in C++, where a class can inherit from more than one superclass.</a:t>
+            </a:r>
+          </a:p>
+          <a:p>
+            <a:pPr>
+              <a:spcBef>
+                <a:spcPts val="600"/>
+              </a:spcBef>
+              <a:buFont typeface="Wingdings" panose="05000000000000000000" pitchFamily="2" charset="2"/>
+              <a:buChar char="v"/>
+            </a:pPr>
+            <a:r>
+              <a:rPr lang="en-GB" sz="2400" dirty="0"/>
+              <a:t> Interfaces can be used to achieve loose coupling while maintaining high cohesion</a:t>
+            </a:r>
+            <a:endParaRPr lang="en-US" sz="2400" dirty="0"/>
+          </a:p>
+        </p:txBody>
+      </p:sp>
+    </p:spTree>
+    <p:extLst>
+      <p:ext uri="{BB962C8B-B14F-4D97-AF65-F5344CB8AC3E}">
+        <p14:creationId xmlns:p14="http://schemas.microsoft.com/office/powerpoint/2010/main" val="4195328909"/>
+      </p:ext>
+    </p:extLst>
+  </p:cSld>
+  <p:clrMapOvr>
+    <a:masterClrMapping/>
+  </p:clrMapOvr>
+</p:sld>
+</file>
+
+<file path=ppt/slides/slide19.xml><?xml version="1.0" encoding="utf-8"?>
+<p:sld xmlns:a="http://schemas.openxmlformats.org/drawingml/2006/main" xmlns:r="http://schemas.openxmlformats.org/officeDocument/2006/relationships" xmlns:p="http://schemas.openxmlformats.org/presentationml/2006/main">
+  <p:cSld>
+    <p:spTree>
+      <p:nvGrpSpPr>
+        <p:cNvPr id="1" name=""/>
+        <p:cNvGrpSpPr/>
+        <p:nvPr/>
+      </p:nvGrpSpPr>
+      <p:grpSpPr>
+        <a:xfrm>
+          <a:off x="0" y="0"/>
+          <a:ext cx="0" cy="0"/>
+          <a:chOff x="0" y="0"/>
+          <a:chExt cx="0" cy="0"/>
+        </a:xfrm>
+      </p:grpSpPr>
+      <p:sp>
+        <p:nvSpPr>
+          <p:cNvPr id="2" name="Title 1">
+            <a:extLst>
+              <a:ext uri="{FF2B5EF4-FFF2-40B4-BE49-F238E27FC236}">
+                <a16:creationId xmlns:a16="http://schemas.microsoft.com/office/drawing/2014/main" id="{7304BBA7-9D5E-4B9A-95AF-2E54F4B41C0E}"/>
+              </a:ext>
+            </a:extLst>
+          </p:cNvPr>
+          <p:cNvSpPr>
+            <a:spLocks noGrp="1"/>
+          </p:cNvSpPr>
+          <p:nvPr>
+            <p:ph type="title"/>
+          </p:nvPr>
+        </p:nvSpPr>
+        <p:spPr>
+          <a:xfrm>
+            <a:off x="822960" y="91291"/>
+            <a:ext cx="7543800" cy="702408"/>
+          </a:xfrm>
+        </p:spPr>
+        <p:txBody>
+          <a:bodyPr>
+            <a:normAutofit fontScale="90000"/>
+          </a:bodyPr>
+          <a:lstStyle/>
+          <a:p>
+            <a:r>
+              <a:rPr lang="en-GB" dirty="0"/>
+              <a:t>Interface vs Inheritance</a:t>
+            </a:r>
+          </a:p>
+        </p:txBody>
+      </p:sp>
+      <p:pic>
+        <p:nvPicPr>
+          <p:cNvPr id="12" name="Content Placeholder 11" descr="Diagram&#10;&#10;Description automatically generated">
+            <a:extLst>
+              <a:ext uri="{FF2B5EF4-FFF2-40B4-BE49-F238E27FC236}">
+                <a16:creationId xmlns:a16="http://schemas.microsoft.com/office/drawing/2014/main" id="{2B4B6A71-554A-4CA2-9F81-5BB52EE27D9F}"/>
+              </a:ext>
+            </a:extLst>
+          </p:cNvPr>
+          <p:cNvPicPr>
+            <a:picLocks noGrp="1" noChangeAspect="1"/>
+          </p:cNvPicPr>
+          <p:nvPr>
+            <p:ph idx="1"/>
+          </p:nvPr>
+        </p:nvPicPr>
+        <p:blipFill>
+          <a:blip r:embed="rId2">
+            <a:extLst>
+              <a:ext uri="{28A0092B-C50C-407E-A947-70E740481C1C}">
+                <a14:useLocalDpi xmlns:a14="http://schemas.microsoft.com/office/drawing/2010/main" val="0"/>
+              </a:ext>
+            </a:extLst>
+          </a:blip>
+          <a:stretch>
+            <a:fillRect/>
+          </a:stretch>
+        </p:blipFill>
+        <p:spPr>
+          <a:xfrm>
+            <a:off x="1189608" y="696603"/>
+            <a:ext cx="6285390" cy="5697377"/>
+          </a:xfrm>
+        </p:spPr>
+      </p:pic>
+      <p:sp>
+        <p:nvSpPr>
+          <p:cNvPr id="8" name="Rectangle: Rounded Corners 7">
+            <a:extLst>
+              <a:ext uri="{FF2B5EF4-FFF2-40B4-BE49-F238E27FC236}">
+                <a16:creationId xmlns:a16="http://schemas.microsoft.com/office/drawing/2014/main" id="{F244680D-B262-4E3C-80CE-35077202ECAB}"/>
+              </a:ext>
+            </a:extLst>
+          </p:cNvPr>
+          <p:cNvSpPr/>
+          <p:nvPr/>
+        </p:nvSpPr>
+        <p:spPr>
+          <a:xfrm>
+            <a:off x="2636668" y="2521258"/>
+            <a:ext cx="1935332" cy="4012707"/>
+          </a:xfrm>
+          <a:prstGeom prst="roundRect">
+            <a:avLst>
+              <a:gd name="adj" fmla="val 19029"/>
+            </a:avLst>
+          </a:prstGeom>
+          <a:solidFill>
+            <a:srgbClr val="F3B56C">
+              <a:alpha val="10196"/>
+            </a:srgbClr>
+          </a:solidFill>
+          <a:ln>
+            <a:solidFill>
+              <a:srgbClr val="A75F0A">
+                <a:alpha val="34902"/>
+              </a:srgbClr>
+            </a:solidFill>
+          </a:ln>
+        </p:spPr>
+        <p:style>
+          <a:lnRef idx="2">
+            <a:schemeClr val="accent1">
+              <a:shade val="50000"/>
+            </a:schemeClr>
+          </a:lnRef>
+          <a:fillRef idx="1">
+            <a:schemeClr val="accent1"/>
+          </a:fillRef>
+          <a:effectRef idx="0">
+            <a:schemeClr val="accent1"/>
+          </a:effectRef>
+          <a:fontRef idx="minor">
+            <a:schemeClr val="lt1"/>
+          </a:fontRef>
+        </p:style>
+        <p:txBody>
+          <a:bodyPr rtlCol="0" anchor="ctr"/>
+          <a:lstStyle/>
+          <a:p>
+            <a:pPr algn="ctr"/>
+            <a:endParaRPr lang="en-GB"/>
+          </a:p>
+        </p:txBody>
+      </p:sp>
+    </p:spTree>
+    <p:extLst>
+      <p:ext uri="{BB962C8B-B14F-4D97-AF65-F5344CB8AC3E}">
+        <p14:creationId xmlns:p14="http://schemas.microsoft.com/office/powerpoint/2010/main" val="1297773285"/>
       </p:ext>
     </p:extLst>
   </p:cSld>
@@ -3991,10 +5649,9 @@
           <a:lstStyle/>
           <a:p>
             <a:r>
-              <a:rPr lang="en-GB" dirty="0" smtClean="0"/>
+              <a:rPr lang="en-GB" dirty="0"/>
               <a:t>Outline</a:t>
             </a:r>
-            <a:endParaRPr lang="en-GB" dirty="0"/>
           </a:p>
         </p:txBody>
       </p:sp>
@@ -4034,7 +5691,7 @@
               <a:buChar char="v"/>
             </a:pPr>
             <a:r>
-              <a:rPr lang="en-US" sz="1600" dirty="0" smtClean="0"/>
+              <a:rPr lang="en-US" sz="1600" dirty="0"/>
               <a:t> Getters and setters</a:t>
             </a:r>
           </a:p>
@@ -4047,7 +5704,7 @@
               <a:buChar char="v"/>
             </a:pPr>
             <a:r>
-              <a:rPr lang="en-US" sz="1600" dirty="0" smtClean="0"/>
+              <a:rPr lang="en-US" sz="1600" dirty="0"/>
               <a:t> Inheritance</a:t>
             </a:r>
           </a:p>
@@ -4061,11 +5718,7 @@
             </a:pPr>
             <a:r>
               <a:rPr lang="en-US" sz="1600" dirty="0"/>
-              <a:t> </a:t>
-            </a:r>
-            <a:r>
-              <a:rPr lang="en-US" sz="1600" dirty="0" smtClean="0"/>
-              <a:t>Polymorphism</a:t>
+              <a:t> Polymorphism</a:t>
             </a:r>
             <a:endParaRPr lang="en-GB" sz="1600" dirty="0"/>
           </a:p>
@@ -4079,11 +5732,7 @@
             </a:pPr>
             <a:r>
               <a:rPr lang="en-US" sz="1600" dirty="0"/>
-              <a:t> </a:t>
-            </a:r>
-            <a:r>
-              <a:rPr lang="en-US" sz="1600" dirty="0" smtClean="0"/>
-              <a:t>Composition vs Inheritance</a:t>
+              <a:t> Composition vs Inheritance</a:t>
             </a:r>
           </a:p>
           <a:p>
@@ -4096,11 +5745,7 @@
             </a:pPr>
             <a:r>
               <a:rPr lang="en-US" sz="1600" dirty="0"/>
-              <a:t> </a:t>
-            </a:r>
-            <a:r>
-              <a:rPr lang="en-US" sz="1600" dirty="0" smtClean="0"/>
-              <a:t>Interface vs Inheritance</a:t>
+              <a:t> Interface vs Inheritance</a:t>
             </a:r>
           </a:p>
           <a:p>
@@ -4113,15 +5758,7 @@
             </a:pPr>
             <a:r>
               <a:rPr lang="en-US" sz="1600" dirty="0"/>
-              <a:t> </a:t>
-            </a:r>
-            <a:r>
-              <a:rPr lang="en-US" sz="1600" dirty="0" smtClean="0"/>
-              <a:t>Abstract class vs </a:t>
-            </a:r>
-            <a:r>
-              <a:rPr lang="en-US" sz="1600" dirty="0" smtClean="0"/>
-              <a:t>interface</a:t>
+              <a:t> Abstract class vs interface vs inheritance</a:t>
             </a:r>
           </a:p>
           <a:p>
@@ -4133,10 +5770,9 @@
               <a:buChar char="v"/>
             </a:pPr>
             <a:r>
-              <a:rPr lang="en-US" sz="1600" dirty="0" smtClean="0"/>
-              <a:t> Java packages</a:t>
-            </a:r>
-            <a:endParaRPr lang="en-US" sz="1600" dirty="0" smtClean="0"/>
+              <a:rPr lang="en-US" sz="1600" dirty="0"/>
+              <a:t> Inner classes</a:t>
+            </a:r>
           </a:p>
           <a:p>
             <a:pPr>
@@ -4148,11 +5784,7 @@
             </a:pPr>
             <a:r>
               <a:rPr lang="en-US" sz="1600" dirty="0"/>
-              <a:t> </a:t>
-            </a:r>
-            <a:r>
-              <a:rPr lang="en-US" sz="1600" dirty="0" smtClean="0"/>
-              <a:t>Introduction to GUI development</a:t>
+              <a:t> Java packages</a:t>
             </a:r>
           </a:p>
           <a:p>
@@ -4165,13 +5797,169 @@
             </a:pPr>
             <a:r>
               <a:rPr lang="en-US" sz="1600" dirty="0"/>
-              <a:t> </a:t>
-            </a:r>
-            <a:r>
-              <a:rPr lang="en-US" sz="1600" dirty="0" smtClean="0"/>
-              <a:t>Layouts</a:t>
-            </a:r>
-          </a:p>
+              <a:t> Java library and standard classes</a:t>
+            </a:r>
+          </a:p>
+        </p:txBody>
+      </p:sp>
+    </p:spTree>
+    <p:extLst>
+      <p:ext uri="{BB962C8B-B14F-4D97-AF65-F5344CB8AC3E}">
+        <p14:creationId xmlns:p14="http://schemas.microsoft.com/office/powerpoint/2010/main" val="129472628"/>
+      </p:ext>
+    </p:extLst>
+  </p:cSld>
+  <p:clrMapOvr>
+    <a:masterClrMapping/>
+  </p:clrMapOvr>
+</p:sld>
+</file>
+
+<file path=ppt/slides/slide20.xml><?xml version="1.0" encoding="utf-8"?>
+<p:sld xmlns:a="http://schemas.openxmlformats.org/drawingml/2006/main" xmlns:r="http://schemas.openxmlformats.org/officeDocument/2006/relationships" xmlns:p="http://schemas.openxmlformats.org/presentationml/2006/main">
+  <p:cSld>
+    <p:spTree>
+      <p:nvGrpSpPr>
+        <p:cNvPr id="1" name=""/>
+        <p:cNvGrpSpPr/>
+        <p:nvPr/>
+      </p:nvGrpSpPr>
+      <p:grpSpPr>
+        <a:xfrm>
+          <a:off x="0" y="0"/>
+          <a:ext cx="0" cy="0"/>
+          <a:chOff x="0" y="0"/>
+          <a:chExt cx="0" cy="0"/>
+        </a:xfrm>
+      </p:grpSpPr>
+      <p:sp>
+        <p:nvSpPr>
+          <p:cNvPr id="3" name="Content Placeholder 2">
+            <a:extLst>
+              <a:ext uri="{FF2B5EF4-FFF2-40B4-BE49-F238E27FC236}">
+                <a16:creationId xmlns:a16="http://schemas.microsoft.com/office/drawing/2014/main" id="{6C7F13ED-B066-4225-805E-0889FD78E024}"/>
+              </a:ext>
+            </a:extLst>
+          </p:cNvPr>
+          <p:cNvSpPr>
+            <a:spLocks noGrp="1"/>
+          </p:cNvSpPr>
+          <p:nvPr>
+            <p:ph idx="1"/>
+          </p:nvPr>
+        </p:nvSpPr>
+        <p:spPr/>
+        <p:txBody>
+          <a:bodyPr>
+            <a:normAutofit/>
+          </a:bodyPr>
+          <a:lstStyle/>
+          <a:p>
+            <a:pPr algn="ctr"/>
+            <a:endParaRPr lang="en-GB" sz="4800" dirty="0"/>
+          </a:p>
+          <a:p>
+            <a:pPr marL="0" indent="0" algn="ctr">
+              <a:buNone/>
+            </a:pPr>
+            <a:endParaRPr lang="en-GB" sz="4800" dirty="0"/>
+          </a:p>
+          <a:p>
+            <a:pPr marL="0" indent="0" algn="ctr">
+              <a:buNone/>
+            </a:pPr>
+            <a:r>
+              <a:rPr lang="en-GB" sz="4800" dirty="0"/>
+              <a:t>Any Questions?</a:t>
+            </a:r>
+          </a:p>
+        </p:txBody>
+      </p:sp>
+    </p:spTree>
+    <p:extLst>
+      <p:ext uri="{BB962C8B-B14F-4D97-AF65-F5344CB8AC3E}">
+        <p14:creationId xmlns:p14="http://schemas.microsoft.com/office/powerpoint/2010/main" val="1861674963"/>
+      </p:ext>
+    </p:extLst>
+  </p:cSld>
+  <p:clrMapOvr>
+    <a:masterClrMapping/>
+  </p:clrMapOvr>
+</p:sld>
+</file>
+
+<file path=ppt/slides/slide21.xml><?xml version="1.0" encoding="utf-8"?>
+<p:sld xmlns:a="http://schemas.openxmlformats.org/drawingml/2006/main" xmlns:r="http://schemas.openxmlformats.org/officeDocument/2006/relationships" xmlns:p="http://schemas.openxmlformats.org/presentationml/2006/main">
+  <p:cSld>
+    <p:spTree>
+      <p:nvGrpSpPr>
+        <p:cNvPr id="1" name=""/>
+        <p:cNvGrpSpPr/>
+        <p:nvPr/>
+      </p:nvGrpSpPr>
+      <p:grpSpPr>
+        <a:xfrm>
+          <a:off x="0" y="0"/>
+          <a:ext cx="0" cy="0"/>
+          <a:chOff x="0" y="0"/>
+          <a:chExt cx="0" cy="0"/>
+        </a:xfrm>
+      </p:grpSpPr>
+      <p:sp>
+        <p:nvSpPr>
+          <p:cNvPr id="2" name="Title 1">
+            <a:extLst>
+              <a:ext uri="{FF2B5EF4-FFF2-40B4-BE49-F238E27FC236}">
+                <a16:creationId xmlns:a16="http://schemas.microsoft.com/office/drawing/2014/main" id="{7304BBA7-9D5E-4B9A-95AF-2E54F4B41C0E}"/>
+              </a:ext>
+            </a:extLst>
+          </p:cNvPr>
+          <p:cNvSpPr>
+            <a:spLocks noGrp="1"/>
+          </p:cNvSpPr>
+          <p:nvPr>
+            <p:ph type="title"/>
+          </p:nvPr>
+        </p:nvSpPr>
+        <p:spPr/>
+        <p:txBody>
+          <a:bodyPr/>
+          <a:lstStyle/>
+          <a:p>
+            <a:r>
+              <a:rPr lang="en-GB" dirty="0"/>
+              <a:t>Abstract class vs Interface vs Inheritance</a:t>
+            </a:r>
+          </a:p>
+        </p:txBody>
+      </p:sp>
+      <p:sp>
+        <p:nvSpPr>
+          <p:cNvPr id="3" name="Content Placeholder 2">
+            <a:extLst>
+              <a:ext uri="{FF2B5EF4-FFF2-40B4-BE49-F238E27FC236}">
+                <a16:creationId xmlns:a16="http://schemas.microsoft.com/office/drawing/2014/main" id="{3AB586B9-467B-4F63-B336-2E9D19321584}"/>
+              </a:ext>
+            </a:extLst>
+          </p:cNvPr>
+          <p:cNvSpPr>
+            <a:spLocks noGrp="1"/>
+          </p:cNvSpPr>
+          <p:nvPr>
+            <p:ph idx="1"/>
+          </p:nvPr>
+        </p:nvSpPr>
+        <p:spPr>
+          <a:xfrm>
+            <a:off x="822960" y="1788584"/>
+            <a:ext cx="7415518" cy="4023360"/>
+          </a:xfrm>
+        </p:spPr>
+        <p:txBody>
+          <a:bodyPr>
+            <a:noAutofit/>
+          </a:bodyPr>
+          <a:lstStyle/>
           <a:p>
             <a:pPr>
               <a:spcBef>
@@ -4181,12 +5969,34 @@
               <a:buChar char="v"/>
             </a:pPr>
             <a:r>
-              <a:rPr lang="en-US" sz="1600" dirty="0"/>
-              <a:t> </a:t>
-            </a:r>
-            <a:r>
-              <a:rPr lang="en-US" sz="1600" dirty="0" smtClean="0"/>
-              <a:t>Buttons</a:t>
+              <a:rPr lang="en-GB" sz="2400" dirty="0"/>
+              <a:t> There are limitations associated with an interface which include:</a:t>
+            </a:r>
+          </a:p>
+          <a:p>
+            <a:pPr marL="658368" lvl="1" indent="-457200">
+              <a:spcBef>
+                <a:spcPts val="600"/>
+              </a:spcBef>
+              <a:buFont typeface="+mj-lt"/>
+              <a:buAutoNum type="arabicPeriod"/>
+            </a:pPr>
+            <a:r>
+              <a:rPr lang="en-GB" sz="2200" dirty="0"/>
+              <a:t>An interface does not have data members only methods.</a:t>
+            </a:r>
+          </a:p>
+          <a:p>
+            <a:pPr marL="658368" lvl="1" indent="-457200">
+              <a:spcBef>
+                <a:spcPts val="600"/>
+              </a:spcBef>
+              <a:buFont typeface="+mj-lt"/>
+              <a:buAutoNum type="arabicPeriod"/>
+            </a:pPr>
+            <a:r>
+              <a:rPr lang="en-GB" sz="2200" dirty="0"/>
+              <a:t>All the methods declared within an interface must be implemented.</a:t>
             </a:r>
           </a:p>
           <a:p>
@@ -4198,12 +6008,34 @@
               <a:buChar char="v"/>
             </a:pPr>
             <a:r>
-              <a:rPr lang="en-US" sz="1600" dirty="0"/>
-              <a:t> </a:t>
-            </a:r>
-            <a:r>
-              <a:rPr lang="en-US" sz="1600" dirty="0" smtClean="0"/>
-              <a:t>Labels</a:t>
+              <a:rPr lang="en-GB" sz="2400" dirty="0"/>
+              <a:t> An abstract class is a go between a super class and an interface because it allows</a:t>
+            </a:r>
+          </a:p>
+          <a:p>
+            <a:pPr marL="658368" lvl="1" indent="-457200">
+              <a:spcBef>
+                <a:spcPts val="600"/>
+              </a:spcBef>
+              <a:buFont typeface="+mj-lt"/>
+              <a:buAutoNum type="arabicPeriod"/>
+            </a:pPr>
+            <a:r>
+              <a:rPr lang="en-GB" sz="2200" dirty="0"/>
+              <a:t>certain methods that must be overridden and others that are optionally overridden.</a:t>
+            </a:r>
+          </a:p>
+          <a:p>
+            <a:pPr marL="658368" lvl="1" indent="-457200">
+              <a:spcBef>
+                <a:spcPts val="600"/>
+              </a:spcBef>
+              <a:buFont typeface="+mj-lt"/>
+              <a:buAutoNum type="arabicPeriod"/>
+            </a:pPr>
+            <a:r>
+              <a:rPr lang="en-GB" sz="2200" dirty="0"/>
+              <a:t>data members which can be private, public, protected etc.</a:t>
             </a:r>
           </a:p>
           <a:p>
@@ -4215,15 +6047,263 @@
               <a:buChar char="v"/>
             </a:pPr>
             <a:r>
-              <a:rPr lang="en-US" sz="1600" dirty="0"/>
-              <a:t> </a:t>
-            </a:r>
-            <a:r>
-              <a:rPr lang="en-US" sz="1600" dirty="0" err="1" smtClean="0"/>
-              <a:t>TextFields</a:t>
-            </a:r>
-            <a:endParaRPr lang="en-US" sz="1600" dirty="0" smtClean="0"/>
-          </a:p>
+              <a:rPr lang="en-GB" sz="2400" dirty="0"/>
+              <a:t> Methods within an abstract class that must be overridden are called abstract methods.</a:t>
+            </a:r>
+          </a:p>
+          <a:p>
+            <a:pPr marL="658368" lvl="1" indent="-457200">
+              <a:spcBef>
+                <a:spcPts val="600"/>
+              </a:spcBef>
+              <a:buFont typeface="+mj-lt"/>
+              <a:buAutoNum type="arabicPeriod"/>
+            </a:pPr>
+            <a:endParaRPr lang="en-GB" sz="2200" dirty="0"/>
+          </a:p>
+        </p:txBody>
+      </p:sp>
+    </p:spTree>
+    <p:extLst>
+      <p:ext uri="{BB962C8B-B14F-4D97-AF65-F5344CB8AC3E}">
+        <p14:creationId xmlns:p14="http://schemas.microsoft.com/office/powerpoint/2010/main" val="2085896691"/>
+      </p:ext>
+    </p:extLst>
+  </p:cSld>
+  <p:clrMapOvr>
+    <a:masterClrMapping/>
+  </p:clrMapOvr>
+</p:sld>
+</file>
+
+<file path=ppt/slides/slide22.xml><?xml version="1.0" encoding="utf-8"?>
+<p:sld xmlns:a="http://schemas.openxmlformats.org/drawingml/2006/main" xmlns:r="http://schemas.openxmlformats.org/officeDocument/2006/relationships" xmlns:p="http://schemas.openxmlformats.org/presentationml/2006/main">
+  <p:cSld>
+    <p:spTree>
+      <p:nvGrpSpPr>
+        <p:cNvPr id="1" name=""/>
+        <p:cNvGrpSpPr/>
+        <p:nvPr/>
+      </p:nvGrpSpPr>
+      <p:grpSpPr>
+        <a:xfrm>
+          <a:off x="0" y="0"/>
+          <a:ext cx="0" cy="0"/>
+          <a:chOff x="0" y="0"/>
+          <a:chExt cx="0" cy="0"/>
+        </a:xfrm>
+      </p:grpSpPr>
+      <p:sp>
+        <p:nvSpPr>
+          <p:cNvPr id="2" name="Title 1">
+            <a:extLst>
+              <a:ext uri="{FF2B5EF4-FFF2-40B4-BE49-F238E27FC236}">
+                <a16:creationId xmlns:a16="http://schemas.microsoft.com/office/drawing/2014/main" id="{7304BBA7-9D5E-4B9A-95AF-2E54F4B41C0E}"/>
+              </a:ext>
+            </a:extLst>
+          </p:cNvPr>
+          <p:cNvSpPr>
+            <a:spLocks noGrp="1"/>
+          </p:cNvSpPr>
+          <p:nvPr>
+            <p:ph type="title"/>
+          </p:nvPr>
+        </p:nvSpPr>
+        <p:spPr/>
+        <p:txBody>
+          <a:bodyPr/>
+          <a:lstStyle/>
+          <a:p>
+            <a:r>
+              <a:rPr lang="en-GB" dirty="0"/>
+              <a:t>Abstract class Example</a:t>
+            </a:r>
+          </a:p>
+        </p:txBody>
+      </p:sp>
+      <p:sp>
+        <p:nvSpPr>
+          <p:cNvPr id="5" name="Content Placeholder 4">
+            <a:extLst>
+              <a:ext uri="{FF2B5EF4-FFF2-40B4-BE49-F238E27FC236}">
+                <a16:creationId xmlns:a16="http://schemas.microsoft.com/office/drawing/2014/main" id="{087C46E1-D6B1-41BC-8A89-B45DFD8828A7}"/>
+              </a:ext>
+            </a:extLst>
+          </p:cNvPr>
+          <p:cNvSpPr>
+            <a:spLocks noGrp="1"/>
+          </p:cNvSpPr>
+          <p:nvPr>
+            <p:ph idx="1"/>
+          </p:nvPr>
+        </p:nvSpPr>
+        <p:spPr/>
+        <p:txBody>
+          <a:bodyPr/>
+          <a:lstStyle/>
+          <a:p>
+            <a:endParaRPr lang="en-GB"/>
+          </a:p>
+        </p:txBody>
+      </p:sp>
+    </p:spTree>
+    <p:extLst>
+      <p:ext uri="{BB962C8B-B14F-4D97-AF65-F5344CB8AC3E}">
+        <p14:creationId xmlns:p14="http://schemas.microsoft.com/office/powerpoint/2010/main" val="2049027636"/>
+      </p:ext>
+    </p:extLst>
+  </p:cSld>
+  <p:clrMapOvr>
+    <a:masterClrMapping/>
+  </p:clrMapOvr>
+</p:sld>
+</file>
+
+<file path=ppt/slides/slide23.xml><?xml version="1.0" encoding="utf-8"?>
+<p:sld xmlns:a="http://schemas.openxmlformats.org/drawingml/2006/main" xmlns:r="http://schemas.openxmlformats.org/officeDocument/2006/relationships" xmlns:p="http://schemas.openxmlformats.org/presentationml/2006/main">
+  <p:cSld>
+    <p:spTree>
+      <p:nvGrpSpPr>
+        <p:cNvPr id="1" name=""/>
+        <p:cNvGrpSpPr/>
+        <p:nvPr/>
+      </p:nvGrpSpPr>
+      <p:grpSpPr>
+        <a:xfrm>
+          <a:off x="0" y="0"/>
+          <a:ext cx="0" cy="0"/>
+          <a:chOff x="0" y="0"/>
+          <a:chExt cx="0" cy="0"/>
+        </a:xfrm>
+      </p:grpSpPr>
+      <p:sp>
+        <p:nvSpPr>
+          <p:cNvPr id="3" name="Content Placeholder 2">
+            <a:extLst>
+              <a:ext uri="{FF2B5EF4-FFF2-40B4-BE49-F238E27FC236}">
+                <a16:creationId xmlns:a16="http://schemas.microsoft.com/office/drawing/2014/main" id="{6C7F13ED-B066-4225-805E-0889FD78E024}"/>
+              </a:ext>
+            </a:extLst>
+          </p:cNvPr>
+          <p:cNvSpPr>
+            <a:spLocks noGrp="1"/>
+          </p:cNvSpPr>
+          <p:nvPr>
+            <p:ph idx="1"/>
+          </p:nvPr>
+        </p:nvSpPr>
+        <p:spPr/>
+        <p:txBody>
+          <a:bodyPr>
+            <a:normAutofit/>
+          </a:bodyPr>
+          <a:lstStyle/>
+          <a:p>
+            <a:pPr algn="ctr"/>
+            <a:endParaRPr lang="en-GB" sz="4800" dirty="0"/>
+          </a:p>
+          <a:p>
+            <a:pPr marL="0" indent="0" algn="ctr">
+              <a:buNone/>
+            </a:pPr>
+            <a:endParaRPr lang="en-GB" sz="4800" dirty="0"/>
+          </a:p>
+          <a:p>
+            <a:pPr marL="0" indent="0" algn="ctr">
+              <a:buNone/>
+            </a:pPr>
+            <a:r>
+              <a:rPr lang="en-GB" sz="4800" dirty="0"/>
+              <a:t>Any Questions?</a:t>
+            </a:r>
+          </a:p>
+        </p:txBody>
+      </p:sp>
+    </p:spTree>
+    <p:extLst>
+      <p:ext uri="{BB962C8B-B14F-4D97-AF65-F5344CB8AC3E}">
+        <p14:creationId xmlns:p14="http://schemas.microsoft.com/office/powerpoint/2010/main" val="1976345684"/>
+      </p:ext>
+    </p:extLst>
+  </p:cSld>
+  <p:clrMapOvr>
+    <a:masterClrMapping/>
+  </p:clrMapOvr>
+</p:sld>
+</file>
+
+<file path=ppt/slides/slide24.xml><?xml version="1.0" encoding="utf-8"?>
+<p:sld xmlns:a="http://schemas.openxmlformats.org/drawingml/2006/main" xmlns:r="http://schemas.openxmlformats.org/officeDocument/2006/relationships" xmlns:p="http://schemas.openxmlformats.org/presentationml/2006/main">
+  <p:cSld>
+    <p:spTree>
+      <p:nvGrpSpPr>
+        <p:cNvPr id="1" name=""/>
+        <p:cNvGrpSpPr/>
+        <p:nvPr/>
+      </p:nvGrpSpPr>
+      <p:grpSpPr>
+        <a:xfrm>
+          <a:off x="0" y="0"/>
+          <a:ext cx="0" cy="0"/>
+          <a:chOff x="0" y="0"/>
+          <a:chExt cx="0" cy="0"/>
+        </a:xfrm>
+      </p:grpSpPr>
+      <p:sp>
+        <p:nvSpPr>
+          <p:cNvPr id="2" name="Title 1">
+            <a:extLst>
+              <a:ext uri="{FF2B5EF4-FFF2-40B4-BE49-F238E27FC236}">
+                <a16:creationId xmlns:a16="http://schemas.microsoft.com/office/drawing/2014/main" id="{7304BBA7-9D5E-4B9A-95AF-2E54F4B41C0E}"/>
+              </a:ext>
+            </a:extLst>
+          </p:cNvPr>
+          <p:cNvSpPr>
+            <a:spLocks noGrp="1"/>
+          </p:cNvSpPr>
+          <p:nvPr>
+            <p:ph type="title"/>
+          </p:nvPr>
+        </p:nvSpPr>
+        <p:spPr/>
+        <p:txBody>
+          <a:bodyPr/>
+          <a:lstStyle/>
+          <a:p>
+            <a:r>
+              <a:rPr lang="en-GB" dirty="0"/>
+              <a:t>Inner Classes</a:t>
+            </a:r>
+          </a:p>
+        </p:txBody>
+      </p:sp>
+      <p:sp>
+        <p:nvSpPr>
+          <p:cNvPr id="3" name="Content Placeholder 2">
+            <a:extLst>
+              <a:ext uri="{FF2B5EF4-FFF2-40B4-BE49-F238E27FC236}">
+                <a16:creationId xmlns:a16="http://schemas.microsoft.com/office/drawing/2014/main" id="{3AB586B9-467B-4F63-B336-2E9D19321584}"/>
+              </a:ext>
+            </a:extLst>
+          </p:cNvPr>
+          <p:cNvSpPr>
+            <a:spLocks noGrp="1"/>
+          </p:cNvSpPr>
+          <p:nvPr>
+            <p:ph idx="1"/>
+          </p:nvPr>
+        </p:nvSpPr>
+        <p:spPr>
+          <a:xfrm>
+            <a:off x="822960" y="1788584"/>
+            <a:ext cx="7415518" cy="4023360"/>
+          </a:xfrm>
+        </p:spPr>
+        <p:txBody>
+          <a:bodyPr>
+            <a:noAutofit/>
+          </a:bodyPr>
+          <a:lstStyle/>
           <a:p>
             <a:pPr>
               <a:spcBef>
@@ -4233,21 +6313,848 @@
               <a:buChar char="v"/>
             </a:pPr>
             <a:r>
-              <a:rPr lang="en-US" sz="1600" dirty="0"/>
+              <a:rPr lang="en-US" sz="2400" dirty="0"/>
+              <a:t>Inner classes are used where there is close relationship between two classes and the inner class is only accessed by the containing class.</a:t>
+            </a:r>
+          </a:p>
+          <a:p>
+            <a:pPr>
+              <a:spcBef>
+                <a:spcPts val="600"/>
+              </a:spcBef>
+              <a:buFont typeface="Wingdings" panose="05000000000000000000" pitchFamily="2" charset="2"/>
+              <a:buChar char="v"/>
+            </a:pPr>
+            <a:r>
+              <a:rPr lang="en-US" sz="2400" dirty="0"/>
+              <a:t> An example of an inner class is the </a:t>
+            </a:r>
+            <a:r>
+              <a:rPr lang="en-US" sz="2400" dirty="0" err="1"/>
+              <a:t>System.out</a:t>
+            </a:r>
+            <a:r>
+              <a:rPr lang="en-US" sz="2400" dirty="0"/>
+              <a:t> class we have been using all this while.</a:t>
+            </a:r>
+          </a:p>
+          <a:p>
+            <a:pPr>
+              <a:spcBef>
+                <a:spcPts val="600"/>
+              </a:spcBef>
+              <a:buFont typeface="Wingdings" panose="05000000000000000000" pitchFamily="2" charset="2"/>
+              <a:buChar char="v"/>
+            </a:pPr>
+            <a:r>
+              <a:rPr lang="en-US" sz="2400" dirty="0"/>
+              <a:t> System is the outer class and out is the inner class.</a:t>
+            </a:r>
+          </a:p>
+          <a:p>
+            <a:pPr>
+              <a:spcBef>
+                <a:spcPts val="600"/>
+              </a:spcBef>
+              <a:buFont typeface="Wingdings" panose="05000000000000000000" pitchFamily="2" charset="2"/>
+              <a:buChar char="v"/>
+            </a:pPr>
+            <a:r>
+              <a:rPr lang="en-US" sz="2400" dirty="0"/>
               <a:t> </a:t>
             </a:r>
             <a:r>
-              <a:rPr lang="en-US" sz="1600" dirty="0" smtClean="0"/>
-              <a:t>Event Handling</a:t>
-            </a:r>
-            <a:endParaRPr lang="en-US" sz="1600" dirty="0" smtClean="0"/>
+              <a:rPr lang="en-US" sz="2400" dirty="0" err="1"/>
+              <a:t>System.out</a:t>
+            </a:r>
+            <a:r>
+              <a:rPr lang="en-US" sz="2400" dirty="0"/>
+              <a:t> class has several methods most notably print() and </a:t>
+            </a:r>
+            <a:r>
+              <a:rPr lang="en-US" sz="2400" dirty="0" err="1"/>
+              <a:t>println</a:t>
+            </a:r>
+            <a:r>
+              <a:rPr lang="en-US" sz="2400" dirty="0"/>
+              <a:t>() which print strings out to the console.</a:t>
+            </a:r>
+          </a:p>
+          <a:p>
+            <a:pPr>
+              <a:spcBef>
+                <a:spcPts val="600"/>
+              </a:spcBef>
+              <a:buFont typeface="Wingdings" panose="05000000000000000000" pitchFamily="2" charset="2"/>
+              <a:buChar char="v"/>
+            </a:pPr>
+            <a:r>
+              <a:rPr lang="en-US" sz="2400" dirty="0"/>
+              <a:t> System also has a System.in inner class used for input we will see in this in action later in this boot camp.</a:t>
+            </a:r>
+          </a:p>
+          <a:p>
+            <a:pPr>
+              <a:spcBef>
+                <a:spcPts val="600"/>
+              </a:spcBef>
+              <a:buFont typeface="Wingdings" panose="05000000000000000000" pitchFamily="2" charset="2"/>
+              <a:buChar char="v"/>
+            </a:pPr>
+            <a:r>
+              <a:rPr lang="en-US" sz="2400" dirty="0"/>
+              <a:t> Read more about inner classes here.</a:t>
+            </a:r>
+            <a:endParaRPr lang="en-GB" sz="2200" dirty="0"/>
           </a:p>
         </p:txBody>
       </p:sp>
     </p:spTree>
     <p:extLst>
       <p:ext uri="{BB962C8B-B14F-4D97-AF65-F5344CB8AC3E}">
-        <p14:creationId xmlns:p14="http://schemas.microsoft.com/office/powerpoint/2010/main" val="129472628"/>
+        <p14:creationId xmlns:p14="http://schemas.microsoft.com/office/powerpoint/2010/main" val="117403143"/>
+      </p:ext>
+    </p:extLst>
+  </p:cSld>
+  <p:clrMapOvr>
+    <a:masterClrMapping/>
+  </p:clrMapOvr>
+</p:sld>
+</file>
+
+<file path=ppt/slides/slide25.xml><?xml version="1.0" encoding="utf-8"?>
+<p:sld xmlns:a="http://schemas.openxmlformats.org/drawingml/2006/main" xmlns:r="http://schemas.openxmlformats.org/officeDocument/2006/relationships" xmlns:p="http://schemas.openxmlformats.org/presentationml/2006/main">
+  <p:cSld>
+    <p:spTree>
+      <p:nvGrpSpPr>
+        <p:cNvPr id="1" name=""/>
+        <p:cNvGrpSpPr/>
+        <p:nvPr/>
+      </p:nvGrpSpPr>
+      <p:grpSpPr>
+        <a:xfrm>
+          <a:off x="0" y="0"/>
+          <a:ext cx="0" cy="0"/>
+          <a:chOff x="0" y="0"/>
+          <a:chExt cx="0" cy="0"/>
+        </a:xfrm>
+      </p:grpSpPr>
+      <p:sp>
+        <p:nvSpPr>
+          <p:cNvPr id="2" name="Title 1">
+            <a:extLst>
+              <a:ext uri="{FF2B5EF4-FFF2-40B4-BE49-F238E27FC236}">
+                <a16:creationId xmlns:a16="http://schemas.microsoft.com/office/drawing/2014/main" id="{246F9E0B-86A4-4E10-83EC-058E0A0FD182}"/>
+              </a:ext>
+            </a:extLst>
+          </p:cNvPr>
+          <p:cNvSpPr>
+            <a:spLocks noGrp="1"/>
+          </p:cNvSpPr>
+          <p:nvPr>
+            <p:ph type="title"/>
+          </p:nvPr>
+        </p:nvSpPr>
+        <p:spPr/>
+        <p:txBody>
+          <a:bodyPr/>
+          <a:lstStyle/>
+          <a:p>
+            <a:r>
+              <a:rPr lang="en-GB" dirty="0"/>
+              <a:t>Inner-class representation</a:t>
+            </a:r>
+          </a:p>
+        </p:txBody>
+      </p:sp>
+      <p:sp>
+        <p:nvSpPr>
+          <p:cNvPr id="3" name="Content Placeholder 2">
+            <a:extLst>
+              <a:ext uri="{FF2B5EF4-FFF2-40B4-BE49-F238E27FC236}">
+                <a16:creationId xmlns:a16="http://schemas.microsoft.com/office/drawing/2014/main" id="{403E521B-0709-45EE-AE68-ABC7F471EC11}"/>
+              </a:ext>
+            </a:extLst>
+          </p:cNvPr>
+          <p:cNvSpPr>
+            <a:spLocks noGrp="1"/>
+          </p:cNvSpPr>
+          <p:nvPr>
+            <p:ph idx="1"/>
+          </p:nvPr>
+        </p:nvSpPr>
+        <p:spPr/>
+        <p:txBody>
+          <a:bodyPr/>
+          <a:lstStyle/>
+          <a:p>
+            <a:endParaRPr lang="en-GB"/>
+          </a:p>
+        </p:txBody>
+      </p:sp>
+    </p:spTree>
+    <p:extLst>
+      <p:ext uri="{BB962C8B-B14F-4D97-AF65-F5344CB8AC3E}">
+        <p14:creationId xmlns:p14="http://schemas.microsoft.com/office/powerpoint/2010/main" val="594945526"/>
+      </p:ext>
+    </p:extLst>
+  </p:cSld>
+  <p:clrMapOvr>
+    <a:masterClrMapping/>
+  </p:clrMapOvr>
+</p:sld>
+</file>
+
+<file path=ppt/slides/slide26.xml><?xml version="1.0" encoding="utf-8"?>
+<p:sld xmlns:a="http://schemas.openxmlformats.org/drawingml/2006/main" xmlns:r="http://schemas.openxmlformats.org/officeDocument/2006/relationships" xmlns:p="http://schemas.openxmlformats.org/presentationml/2006/main">
+  <p:cSld>
+    <p:spTree>
+      <p:nvGrpSpPr>
+        <p:cNvPr id="1" name=""/>
+        <p:cNvGrpSpPr/>
+        <p:nvPr/>
+      </p:nvGrpSpPr>
+      <p:grpSpPr>
+        <a:xfrm>
+          <a:off x="0" y="0"/>
+          <a:ext cx="0" cy="0"/>
+          <a:chOff x="0" y="0"/>
+          <a:chExt cx="0" cy="0"/>
+        </a:xfrm>
+      </p:grpSpPr>
+      <p:sp>
+        <p:nvSpPr>
+          <p:cNvPr id="3" name="Content Placeholder 2">
+            <a:extLst>
+              <a:ext uri="{FF2B5EF4-FFF2-40B4-BE49-F238E27FC236}">
+                <a16:creationId xmlns:a16="http://schemas.microsoft.com/office/drawing/2014/main" id="{6C7F13ED-B066-4225-805E-0889FD78E024}"/>
+              </a:ext>
+            </a:extLst>
+          </p:cNvPr>
+          <p:cNvSpPr>
+            <a:spLocks noGrp="1"/>
+          </p:cNvSpPr>
+          <p:nvPr>
+            <p:ph idx="1"/>
+          </p:nvPr>
+        </p:nvSpPr>
+        <p:spPr/>
+        <p:txBody>
+          <a:bodyPr>
+            <a:normAutofit/>
+          </a:bodyPr>
+          <a:lstStyle/>
+          <a:p>
+            <a:pPr algn="ctr"/>
+            <a:endParaRPr lang="en-GB" sz="4800" dirty="0"/>
+          </a:p>
+          <a:p>
+            <a:pPr marL="0" indent="0" algn="ctr">
+              <a:buNone/>
+            </a:pPr>
+            <a:endParaRPr lang="en-GB" sz="4800" dirty="0"/>
+          </a:p>
+          <a:p>
+            <a:pPr marL="0" indent="0" algn="ctr">
+              <a:buNone/>
+            </a:pPr>
+            <a:r>
+              <a:rPr lang="en-GB" sz="4800" dirty="0"/>
+              <a:t>Any Questions?</a:t>
+            </a:r>
+          </a:p>
+        </p:txBody>
+      </p:sp>
+    </p:spTree>
+    <p:extLst>
+      <p:ext uri="{BB962C8B-B14F-4D97-AF65-F5344CB8AC3E}">
+        <p14:creationId xmlns:p14="http://schemas.microsoft.com/office/powerpoint/2010/main" val="1941539764"/>
+      </p:ext>
+    </p:extLst>
+  </p:cSld>
+  <p:clrMapOvr>
+    <a:masterClrMapping/>
+  </p:clrMapOvr>
+</p:sld>
+</file>
+
+<file path=ppt/slides/slide27.xml><?xml version="1.0" encoding="utf-8"?>
+<p:sld xmlns:a="http://schemas.openxmlformats.org/drawingml/2006/main" xmlns:r="http://schemas.openxmlformats.org/officeDocument/2006/relationships" xmlns:p="http://schemas.openxmlformats.org/presentationml/2006/main">
+  <p:cSld>
+    <p:spTree>
+      <p:nvGrpSpPr>
+        <p:cNvPr id="1" name=""/>
+        <p:cNvGrpSpPr/>
+        <p:nvPr/>
+      </p:nvGrpSpPr>
+      <p:grpSpPr>
+        <a:xfrm>
+          <a:off x="0" y="0"/>
+          <a:ext cx="0" cy="0"/>
+          <a:chOff x="0" y="0"/>
+          <a:chExt cx="0" cy="0"/>
+        </a:xfrm>
+      </p:grpSpPr>
+      <p:sp>
+        <p:nvSpPr>
+          <p:cNvPr id="2" name="Title 1">
+            <a:extLst>
+              <a:ext uri="{FF2B5EF4-FFF2-40B4-BE49-F238E27FC236}">
+                <a16:creationId xmlns:a16="http://schemas.microsoft.com/office/drawing/2014/main" id="{7304BBA7-9D5E-4B9A-95AF-2E54F4B41C0E}"/>
+              </a:ext>
+            </a:extLst>
+          </p:cNvPr>
+          <p:cNvSpPr>
+            <a:spLocks noGrp="1"/>
+          </p:cNvSpPr>
+          <p:nvPr>
+            <p:ph type="title"/>
+          </p:nvPr>
+        </p:nvSpPr>
+        <p:spPr>
+          <a:xfrm>
+            <a:off x="822960" y="286605"/>
+            <a:ext cx="7543800" cy="759452"/>
+          </a:xfrm>
+        </p:spPr>
+        <p:txBody>
+          <a:bodyPr/>
+          <a:lstStyle/>
+          <a:p>
+            <a:r>
+              <a:rPr lang="en-GB" dirty="0"/>
+              <a:t>Java Packages</a:t>
+            </a:r>
+          </a:p>
+        </p:txBody>
+      </p:sp>
+      <p:sp>
+        <p:nvSpPr>
+          <p:cNvPr id="3" name="Content Placeholder 2">
+            <a:extLst>
+              <a:ext uri="{FF2B5EF4-FFF2-40B4-BE49-F238E27FC236}">
+                <a16:creationId xmlns:a16="http://schemas.microsoft.com/office/drawing/2014/main" id="{3AB586B9-467B-4F63-B336-2E9D19321584}"/>
+              </a:ext>
+            </a:extLst>
+          </p:cNvPr>
+          <p:cNvSpPr>
+            <a:spLocks noGrp="1"/>
+          </p:cNvSpPr>
+          <p:nvPr>
+            <p:ph idx="1"/>
+          </p:nvPr>
+        </p:nvSpPr>
+        <p:spPr>
+          <a:xfrm>
+            <a:off x="822960" y="1347900"/>
+            <a:ext cx="7415518" cy="4765887"/>
+          </a:xfrm>
+        </p:spPr>
+        <p:txBody>
+          <a:bodyPr>
+            <a:noAutofit/>
+          </a:bodyPr>
+          <a:lstStyle/>
+          <a:p>
+            <a:pPr>
+              <a:spcBef>
+                <a:spcPts val="600"/>
+              </a:spcBef>
+              <a:buFont typeface="Wingdings" panose="05000000000000000000" pitchFamily="2" charset="2"/>
+              <a:buChar char="v"/>
+            </a:pPr>
+            <a:r>
+              <a:rPr lang="en-GB" sz="2400" dirty="0"/>
+              <a:t> OOP helps to organise your code into reusable logical structures known as classes. </a:t>
+            </a:r>
+          </a:p>
+          <a:p>
+            <a:pPr>
+              <a:spcBef>
+                <a:spcPts val="600"/>
+              </a:spcBef>
+              <a:buFont typeface="Wingdings" panose="05000000000000000000" pitchFamily="2" charset="2"/>
+              <a:buChar char="v"/>
+            </a:pPr>
+            <a:r>
+              <a:rPr lang="en-GB" sz="2400" dirty="0"/>
+              <a:t> A large number of classes have been written by the  creator of the java language and arranged into logical hierarchies known as packages.</a:t>
+            </a:r>
+          </a:p>
+          <a:p>
+            <a:pPr>
+              <a:spcBef>
+                <a:spcPts val="600"/>
+              </a:spcBef>
+              <a:buFont typeface="Wingdings" panose="05000000000000000000" pitchFamily="2" charset="2"/>
+              <a:buChar char="v"/>
+            </a:pPr>
+            <a:r>
+              <a:rPr lang="en-GB" sz="2400" dirty="0"/>
+              <a:t> In practice as every java class represents a compilation unit or file, every package represents an actual sub-folder within your operating system file system.</a:t>
+            </a:r>
+          </a:p>
+          <a:p>
+            <a:pPr>
+              <a:spcBef>
+                <a:spcPts val="600"/>
+              </a:spcBef>
+              <a:buFont typeface="Wingdings" panose="05000000000000000000" pitchFamily="2" charset="2"/>
+              <a:buChar char="v"/>
+            </a:pPr>
+            <a:r>
+              <a:rPr lang="en-GB" sz="2400" dirty="0"/>
+              <a:t> thus </a:t>
+            </a:r>
+            <a:r>
+              <a:rPr lang="en-GB" sz="2400" dirty="0" err="1"/>
+              <a:t>org.studygroup.LoanCalc</a:t>
+            </a:r>
+            <a:r>
+              <a:rPr lang="en-GB" sz="2400" dirty="0"/>
+              <a:t> class has the following hierarchy</a:t>
+            </a:r>
+          </a:p>
+          <a:p>
+            <a:pPr marL="0" indent="0">
+              <a:spcBef>
+                <a:spcPts val="600"/>
+              </a:spcBef>
+              <a:buNone/>
+            </a:pPr>
+            <a:endParaRPr lang="en-GB" sz="2200" dirty="0"/>
+          </a:p>
+        </p:txBody>
+      </p:sp>
+      <p:sp>
+        <p:nvSpPr>
+          <p:cNvPr id="4" name="Rectangle: Single Corner Rounded 3">
+            <a:extLst>
+              <a:ext uri="{FF2B5EF4-FFF2-40B4-BE49-F238E27FC236}">
+                <a16:creationId xmlns:a16="http://schemas.microsoft.com/office/drawing/2014/main" id="{9ACE82F1-2A5A-41D9-80A8-3B70429AF3A9}"/>
+              </a:ext>
+            </a:extLst>
+          </p:cNvPr>
+          <p:cNvSpPr/>
+          <p:nvPr/>
+        </p:nvSpPr>
+        <p:spPr>
+          <a:xfrm>
+            <a:off x="5220069" y="4740676"/>
+            <a:ext cx="976544" cy="363985"/>
+          </a:xfrm>
+          <a:prstGeom prst="round1Rect">
+            <a:avLst/>
+          </a:prstGeom>
+        </p:spPr>
+        <p:style>
+          <a:lnRef idx="2">
+            <a:schemeClr val="accent1">
+              <a:shade val="50000"/>
+            </a:schemeClr>
+          </a:lnRef>
+          <a:fillRef idx="1">
+            <a:schemeClr val="accent1"/>
+          </a:fillRef>
+          <a:effectRef idx="0">
+            <a:schemeClr val="accent1"/>
+          </a:effectRef>
+          <a:fontRef idx="minor">
+            <a:schemeClr val="lt1"/>
+          </a:fontRef>
+        </p:style>
+        <p:txBody>
+          <a:bodyPr rtlCol="0" anchor="ctr"/>
+          <a:lstStyle/>
+          <a:p>
+            <a:pPr algn="ctr"/>
+            <a:r>
+              <a:rPr lang="en-GB" dirty="0"/>
+              <a:t>org</a:t>
+            </a:r>
+          </a:p>
+        </p:txBody>
+      </p:sp>
+      <p:sp>
+        <p:nvSpPr>
+          <p:cNvPr id="5" name="Rectangle: Single Corner Rounded 4">
+            <a:extLst>
+              <a:ext uri="{FF2B5EF4-FFF2-40B4-BE49-F238E27FC236}">
+                <a16:creationId xmlns:a16="http://schemas.microsoft.com/office/drawing/2014/main" id="{483A61F0-8E87-4EA6-ACDA-A2D3CF916A1D}"/>
+              </a:ext>
+            </a:extLst>
+          </p:cNvPr>
+          <p:cNvSpPr/>
+          <p:nvPr/>
+        </p:nvSpPr>
+        <p:spPr>
+          <a:xfrm>
+            <a:off x="5868140" y="5224511"/>
+            <a:ext cx="1305017" cy="363985"/>
+          </a:xfrm>
+          <a:prstGeom prst="round1Rect">
+            <a:avLst/>
+          </a:prstGeom>
+        </p:spPr>
+        <p:style>
+          <a:lnRef idx="2">
+            <a:schemeClr val="accent1">
+              <a:shade val="50000"/>
+            </a:schemeClr>
+          </a:lnRef>
+          <a:fillRef idx="1">
+            <a:schemeClr val="accent1"/>
+          </a:fillRef>
+          <a:effectRef idx="0">
+            <a:schemeClr val="accent1"/>
+          </a:effectRef>
+          <a:fontRef idx="minor">
+            <a:schemeClr val="lt1"/>
+          </a:fontRef>
+        </p:style>
+        <p:txBody>
+          <a:bodyPr rtlCol="0" anchor="ctr"/>
+          <a:lstStyle/>
+          <a:p>
+            <a:pPr algn="ctr"/>
+            <a:r>
+              <a:rPr lang="en-GB" dirty="0" err="1"/>
+              <a:t>studygroup</a:t>
+            </a:r>
+            <a:endParaRPr lang="en-GB" dirty="0"/>
+          </a:p>
+        </p:txBody>
+      </p:sp>
+      <p:sp>
+        <p:nvSpPr>
+          <p:cNvPr id="7" name="Rectangle: Single Corner Rounded 6">
+            <a:extLst>
+              <a:ext uri="{FF2B5EF4-FFF2-40B4-BE49-F238E27FC236}">
+                <a16:creationId xmlns:a16="http://schemas.microsoft.com/office/drawing/2014/main" id="{A180C08B-8198-470F-9397-BA012FEA649E}"/>
+              </a:ext>
+            </a:extLst>
+          </p:cNvPr>
+          <p:cNvSpPr/>
+          <p:nvPr/>
+        </p:nvSpPr>
+        <p:spPr>
+          <a:xfrm>
+            <a:off x="6516210" y="5695786"/>
+            <a:ext cx="1562470" cy="363985"/>
+          </a:xfrm>
+          <a:prstGeom prst="round1Rect">
+            <a:avLst/>
+          </a:prstGeom>
+          <a:noFill/>
+          <a:ln>
+            <a:noFill/>
+          </a:ln>
+        </p:spPr>
+        <p:style>
+          <a:lnRef idx="2">
+            <a:schemeClr val="accent1">
+              <a:shade val="50000"/>
+            </a:schemeClr>
+          </a:lnRef>
+          <a:fillRef idx="1">
+            <a:schemeClr val="accent1"/>
+          </a:fillRef>
+          <a:effectRef idx="0">
+            <a:schemeClr val="accent1"/>
+          </a:effectRef>
+          <a:fontRef idx="minor">
+            <a:schemeClr val="lt1"/>
+          </a:fontRef>
+        </p:style>
+        <p:txBody>
+          <a:bodyPr rtlCol="0" anchor="ctr"/>
+          <a:lstStyle/>
+          <a:p>
+            <a:pPr algn="ctr"/>
+            <a:r>
+              <a:rPr lang="en-GB" dirty="0">
+                <a:solidFill>
+                  <a:schemeClr val="tx1"/>
+                </a:solidFill>
+              </a:rPr>
+              <a:t>LoanCalc.java</a:t>
+            </a:r>
+          </a:p>
+        </p:txBody>
+      </p:sp>
+      <p:cxnSp>
+        <p:nvCxnSpPr>
+          <p:cNvPr id="9" name="Connector: Elbow 8">
+            <a:extLst>
+              <a:ext uri="{FF2B5EF4-FFF2-40B4-BE49-F238E27FC236}">
+                <a16:creationId xmlns:a16="http://schemas.microsoft.com/office/drawing/2014/main" id="{5550174B-63E2-483E-85F9-BC9AFA663C99}"/>
+              </a:ext>
+            </a:extLst>
+          </p:cNvPr>
+          <p:cNvCxnSpPr>
+            <a:stCxn id="4" idx="2"/>
+            <a:endCxn id="5" idx="1"/>
+          </p:cNvCxnSpPr>
+          <p:nvPr/>
+        </p:nvCxnSpPr>
+        <p:spPr>
+          <a:xfrm rot="16200000" flipH="1">
+            <a:off x="5637319" y="5175682"/>
+            <a:ext cx="301843" cy="159799"/>
+          </a:xfrm>
+          <a:prstGeom prst="bentConnector2">
+            <a:avLst/>
+          </a:prstGeom>
+          <a:ln w="38100"/>
+        </p:spPr>
+        <p:style>
+          <a:lnRef idx="1">
+            <a:schemeClr val="accent1"/>
+          </a:lnRef>
+          <a:fillRef idx="0">
+            <a:schemeClr val="accent1"/>
+          </a:fillRef>
+          <a:effectRef idx="0">
+            <a:schemeClr val="accent1"/>
+          </a:effectRef>
+          <a:fontRef idx="minor">
+            <a:schemeClr val="tx1"/>
+          </a:fontRef>
+        </p:style>
+      </p:cxnSp>
+      <p:cxnSp>
+        <p:nvCxnSpPr>
+          <p:cNvPr id="10" name="Connector: Elbow 9">
+            <a:extLst>
+              <a:ext uri="{FF2B5EF4-FFF2-40B4-BE49-F238E27FC236}">
+                <a16:creationId xmlns:a16="http://schemas.microsoft.com/office/drawing/2014/main" id="{120FA368-E237-47CB-AF58-691D9EBFC8C8}"/>
+              </a:ext>
+            </a:extLst>
+          </p:cNvPr>
+          <p:cNvCxnSpPr>
+            <a:cxnSpLocks/>
+            <a:stCxn id="5" idx="2"/>
+          </p:cNvCxnSpPr>
+          <p:nvPr/>
+        </p:nvCxnSpPr>
+        <p:spPr>
+          <a:xfrm rot="16200000" flipH="1">
+            <a:off x="6429652" y="5679492"/>
+            <a:ext cx="301844" cy="119851"/>
+          </a:xfrm>
+          <a:prstGeom prst="bentConnector3">
+            <a:avLst>
+              <a:gd name="adj1" fmla="val 102941"/>
+            </a:avLst>
+          </a:prstGeom>
+          <a:ln w="38100"/>
+        </p:spPr>
+        <p:style>
+          <a:lnRef idx="1">
+            <a:schemeClr val="accent1"/>
+          </a:lnRef>
+          <a:fillRef idx="0">
+            <a:schemeClr val="accent1"/>
+          </a:fillRef>
+          <a:effectRef idx="0">
+            <a:schemeClr val="accent1"/>
+          </a:effectRef>
+          <a:fontRef idx="minor">
+            <a:schemeClr val="tx1"/>
+          </a:fontRef>
+        </p:style>
+      </p:cxnSp>
+    </p:spTree>
+    <p:extLst>
+      <p:ext uri="{BB962C8B-B14F-4D97-AF65-F5344CB8AC3E}">
+        <p14:creationId xmlns:p14="http://schemas.microsoft.com/office/powerpoint/2010/main" val="3353611644"/>
+      </p:ext>
+    </p:extLst>
+  </p:cSld>
+  <p:clrMapOvr>
+    <a:masterClrMapping/>
+  </p:clrMapOvr>
+</p:sld>
+</file>
+
+<file path=ppt/slides/slide28.xml><?xml version="1.0" encoding="utf-8"?>
+<p:sld xmlns:a="http://schemas.openxmlformats.org/drawingml/2006/main" xmlns:r="http://schemas.openxmlformats.org/officeDocument/2006/relationships" xmlns:p="http://schemas.openxmlformats.org/presentationml/2006/main">
+  <p:cSld>
+    <p:spTree>
+      <p:nvGrpSpPr>
+        <p:cNvPr id="1" name=""/>
+        <p:cNvGrpSpPr/>
+        <p:nvPr/>
+      </p:nvGrpSpPr>
+      <p:grpSpPr>
+        <a:xfrm>
+          <a:off x="0" y="0"/>
+          <a:ext cx="0" cy="0"/>
+          <a:chOff x="0" y="0"/>
+          <a:chExt cx="0" cy="0"/>
+        </a:xfrm>
+      </p:grpSpPr>
+      <p:sp>
+        <p:nvSpPr>
+          <p:cNvPr id="2" name="Title 1">
+            <a:extLst>
+              <a:ext uri="{FF2B5EF4-FFF2-40B4-BE49-F238E27FC236}">
+                <a16:creationId xmlns:a16="http://schemas.microsoft.com/office/drawing/2014/main" id="{7304BBA7-9D5E-4B9A-95AF-2E54F4B41C0E}"/>
+              </a:ext>
+            </a:extLst>
+          </p:cNvPr>
+          <p:cNvSpPr>
+            <a:spLocks noGrp="1"/>
+          </p:cNvSpPr>
+          <p:nvPr>
+            <p:ph type="title"/>
+          </p:nvPr>
+        </p:nvSpPr>
+        <p:spPr>
+          <a:xfrm>
+            <a:off x="822960" y="979062"/>
+            <a:ext cx="7543800" cy="759452"/>
+          </a:xfrm>
+        </p:spPr>
+        <p:txBody>
+          <a:bodyPr/>
+          <a:lstStyle/>
+          <a:p>
+            <a:r>
+              <a:rPr lang="en-GB" dirty="0"/>
+              <a:t>Java Packages</a:t>
+            </a:r>
+          </a:p>
+        </p:txBody>
+      </p:sp>
+      <p:sp>
+        <p:nvSpPr>
+          <p:cNvPr id="3" name="Content Placeholder 2">
+            <a:extLst>
+              <a:ext uri="{FF2B5EF4-FFF2-40B4-BE49-F238E27FC236}">
+                <a16:creationId xmlns:a16="http://schemas.microsoft.com/office/drawing/2014/main" id="{3AB586B9-467B-4F63-B336-2E9D19321584}"/>
+              </a:ext>
+            </a:extLst>
+          </p:cNvPr>
+          <p:cNvSpPr>
+            <a:spLocks noGrp="1"/>
+          </p:cNvSpPr>
+          <p:nvPr>
+            <p:ph idx="1"/>
+          </p:nvPr>
+        </p:nvSpPr>
+        <p:spPr>
+          <a:xfrm>
+            <a:off x="822960" y="2040357"/>
+            <a:ext cx="7415518" cy="4765887"/>
+          </a:xfrm>
+        </p:spPr>
+        <p:txBody>
+          <a:bodyPr>
+            <a:noAutofit/>
+          </a:bodyPr>
+          <a:lstStyle/>
+          <a:p>
+            <a:pPr>
+              <a:spcBef>
+                <a:spcPts val="600"/>
+              </a:spcBef>
+              <a:buFont typeface="Wingdings" panose="05000000000000000000" pitchFamily="2" charset="2"/>
+              <a:buChar char="v"/>
+            </a:pPr>
+            <a:r>
+              <a:rPr lang="en-GB" sz="2400" dirty="0"/>
+              <a:t> Packages are imported using the import keyword and declared using the package keyword.</a:t>
+            </a:r>
+          </a:p>
+          <a:p>
+            <a:pPr marL="0" indent="0">
+              <a:spcBef>
+                <a:spcPts val="600"/>
+              </a:spcBef>
+              <a:buNone/>
+            </a:pPr>
+            <a:endParaRPr lang="en-GB" sz="2200" dirty="0"/>
+          </a:p>
+        </p:txBody>
+      </p:sp>
+    </p:spTree>
+    <p:extLst>
+      <p:ext uri="{BB962C8B-B14F-4D97-AF65-F5344CB8AC3E}">
+        <p14:creationId xmlns:p14="http://schemas.microsoft.com/office/powerpoint/2010/main" val="2685341136"/>
+      </p:ext>
+    </p:extLst>
+  </p:cSld>
+  <p:clrMapOvr>
+    <a:masterClrMapping/>
+  </p:clrMapOvr>
+</p:sld>
+</file>
+
+<file path=ppt/slides/slide29.xml><?xml version="1.0" encoding="utf-8"?>
+<p:sld xmlns:a="http://schemas.openxmlformats.org/drawingml/2006/main" xmlns:r="http://schemas.openxmlformats.org/officeDocument/2006/relationships" xmlns:p="http://schemas.openxmlformats.org/presentationml/2006/main">
+  <p:cSld>
+    <p:spTree>
+      <p:nvGrpSpPr>
+        <p:cNvPr id="1" name=""/>
+        <p:cNvGrpSpPr/>
+        <p:nvPr/>
+      </p:nvGrpSpPr>
+      <p:grpSpPr>
+        <a:xfrm>
+          <a:off x="0" y="0"/>
+          <a:ext cx="0" cy="0"/>
+          <a:chOff x="0" y="0"/>
+          <a:chExt cx="0" cy="0"/>
+        </a:xfrm>
+      </p:grpSpPr>
+      <p:sp>
+        <p:nvSpPr>
+          <p:cNvPr id="3" name="Content Placeholder 2">
+            <a:extLst>
+              <a:ext uri="{FF2B5EF4-FFF2-40B4-BE49-F238E27FC236}">
+                <a16:creationId xmlns:a16="http://schemas.microsoft.com/office/drawing/2014/main" id="{6C7F13ED-B066-4225-805E-0889FD78E024}"/>
+              </a:ext>
+            </a:extLst>
+          </p:cNvPr>
+          <p:cNvSpPr>
+            <a:spLocks noGrp="1"/>
+          </p:cNvSpPr>
+          <p:nvPr>
+            <p:ph idx="1"/>
+          </p:nvPr>
+        </p:nvSpPr>
+        <p:spPr/>
+        <p:txBody>
+          <a:bodyPr>
+            <a:normAutofit/>
+          </a:bodyPr>
+          <a:lstStyle/>
+          <a:p>
+            <a:pPr algn="ctr"/>
+            <a:endParaRPr lang="en-GB" sz="4800" dirty="0"/>
+          </a:p>
+          <a:p>
+            <a:pPr marL="0" indent="0" algn="ctr">
+              <a:buNone/>
+            </a:pPr>
+            <a:endParaRPr lang="en-GB" sz="4800" dirty="0"/>
+          </a:p>
+          <a:p>
+            <a:pPr marL="0" indent="0" algn="ctr">
+              <a:buNone/>
+            </a:pPr>
+            <a:r>
+              <a:rPr lang="en-GB" sz="4800" dirty="0"/>
+              <a:t>Any Questions?</a:t>
+            </a:r>
+          </a:p>
+        </p:txBody>
+      </p:sp>
+    </p:spTree>
+    <p:extLst>
+      <p:ext uri="{BB962C8B-B14F-4D97-AF65-F5344CB8AC3E}">
+        <p14:creationId xmlns:p14="http://schemas.microsoft.com/office/powerpoint/2010/main" val="2181367514"/>
       </p:ext>
     </p:extLst>
   </p:cSld>
@@ -4276,6 +7183,521 @@
       </p:grpSpPr>
       <p:sp>
         <p:nvSpPr>
+          <p:cNvPr id="2" name="Title 1">
+            <a:extLst>
+              <a:ext uri="{FF2B5EF4-FFF2-40B4-BE49-F238E27FC236}">
+                <a16:creationId xmlns:a16="http://schemas.microsoft.com/office/drawing/2014/main" id="{7304BBA7-9D5E-4B9A-95AF-2E54F4B41C0E}"/>
+              </a:ext>
+            </a:extLst>
+          </p:cNvPr>
+          <p:cNvSpPr>
+            <a:spLocks noGrp="1"/>
+          </p:cNvSpPr>
+          <p:nvPr>
+            <p:ph type="title"/>
+          </p:nvPr>
+        </p:nvSpPr>
+        <p:spPr>
+          <a:xfrm>
+            <a:off x="822960" y="286605"/>
+            <a:ext cx="7543800" cy="488647"/>
+          </a:xfrm>
+        </p:spPr>
+        <p:txBody>
+          <a:bodyPr>
+            <a:normAutofit fontScale="90000"/>
+          </a:bodyPr>
+          <a:lstStyle/>
+          <a:p>
+            <a:r>
+              <a:rPr lang="en-GB" dirty="0"/>
+              <a:t>POS Class diagram Example</a:t>
+            </a:r>
+          </a:p>
+        </p:txBody>
+      </p:sp>
+      <p:pic>
+        <p:nvPicPr>
+          <p:cNvPr id="6" name="Content Placeholder 5" descr="Diagram&#10;&#10;Description automatically generated">
+            <a:extLst>
+              <a:ext uri="{FF2B5EF4-FFF2-40B4-BE49-F238E27FC236}">
+                <a16:creationId xmlns:a16="http://schemas.microsoft.com/office/drawing/2014/main" id="{FB638EC6-7D18-496A-A0EE-FA21A8B82A07}"/>
+              </a:ext>
+            </a:extLst>
+          </p:cNvPr>
+          <p:cNvPicPr>
+            <a:picLocks noGrp="1" noChangeAspect="1"/>
+          </p:cNvPicPr>
+          <p:nvPr>
+            <p:ph idx="1"/>
+          </p:nvPr>
+        </p:nvPicPr>
+        <p:blipFill>
+          <a:blip r:embed="rId2">
+            <a:extLst>
+              <a:ext uri="{28A0092B-C50C-407E-A947-70E740481C1C}">
+                <a14:useLocalDpi xmlns:a14="http://schemas.microsoft.com/office/drawing/2010/main" val="0"/>
+              </a:ext>
+            </a:extLst>
+          </a:blip>
+          <a:stretch>
+            <a:fillRect/>
+          </a:stretch>
+        </p:blipFill>
+        <p:spPr>
+          <a:xfrm>
+            <a:off x="1808096" y="775252"/>
+            <a:ext cx="6121474" cy="5548795"/>
+          </a:xfrm>
+        </p:spPr>
+      </p:pic>
+    </p:spTree>
+    <p:extLst>
+      <p:ext uri="{BB962C8B-B14F-4D97-AF65-F5344CB8AC3E}">
+        <p14:creationId xmlns:p14="http://schemas.microsoft.com/office/powerpoint/2010/main" val="1028448660"/>
+      </p:ext>
+    </p:extLst>
+  </p:cSld>
+  <p:clrMapOvr>
+    <a:masterClrMapping/>
+  </p:clrMapOvr>
+</p:sld>
+</file>
+
+<file path=ppt/slides/slide30.xml><?xml version="1.0" encoding="utf-8"?>
+<p:sld xmlns:a="http://schemas.openxmlformats.org/drawingml/2006/main" xmlns:r="http://schemas.openxmlformats.org/officeDocument/2006/relationships" xmlns:p="http://schemas.openxmlformats.org/presentationml/2006/main">
+  <p:cSld>
+    <p:spTree>
+      <p:nvGrpSpPr>
+        <p:cNvPr id="1" name=""/>
+        <p:cNvGrpSpPr/>
+        <p:nvPr/>
+      </p:nvGrpSpPr>
+      <p:grpSpPr>
+        <a:xfrm>
+          <a:off x="0" y="0"/>
+          <a:ext cx="0" cy="0"/>
+          <a:chOff x="0" y="0"/>
+          <a:chExt cx="0" cy="0"/>
+        </a:xfrm>
+      </p:grpSpPr>
+      <p:sp>
+        <p:nvSpPr>
+          <p:cNvPr id="2" name="Title 1">
+            <a:extLst>
+              <a:ext uri="{FF2B5EF4-FFF2-40B4-BE49-F238E27FC236}">
+                <a16:creationId xmlns:a16="http://schemas.microsoft.com/office/drawing/2014/main" id="{7304BBA7-9D5E-4B9A-95AF-2E54F4B41C0E}"/>
+              </a:ext>
+            </a:extLst>
+          </p:cNvPr>
+          <p:cNvSpPr>
+            <a:spLocks noGrp="1"/>
+          </p:cNvSpPr>
+          <p:nvPr>
+            <p:ph type="title"/>
+          </p:nvPr>
+        </p:nvSpPr>
+        <p:spPr/>
+        <p:txBody>
+          <a:bodyPr/>
+          <a:lstStyle/>
+          <a:p>
+            <a:r>
+              <a:rPr lang="en-GB" dirty="0"/>
+              <a:t>Java Library</a:t>
+            </a:r>
+          </a:p>
+        </p:txBody>
+      </p:sp>
+      <p:sp>
+        <p:nvSpPr>
+          <p:cNvPr id="3" name="Content Placeholder 2">
+            <a:extLst>
+              <a:ext uri="{FF2B5EF4-FFF2-40B4-BE49-F238E27FC236}">
+                <a16:creationId xmlns:a16="http://schemas.microsoft.com/office/drawing/2014/main" id="{3AB586B9-467B-4F63-B336-2E9D19321584}"/>
+              </a:ext>
+            </a:extLst>
+          </p:cNvPr>
+          <p:cNvSpPr>
+            <a:spLocks noGrp="1"/>
+          </p:cNvSpPr>
+          <p:nvPr>
+            <p:ph idx="1"/>
+          </p:nvPr>
+        </p:nvSpPr>
+        <p:spPr>
+          <a:xfrm>
+            <a:off x="822960" y="1788584"/>
+            <a:ext cx="7415518" cy="4023360"/>
+          </a:xfrm>
+        </p:spPr>
+        <p:txBody>
+          <a:bodyPr>
+            <a:noAutofit/>
+          </a:bodyPr>
+          <a:lstStyle/>
+          <a:p>
+            <a:pPr>
+              <a:spcBef>
+                <a:spcPts val="600"/>
+              </a:spcBef>
+              <a:buFont typeface="Wingdings" panose="05000000000000000000" pitchFamily="2" charset="2"/>
+              <a:buChar char="v"/>
+            </a:pPr>
+            <a:r>
+              <a:rPr lang="en-GB" sz="2400" dirty="0"/>
+              <a:t> There are limitation associated with an interface which includes</a:t>
+            </a:r>
+          </a:p>
+          <a:p>
+            <a:pPr marL="658368" lvl="1" indent="-457200">
+              <a:spcBef>
+                <a:spcPts val="600"/>
+              </a:spcBef>
+              <a:buFont typeface="+mj-lt"/>
+              <a:buAutoNum type="arabicPeriod"/>
+            </a:pPr>
+            <a:r>
+              <a:rPr lang="en-GB" sz="2200" dirty="0"/>
+              <a:t>An interface does not have data members only methods</a:t>
+            </a:r>
+          </a:p>
+          <a:p>
+            <a:pPr marL="658368" lvl="1" indent="-457200">
+              <a:spcBef>
+                <a:spcPts val="600"/>
+              </a:spcBef>
+              <a:buFont typeface="+mj-lt"/>
+              <a:buAutoNum type="arabicPeriod"/>
+            </a:pPr>
+            <a:r>
+              <a:rPr lang="en-GB" sz="2200" dirty="0"/>
+              <a:t>All the methods declared within an interface must be implemented</a:t>
+            </a:r>
+          </a:p>
+          <a:p>
+            <a:pPr>
+              <a:spcBef>
+                <a:spcPts val="600"/>
+              </a:spcBef>
+              <a:buFont typeface="Wingdings" panose="05000000000000000000" pitchFamily="2" charset="2"/>
+              <a:buChar char="v"/>
+            </a:pPr>
+            <a:r>
+              <a:rPr lang="en-GB" sz="2400" dirty="0"/>
+              <a:t> An abstract class is a go between a super class and an interface because it allows</a:t>
+            </a:r>
+          </a:p>
+          <a:p>
+            <a:pPr marL="658368" lvl="1" indent="-457200">
+              <a:spcBef>
+                <a:spcPts val="600"/>
+              </a:spcBef>
+              <a:buFont typeface="+mj-lt"/>
+              <a:buAutoNum type="arabicPeriod"/>
+            </a:pPr>
+            <a:r>
+              <a:rPr lang="en-GB" sz="2200" dirty="0"/>
+              <a:t>Certain methods that must and others that are optionally overridden.</a:t>
+            </a:r>
+          </a:p>
+          <a:p>
+            <a:pPr marL="658368" lvl="1" indent="-457200">
+              <a:spcBef>
+                <a:spcPts val="600"/>
+              </a:spcBef>
+              <a:buFont typeface="+mj-lt"/>
+              <a:buAutoNum type="arabicPeriod"/>
+            </a:pPr>
+            <a:r>
+              <a:rPr lang="en-GB" sz="2200" dirty="0"/>
+              <a:t>Data members which can be private, public, protected etc.</a:t>
+            </a:r>
+          </a:p>
+          <a:p>
+            <a:pPr>
+              <a:spcBef>
+                <a:spcPts val="600"/>
+              </a:spcBef>
+              <a:buFont typeface="Wingdings" panose="05000000000000000000" pitchFamily="2" charset="2"/>
+              <a:buChar char="v"/>
+            </a:pPr>
+            <a:r>
+              <a:rPr lang="en-GB" sz="2400" dirty="0"/>
+              <a:t> Methods within an abstract class that must be overridden are called abstract methods.</a:t>
+            </a:r>
+          </a:p>
+          <a:p>
+            <a:pPr marL="658368" lvl="1" indent="-457200">
+              <a:spcBef>
+                <a:spcPts val="600"/>
+              </a:spcBef>
+              <a:buFont typeface="+mj-lt"/>
+              <a:buAutoNum type="arabicPeriod"/>
+            </a:pPr>
+            <a:endParaRPr lang="en-GB" sz="2200" dirty="0"/>
+          </a:p>
+        </p:txBody>
+      </p:sp>
+    </p:spTree>
+    <p:extLst>
+      <p:ext uri="{BB962C8B-B14F-4D97-AF65-F5344CB8AC3E}">
+        <p14:creationId xmlns:p14="http://schemas.microsoft.com/office/powerpoint/2010/main" val="707064550"/>
+      </p:ext>
+    </p:extLst>
+  </p:cSld>
+  <p:clrMapOvr>
+    <a:masterClrMapping/>
+  </p:clrMapOvr>
+</p:sld>
+</file>
+
+<file path=ppt/slides/slide31.xml><?xml version="1.0" encoding="utf-8"?>
+<p:sld xmlns:a="http://schemas.openxmlformats.org/drawingml/2006/main" xmlns:r="http://schemas.openxmlformats.org/officeDocument/2006/relationships" xmlns:p="http://schemas.openxmlformats.org/presentationml/2006/main">
+  <p:cSld>
+    <p:spTree>
+      <p:nvGrpSpPr>
+        <p:cNvPr id="1" name=""/>
+        <p:cNvGrpSpPr/>
+        <p:nvPr/>
+      </p:nvGrpSpPr>
+      <p:grpSpPr>
+        <a:xfrm>
+          <a:off x="0" y="0"/>
+          <a:ext cx="0" cy="0"/>
+          <a:chOff x="0" y="0"/>
+          <a:chExt cx="0" cy="0"/>
+        </a:xfrm>
+      </p:grpSpPr>
+      <p:sp>
+        <p:nvSpPr>
+          <p:cNvPr id="2" name="Title 1">
+            <a:extLst>
+              <a:ext uri="{FF2B5EF4-FFF2-40B4-BE49-F238E27FC236}">
+                <a16:creationId xmlns:a16="http://schemas.microsoft.com/office/drawing/2014/main" id="{7304BBA7-9D5E-4B9A-95AF-2E54F4B41C0E}"/>
+              </a:ext>
+            </a:extLst>
+          </p:cNvPr>
+          <p:cNvSpPr>
+            <a:spLocks noGrp="1"/>
+          </p:cNvSpPr>
+          <p:nvPr>
+            <p:ph type="title"/>
+          </p:nvPr>
+        </p:nvSpPr>
+        <p:spPr/>
+        <p:txBody>
+          <a:bodyPr/>
+          <a:lstStyle/>
+          <a:p>
+            <a:r>
+              <a:rPr lang="en-GB" dirty="0"/>
+              <a:t>Common Java Language (</a:t>
+            </a:r>
+            <a:r>
+              <a:rPr lang="en-GB" dirty="0" err="1"/>
+              <a:t>java.lang</a:t>
+            </a:r>
+            <a:r>
+              <a:rPr lang="en-GB" dirty="0"/>
+              <a:t>) Package Classes</a:t>
+            </a:r>
+          </a:p>
+        </p:txBody>
+      </p:sp>
+      <p:sp>
+        <p:nvSpPr>
+          <p:cNvPr id="3" name="Content Placeholder 2">
+            <a:extLst>
+              <a:ext uri="{FF2B5EF4-FFF2-40B4-BE49-F238E27FC236}">
+                <a16:creationId xmlns:a16="http://schemas.microsoft.com/office/drawing/2014/main" id="{3AB586B9-467B-4F63-B336-2E9D19321584}"/>
+              </a:ext>
+            </a:extLst>
+          </p:cNvPr>
+          <p:cNvSpPr>
+            <a:spLocks noGrp="1"/>
+          </p:cNvSpPr>
+          <p:nvPr>
+            <p:ph idx="1"/>
+          </p:nvPr>
+        </p:nvSpPr>
+        <p:spPr>
+          <a:xfrm>
+            <a:off x="822960" y="1788584"/>
+            <a:ext cx="7415518" cy="4023360"/>
+          </a:xfrm>
+        </p:spPr>
+        <p:txBody>
+          <a:bodyPr>
+            <a:noAutofit/>
+          </a:bodyPr>
+          <a:lstStyle/>
+          <a:p>
+            <a:pPr>
+              <a:spcBef>
+                <a:spcPts val="600"/>
+              </a:spcBef>
+              <a:buFont typeface="Wingdings" panose="05000000000000000000" pitchFamily="2" charset="2"/>
+              <a:buChar char="v"/>
+            </a:pPr>
+            <a:r>
+              <a:rPr lang="en-GB" sz="2400" dirty="0"/>
+              <a:t> String</a:t>
+            </a:r>
+          </a:p>
+          <a:p>
+            <a:pPr>
+              <a:spcBef>
+                <a:spcPts val="600"/>
+              </a:spcBef>
+              <a:buFont typeface="Wingdings" panose="05000000000000000000" pitchFamily="2" charset="2"/>
+              <a:buChar char="v"/>
+            </a:pPr>
+            <a:r>
+              <a:rPr lang="en-GB" sz="2400" dirty="0"/>
+              <a:t> Math</a:t>
+            </a:r>
+          </a:p>
+          <a:p>
+            <a:pPr>
+              <a:spcBef>
+                <a:spcPts val="600"/>
+              </a:spcBef>
+              <a:buFont typeface="Wingdings" panose="05000000000000000000" pitchFamily="2" charset="2"/>
+              <a:buChar char="v"/>
+            </a:pPr>
+            <a:r>
+              <a:rPr lang="en-GB" sz="2400" dirty="0"/>
+              <a:t> Array</a:t>
+            </a:r>
+          </a:p>
+          <a:p>
+            <a:pPr>
+              <a:spcBef>
+                <a:spcPts val="600"/>
+              </a:spcBef>
+              <a:buFont typeface="Wingdings" panose="05000000000000000000" pitchFamily="2" charset="2"/>
+              <a:buChar char="v"/>
+            </a:pPr>
+            <a:r>
+              <a:rPr lang="en-GB" sz="2400" dirty="0"/>
+              <a:t> Integer</a:t>
+            </a:r>
+          </a:p>
+          <a:p>
+            <a:pPr>
+              <a:spcBef>
+                <a:spcPts val="600"/>
+              </a:spcBef>
+              <a:buFont typeface="Wingdings" panose="05000000000000000000" pitchFamily="2" charset="2"/>
+              <a:buChar char="v"/>
+            </a:pPr>
+            <a:r>
+              <a:rPr lang="en-GB" sz="2400" dirty="0"/>
+              <a:t> Double</a:t>
+            </a:r>
+          </a:p>
+          <a:p>
+            <a:pPr>
+              <a:spcBef>
+                <a:spcPts val="600"/>
+              </a:spcBef>
+              <a:buFont typeface="Wingdings" panose="05000000000000000000" pitchFamily="2" charset="2"/>
+              <a:buChar char="v"/>
+            </a:pPr>
+            <a:r>
+              <a:rPr lang="en-GB" sz="2400" dirty="0"/>
+              <a:t> Float</a:t>
+            </a:r>
+          </a:p>
+          <a:p>
+            <a:pPr>
+              <a:spcBef>
+                <a:spcPts val="600"/>
+              </a:spcBef>
+              <a:buFont typeface="Wingdings" panose="05000000000000000000" pitchFamily="2" charset="2"/>
+              <a:buChar char="v"/>
+            </a:pPr>
+            <a:r>
+              <a:rPr lang="en-GB" sz="2400" dirty="0"/>
+              <a:t> Char</a:t>
+            </a:r>
+          </a:p>
+          <a:p>
+            <a:pPr>
+              <a:spcBef>
+                <a:spcPts val="600"/>
+              </a:spcBef>
+              <a:buFont typeface="Wingdings" panose="05000000000000000000" pitchFamily="2" charset="2"/>
+              <a:buChar char="v"/>
+            </a:pPr>
+            <a:r>
+              <a:rPr lang="en-GB" sz="2400" dirty="0"/>
+              <a:t> Byte</a:t>
+            </a:r>
+          </a:p>
+          <a:p>
+            <a:pPr>
+              <a:spcBef>
+                <a:spcPts val="600"/>
+              </a:spcBef>
+              <a:buFont typeface="Wingdings" panose="05000000000000000000" pitchFamily="2" charset="2"/>
+              <a:buChar char="v"/>
+            </a:pPr>
+            <a:r>
+              <a:rPr lang="en-GB" sz="2400" dirty="0"/>
+              <a:t> </a:t>
+            </a:r>
+            <a:r>
+              <a:rPr lang="en-GB" sz="2400" dirty="0" err="1"/>
+              <a:t>StringBuffer</a:t>
+            </a:r>
+            <a:endParaRPr lang="en-GB" sz="2400" dirty="0"/>
+          </a:p>
+          <a:p>
+            <a:pPr marL="658368" lvl="1" indent="-457200">
+              <a:spcBef>
+                <a:spcPts val="600"/>
+              </a:spcBef>
+              <a:buFont typeface="+mj-lt"/>
+              <a:buAutoNum type="arabicPeriod"/>
+            </a:pPr>
+            <a:endParaRPr lang="en-GB" sz="2200" dirty="0"/>
+          </a:p>
+        </p:txBody>
+      </p:sp>
+    </p:spTree>
+    <p:extLst>
+      <p:ext uri="{BB962C8B-B14F-4D97-AF65-F5344CB8AC3E}">
+        <p14:creationId xmlns:p14="http://schemas.microsoft.com/office/powerpoint/2010/main" val="3783464928"/>
+      </p:ext>
+    </p:extLst>
+  </p:cSld>
+  <p:clrMapOvr>
+    <a:masterClrMapping/>
+  </p:clrMapOvr>
+</p:sld>
+</file>
+
+<file path=ppt/slides/slide32.xml><?xml version="1.0" encoding="utf-8"?>
+<p:sld xmlns:a="http://schemas.openxmlformats.org/drawingml/2006/main" xmlns:r="http://schemas.openxmlformats.org/officeDocument/2006/relationships" xmlns:p="http://schemas.openxmlformats.org/presentationml/2006/main">
+  <p:cSld>
+    <p:spTree>
+      <p:nvGrpSpPr>
+        <p:cNvPr id="1" name=""/>
+        <p:cNvGrpSpPr/>
+        <p:nvPr/>
+      </p:nvGrpSpPr>
+      <p:grpSpPr>
+        <a:xfrm>
+          <a:off x="0" y="0"/>
+          <a:ext cx="0" cy="0"/>
+          <a:chOff x="0" y="0"/>
+          <a:chExt cx="0" cy="0"/>
+        </a:xfrm>
+      </p:grpSpPr>
+      <p:sp>
+        <p:nvSpPr>
           <p:cNvPr id="3" name="Content Placeholder 2">
             <a:extLst>
               <a:ext uri="{FF2B5EF4-FFF2-40B4-BE49-F238E27FC236}">
@@ -4320,7 +7742,1323 @@
     </p:spTree>
     <p:extLst>
       <p:ext uri="{BB962C8B-B14F-4D97-AF65-F5344CB8AC3E}">
+        <p14:creationId xmlns:p14="http://schemas.microsoft.com/office/powerpoint/2010/main" val="3235970615"/>
+      </p:ext>
+    </p:extLst>
+  </p:cSld>
+  <p:clrMapOvr>
+    <a:masterClrMapping/>
+  </p:clrMapOvr>
+</p:sld>
+</file>
+
+<file path=ppt/slides/slide33.xml><?xml version="1.0" encoding="utf-8"?>
+<p:sld xmlns:a="http://schemas.openxmlformats.org/drawingml/2006/main" xmlns:r="http://schemas.openxmlformats.org/officeDocument/2006/relationships" xmlns:p="http://schemas.openxmlformats.org/presentationml/2006/main">
+  <p:cSld>
+    <p:spTree>
+      <p:nvGrpSpPr>
+        <p:cNvPr id="1" name=""/>
+        <p:cNvGrpSpPr/>
+        <p:nvPr/>
+      </p:nvGrpSpPr>
+      <p:grpSpPr>
+        <a:xfrm>
+          <a:off x="0" y="0"/>
+          <a:ext cx="0" cy="0"/>
+          <a:chOff x="0" y="0"/>
+          <a:chExt cx="0" cy="0"/>
+        </a:xfrm>
+      </p:grpSpPr>
+      <p:sp>
+        <p:nvSpPr>
+          <p:cNvPr id="2" name="Title 1">
+            <a:extLst>
+              <a:ext uri="{FF2B5EF4-FFF2-40B4-BE49-F238E27FC236}">
+                <a16:creationId xmlns:a16="http://schemas.microsoft.com/office/drawing/2014/main" id="{7304BBA7-9D5E-4B9A-95AF-2E54F4B41C0E}"/>
+              </a:ext>
+            </a:extLst>
+          </p:cNvPr>
+          <p:cNvSpPr>
+            <a:spLocks noGrp="1"/>
+          </p:cNvSpPr>
+          <p:nvPr>
+            <p:ph type="title"/>
+          </p:nvPr>
+        </p:nvSpPr>
+        <p:spPr/>
+        <p:txBody>
+          <a:bodyPr/>
+          <a:lstStyle/>
+          <a:p>
+            <a:r>
+              <a:rPr lang="en-GB" dirty="0"/>
+              <a:t>Exercise 1</a:t>
+            </a:r>
+          </a:p>
+        </p:txBody>
+      </p:sp>
+      <p:sp>
+        <p:nvSpPr>
+          <p:cNvPr id="5" name="Content Placeholder 4">
+            <a:extLst>
+              <a:ext uri="{FF2B5EF4-FFF2-40B4-BE49-F238E27FC236}">
+                <a16:creationId xmlns:a16="http://schemas.microsoft.com/office/drawing/2014/main" id="{AF203300-7D37-4228-9E5D-E484446273EE}"/>
+              </a:ext>
+            </a:extLst>
+          </p:cNvPr>
+          <p:cNvSpPr>
+            <a:spLocks noGrp="1"/>
+          </p:cNvSpPr>
+          <p:nvPr>
+            <p:ph idx="1"/>
+          </p:nvPr>
+        </p:nvSpPr>
+        <p:spPr/>
+        <p:txBody>
+          <a:bodyPr>
+            <a:normAutofit/>
+          </a:bodyPr>
+          <a:lstStyle/>
+          <a:p>
+            <a:pPr>
+              <a:buFont typeface="Wingdings" panose="05000000000000000000" pitchFamily="2" charset="2"/>
+              <a:buChar char="v"/>
+            </a:pPr>
+            <a:r>
+              <a:rPr lang="en-GB" dirty="0"/>
+              <a:t>Voltage can be obtained from various parameters. </a:t>
+            </a:r>
+          </a:p>
+          <a:p>
+            <a:pPr marL="0" indent="0" algn="ctr">
+              <a:buNone/>
+            </a:pPr>
+            <a:r>
+              <a:rPr lang="en-GB" dirty="0"/>
+              <a:t>V=IR=It/C=</a:t>
+            </a:r>
+            <a:r>
+              <a:rPr lang="en-GB" dirty="0" err="1"/>
+              <a:t>IpL</a:t>
+            </a:r>
+            <a:r>
+              <a:rPr lang="en-GB" dirty="0"/>
+              <a:t>/A</a:t>
+            </a:r>
+          </a:p>
+          <a:p>
+            <a:pPr>
+              <a:buFont typeface="Wingdings" panose="05000000000000000000" pitchFamily="2" charset="2"/>
+              <a:buChar char="v"/>
+            </a:pPr>
+            <a:r>
+              <a:rPr lang="en-GB" dirty="0"/>
+              <a:t> Where </a:t>
+            </a:r>
+          </a:p>
+          <a:p>
+            <a:pPr lvl="1">
+              <a:buFont typeface="Wingdings" panose="05000000000000000000" pitchFamily="2" charset="2"/>
+              <a:buChar char="v"/>
+            </a:pPr>
+            <a:r>
+              <a:rPr lang="en-GB" dirty="0"/>
+              <a:t> I = Current (amperes)</a:t>
+            </a:r>
+          </a:p>
+          <a:p>
+            <a:pPr lvl="1">
+              <a:buFont typeface="Wingdings" panose="05000000000000000000" pitchFamily="2" charset="2"/>
+              <a:buChar char="v"/>
+            </a:pPr>
+            <a:r>
+              <a:rPr lang="en-GB" dirty="0"/>
+              <a:t> R = Voltage (volts)</a:t>
+            </a:r>
+          </a:p>
+          <a:p>
+            <a:pPr lvl="1">
+              <a:buFont typeface="Wingdings" panose="05000000000000000000" pitchFamily="2" charset="2"/>
+              <a:buChar char="v"/>
+            </a:pPr>
+            <a:r>
+              <a:rPr lang="en-GB" dirty="0"/>
+              <a:t> t = time (seconds)</a:t>
+            </a:r>
+          </a:p>
+          <a:p>
+            <a:pPr lvl="1">
+              <a:buFont typeface="Wingdings" panose="05000000000000000000" pitchFamily="2" charset="2"/>
+              <a:buChar char="v"/>
+            </a:pPr>
+            <a:r>
+              <a:rPr lang="en-GB" dirty="0"/>
+              <a:t> C = Capacitance (farads)</a:t>
+            </a:r>
+          </a:p>
+          <a:p>
+            <a:pPr lvl="1">
+              <a:buFont typeface="Wingdings" panose="05000000000000000000" pitchFamily="2" charset="2"/>
+              <a:buChar char="v"/>
+            </a:pPr>
+            <a:r>
+              <a:rPr lang="en-GB" dirty="0"/>
+              <a:t> p = Resistivity (Ohm-meter)</a:t>
+            </a:r>
+          </a:p>
+          <a:p>
+            <a:pPr lvl="1">
+              <a:buFont typeface="Wingdings" panose="05000000000000000000" pitchFamily="2" charset="2"/>
+              <a:buChar char="v"/>
+            </a:pPr>
+            <a:r>
+              <a:rPr lang="en-GB" dirty="0"/>
+              <a:t> L = Length</a:t>
+            </a:r>
+          </a:p>
+          <a:p>
+            <a:pPr lvl="1">
+              <a:buFont typeface="Wingdings" panose="05000000000000000000" pitchFamily="2" charset="2"/>
+              <a:buChar char="v"/>
+            </a:pPr>
+            <a:r>
+              <a:rPr lang="en-GB" dirty="0"/>
+              <a:t> A = cross sectional area</a:t>
+            </a:r>
+          </a:p>
+          <a:p>
+            <a:pPr>
+              <a:buFont typeface="Wingdings" panose="05000000000000000000" pitchFamily="2" charset="2"/>
+              <a:buChar char="v"/>
+            </a:pPr>
+            <a:r>
+              <a:rPr lang="en-GB" dirty="0"/>
+              <a:t> Calculate the following voltages</a:t>
+            </a:r>
+          </a:p>
+          <a:p>
+            <a:endParaRPr lang="en-GB" dirty="0"/>
+          </a:p>
+        </p:txBody>
+      </p:sp>
+    </p:spTree>
+    <p:extLst>
+      <p:ext uri="{BB962C8B-B14F-4D97-AF65-F5344CB8AC3E}">
+        <p14:creationId xmlns:p14="http://schemas.microsoft.com/office/powerpoint/2010/main" val="2057213361"/>
+      </p:ext>
+    </p:extLst>
+  </p:cSld>
+  <p:clrMapOvr>
+    <a:masterClrMapping/>
+  </p:clrMapOvr>
+</p:sld>
+</file>
+
+<file path=ppt/slides/slide34.xml><?xml version="1.0" encoding="utf-8"?>
+<p:sld xmlns:a="http://schemas.openxmlformats.org/drawingml/2006/main" xmlns:r="http://schemas.openxmlformats.org/officeDocument/2006/relationships" xmlns:p="http://schemas.openxmlformats.org/presentationml/2006/main">
+  <p:cSld>
+    <p:spTree>
+      <p:nvGrpSpPr>
+        <p:cNvPr id="1" name=""/>
+        <p:cNvGrpSpPr/>
+        <p:nvPr/>
+      </p:nvGrpSpPr>
+      <p:grpSpPr>
+        <a:xfrm>
+          <a:off x="0" y="0"/>
+          <a:ext cx="0" cy="0"/>
+          <a:chOff x="0" y="0"/>
+          <a:chExt cx="0" cy="0"/>
+        </a:xfrm>
+      </p:grpSpPr>
+      <p:sp>
+        <p:nvSpPr>
+          <p:cNvPr id="2" name="Title 1">
+            <a:extLst>
+              <a:ext uri="{FF2B5EF4-FFF2-40B4-BE49-F238E27FC236}">
+                <a16:creationId xmlns:a16="http://schemas.microsoft.com/office/drawing/2014/main" id="{7304BBA7-9D5E-4B9A-95AF-2E54F4B41C0E}"/>
+              </a:ext>
+            </a:extLst>
+          </p:cNvPr>
+          <p:cNvSpPr>
+            <a:spLocks noGrp="1"/>
+          </p:cNvSpPr>
+          <p:nvPr>
+            <p:ph type="title"/>
+          </p:nvPr>
+        </p:nvSpPr>
+        <p:spPr>
+          <a:xfrm>
+            <a:off x="822960" y="286605"/>
+            <a:ext cx="7543800" cy="734328"/>
+          </a:xfrm>
+        </p:spPr>
+        <p:txBody>
+          <a:bodyPr/>
+          <a:lstStyle/>
+          <a:p>
+            <a:r>
+              <a:rPr lang="en-GB" dirty="0"/>
+              <a:t>Exercise 2</a:t>
+            </a:r>
+          </a:p>
+        </p:txBody>
+      </p:sp>
+      <p:sp>
+        <p:nvSpPr>
+          <p:cNvPr id="5" name="Title 1">
+            <a:extLst>
+              <a:ext uri="{FF2B5EF4-FFF2-40B4-BE49-F238E27FC236}">
+                <a16:creationId xmlns:a16="http://schemas.microsoft.com/office/drawing/2014/main" id="{19C5952E-2F01-4BCE-8A97-8E59A29D11F4}"/>
+              </a:ext>
+            </a:extLst>
+          </p:cNvPr>
+          <p:cNvSpPr txBox="1">
+            <a:spLocks/>
+          </p:cNvSpPr>
+          <p:nvPr/>
+        </p:nvSpPr>
+        <p:spPr>
+          <a:xfrm>
+            <a:off x="806682" y="1864309"/>
+            <a:ext cx="7543800" cy="878890"/>
+          </a:xfrm>
+          <a:prstGeom prst="rect">
+            <a:avLst/>
+          </a:prstGeom>
+        </p:spPr>
+        <p:txBody>
+          <a:bodyPr vert="horz" lIns="91440" tIns="45720" rIns="91440" bIns="45720" rtlCol="0" anchor="t">
+            <a:normAutofit fontScale="47500" lnSpcReduction="20000"/>
+          </a:bodyPr>
+          <a:lstStyle>
+            <a:lvl1pPr algn="l" defTabSz="914400" rtl="0" eaLnBrk="1" latinLnBrk="0" hangingPunct="1">
+              <a:lnSpc>
+                <a:spcPct val="85000"/>
+              </a:lnSpc>
+              <a:spcBef>
+                <a:spcPct val="0"/>
+              </a:spcBef>
+              <a:buNone/>
+              <a:defRPr sz="4800" kern="1200" spc="-50" baseline="0">
+                <a:solidFill>
+                  <a:schemeClr val="tx1">
+                    <a:lumMod val="75000"/>
+                    <a:lumOff val="25000"/>
+                  </a:schemeClr>
+                </a:solidFill>
+                <a:latin typeface="+mj-lt"/>
+                <a:ea typeface="+mj-ea"/>
+                <a:cs typeface="+mj-cs"/>
+              </a:defRPr>
+            </a:lvl1pPr>
+          </a:lstStyle>
+          <a:p>
+            <a:pPr>
+              <a:lnSpc>
+                <a:spcPct val="120000"/>
+              </a:lnSpc>
+            </a:pPr>
+            <a:r>
+              <a:rPr lang="en-GB" dirty="0"/>
+              <a:t>Implement the class diagram below using object polymorphism</a:t>
+            </a:r>
+          </a:p>
+          <a:p>
+            <a:pPr>
+              <a:lnSpc>
+                <a:spcPct val="120000"/>
+              </a:lnSpc>
+            </a:pPr>
+            <a:r>
+              <a:rPr lang="en-GB" dirty="0"/>
+              <a:t>Note that this is the second implementation done earlier</a:t>
+            </a:r>
+          </a:p>
+        </p:txBody>
+      </p:sp>
+      <p:pic>
+        <p:nvPicPr>
+          <p:cNvPr id="8" name="Content Placeholder 7" descr="Diagram&#10;&#10;Description automatically generated">
+            <a:extLst>
+              <a:ext uri="{FF2B5EF4-FFF2-40B4-BE49-F238E27FC236}">
+                <a16:creationId xmlns:a16="http://schemas.microsoft.com/office/drawing/2014/main" id="{25A3E940-AA60-423B-87CA-0AC454A03A18}"/>
+              </a:ext>
+            </a:extLst>
+          </p:cNvPr>
+          <p:cNvPicPr>
+            <a:picLocks noGrp="1" noChangeAspect="1"/>
+          </p:cNvPicPr>
+          <p:nvPr>
+            <p:ph idx="1"/>
+          </p:nvPr>
+        </p:nvPicPr>
+        <p:blipFill>
+          <a:blip r:embed="rId2">
+            <a:extLst>
+              <a:ext uri="{28A0092B-C50C-407E-A947-70E740481C1C}">
+                <a14:useLocalDpi xmlns:a14="http://schemas.microsoft.com/office/drawing/2010/main" val="0"/>
+              </a:ext>
+            </a:extLst>
+          </a:blip>
+          <a:stretch>
+            <a:fillRect/>
+          </a:stretch>
+        </p:blipFill>
+        <p:spPr>
+          <a:xfrm>
+            <a:off x="213054" y="2994410"/>
+            <a:ext cx="8708468" cy="3015773"/>
+          </a:xfrm>
+        </p:spPr>
+      </p:pic>
+    </p:spTree>
+    <p:extLst>
+      <p:ext uri="{BB962C8B-B14F-4D97-AF65-F5344CB8AC3E}">
+        <p14:creationId xmlns:p14="http://schemas.microsoft.com/office/powerpoint/2010/main" val="3963056319"/>
+      </p:ext>
+    </p:extLst>
+  </p:cSld>
+  <p:clrMapOvr>
+    <a:masterClrMapping/>
+  </p:clrMapOvr>
+</p:sld>
+</file>
+
+<file path=ppt/slides/slide35.xml><?xml version="1.0" encoding="utf-8"?>
+<p:sld xmlns:a="http://schemas.openxmlformats.org/drawingml/2006/main" xmlns:r="http://schemas.openxmlformats.org/officeDocument/2006/relationships" xmlns:p="http://schemas.openxmlformats.org/presentationml/2006/main">
+  <p:cSld>
+    <p:spTree>
+      <p:nvGrpSpPr>
+        <p:cNvPr id="1" name=""/>
+        <p:cNvGrpSpPr/>
+        <p:nvPr/>
+      </p:nvGrpSpPr>
+      <p:grpSpPr>
+        <a:xfrm>
+          <a:off x="0" y="0"/>
+          <a:ext cx="0" cy="0"/>
+          <a:chOff x="0" y="0"/>
+          <a:chExt cx="0" cy="0"/>
+        </a:xfrm>
+      </p:grpSpPr>
+      <p:pic>
+        <p:nvPicPr>
+          <p:cNvPr id="6" name="Content Placeholder 5" descr="Diagram&#10;&#10;Description automatically generated">
+            <a:extLst>
+              <a:ext uri="{FF2B5EF4-FFF2-40B4-BE49-F238E27FC236}">
+                <a16:creationId xmlns:a16="http://schemas.microsoft.com/office/drawing/2014/main" id="{917F070F-6005-4090-96F4-F1691CE79A5B}"/>
+              </a:ext>
+            </a:extLst>
+          </p:cNvPr>
+          <p:cNvPicPr>
+            <a:picLocks noGrp="1" noChangeAspect="1"/>
+          </p:cNvPicPr>
+          <p:nvPr>
+            <p:ph idx="1"/>
+          </p:nvPr>
+        </p:nvPicPr>
+        <p:blipFill>
+          <a:blip r:embed="rId2">
+            <a:extLst>
+              <a:ext uri="{28A0092B-C50C-407E-A947-70E740481C1C}">
+                <a14:useLocalDpi xmlns:a14="http://schemas.microsoft.com/office/drawing/2010/main" val="0"/>
+              </a:ext>
+            </a:extLst>
+          </a:blip>
+          <a:stretch>
+            <a:fillRect/>
+          </a:stretch>
+        </p:blipFill>
+        <p:spPr>
+          <a:xfrm>
+            <a:off x="2000608" y="2539569"/>
+            <a:ext cx="5142784" cy="3878986"/>
+          </a:xfrm>
+        </p:spPr>
+      </p:pic>
+      <p:sp>
+        <p:nvSpPr>
+          <p:cNvPr id="7" name="Title 1">
+            <a:extLst>
+              <a:ext uri="{FF2B5EF4-FFF2-40B4-BE49-F238E27FC236}">
+                <a16:creationId xmlns:a16="http://schemas.microsoft.com/office/drawing/2014/main" id="{9E779637-78AD-43E2-9154-4E0D0A328C79}"/>
+              </a:ext>
+            </a:extLst>
+          </p:cNvPr>
+          <p:cNvSpPr>
+            <a:spLocks noGrp="1"/>
+          </p:cNvSpPr>
+          <p:nvPr>
+            <p:ph type="title"/>
+          </p:nvPr>
+        </p:nvSpPr>
+        <p:spPr>
+          <a:xfrm>
+            <a:off x="822960" y="286605"/>
+            <a:ext cx="7543800" cy="734328"/>
+          </a:xfrm>
+        </p:spPr>
+        <p:txBody>
+          <a:bodyPr/>
+          <a:lstStyle/>
+          <a:p>
+            <a:r>
+              <a:rPr lang="en-GB" dirty="0"/>
+              <a:t>Exercise 3</a:t>
+            </a:r>
+          </a:p>
+        </p:txBody>
+      </p:sp>
+      <p:sp>
+        <p:nvSpPr>
+          <p:cNvPr id="8" name="Title 1">
+            <a:extLst>
+              <a:ext uri="{FF2B5EF4-FFF2-40B4-BE49-F238E27FC236}">
+                <a16:creationId xmlns:a16="http://schemas.microsoft.com/office/drawing/2014/main" id="{EA3D328B-29A4-4E12-9060-79BDFD9423F2}"/>
+              </a:ext>
+            </a:extLst>
+          </p:cNvPr>
+          <p:cNvSpPr txBox="1">
+            <a:spLocks/>
+          </p:cNvSpPr>
+          <p:nvPr/>
+        </p:nvSpPr>
+        <p:spPr>
+          <a:xfrm>
+            <a:off x="806682" y="1740023"/>
+            <a:ext cx="7543800" cy="878890"/>
+          </a:xfrm>
+          <a:prstGeom prst="rect">
+            <a:avLst/>
+          </a:prstGeom>
+        </p:spPr>
+        <p:txBody>
+          <a:bodyPr vert="horz" lIns="91440" tIns="45720" rIns="91440" bIns="45720" rtlCol="0" anchor="t">
+            <a:normAutofit fontScale="47500" lnSpcReduction="20000"/>
+          </a:bodyPr>
+          <a:lstStyle>
+            <a:lvl1pPr algn="l" defTabSz="914400" rtl="0" eaLnBrk="1" latinLnBrk="0" hangingPunct="1">
+              <a:lnSpc>
+                <a:spcPct val="85000"/>
+              </a:lnSpc>
+              <a:spcBef>
+                <a:spcPct val="0"/>
+              </a:spcBef>
+              <a:buNone/>
+              <a:defRPr sz="4800" kern="1200" spc="-50" baseline="0">
+                <a:solidFill>
+                  <a:schemeClr val="tx1">
+                    <a:lumMod val="75000"/>
+                    <a:lumOff val="25000"/>
+                  </a:schemeClr>
+                </a:solidFill>
+                <a:latin typeface="+mj-lt"/>
+                <a:ea typeface="+mj-ea"/>
+                <a:cs typeface="+mj-cs"/>
+              </a:defRPr>
+            </a:lvl1pPr>
+          </a:lstStyle>
+          <a:p>
+            <a:pPr>
+              <a:lnSpc>
+                <a:spcPct val="120000"/>
+              </a:lnSpc>
+            </a:pPr>
+            <a:r>
+              <a:rPr lang="en-GB" dirty="0"/>
+              <a:t>Implement the class diagram below using object polymorphism.</a:t>
+            </a:r>
+          </a:p>
+          <a:p>
+            <a:pPr>
+              <a:lnSpc>
+                <a:spcPct val="120000"/>
+              </a:lnSpc>
+            </a:pPr>
+            <a:r>
+              <a:rPr lang="en-GB" dirty="0"/>
+              <a:t>Starter code can be found here</a:t>
+            </a:r>
+          </a:p>
+        </p:txBody>
+      </p:sp>
+    </p:spTree>
+    <p:extLst>
+      <p:ext uri="{BB962C8B-B14F-4D97-AF65-F5344CB8AC3E}">
+        <p14:creationId xmlns:p14="http://schemas.microsoft.com/office/powerpoint/2010/main" val="8851604"/>
+      </p:ext>
+    </p:extLst>
+  </p:cSld>
+  <p:clrMapOvr>
+    <a:masterClrMapping/>
+  </p:clrMapOvr>
+</p:sld>
+</file>
+
+<file path=ppt/slides/slide36.xml><?xml version="1.0" encoding="utf-8"?>
+<p:sld xmlns:a="http://schemas.openxmlformats.org/drawingml/2006/main" xmlns:r="http://schemas.openxmlformats.org/officeDocument/2006/relationships" xmlns:p="http://schemas.openxmlformats.org/presentationml/2006/main">
+  <p:cSld>
+    <p:spTree>
+      <p:nvGrpSpPr>
+        <p:cNvPr id="1" name=""/>
+        <p:cNvGrpSpPr/>
+        <p:nvPr/>
+      </p:nvGrpSpPr>
+      <p:grpSpPr>
+        <a:xfrm>
+          <a:off x="0" y="0"/>
+          <a:ext cx="0" cy="0"/>
+          <a:chOff x="0" y="0"/>
+          <a:chExt cx="0" cy="0"/>
+        </a:xfrm>
+      </p:grpSpPr>
+      <p:sp>
+        <p:nvSpPr>
+          <p:cNvPr id="2" name="Title 1">
+            <a:extLst>
+              <a:ext uri="{FF2B5EF4-FFF2-40B4-BE49-F238E27FC236}">
+                <a16:creationId xmlns:a16="http://schemas.microsoft.com/office/drawing/2014/main" id="{7304BBA7-9D5E-4B9A-95AF-2E54F4B41C0E}"/>
+              </a:ext>
+            </a:extLst>
+          </p:cNvPr>
+          <p:cNvSpPr>
+            <a:spLocks noGrp="1"/>
+          </p:cNvSpPr>
+          <p:nvPr>
+            <p:ph type="title"/>
+          </p:nvPr>
+        </p:nvSpPr>
+        <p:spPr/>
+        <p:txBody>
+          <a:bodyPr/>
+          <a:lstStyle/>
+          <a:p>
+            <a:r>
+              <a:rPr lang="en-GB" dirty="0"/>
+              <a:t>Exercise 4</a:t>
+            </a:r>
+          </a:p>
+        </p:txBody>
+      </p:sp>
+      <p:sp>
+        <p:nvSpPr>
+          <p:cNvPr id="5" name="Content Placeholder 4">
+            <a:extLst>
+              <a:ext uri="{FF2B5EF4-FFF2-40B4-BE49-F238E27FC236}">
+                <a16:creationId xmlns:a16="http://schemas.microsoft.com/office/drawing/2014/main" id="{AF203300-7D37-4228-9E5D-E484446273EE}"/>
+              </a:ext>
+            </a:extLst>
+          </p:cNvPr>
+          <p:cNvSpPr>
+            <a:spLocks noGrp="1"/>
+          </p:cNvSpPr>
+          <p:nvPr>
+            <p:ph idx="1"/>
+          </p:nvPr>
+        </p:nvSpPr>
+        <p:spPr/>
+        <p:txBody>
+          <a:bodyPr>
+            <a:normAutofit/>
+          </a:bodyPr>
+          <a:lstStyle/>
+          <a:p>
+            <a:pPr>
+              <a:buFont typeface="Wingdings" panose="05000000000000000000" pitchFamily="2" charset="2"/>
+              <a:buChar char="v"/>
+            </a:pPr>
+            <a:r>
+              <a:rPr lang="en-GB" dirty="0"/>
+              <a:t>Write a program using static cosine function in </a:t>
+            </a:r>
+            <a:r>
+              <a:rPr lang="en-GB" dirty="0" err="1"/>
+              <a:t>java.lang.Math</a:t>
+            </a:r>
+            <a:r>
+              <a:rPr lang="en-GB" dirty="0"/>
+              <a:t> and method overloading to find the parameters of a triangle ( 3 sides and 3 angles) given either 2 sides and one angle or two angles and one side. Assume the angles are always whole numbers and while sides are real numbers.</a:t>
+            </a:r>
+          </a:p>
+          <a:p>
+            <a:endParaRPr lang="en-GB" dirty="0"/>
+          </a:p>
+        </p:txBody>
+      </p:sp>
+    </p:spTree>
+    <p:extLst>
+      <p:ext uri="{BB962C8B-B14F-4D97-AF65-F5344CB8AC3E}">
+        <p14:creationId xmlns:p14="http://schemas.microsoft.com/office/powerpoint/2010/main" val="3525093563"/>
+      </p:ext>
+    </p:extLst>
+  </p:cSld>
+  <p:clrMapOvr>
+    <a:masterClrMapping/>
+  </p:clrMapOvr>
+</p:sld>
+</file>
+
+<file path=ppt/slides/slide4.xml><?xml version="1.0" encoding="utf-8"?>
+<p:sld xmlns:a="http://schemas.openxmlformats.org/drawingml/2006/main" xmlns:r="http://schemas.openxmlformats.org/officeDocument/2006/relationships" xmlns:p="http://schemas.openxmlformats.org/presentationml/2006/main">
+  <p:cSld>
+    <p:spTree>
+      <p:nvGrpSpPr>
+        <p:cNvPr id="1" name=""/>
+        <p:cNvGrpSpPr/>
+        <p:nvPr/>
+      </p:nvGrpSpPr>
+      <p:grpSpPr>
+        <a:xfrm>
+          <a:off x="0" y="0"/>
+          <a:ext cx="0" cy="0"/>
+          <a:chOff x="0" y="0"/>
+          <a:chExt cx="0" cy="0"/>
+        </a:xfrm>
+      </p:grpSpPr>
+      <p:sp>
+        <p:nvSpPr>
+          <p:cNvPr id="2" name="Title 1">
+            <a:extLst>
+              <a:ext uri="{FF2B5EF4-FFF2-40B4-BE49-F238E27FC236}">
+                <a16:creationId xmlns:a16="http://schemas.microsoft.com/office/drawing/2014/main" id="{7304BBA7-9D5E-4B9A-95AF-2E54F4B41C0E}"/>
+              </a:ext>
+            </a:extLst>
+          </p:cNvPr>
+          <p:cNvSpPr>
+            <a:spLocks noGrp="1"/>
+          </p:cNvSpPr>
+          <p:nvPr>
+            <p:ph type="title"/>
+          </p:nvPr>
+        </p:nvSpPr>
+        <p:spPr/>
+        <p:txBody>
+          <a:bodyPr/>
+          <a:lstStyle/>
+          <a:p>
+            <a:r>
+              <a:rPr lang="en-GB"/>
+              <a:t>Getters and setters</a:t>
+            </a:r>
+            <a:endParaRPr lang="en-GB" dirty="0"/>
+          </a:p>
+        </p:txBody>
+      </p:sp>
+      <p:sp>
+        <p:nvSpPr>
+          <p:cNvPr id="3" name="Content Placeholder 2">
+            <a:extLst>
+              <a:ext uri="{FF2B5EF4-FFF2-40B4-BE49-F238E27FC236}">
+                <a16:creationId xmlns:a16="http://schemas.microsoft.com/office/drawing/2014/main" id="{3AB586B9-467B-4F63-B336-2E9D19321584}"/>
+              </a:ext>
+            </a:extLst>
+          </p:cNvPr>
+          <p:cNvSpPr>
+            <a:spLocks noGrp="1"/>
+          </p:cNvSpPr>
+          <p:nvPr>
+            <p:ph idx="1"/>
+          </p:nvPr>
+        </p:nvSpPr>
+        <p:spPr>
+          <a:xfrm>
+            <a:off x="822960" y="1788584"/>
+            <a:ext cx="7543800" cy="4023360"/>
+          </a:xfrm>
+        </p:spPr>
+        <p:txBody>
+          <a:bodyPr>
+            <a:noAutofit/>
+          </a:bodyPr>
+          <a:lstStyle/>
+          <a:p>
+            <a:pPr>
+              <a:spcBef>
+                <a:spcPts val="600"/>
+              </a:spcBef>
+              <a:buFont typeface="Wingdings" panose="05000000000000000000" pitchFamily="2" charset="2"/>
+              <a:buChar char="v"/>
+            </a:pPr>
+            <a:r>
+              <a:rPr lang="en-US" sz="2800"/>
+              <a:t> Getters and setters</a:t>
+            </a:r>
+            <a:r>
+              <a:rPr lang="en-GB" sz="2800"/>
+              <a:t> are a means of externally accessing private/protected members externally</a:t>
+            </a:r>
+            <a:endParaRPr lang="en-US" sz="2800" dirty="0"/>
+          </a:p>
+        </p:txBody>
+      </p:sp>
+      <p:pic>
+        <p:nvPicPr>
+          <p:cNvPr id="11" name="Picture 10" descr="A picture containing shape&#10;&#10;Description automatically generated">
+            <a:extLst>
+              <a:ext uri="{FF2B5EF4-FFF2-40B4-BE49-F238E27FC236}">
+                <a16:creationId xmlns:a16="http://schemas.microsoft.com/office/drawing/2014/main" id="{726813BD-2A7D-4129-AC65-C618E41BDE16}"/>
+              </a:ext>
+            </a:extLst>
+          </p:cNvPr>
+          <p:cNvPicPr>
+            <a:picLocks noChangeAspect="1"/>
+          </p:cNvPicPr>
+          <p:nvPr/>
+        </p:nvPicPr>
+        <p:blipFill>
+          <a:blip r:embed="rId2">
+            <a:extLst>
+              <a:ext uri="{28A0092B-C50C-407E-A947-70E740481C1C}">
+                <a14:useLocalDpi xmlns:a14="http://schemas.microsoft.com/office/drawing/2010/main" val="0"/>
+              </a:ext>
+            </a:extLst>
+          </a:blip>
+          <a:stretch>
+            <a:fillRect/>
+          </a:stretch>
+        </p:blipFill>
+        <p:spPr>
+          <a:xfrm>
+            <a:off x="642937" y="3024717"/>
+            <a:ext cx="1533525" cy="2838450"/>
+          </a:xfrm>
+          <a:prstGeom prst="rect">
+            <a:avLst/>
+          </a:prstGeom>
+        </p:spPr>
+      </p:pic>
+    </p:spTree>
+    <p:extLst>
+      <p:ext uri="{BB962C8B-B14F-4D97-AF65-F5344CB8AC3E}">
+        <p14:creationId xmlns:p14="http://schemas.microsoft.com/office/powerpoint/2010/main" val="2694751588"/>
+      </p:ext>
+    </p:extLst>
+  </p:cSld>
+  <p:clrMapOvr>
+    <a:masterClrMapping/>
+  </p:clrMapOvr>
+</p:sld>
+</file>
+
+<file path=ppt/slides/slide5.xml><?xml version="1.0" encoding="utf-8"?>
+<p:sld xmlns:a="http://schemas.openxmlformats.org/drawingml/2006/main" xmlns:r="http://schemas.openxmlformats.org/officeDocument/2006/relationships" xmlns:p="http://schemas.openxmlformats.org/presentationml/2006/main">
+  <p:cSld>
+    <p:spTree>
+      <p:nvGrpSpPr>
+        <p:cNvPr id="1" name=""/>
+        <p:cNvGrpSpPr/>
+        <p:nvPr/>
+      </p:nvGrpSpPr>
+      <p:grpSpPr>
+        <a:xfrm>
+          <a:off x="0" y="0"/>
+          <a:ext cx="0" cy="0"/>
+          <a:chOff x="0" y="0"/>
+          <a:chExt cx="0" cy="0"/>
+        </a:xfrm>
+      </p:grpSpPr>
+      <p:sp>
+        <p:nvSpPr>
+          <p:cNvPr id="3" name="Content Placeholder 2">
+            <a:extLst>
+              <a:ext uri="{FF2B5EF4-FFF2-40B4-BE49-F238E27FC236}">
+                <a16:creationId xmlns:a16="http://schemas.microsoft.com/office/drawing/2014/main" id="{6C7F13ED-B066-4225-805E-0889FD78E024}"/>
+              </a:ext>
+            </a:extLst>
+          </p:cNvPr>
+          <p:cNvSpPr>
+            <a:spLocks noGrp="1"/>
+          </p:cNvSpPr>
+          <p:nvPr>
+            <p:ph idx="1"/>
+          </p:nvPr>
+        </p:nvSpPr>
+        <p:spPr/>
+        <p:txBody>
+          <a:bodyPr>
+            <a:normAutofit/>
+          </a:bodyPr>
+          <a:lstStyle/>
+          <a:p>
+            <a:pPr algn="ctr"/>
+            <a:endParaRPr lang="en-GB" sz="4800" dirty="0"/>
+          </a:p>
+          <a:p>
+            <a:pPr marL="0" indent="0" algn="ctr">
+              <a:buNone/>
+            </a:pPr>
+            <a:endParaRPr lang="en-GB" sz="4800" dirty="0"/>
+          </a:p>
+          <a:p>
+            <a:pPr marL="0" indent="0" algn="ctr">
+              <a:buNone/>
+            </a:pPr>
+            <a:r>
+              <a:rPr lang="en-GB" sz="4800" dirty="0"/>
+              <a:t>Any Questions?</a:t>
+            </a:r>
+          </a:p>
+        </p:txBody>
+      </p:sp>
+    </p:spTree>
+    <p:extLst>
+      <p:ext uri="{BB962C8B-B14F-4D97-AF65-F5344CB8AC3E}">
         <p14:creationId xmlns:p14="http://schemas.microsoft.com/office/powerpoint/2010/main" val="1021398088"/>
+      </p:ext>
+    </p:extLst>
+  </p:cSld>
+  <p:clrMapOvr>
+    <a:masterClrMapping/>
+  </p:clrMapOvr>
+</p:sld>
+</file>
+
+<file path=ppt/slides/slide6.xml><?xml version="1.0" encoding="utf-8"?>
+<p:sld xmlns:a="http://schemas.openxmlformats.org/drawingml/2006/main" xmlns:r="http://schemas.openxmlformats.org/officeDocument/2006/relationships" xmlns:p="http://schemas.openxmlformats.org/presentationml/2006/main">
+  <p:cSld>
+    <p:spTree>
+      <p:nvGrpSpPr>
+        <p:cNvPr id="1" name=""/>
+        <p:cNvGrpSpPr/>
+        <p:nvPr/>
+      </p:nvGrpSpPr>
+      <p:grpSpPr>
+        <a:xfrm>
+          <a:off x="0" y="0"/>
+          <a:ext cx="0" cy="0"/>
+          <a:chOff x="0" y="0"/>
+          <a:chExt cx="0" cy="0"/>
+        </a:xfrm>
+      </p:grpSpPr>
+      <p:sp>
+        <p:nvSpPr>
+          <p:cNvPr id="2" name="Title 1">
+            <a:extLst>
+              <a:ext uri="{FF2B5EF4-FFF2-40B4-BE49-F238E27FC236}">
+                <a16:creationId xmlns:a16="http://schemas.microsoft.com/office/drawing/2014/main" id="{7304BBA7-9D5E-4B9A-95AF-2E54F4B41C0E}"/>
+              </a:ext>
+            </a:extLst>
+          </p:cNvPr>
+          <p:cNvSpPr>
+            <a:spLocks noGrp="1"/>
+          </p:cNvSpPr>
+          <p:nvPr>
+            <p:ph type="title"/>
+          </p:nvPr>
+        </p:nvSpPr>
+        <p:spPr>
+          <a:xfrm>
+            <a:off x="822960" y="286605"/>
+            <a:ext cx="7543800" cy="488647"/>
+          </a:xfrm>
+        </p:spPr>
+        <p:txBody>
+          <a:bodyPr>
+            <a:normAutofit fontScale="90000"/>
+          </a:bodyPr>
+          <a:lstStyle/>
+          <a:p>
+            <a:r>
+              <a:rPr lang="en-GB" dirty="0"/>
+              <a:t>POS Class diagram - Inheritance</a:t>
+            </a:r>
+          </a:p>
+        </p:txBody>
+      </p:sp>
+      <p:pic>
+        <p:nvPicPr>
+          <p:cNvPr id="12" name="Content Placeholder 11" descr="Diagram&#10;&#10;Description automatically generated">
+            <a:extLst>
+              <a:ext uri="{FF2B5EF4-FFF2-40B4-BE49-F238E27FC236}">
+                <a16:creationId xmlns:a16="http://schemas.microsoft.com/office/drawing/2014/main" id="{F7F1C9E2-C167-4F32-9AA1-52779121CBF8}"/>
+              </a:ext>
+            </a:extLst>
+          </p:cNvPr>
+          <p:cNvPicPr>
+            <a:picLocks noGrp="1" noChangeAspect="1"/>
+          </p:cNvPicPr>
+          <p:nvPr>
+            <p:ph idx="1"/>
+          </p:nvPr>
+        </p:nvPicPr>
+        <p:blipFill>
+          <a:blip r:embed="rId2">
+            <a:extLst>
+              <a:ext uri="{28A0092B-C50C-407E-A947-70E740481C1C}">
+                <a14:useLocalDpi xmlns:a14="http://schemas.microsoft.com/office/drawing/2010/main" val="0"/>
+              </a:ext>
+            </a:extLst>
+          </a:blip>
+          <a:stretch>
+            <a:fillRect/>
+          </a:stretch>
+        </p:blipFill>
+        <p:spPr>
+          <a:xfrm>
+            <a:off x="1547814" y="789540"/>
+            <a:ext cx="6207199" cy="5626501"/>
+          </a:xfrm>
+        </p:spPr>
+      </p:pic>
+      <p:sp>
+        <p:nvSpPr>
+          <p:cNvPr id="4" name="Rectangle: Rounded Corners 3">
+            <a:extLst>
+              <a:ext uri="{FF2B5EF4-FFF2-40B4-BE49-F238E27FC236}">
+                <a16:creationId xmlns:a16="http://schemas.microsoft.com/office/drawing/2014/main" id="{1C2D8008-3788-428A-84B0-B1569139B420}"/>
+              </a:ext>
+            </a:extLst>
+          </p:cNvPr>
+          <p:cNvSpPr/>
+          <p:nvPr/>
+        </p:nvSpPr>
+        <p:spPr>
+          <a:xfrm>
+            <a:off x="1431852" y="904027"/>
+            <a:ext cx="1559000" cy="2996459"/>
+          </a:xfrm>
+          <a:prstGeom prst="roundRect">
+            <a:avLst/>
+          </a:prstGeom>
+          <a:solidFill>
+            <a:srgbClr val="E48312">
+              <a:alpha val="38824"/>
+            </a:srgbClr>
+          </a:solidFill>
+        </p:spPr>
+        <p:style>
+          <a:lnRef idx="2">
+            <a:schemeClr val="accent1">
+              <a:shade val="50000"/>
+            </a:schemeClr>
+          </a:lnRef>
+          <a:fillRef idx="1">
+            <a:schemeClr val="accent1"/>
+          </a:fillRef>
+          <a:effectRef idx="0">
+            <a:schemeClr val="accent1"/>
+          </a:effectRef>
+          <a:fontRef idx="minor">
+            <a:schemeClr val="lt1"/>
+          </a:fontRef>
+        </p:style>
+        <p:txBody>
+          <a:bodyPr rtlCol="0" anchor="ctr"/>
+          <a:lstStyle/>
+          <a:p>
+            <a:pPr algn="ctr"/>
+            <a:endParaRPr lang="en-GB"/>
+          </a:p>
+        </p:txBody>
+      </p:sp>
+    </p:spTree>
+    <p:extLst>
+      <p:ext uri="{BB962C8B-B14F-4D97-AF65-F5344CB8AC3E}">
+        <p14:creationId xmlns:p14="http://schemas.microsoft.com/office/powerpoint/2010/main" val="1286355902"/>
+      </p:ext>
+    </p:extLst>
+  </p:cSld>
+  <p:clrMapOvr>
+    <a:masterClrMapping/>
+  </p:clrMapOvr>
+</p:sld>
+</file>
+
+<file path=ppt/slides/slide7.xml><?xml version="1.0" encoding="utf-8"?>
+<p:sld xmlns:a="http://schemas.openxmlformats.org/drawingml/2006/main" xmlns:r="http://schemas.openxmlformats.org/officeDocument/2006/relationships" xmlns:p="http://schemas.openxmlformats.org/presentationml/2006/main">
+  <p:cSld>
+    <p:spTree>
+      <p:nvGrpSpPr>
+        <p:cNvPr id="1" name=""/>
+        <p:cNvGrpSpPr/>
+        <p:nvPr/>
+      </p:nvGrpSpPr>
+      <p:grpSpPr>
+        <a:xfrm>
+          <a:off x="0" y="0"/>
+          <a:ext cx="0" cy="0"/>
+          <a:chOff x="0" y="0"/>
+          <a:chExt cx="0" cy="0"/>
+        </a:xfrm>
+      </p:grpSpPr>
+      <p:sp>
+        <p:nvSpPr>
+          <p:cNvPr id="3" name="Content Placeholder 2">
+            <a:extLst>
+              <a:ext uri="{FF2B5EF4-FFF2-40B4-BE49-F238E27FC236}">
+                <a16:creationId xmlns:a16="http://schemas.microsoft.com/office/drawing/2014/main" id="{6C7F13ED-B066-4225-805E-0889FD78E024}"/>
+              </a:ext>
+            </a:extLst>
+          </p:cNvPr>
+          <p:cNvSpPr>
+            <a:spLocks noGrp="1"/>
+          </p:cNvSpPr>
+          <p:nvPr>
+            <p:ph idx="1"/>
+          </p:nvPr>
+        </p:nvSpPr>
+        <p:spPr/>
+        <p:txBody>
+          <a:bodyPr>
+            <a:normAutofit/>
+          </a:bodyPr>
+          <a:lstStyle/>
+          <a:p>
+            <a:pPr algn="ctr"/>
+            <a:endParaRPr lang="en-GB" sz="4800" dirty="0"/>
+          </a:p>
+          <a:p>
+            <a:pPr marL="0" indent="0" algn="ctr">
+              <a:buNone/>
+            </a:pPr>
+            <a:endParaRPr lang="en-GB" sz="4800" dirty="0"/>
+          </a:p>
+          <a:p>
+            <a:pPr marL="0" indent="0" algn="ctr">
+              <a:buNone/>
+            </a:pPr>
+            <a:r>
+              <a:rPr lang="en-GB" sz="4800" dirty="0"/>
+              <a:t>Any Questions?</a:t>
+            </a:r>
+          </a:p>
+        </p:txBody>
+      </p:sp>
+    </p:spTree>
+    <p:extLst>
+      <p:ext uri="{BB962C8B-B14F-4D97-AF65-F5344CB8AC3E}">
+        <p14:creationId xmlns:p14="http://schemas.microsoft.com/office/powerpoint/2010/main" val="3601078947"/>
+      </p:ext>
+    </p:extLst>
+  </p:cSld>
+  <p:clrMapOvr>
+    <a:masterClrMapping/>
+  </p:clrMapOvr>
+</p:sld>
+</file>
+
+<file path=ppt/slides/slide8.xml><?xml version="1.0" encoding="utf-8"?>
+<p:sld xmlns:a="http://schemas.openxmlformats.org/drawingml/2006/main" xmlns:r="http://schemas.openxmlformats.org/officeDocument/2006/relationships" xmlns:p="http://schemas.openxmlformats.org/presentationml/2006/main">
+  <p:cSld>
+    <p:spTree>
+      <p:nvGrpSpPr>
+        <p:cNvPr id="1" name=""/>
+        <p:cNvGrpSpPr/>
+        <p:nvPr/>
+      </p:nvGrpSpPr>
+      <p:grpSpPr>
+        <a:xfrm>
+          <a:off x="0" y="0"/>
+          <a:ext cx="0" cy="0"/>
+          <a:chOff x="0" y="0"/>
+          <a:chExt cx="0" cy="0"/>
+        </a:xfrm>
+      </p:grpSpPr>
+      <p:sp>
+        <p:nvSpPr>
+          <p:cNvPr id="2" name="Title 1">
+            <a:extLst>
+              <a:ext uri="{FF2B5EF4-FFF2-40B4-BE49-F238E27FC236}">
+                <a16:creationId xmlns:a16="http://schemas.microsoft.com/office/drawing/2014/main" id="{7304BBA7-9D5E-4B9A-95AF-2E54F4B41C0E}"/>
+              </a:ext>
+            </a:extLst>
+          </p:cNvPr>
+          <p:cNvSpPr>
+            <a:spLocks noGrp="1"/>
+          </p:cNvSpPr>
+          <p:nvPr>
+            <p:ph type="title"/>
+          </p:nvPr>
+        </p:nvSpPr>
+        <p:spPr/>
+        <p:txBody>
+          <a:bodyPr/>
+          <a:lstStyle/>
+          <a:p>
+            <a:r>
+              <a:rPr lang="en-GB" dirty="0"/>
+              <a:t>Polymorphism</a:t>
+            </a:r>
+          </a:p>
+        </p:txBody>
+      </p:sp>
+      <p:sp>
+        <p:nvSpPr>
+          <p:cNvPr id="3" name="Content Placeholder 2">
+            <a:extLst>
+              <a:ext uri="{FF2B5EF4-FFF2-40B4-BE49-F238E27FC236}">
+                <a16:creationId xmlns:a16="http://schemas.microsoft.com/office/drawing/2014/main" id="{3AB586B9-467B-4F63-B336-2E9D19321584}"/>
+              </a:ext>
+            </a:extLst>
+          </p:cNvPr>
+          <p:cNvSpPr>
+            <a:spLocks noGrp="1"/>
+          </p:cNvSpPr>
+          <p:nvPr>
+            <p:ph idx="1"/>
+          </p:nvPr>
+        </p:nvSpPr>
+        <p:spPr>
+          <a:xfrm>
+            <a:off x="822960" y="1788584"/>
+            <a:ext cx="7543800" cy="4023360"/>
+          </a:xfrm>
+        </p:spPr>
+        <p:txBody>
+          <a:bodyPr>
+            <a:noAutofit/>
+          </a:bodyPr>
+          <a:lstStyle/>
+          <a:p>
+            <a:pPr>
+              <a:spcBef>
+                <a:spcPts val="600"/>
+              </a:spcBef>
+              <a:buFont typeface="Wingdings" panose="05000000000000000000" pitchFamily="2" charset="2"/>
+              <a:buChar char="v"/>
+            </a:pPr>
+            <a:r>
+              <a:rPr lang="en-US" sz="2800" dirty="0"/>
+              <a:t> </a:t>
+            </a:r>
+            <a:r>
+              <a:rPr lang="en-GB" sz="2800" dirty="0"/>
+              <a:t>Polymorphism is related to how functions or methods are implemented.  </a:t>
+            </a:r>
+          </a:p>
+          <a:p>
+            <a:pPr>
+              <a:spcBef>
+                <a:spcPts val="600"/>
+              </a:spcBef>
+              <a:buFont typeface="Wingdings" panose="05000000000000000000" pitchFamily="2" charset="2"/>
+              <a:buChar char="v"/>
+            </a:pPr>
+            <a:r>
+              <a:rPr lang="en-GB" sz="2800" dirty="0"/>
+              <a:t> There are two types of Polymorphism</a:t>
+            </a:r>
+          </a:p>
+          <a:p>
+            <a:pPr>
+              <a:spcBef>
+                <a:spcPts val="600"/>
+              </a:spcBef>
+              <a:buFont typeface="Wingdings" panose="05000000000000000000" pitchFamily="2" charset="2"/>
+              <a:buChar char="v"/>
+            </a:pPr>
+            <a:r>
+              <a:rPr lang="en-GB" sz="2800" dirty="0"/>
+              <a:t> Function polymorphism also known as function overloading or method overloading</a:t>
+            </a:r>
+          </a:p>
+          <a:p>
+            <a:pPr>
+              <a:spcBef>
+                <a:spcPts val="600"/>
+              </a:spcBef>
+              <a:buFont typeface="Wingdings" panose="05000000000000000000" pitchFamily="2" charset="2"/>
+              <a:buChar char="v"/>
+            </a:pPr>
+            <a:r>
+              <a:rPr lang="en-GB" sz="2800" dirty="0"/>
+              <a:t> Method polymorphism also known as method overriding.</a:t>
+            </a:r>
+          </a:p>
+          <a:p>
+            <a:pPr>
+              <a:spcBef>
+                <a:spcPts val="600"/>
+              </a:spcBef>
+              <a:buFont typeface="Wingdings" panose="05000000000000000000" pitchFamily="2" charset="2"/>
+              <a:buChar char="v"/>
+            </a:pPr>
+            <a:r>
+              <a:rPr lang="en-GB" sz="2800" dirty="0"/>
+              <a:t> Note that method overloading occurs within a single class but overriding is between two or more classes having an inheritance relationship (object polymorphism)</a:t>
+            </a:r>
+            <a:endParaRPr lang="en-US" sz="2800" dirty="0"/>
+          </a:p>
+        </p:txBody>
+      </p:sp>
+    </p:spTree>
+    <p:extLst>
+      <p:ext uri="{BB962C8B-B14F-4D97-AF65-F5344CB8AC3E}">
+        <p14:creationId xmlns:p14="http://schemas.microsoft.com/office/powerpoint/2010/main" val="182590011"/>
+      </p:ext>
+    </p:extLst>
+  </p:cSld>
+  <p:clrMapOvr>
+    <a:masterClrMapping/>
+  </p:clrMapOvr>
+</p:sld>
+</file>
+
+<file path=ppt/slides/slide9.xml><?xml version="1.0" encoding="utf-8"?>
+<p:sld xmlns:a="http://schemas.openxmlformats.org/drawingml/2006/main" xmlns:r="http://schemas.openxmlformats.org/officeDocument/2006/relationships" xmlns:p="http://schemas.openxmlformats.org/presentationml/2006/main">
+  <p:cSld>
+    <p:spTree>
+      <p:nvGrpSpPr>
+        <p:cNvPr id="1" name=""/>
+        <p:cNvGrpSpPr/>
+        <p:nvPr/>
+      </p:nvGrpSpPr>
+      <p:grpSpPr>
+        <a:xfrm>
+          <a:off x="0" y="0"/>
+          <a:ext cx="0" cy="0"/>
+          <a:chOff x="0" y="0"/>
+          <a:chExt cx="0" cy="0"/>
+        </a:xfrm>
+      </p:grpSpPr>
+      <p:sp>
+        <p:nvSpPr>
+          <p:cNvPr id="3" name="Content Placeholder 2">
+            <a:extLst>
+              <a:ext uri="{FF2B5EF4-FFF2-40B4-BE49-F238E27FC236}">
+                <a16:creationId xmlns:a16="http://schemas.microsoft.com/office/drawing/2014/main" id="{6C7F13ED-B066-4225-805E-0889FD78E024}"/>
+              </a:ext>
+            </a:extLst>
+          </p:cNvPr>
+          <p:cNvSpPr>
+            <a:spLocks noGrp="1"/>
+          </p:cNvSpPr>
+          <p:nvPr>
+            <p:ph idx="1"/>
+          </p:nvPr>
+        </p:nvSpPr>
+        <p:spPr/>
+        <p:txBody>
+          <a:bodyPr>
+            <a:normAutofit/>
+          </a:bodyPr>
+          <a:lstStyle/>
+          <a:p>
+            <a:pPr algn="ctr"/>
+            <a:endParaRPr lang="en-GB" sz="4800" dirty="0"/>
+          </a:p>
+          <a:p>
+            <a:pPr marL="0" indent="0" algn="ctr">
+              <a:buNone/>
+            </a:pPr>
+            <a:endParaRPr lang="en-GB" sz="4800" dirty="0"/>
+          </a:p>
+          <a:p>
+            <a:pPr marL="0" indent="0" algn="ctr">
+              <a:buNone/>
+            </a:pPr>
+            <a:r>
+              <a:rPr lang="en-GB" sz="4800" dirty="0"/>
+              <a:t>Any Questions?</a:t>
+            </a:r>
+          </a:p>
+        </p:txBody>
+      </p:sp>
+    </p:spTree>
+    <p:extLst>
+      <p:ext uri="{BB962C8B-B14F-4D97-AF65-F5344CB8AC3E}">
+        <p14:creationId xmlns:p14="http://schemas.microsoft.com/office/powerpoint/2010/main" val="557699264"/>
       </p:ext>
     </p:extLst>
   </p:cSld>

--- a/thesis/ukapp2/wqu_isc/sofware_design/Lesson 4 - Java.pptx
+++ b/thesis/ukapp2/wqu_isc/sofware_design/Lesson 4 - Java.pptx
@@ -7304,7 +7304,7 @@
           <a:p>
             <a:r>
               <a:rPr lang="en-GB" dirty="0"/>
-              <a:t>Java Library</a:t>
+              <a:t>The Java Standard Edition Library</a:t>
             </a:r>
           </a:p>
         </p:txBody>
@@ -7524,7 +7524,7 @@
         <p:spPr>
           <a:xfrm>
             <a:off x="822960" y="1788584"/>
-            <a:ext cx="7415518" cy="4023360"/>
+            <a:ext cx="3180869" cy="4023360"/>
           </a:xfrm>
         </p:spPr>
         <p:txBody>
@@ -7620,7 +7620,7 @@
             </a:pPr>
             <a:r>
               <a:rPr lang="en-GB" sz="2400" dirty="0"/>
-              <a:t> Char</a:t>
+              <a:t> Character</a:t>
             </a:r>
           </a:p>
           <a:p>
@@ -7653,6 +7653,408 @@
               <a:t>StringBuffer</a:t>
             </a:r>
             <a:endParaRPr lang="en-GB" sz="2400" dirty="0"/>
+          </a:p>
+          <a:p>
+            <a:pPr marL="658368" lvl="1" indent="-457200">
+              <a:spcBef>
+                <a:spcPts val="600"/>
+              </a:spcBef>
+              <a:buFont typeface="+mj-lt"/>
+              <a:buAutoNum type="arabicPeriod"/>
+            </a:pPr>
+            <a:endParaRPr lang="en-GB" sz="2200" dirty="0"/>
+          </a:p>
+        </p:txBody>
+      </p:sp>
+      <p:sp>
+        <p:nvSpPr>
+          <p:cNvPr id="4" name="Content Placeholder 2">
+            <a:extLst>
+              <a:ext uri="{FF2B5EF4-FFF2-40B4-BE49-F238E27FC236}">
+                <a16:creationId xmlns:a16="http://schemas.microsoft.com/office/drawing/2014/main" id="{91A527DB-57C7-4946-A7E5-4886BF0C5221}"/>
+              </a:ext>
+            </a:extLst>
+          </p:cNvPr>
+          <p:cNvSpPr txBox="1">
+            <a:spLocks/>
+          </p:cNvSpPr>
+          <p:nvPr/>
+        </p:nvSpPr>
+        <p:spPr>
+          <a:xfrm>
+            <a:off x="5307662" y="1788584"/>
+            <a:ext cx="3180869" cy="4023360"/>
+          </a:xfrm>
+          <a:prstGeom prst="rect">
+            <a:avLst/>
+          </a:prstGeom>
+        </p:spPr>
+        <p:txBody>
+          <a:bodyPr vert="horz" lIns="0" tIns="45720" rIns="0" bIns="45720" rtlCol="0">
+            <a:noAutofit/>
+          </a:bodyPr>
+          <a:lstStyle>
+            <a:lvl1pPr marL="91440" indent="-91440" algn="l" defTabSz="914400" rtl="0" eaLnBrk="1" latinLnBrk="0" hangingPunct="1">
+              <a:lnSpc>
+                <a:spcPct val="90000"/>
+              </a:lnSpc>
+              <a:spcBef>
+                <a:spcPts val="1200"/>
+              </a:spcBef>
+              <a:spcAft>
+                <a:spcPts val="200"/>
+              </a:spcAft>
+              <a:buClr>
+                <a:schemeClr val="accent1"/>
+              </a:buClr>
+              <a:buSzPct val="100000"/>
+              <a:buFont typeface="Calibri" panose="020F0502020204030204" pitchFamily="34" charset="0"/>
+              <a:buChar char=" "/>
+              <a:defRPr sz="2000" kern="1200">
+                <a:solidFill>
+                  <a:schemeClr val="tx1">
+                    <a:lumMod val="75000"/>
+                    <a:lumOff val="25000"/>
+                  </a:schemeClr>
+                </a:solidFill>
+                <a:latin typeface="+mn-lt"/>
+                <a:ea typeface="+mn-ea"/>
+                <a:cs typeface="+mn-cs"/>
+              </a:defRPr>
+            </a:lvl1pPr>
+            <a:lvl2pPr marL="384048" indent="-182880" algn="l" defTabSz="914400" rtl="0" eaLnBrk="1" latinLnBrk="0" hangingPunct="1">
+              <a:lnSpc>
+                <a:spcPct val="90000"/>
+              </a:lnSpc>
+              <a:spcBef>
+                <a:spcPts val="200"/>
+              </a:spcBef>
+              <a:spcAft>
+                <a:spcPts val="400"/>
+              </a:spcAft>
+              <a:buClr>
+                <a:schemeClr val="accent1"/>
+              </a:buClr>
+              <a:buFont typeface="Calibri" pitchFamily="34" charset="0"/>
+              <a:buChar char="◦"/>
+              <a:defRPr sz="1800" kern="1200">
+                <a:solidFill>
+                  <a:schemeClr val="tx1">
+                    <a:lumMod val="75000"/>
+                    <a:lumOff val="25000"/>
+                  </a:schemeClr>
+                </a:solidFill>
+                <a:latin typeface="+mn-lt"/>
+                <a:ea typeface="+mn-ea"/>
+                <a:cs typeface="+mn-cs"/>
+              </a:defRPr>
+            </a:lvl2pPr>
+            <a:lvl3pPr marL="566928" indent="-182880" algn="l" defTabSz="914400" rtl="0" eaLnBrk="1" latinLnBrk="0" hangingPunct="1">
+              <a:lnSpc>
+                <a:spcPct val="90000"/>
+              </a:lnSpc>
+              <a:spcBef>
+                <a:spcPts val="200"/>
+              </a:spcBef>
+              <a:spcAft>
+                <a:spcPts val="400"/>
+              </a:spcAft>
+              <a:buClr>
+                <a:schemeClr val="accent1"/>
+              </a:buClr>
+              <a:buFont typeface="Calibri" pitchFamily="34" charset="0"/>
+              <a:buChar char="◦"/>
+              <a:defRPr sz="1400" kern="1200">
+                <a:solidFill>
+                  <a:schemeClr val="tx1">
+                    <a:lumMod val="75000"/>
+                    <a:lumOff val="25000"/>
+                  </a:schemeClr>
+                </a:solidFill>
+                <a:latin typeface="+mn-lt"/>
+                <a:ea typeface="+mn-ea"/>
+                <a:cs typeface="+mn-cs"/>
+              </a:defRPr>
+            </a:lvl3pPr>
+            <a:lvl4pPr marL="749808" indent="-182880" algn="l" defTabSz="914400" rtl="0" eaLnBrk="1" latinLnBrk="0" hangingPunct="1">
+              <a:lnSpc>
+                <a:spcPct val="90000"/>
+              </a:lnSpc>
+              <a:spcBef>
+                <a:spcPts val="200"/>
+              </a:spcBef>
+              <a:spcAft>
+                <a:spcPts val="400"/>
+              </a:spcAft>
+              <a:buClr>
+                <a:schemeClr val="accent1"/>
+              </a:buClr>
+              <a:buFont typeface="Calibri" pitchFamily="34" charset="0"/>
+              <a:buChar char="◦"/>
+              <a:defRPr sz="1400" kern="1200">
+                <a:solidFill>
+                  <a:schemeClr val="tx1">
+                    <a:lumMod val="75000"/>
+                    <a:lumOff val="25000"/>
+                  </a:schemeClr>
+                </a:solidFill>
+                <a:latin typeface="+mn-lt"/>
+                <a:ea typeface="+mn-ea"/>
+                <a:cs typeface="+mn-cs"/>
+              </a:defRPr>
+            </a:lvl4pPr>
+            <a:lvl5pPr marL="932688" indent="-182880" algn="l" defTabSz="914400" rtl="0" eaLnBrk="1" latinLnBrk="0" hangingPunct="1">
+              <a:lnSpc>
+                <a:spcPct val="90000"/>
+              </a:lnSpc>
+              <a:spcBef>
+                <a:spcPts val="200"/>
+              </a:spcBef>
+              <a:spcAft>
+                <a:spcPts val="400"/>
+              </a:spcAft>
+              <a:buClr>
+                <a:schemeClr val="accent1"/>
+              </a:buClr>
+              <a:buFont typeface="Calibri" pitchFamily="34" charset="0"/>
+              <a:buChar char="◦"/>
+              <a:defRPr sz="1400" kern="1200">
+                <a:solidFill>
+                  <a:schemeClr val="tx1">
+                    <a:lumMod val="75000"/>
+                    <a:lumOff val="25000"/>
+                  </a:schemeClr>
+                </a:solidFill>
+                <a:latin typeface="+mn-lt"/>
+                <a:ea typeface="+mn-ea"/>
+                <a:cs typeface="+mn-cs"/>
+              </a:defRPr>
+            </a:lvl5pPr>
+            <a:lvl6pPr marL="1100000" indent="-228600" algn="l" defTabSz="914400" rtl="0" eaLnBrk="1" latinLnBrk="0" hangingPunct="1">
+              <a:lnSpc>
+                <a:spcPct val="90000"/>
+              </a:lnSpc>
+              <a:spcBef>
+                <a:spcPts val="200"/>
+              </a:spcBef>
+              <a:spcAft>
+                <a:spcPts val="400"/>
+              </a:spcAft>
+              <a:buClr>
+                <a:schemeClr val="accent1"/>
+              </a:buClr>
+              <a:buFont typeface="Calibri" pitchFamily="34" charset="0"/>
+              <a:buChar char="◦"/>
+              <a:defRPr sz="1400" kern="1200">
+                <a:solidFill>
+                  <a:schemeClr val="tx1">
+                    <a:lumMod val="75000"/>
+                    <a:lumOff val="25000"/>
+                  </a:schemeClr>
+                </a:solidFill>
+                <a:latin typeface="+mn-lt"/>
+                <a:ea typeface="+mn-ea"/>
+                <a:cs typeface="+mn-cs"/>
+              </a:defRPr>
+            </a:lvl6pPr>
+            <a:lvl7pPr marL="1300000" indent="-228600" algn="l" defTabSz="914400" rtl="0" eaLnBrk="1" latinLnBrk="0" hangingPunct="1">
+              <a:lnSpc>
+                <a:spcPct val="90000"/>
+              </a:lnSpc>
+              <a:spcBef>
+                <a:spcPts val="200"/>
+              </a:spcBef>
+              <a:spcAft>
+                <a:spcPts val="400"/>
+              </a:spcAft>
+              <a:buClr>
+                <a:schemeClr val="accent1"/>
+              </a:buClr>
+              <a:buFont typeface="Calibri" pitchFamily="34" charset="0"/>
+              <a:buChar char="◦"/>
+              <a:defRPr sz="1400" kern="1200">
+                <a:solidFill>
+                  <a:schemeClr val="tx1">
+                    <a:lumMod val="75000"/>
+                    <a:lumOff val="25000"/>
+                  </a:schemeClr>
+                </a:solidFill>
+                <a:latin typeface="+mn-lt"/>
+                <a:ea typeface="+mn-ea"/>
+                <a:cs typeface="+mn-cs"/>
+              </a:defRPr>
+            </a:lvl7pPr>
+            <a:lvl8pPr marL="1500000" indent="-228600" algn="l" defTabSz="914400" rtl="0" eaLnBrk="1" latinLnBrk="0" hangingPunct="1">
+              <a:lnSpc>
+                <a:spcPct val="90000"/>
+              </a:lnSpc>
+              <a:spcBef>
+                <a:spcPts val="200"/>
+              </a:spcBef>
+              <a:spcAft>
+                <a:spcPts val="400"/>
+              </a:spcAft>
+              <a:buClr>
+                <a:schemeClr val="accent1"/>
+              </a:buClr>
+              <a:buFont typeface="Calibri" pitchFamily="34" charset="0"/>
+              <a:buChar char="◦"/>
+              <a:defRPr sz="1400" kern="1200">
+                <a:solidFill>
+                  <a:schemeClr val="tx1">
+                    <a:lumMod val="75000"/>
+                    <a:lumOff val="25000"/>
+                  </a:schemeClr>
+                </a:solidFill>
+                <a:latin typeface="+mn-lt"/>
+                <a:ea typeface="+mn-ea"/>
+                <a:cs typeface="+mn-cs"/>
+              </a:defRPr>
+            </a:lvl8pPr>
+            <a:lvl9pPr marL="1700000" indent="-228600" algn="l" defTabSz="914400" rtl="0" eaLnBrk="1" latinLnBrk="0" hangingPunct="1">
+              <a:lnSpc>
+                <a:spcPct val="90000"/>
+              </a:lnSpc>
+              <a:spcBef>
+                <a:spcPts val="200"/>
+              </a:spcBef>
+              <a:spcAft>
+                <a:spcPts val="400"/>
+              </a:spcAft>
+              <a:buClr>
+                <a:schemeClr val="accent1"/>
+              </a:buClr>
+              <a:buFont typeface="Calibri" pitchFamily="34" charset="0"/>
+              <a:buChar char="◦"/>
+              <a:defRPr sz="1400" kern="1200">
+                <a:solidFill>
+                  <a:schemeClr val="tx1">
+                    <a:lumMod val="75000"/>
+                    <a:lumOff val="25000"/>
+                  </a:schemeClr>
+                </a:solidFill>
+                <a:latin typeface="+mn-lt"/>
+                <a:ea typeface="+mn-ea"/>
+                <a:cs typeface="+mn-cs"/>
+              </a:defRPr>
+            </a:lvl9pPr>
+          </a:lstStyle>
+          <a:p>
+            <a:pPr>
+              <a:spcBef>
+                <a:spcPts val="600"/>
+              </a:spcBef>
+              <a:buFont typeface="Wingdings" panose="05000000000000000000" pitchFamily="2" charset="2"/>
+              <a:buChar char="v"/>
+            </a:pPr>
+            <a:r>
+              <a:rPr lang="en-GB" sz="2400" dirty="0"/>
+              <a:t> System</a:t>
+            </a:r>
+          </a:p>
+          <a:p>
+            <a:pPr>
+              <a:spcBef>
+                <a:spcPts val="600"/>
+              </a:spcBef>
+              <a:buFont typeface="Wingdings" panose="05000000000000000000" pitchFamily="2" charset="2"/>
+              <a:buChar char="v"/>
+            </a:pPr>
+            <a:r>
+              <a:rPr lang="en-GB" sz="2400" dirty="0"/>
+              <a:t> Number</a:t>
+            </a:r>
+          </a:p>
+          <a:p>
+            <a:pPr>
+              <a:spcBef>
+                <a:spcPts val="600"/>
+              </a:spcBef>
+              <a:buFont typeface="Wingdings" panose="05000000000000000000" pitchFamily="2" charset="2"/>
+              <a:buChar char="v"/>
+            </a:pPr>
+            <a:r>
+              <a:rPr lang="en-GB" sz="2400" dirty="0"/>
+              <a:t> Object</a:t>
+            </a:r>
+          </a:p>
+          <a:p>
+            <a:pPr>
+              <a:spcBef>
+                <a:spcPts val="600"/>
+              </a:spcBef>
+              <a:buFont typeface="Wingdings" panose="05000000000000000000" pitchFamily="2" charset="2"/>
+              <a:buChar char="v"/>
+            </a:pPr>
+            <a:r>
+              <a:rPr lang="en-GB" sz="2400" dirty="0"/>
+              <a:t> StringBuilder</a:t>
+            </a:r>
+          </a:p>
+          <a:p>
+            <a:pPr>
+              <a:spcBef>
+                <a:spcPts val="600"/>
+              </a:spcBef>
+              <a:buFont typeface="Wingdings" panose="05000000000000000000" pitchFamily="2" charset="2"/>
+              <a:buChar char="v"/>
+            </a:pPr>
+            <a:r>
+              <a:rPr lang="en-GB" sz="2400" dirty="0"/>
+              <a:t> Class</a:t>
+            </a:r>
+          </a:p>
+          <a:p>
+            <a:pPr>
+              <a:spcBef>
+                <a:spcPts val="600"/>
+              </a:spcBef>
+              <a:buFont typeface="Wingdings" panose="05000000000000000000" pitchFamily="2" charset="2"/>
+              <a:buChar char="v"/>
+            </a:pPr>
+            <a:r>
+              <a:rPr lang="en-GB" sz="2400" dirty="0"/>
+              <a:t> Process</a:t>
+            </a:r>
+          </a:p>
+          <a:p>
+            <a:pPr>
+              <a:spcBef>
+                <a:spcPts val="600"/>
+              </a:spcBef>
+              <a:buFont typeface="Wingdings" panose="05000000000000000000" pitchFamily="2" charset="2"/>
+              <a:buChar char="v"/>
+            </a:pPr>
+            <a:r>
+              <a:rPr lang="en-GB" sz="2400" dirty="0"/>
+              <a:t> Boolean</a:t>
+            </a:r>
+          </a:p>
+          <a:p>
+            <a:pPr>
+              <a:spcBef>
+                <a:spcPts val="600"/>
+              </a:spcBef>
+              <a:buFont typeface="Wingdings" panose="05000000000000000000" pitchFamily="2" charset="2"/>
+              <a:buChar char="v"/>
+            </a:pPr>
+            <a:r>
+              <a:rPr lang="en-GB" sz="2400" dirty="0"/>
+              <a:t> Short</a:t>
+            </a:r>
+          </a:p>
+          <a:p>
+            <a:pPr>
+              <a:spcBef>
+                <a:spcPts val="600"/>
+              </a:spcBef>
+              <a:buFont typeface="Wingdings" panose="05000000000000000000" pitchFamily="2" charset="2"/>
+              <a:buChar char="v"/>
+            </a:pPr>
+            <a:r>
+              <a:rPr lang="en-GB" sz="2400" dirty="0"/>
+              <a:t> Long</a:t>
+            </a:r>
           </a:p>
           <a:p>
             <a:pPr marL="658368" lvl="1" indent="-457200">

--- a/thesis/ukapp2/wqu_isc/sofware_design/Lesson 4 - Java.pptx
+++ b/thesis/ukapp2/wqu_isc/sofware_design/Lesson 4 - Java.pptx
@@ -19,28 +19,29 @@
     <p:sldId id="280" r:id="rId16"/>
     <p:sldId id="282" r:id="rId17"/>
     <p:sldId id="293" r:id="rId18"/>
-    <p:sldId id="276" r:id="rId19"/>
+    <p:sldId id="307" r:id="rId19"/>
     <p:sldId id="277" r:id="rId20"/>
     <p:sldId id="294" r:id="rId21"/>
     <p:sldId id="283" r:id="rId22"/>
-    <p:sldId id="284" r:id="rId23"/>
-    <p:sldId id="295" r:id="rId24"/>
-    <p:sldId id="285" r:id="rId25"/>
-    <p:sldId id="299" r:id="rId26"/>
-    <p:sldId id="296" r:id="rId27"/>
-    <p:sldId id="286" r:id="rId28"/>
-    <p:sldId id="303" r:id="rId29"/>
-    <p:sldId id="297" r:id="rId30"/>
-    <p:sldId id="287" r:id="rId31"/>
-    <p:sldId id="305" r:id="rId32"/>
-    <p:sldId id="306" r:id="rId33"/>
-    <p:sldId id="288" r:id="rId34"/>
-    <p:sldId id="289" r:id="rId35"/>
-    <p:sldId id="298" r:id="rId36"/>
-    <p:sldId id="290" r:id="rId37"/>
-    <p:sldId id="301" r:id="rId38"/>
-    <p:sldId id="302" r:id="rId39"/>
-    <p:sldId id="304" r:id="rId40"/>
+    <p:sldId id="276" r:id="rId23"/>
+    <p:sldId id="284" r:id="rId24"/>
+    <p:sldId id="295" r:id="rId25"/>
+    <p:sldId id="285" r:id="rId26"/>
+    <p:sldId id="299" r:id="rId27"/>
+    <p:sldId id="296" r:id="rId28"/>
+    <p:sldId id="286" r:id="rId29"/>
+    <p:sldId id="303" r:id="rId30"/>
+    <p:sldId id="297" r:id="rId31"/>
+    <p:sldId id="287" r:id="rId32"/>
+    <p:sldId id="305" r:id="rId33"/>
+    <p:sldId id="306" r:id="rId34"/>
+    <p:sldId id="288" r:id="rId35"/>
+    <p:sldId id="289" r:id="rId36"/>
+    <p:sldId id="298" r:id="rId37"/>
+    <p:sldId id="290" r:id="rId38"/>
+    <p:sldId id="301" r:id="rId39"/>
+    <p:sldId id="302" r:id="rId40"/>
+    <p:sldId id="304" r:id="rId41"/>
   </p:sldIdLst>
   <p:sldSz cx="9144000" cy="6858000" type="screen4x3"/>
   <p:notesSz cx="6858000" cy="9144000"/>
@@ -145,6 +146,6339 @@
     </p:ext>
   </p:extLst>
 </p:presentation>
+</file>
+
+<file path=ppt/diagrams/colors1.xml><?xml version="1.0" encoding="utf-8"?>
+<dgm:colorsDef xmlns:dgm="http://schemas.openxmlformats.org/drawingml/2006/diagram" xmlns:a="http://schemas.openxmlformats.org/drawingml/2006/main" uniqueId="urn:microsoft.com/office/officeart/2005/8/colors/accent1_2">
+  <dgm:title val=""/>
+  <dgm:desc val=""/>
+  <dgm:catLst>
+    <dgm:cat type="accent1" pri="11200"/>
+  </dgm:catLst>
+  <dgm:styleLbl name="node0">
+    <dgm:fillClrLst meth="repeat">
+      <a:schemeClr val="accent1"/>
+    </dgm:fillClrLst>
+    <dgm:linClrLst meth="repeat">
+      <a:schemeClr val="lt1"/>
+    </dgm:linClrLst>
+    <dgm:effectClrLst/>
+    <dgm:txLinClrLst/>
+    <dgm:txFillClrLst/>
+    <dgm:txEffectClrLst/>
+  </dgm:styleLbl>
+  <dgm:styleLbl name="alignNode1">
+    <dgm:fillClrLst meth="repeat">
+      <a:schemeClr val="accent1"/>
+    </dgm:fillClrLst>
+    <dgm:linClrLst meth="repeat">
+      <a:schemeClr val="accent1"/>
+    </dgm:linClrLst>
+    <dgm:effectClrLst/>
+    <dgm:txLinClrLst/>
+    <dgm:txFillClrLst/>
+    <dgm:txEffectClrLst/>
+  </dgm:styleLbl>
+  <dgm:styleLbl name="node1">
+    <dgm:fillClrLst meth="repeat">
+      <a:schemeClr val="accent1"/>
+    </dgm:fillClrLst>
+    <dgm:linClrLst meth="repeat">
+      <a:schemeClr val="lt1"/>
+    </dgm:linClrLst>
+    <dgm:effectClrLst/>
+    <dgm:txLinClrLst/>
+    <dgm:txFillClrLst/>
+    <dgm:txEffectClrLst/>
+  </dgm:styleLbl>
+  <dgm:styleLbl name="lnNode1">
+    <dgm:fillClrLst meth="repeat">
+      <a:schemeClr val="accent1"/>
+    </dgm:fillClrLst>
+    <dgm:linClrLst meth="repeat">
+      <a:schemeClr val="lt1"/>
+    </dgm:linClrLst>
+    <dgm:effectClrLst/>
+    <dgm:txLinClrLst/>
+    <dgm:txFillClrLst/>
+    <dgm:txEffectClrLst/>
+  </dgm:styleLbl>
+  <dgm:styleLbl name="vennNode1">
+    <dgm:fillClrLst meth="repeat">
+      <a:schemeClr val="accent1">
+        <a:alpha val="50000"/>
+      </a:schemeClr>
+    </dgm:fillClrLst>
+    <dgm:linClrLst meth="repeat">
+      <a:schemeClr val="lt1"/>
+    </dgm:linClrLst>
+    <dgm:effectClrLst/>
+    <dgm:txLinClrLst/>
+    <dgm:txFillClrLst/>
+    <dgm:txEffectClrLst/>
+  </dgm:styleLbl>
+  <dgm:styleLbl name="node2">
+    <dgm:fillClrLst meth="repeat">
+      <a:schemeClr val="accent1"/>
+    </dgm:fillClrLst>
+    <dgm:linClrLst meth="repeat">
+      <a:schemeClr val="lt1"/>
+    </dgm:linClrLst>
+    <dgm:effectClrLst/>
+    <dgm:txLinClrLst/>
+    <dgm:txFillClrLst/>
+    <dgm:txEffectClrLst/>
+  </dgm:styleLbl>
+  <dgm:styleLbl name="node3">
+    <dgm:fillClrLst meth="repeat">
+      <a:schemeClr val="accent1"/>
+    </dgm:fillClrLst>
+    <dgm:linClrLst meth="repeat">
+      <a:schemeClr val="lt1"/>
+    </dgm:linClrLst>
+    <dgm:effectClrLst/>
+    <dgm:txLinClrLst/>
+    <dgm:txFillClrLst/>
+    <dgm:txEffectClrLst/>
+  </dgm:styleLbl>
+  <dgm:styleLbl name="node4">
+    <dgm:fillClrLst meth="repeat">
+      <a:schemeClr val="accent1"/>
+    </dgm:fillClrLst>
+    <dgm:linClrLst meth="repeat">
+      <a:schemeClr val="lt1"/>
+    </dgm:linClrLst>
+    <dgm:effectClrLst/>
+    <dgm:txLinClrLst/>
+    <dgm:txFillClrLst/>
+    <dgm:txEffectClrLst/>
+  </dgm:styleLbl>
+  <dgm:styleLbl name="fgImgPlace1">
+    <dgm:fillClrLst meth="repeat">
+      <a:schemeClr val="accent1">
+        <a:tint val="50000"/>
+      </a:schemeClr>
+    </dgm:fillClrLst>
+    <dgm:linClrLst meth="repeat">
+      <a:schemeClr val="lt1"/>
+    </dgm:linClrLst>
+    <dgm:effectClrLst/>
+    <dgm:txLinClrLst/>
+    <dgm:txFillClrLst meth="repeat">
+      <a:schemeClr val="lt1"/>
+    </dgm:txFillClrLst>
+    <dgm:txEffectClrLst/>
+  </dgm:styleLbl>
+  <dgm:styleLbl name="alignImgPlace1">
+    <dgm:fillClrLst meth="repeat">
+      <a:schemeClr val="accent1">
+        <a:tint val="50000"/>
+      </a:schemeClr>
+    </dgm:fillClrLst>
+    <dgm:linClrLst meth="repeat">
+      <a:schemeClr val="lt1"/>
+    </dgm:linClrLst>
+    <dgm:effectClrLst/>
+    <dgm:txLinClrLst/>
+    <dgm:txFillClrLst meth="repeat">
+      <a:schemeClr val="lt1"/>
+    </dgm:txFillClrLst>
+    <dgm:txEffectClrLst/>
+  </dgm:styleLbl>
+  <dgm:styleLbl name="bgImgPlace1">
+    <dgm:fillClrLst meth="repeat">
+      <a:schemeClr val="accent1">
+        <a:tint val="50000"/>
+      </a:schemeClr>
+    </dgm:fillClrLst>
+    <dgm:linClrLst meth="repeat">
+      <a:schemeClr val="lt1"/>
+    </dgm:linClrLst>
+    <dgm:effectClrLst/>
+    <dgm:txLinClrLst/>
+    <dgm:txFillClrLst meth="repeat">
+      <a:schemeClr val="lt1"/>
+    </dgm:txFillClrLst>
+    <dgm:txEffectClrLst/>
+  </dgm:styleLbl>
+  <dgm:styleLbl name="sibTrans2D1">
+    <dgm:fillClrLst meth="repeat">
+      <a:schemeClr val="accent1">
+        <a:tint val="60000"/>
+      </a:schemeClr>
+    </dgm:fillClrLst>
+    <dgm:linClrLst meth="repeat">
+      <a:schemeClr val="accent1">
+        <a:tint val="60000"/>
+      </a:schemeClr>
+    </dgm:linClrLst>
+    <dgm:effectClrLst/>
+    <dgm:txLinClrLst/>
+    <dgm:txFillClrLst/>
+    <dgm:txEffectClrLst/>
+  </dgm:styleLbl>
+  <dgm:styleLbl name="fgSibTrans2D1">
+    <dgm:fillClrLst meth="repeat">
+      <a:schemeClr val="accent1">
+        <a:tint val="60000"/>
+      </a:schemeClr>
+    </dgm:fillClrLst>
+    <dgm:linClrLst meth="repeat">
+      <a:schemeClr val="accent1">
+        <a:tint val="60000"/>
+      </a:schemeClr>
+    </dgm:linClrLst>
+    <dgm:effectClrLst/>
+    <dgm:txLinClrLst/>
+    <dgm:txFillClrLst/>
+    <dgm:txEffectClrLst/>
+  </dgm:styleLbl>
+  <dgm:styleLbl name="bgSibTrans2D1">
+    <dgm:fillClrLst meth="repeat">
+      <a:schemeClr val="accent1">
+        <a:tint val="60000"/>
+      </a:schemeClr>
+    </dgm:fillClrLst>
+    <dgm:linClrLst meth="repeat">
+      <a:schemeClr val="accent1">
+        <a:tint val="60000"/>
+      </a:schemeClr>
+    </dgm:linClrLst>
+    <dgm:effectClrLst/>
+    <dgm:txLinClrLst/>
+    <dgm:txFillClrLst/>
+    <dgm:txEffectClrLst/>
+  </dgm:styleLbl>
+  <dgm:styleLbl name="sibTrans1D1">
+    <dgm:fillClrLst meth="repeat">
+      <a:schemeClr val="accent1"/>
+    </dgm:fillClrLst>
+    <dgm:linClrLst meth="repeat">
+      <a:schemeClr val="accent1"/>
+    </dgm:linClrLst>
+    <dgm:effectClrLst/>
+    <dgm:txLinClrLst/>
+    <dgm:txFillClrLst meth="repeat">
+      <a:schemeClr val="tx1"/>
+    </dgm:txFillClrLst>
+    <dgm:txEffectClrLst/>
+  </dgm:styleLbl>
+  <dgm:styleLbl name="callout">
+    <dgm:fillClrLst meth="repeat">
+      <a:schemeClr val="accent1"/>
+    </dgm:fillClrLst>
+    <dgm:linClrLst meth="repeat">
+      <a:schemeClr val="accent1">
+        <a:tint val="50000"/>
+      </a:schemeClr>
+    </dgm:linClrLst>
+    <dgm:effectClrLst/>
+    <dgm:txLinClrLst/>
+    <dgm:txFillClrLst meth="repeat">
+      <a:schemeClr val="tx1"/>
+    </dgm:txFillClrLst>
+    <dgm:txEffectClrLst/>
+  </dgm:styleLbl>
+  <dgm:styleLbl name="asst0">
+    <dgm:fillClrLst meth="repeat">
+      <a:schemeClr val="accent1"/>
+    </dgm:fillClrLst>
+    <dgm:linClrLst meth="repeat">
+      <a:schemeClr val="lt1"/>
+    </dgm:linClrLst>
+    <dgm:effectClrLst/>
+    <dgm:txLinClrLst/>
+    <dgm:txFillClrLst/>
+    <dgm:txEffectClrLst/>
+  </dgm:styleLbl>
+  <dgm:styleLbl name="asst1">
+    <dgm:fillClrLst meth="repeat">
+      <a:schemeClr val="accent1"/>
+    </dgm:fillClrLst>
+    <dgm:linClrLst meth="repeat">
+      <a:schemeClr val="lt1"/>
+    </dgm:linClrLst>
+    <dgm:effectClrLst/>
+    <dgm:txLinClrLst/>
+    <dgm:txFillClrLst/>
+    <dgm:txEffectClrLst/>
+  </dgm:styleLbl>
+  <dgm:styleLbl name="asst2">
+    <dgm:fillClrLst meth="repeat">
+      <a:schemeClr val="accent1"/>
+    </dgm:fillClrLst>
+    <dgm:linClrLst meth="repeat">
+      <a:schemeClr val="lt1"/>
+    </dgm:linClrLst>
+    <dgm:effectClrLst/>
+    <dgm:txLinClrLst/>
+    <dgm:txFillClrLst/>
+    <dgm:txEffectClrLst/>
+  </dgm:styleLbl>
+  <dgm:styleLbl name="asst3">
+    <dgm:fillClrLst meth="repeat">
+      <a:schemeClr val="accent1"/>
+    </dgm:fillClrLst>
+    <dgm:linClrLst meth="repeat">
+      <a:schemeClr val="lt1"/>
+    </dgm:linClrLst>
+    <dgm:effectClrLst/>
+    <dgm:txLinClrLst/>
+    <dgm:txFillClrLst/>
+    <dgm:txEffectClrLst/>
+  </dgm:styleLbl>
+  <dgm:styleLbl name="asst4">
+    <dgm:fillClrLst meth="repeat">
+      <a:schemeClr val="accent1"/>
+    </dgm:fillClrLst>
+    <dgm:linClrLst meth="repeat">
+      <a:schemeClr val="lt1"/>
+    </dgm:linClrLst>
+    <dgm:effectClrLst/>
+    <dgm:txLinClrLst/>
+    <dgm:txFillClrLst/>
+    <dgm:txEffectClrLst/>
+  </dgm:styleLbl>
+  <dgm:styleLbl name="parChTrans2D1">
+    <dgm:fillClrLst meth="repeat">
+      <a:schemeClr val="accent1">
+        <a:tint val="60000"/>
+      </a:schemeClr>
+    </dgm:fillClrLst>
+    <dgm:linClrLst meth="repeat">
+      <a:schemeClr val="accent1">
+        <a:tint val="60000"/>
+      </a:schemeClr>
+    </dgm:linClrLst>
+    <dgm:effectClrLst/>
+    <dgm:txLinClrLst/>
+    <dgm:txFillClrLst meth="repeat">
+      <a:schemeClr val="lt1"/>
+    </dgm:txFillClrLst>
+    <dgm:txEffectClrLst/>
+  </dgm:styleLbl>
+  <dgm:styleLbl name="parChTrans2D2">
+    <dgm:fillClrLst meth="repeat">
+      <a:schemeClr val="accent1"/>
+    </dgm:fillClrLst>
+    <dgm:linClrLst meth="repeat">
+      <a:schemeClr val="accent1"/>
+    </dgm:linClrLst>
+    <dgm:effectClrLst/>
+    <dgm:txLinClrLst/>
+    <dgm:txFillClrLst meth="repeat">
+      <a:schemeClr val="lt1"/>
+    </dgm:txFillClrLst>
+    <dgm:txEffectClrLst/>
+  </dgm:styleLbl>
+  <dgm:styleLbl name="parChTrans2D3">
+    <dgm:fillClrLst meth="repeat">
+      <a:schemeClr val="accent1"/>
+    </dgm:fillClrLst>
+    <dgm:linClrLst meth="repeat">
+      <a:schemeClr val="accent1"/>
+    </dgm:linClrLst>
+    <dgm:effectClrLst/>
+    <dgm:txLinClrLst/>
+    <dgm:txFillClrLst meth="repeat">
+      <a:schemeClr val="lt1"/>
+    </dgm:txFillClrLst>
+    <dgm:txEffectClrLst/>
+  </dgm:styleLbl>
+  <dgm:styleLbl name="parChTrans2D4">
+    <dgm:fillClrLst meth="repeat">
+      <a:schemeClr val="accent1"/>
+    </dgm:fillClrLst>
+    <dgm:linClrLst meth="repeat">
+      <a:schemeClr val="accent1"/>
+    </dgm:linClrLst>
+    <dgm:effectClrLst/>
+    <dgm:txLinClrLst/>
+    <dgm:txFillClrLst meth="repeat">
+      <a:schemeClr val="lt1"/>
+    </dgm:txFillClrLst>
+    <dgm:txEffectClrLst/>
+  </dgm:styleLbl>
+  <dgm:styleLbl name="parChTrans1D1">
+    <dgm:fillClrLst meth="repeat">
+      <a:schemeClr val="accent1"/>
+    </dgm:fillClrLst>
+    <dgm:linClrLst meth="repeat">
+      <a:schemeClr val="accent1">
+        <a:shade val="60000"/>
+      </a:schemeClr>
+    </dgm:linClrLst>
+    <dgm:effectClrLst/>
+    <dgm:txLinClrLst/>
+    <dgm:txFillClrLst meth="repeat">
+      <a:schemeClr val="tx1"/>
+    </dgm:txFillClrLst>
+    <dgm:txEffectClrLst/>
+  </dgm:styleLbl>
+  <dgm:styleLbl name="parChTrans1D2">
+    <dgm:fillClrLst meth="repeat">
+      <a:schemeClr val="accent1"/>
+    </dgm:fillClrLst>
+    <dgm:linClrLst meth="repeat">
+      <a:schemeClr val="accent1">
+        <a:shade val="60000"/>
+      </a:schemeClr>
+    </dgm:linClrLst>
+    <dgm:effectClrLst/>
+    <dgm:txLinClrLst/>
+    <dgm:txFillClrLst meth="repeat">
+      <a:schemeClr val="tx1"/>
+    </dgm:txFillClrLst>
+    <dgm:txEffectClrLst/>
+  </dgm:styleLbl>
+  <dgm:styleLbl name="parChTrans1D3">
+    <dgm:fillClrLst meth="repeat">
+      <a:schemeClr val="accent1"/>
+    </dgm:fillClrLst>
+    <dgm:linClrLst meth="repeat">
+      <a:schemeClr val="accent1">
+        <a:shade val="80000"/>
+      </a:schemeClr>
+    </dgm:linClrLst>
+    <dgm:effectClrLst/>
+    <dgm:txLinClrLst/>
+    <dgm:txFillClrLst meth="repeat">
+      <a:schemeClr val="tx1"/>
+    </dgm:txFillClrLst>
+    <dgm:txEffectClrLst/>
+  </dgm:styleLbl>
+  <dgm:styleLbl name="parChTrans1D4">
+    <dgm:fillClrLst meth="repeat">
+      <a:schemeClr val="accent1"/>
+    </dgm:fillClrLst>
+    <dgm:linClrLst meth="repeat">
+      <a:schemeClr val="accent1">
+        <a:shade val="80000"/>
+      </a:schemeClr>
+    </dgm:linClrLst>
+    <dgm:effectClrLst/>
+    <dgm:txLinClrLst/>
+    <dgm:txFillClrLst meth="repeat">
+      <a:schemeClr val="tx1"/>
+    </dgm:txFillClrLst>
+    <dgm:txEffectClrLst/>
+  </dgm:styleLbl>
+  <dgm:styleLbl name="fgAcc1">
+    <dgm:fillClrLst meth="repeat">
+      <a:schemeClr val="lt1">
+        <a:alpha val="90000"/>
+      </a:schemeClr>
+    </dgm:fillClrLst>
+    <dgm:linClrLst meth="repeat">
+      <a:schemeClr val="accent1"/>
+    </dgm:linClrLst>
+    <dgm:effectClrLst/>
+    <dgm:txLinClrLst/>
+    <dgm:txFillClrLst meth="repeat">
+      <a:schemeClr val="dk1"/>
+    </dgm:txFillClrLst>
+    <dgm:txEffectClrLst/>
+  </dgm:styleLbl>
+  <dgm:styleLbl name="conFgAcc1">
+    <dgm:fillClrLst meth="repeat">
+      <a:schemeClr val="lt1">
+        <a:alpha val="90000"/>
+      </a:schemeClr>
+    </dgm:fillClrLst>
+    <dgm:linClrLst meth="repeat">
+      <a:schemeClr val="accent1"/>
+    </dgm:linClrLst>
+    <dgm:effectClrLst/>
+    <dgm:txLinClrLst/>
+    <dgm:txFillClrLst meth="repeat">
+      <a:schemeClr val="dk1"/>
+    </dgm:txFillClrLst>
+    <dgm:txEffectClrLst/>
+  </dgm:styleLbl>
+  <dgm:styleLbl name="alignAcc1">
+    <dgm:fillClrLst meth="repeat">
+      <a:schemeClr val="lt1">
+        <a:alpha val="90000"/>
+      </a:schemeClr>
+    </dgm:fillClrLst>
+    <dgm:linClrLst meth="repeat">
+      <a:schemeClr val="accent1"/>
+    </dgm:linClrLst>
+    <dgm:effectClrLst/>
+    <dgm:txLinClrLst/>
+    <dgm:txFillClrLst meth="repeat">
+      <a:schemeClr val="dk1"/>
+    </dgm:txFillClrLst>
+    <dgm:txEffectClrLst/>
+  </dgm:styleLbl>
+  <dgm:styleLbl name="trAlignAcc1">
+    <dgm:fillClrLst meth="repeat">
+      <a:schemeClr val="lt1">
+        <a:alpha val="40000"/>
+      </a:schemeClr>
+    </dgm:fillClrLst>
+    <dgm:linClrLst meth="repeat">
+      <a:schemeClr val="accent1"/>
+    </dgm:linClrLst>
+    <dgm:effectClrLst/>
+    <dgm:txLinClrLst/>
+    <dgm:txFillClrLst meth="repeat">
+      <a:schemeClr val="dk1"/>
+    </dgm:txFillClrLst>
+    <dgm:txEffectClrLst/>
+  </dgm:styleLbl>
+  <dgm:styleLbl name="bgAcc1">
+    <dgm:fillClrLst meth="repeat">
+      <a:schemeClr val="lt1">
+        <a:alpha val="90000"/>
+      </a:schemeClr>
+    </dgm:fillClrLst>
+    <dgm:linClrLst meth="repeat">
+      <a:schemeClr val="accent1"/>
+    </dgm:linClrLst>
+    <dgm:effectClrLst/>
+    <dgm:txLinClrLst/>
+    <dgm:txFillClrLst meth="repeat">
+      <a:schemeClr val="dk1"/>
+    </dgm:txFillClrLst>
+    <dgm:txEffectClrLst/>
+  </dgm:styleLbl>
+  <dgm:styleLbl name="solidFgAcc1">
+    <dgm:fillClrLst meth="repeat">
+      <a:schemeClr val="lt1"/>
+    </dgm:fillClrLst>
+    <dgm:linClrLst meth="repeat">
+      <a:schemeClr val="accent1"/>
+    </dgm:linClrLst>
+    <dgm:effectClrLst/>
+    <dgm:txLinClrLst/>
+    <dgm:txFillClrLst meth="repeat">
+      <a:schemeClr val="dk1"/>
+    </dgm:txFillClrLst>
+    <dgm:txEffectClrLst/>
+  </dgm:styleLbl>
+  <dgm:styleLbl name="solidAlignAcc1">
+    <dgm:fillClrLst meth="repeat">
+      <a:schemeClr val="lt1"/>
+    </dgm:fillClrLst>
+    <dgm:linClrLst meth="repeat">
+      <a:schemeClr val="accent1"/>
+    </dgm:linClrLst>
+    <dgm:effectClrLst/>
+    <dgm:txLinClrLst/>
+    <dgm:txFillClrLst meth="repeat">
+      <a:schemeClr val="dk1"/>
+    </dgm:txFillClrLst>
+    <dgm:txEffectClrLst/>
+  </dgm:styleLbl>
+  <dgm:styleLbl name="solidBgAcc1">
+    <dgm:fillClrLst meth="repeat">
+      <a:schemeClr val="lt1"/>
+    </dgm:fillClrLst>
+    <dgm:linClrLst meth="repeat">
+      <a:schemeClr val="accent1"/>
+    </dgm:linClrLst>
+    <dgm:effectClrLst/>
+    <dgm:txLinClrLst/>
+    <dgm:txFillClrLst meth="repeat">
+      <a:schemeClr val="dk1"/>
+    </dgm:txFillClrLst>
+    <dgm:txEffectClrLst/>
+  </dgm:styleLbl>
+  <dgm:styleLbl name="fgAccFollowNode1">
+    <dgm:fillClrLst meth="repeat">
+      <a:schemeClr val="accent1">
+        <a:alpha val="90000"/>
+        <a:tint val="40000"/>
+      </a:schemeClr>
+    </dgm:fillClrLst>
+    <dgm:linClrLst meth="repeat">
+      <a:schemeClr val="accent1">
+        <a:alpha val="90000"/>
+        <a:tint val="40000"/>
+      </a:schemeClr>
+    </dgm:linClrLst>
+    <dgm:effectClrLst/>
+    <dgm:txLinClrLst/>
+    <dgm:txFillClrLst meth="repeat">
+      <a:schemeClr val="dk1"/>
+    </dgm:txFillClrLst>
+    <dgm:txEffectClrLst/>
+  </dgm:styleLbl>
+  <dgm:styleLbl name="alignAccFollowNode1">
+    <dgm:fillClrLst meth="repeat">
+      <a:schemeClr val="accent1">
+        <a:alpha val="90000"/>
+        <a:tint val="40000"/>
+      </a:schemeClr>
+    </dgm:fillClrLst>
+    <dgm:linClrLst meth="repeat">
+      <a:schemeClr val="accent1">
+        <a:alpha val="90000"/>
+        <a:tint val="40000"/>
+      </a:schemeClr>
+    </dgm:linClrLst>
+    <dgm:effectClrLst/>
+    <dgm:txLinClrLst/>
+    <dgm:txFillClrLst meth="repeat">
+      <a:schemeClr val="dk1"/>
+    </dgm:txFillClrLst>
+    <dgm:txEffectClrLst/>
+  </dgm:styleLbl>
+  <dgm:styleLbl name="bgAccFollowNode1">
+    <dgm:fillClrLst meth="repeat">
+      <a:schemeClr val="accent1">
+        <a:alpha val="90000"/>
+        <a:tint val="40000"/>
+      </a:schemeClr>
+    </dgm:fillClrLst>
+    <dgm:linClrLst meth="repeat">
+      <a:schemeClr val="accent1">
+        <a:alpha val="90000"/>
+        <a:tint val="40000"/>
+      </a:schemeClr>
+    </dgm:linClrLst>
+    <dgm:effectClrLst/>
+    <dgm:txLinClrLst/>
+    <dgm:txFillClrLst meth="repeat">
+      <a:schemeClr val="dk1"/>
+    </dgm:txFillClrLst>
+    <dgm:txEffectClrLst/>
+  </dgm:styleLbl>
+  <dgm:styleLbl name="fgAcc0">
+    <dgm:fillClrLst meth="repeat">
+      <a:schemeClr val="lt1">
+        <a:alpha val="90000"/>
+      </a:schemeClr>
+    </dgm:fillClrLst>
+    <dgm:linClrLst meth="repeat">
+      <a:schemeClr val="accent1"/>
+    </dgm:linClrLst>
+    <dgm:effectClrLst/>
+    <dgm:txLinClrLst/>
+    <dgm:txFillClrLst meth="repeat">
+      <a:schemeClr val="dk1"/>
+    </dgm:txFillClrLst>
+    <dgm:txEffectClrLst/>
+  </dgm:styleLbl>
+  <dgm:styleLbl name="fgAcc2">
+    <dgm:fillClrLst meth="repeat">
+      <a:schemeClr val="lt1">
+        <a:alpha val="90000"/>
+      </a:schemeClr>
+    </dgm:fillClrLst>
+    <dgm:linClrLst meth="repeat">
+      <a:schemeClr val="accent1"/>
+    </dgm:linClrLst>
+    <dgm:effectClrLst/>
+    <dgm:txLinClrLst/>
+    <dgm:txFillClrLst meth="repeat">
+      <a:schemeClr val="dk1"/>
+    </dgm:txFillClrLst>
+    <dgm:txEffectClrLst/>
+  </dgm:styleLbl>
+  <dgm:styleLbl name="fgAcc3">
+    <dgm:fillClrLst meth="repeat">
+      <a:schemeClr val="lt1">
+        <a:alpha val="90000"/>
+      </a:schemeClr>
+    </dgm:fillClrLst>
+    <dgm:linClrLst meth="repeat">
+      <a:schemeClr val="accent1"/>
+    </dgm:linClrLst>
+    <dgm:effectClrLst/>
+    <dgm:txLinClrLst/>
+    <dgm:txFillClrLst meth="repeat">
+      <a:schemeClr val="dk1"/>
+    </dgm:txFillClrLst>
+    <dgm:txEffectClrLst/>
+  </dgm:styleLbl>
+  <dgm:styleLbl name="fgAcc4">
+    <dgm:fillClrLst meth="repeat">
+      <a:schemeClr val="lt1">
+        <a:alpha val="90000"/>
+      </a:schemeClr>
+    </dgm:fillClrLst>
+    <dgm:linClrLst meth="repeat">
+      <a:schemeClr val="accent1"/>
+    </dgm:linClrLst>
+    <dgm:effectClrLst/>
+    <dgm:txLinClrLst/>
+    <dgm:txFillClrLst meth="repeat">
+      <a:schemeClr val="dk1"/>
+    </dgm:txFillClrLst>
+    <dgm:txEffectClrLst/>
+  </dgm:styleLbl>
+  <dgm:styleLbl name="bgShp">
+    <dgm:fillClrLst meth="repeat">
+      <a:schemeClr val="accent1">
+        <a:tint val="40000"/>
+      </a:schemeClr>
+    </dgm:fillClrLst>
+    <dgm:linClrLst meth="repeat">
+      <a:schemeClr val="accent1"/>
+    </dgm:linClrLst>
+    <dgm:effectClrLst/>
+    <dgm:txLinClrLst/>
+    <dgm:txFillClrLst meth="repeat">
+      <a:schemeClr val="dk1"/>
+    </dgm:txFillClrLst>
+    <dgm:txEffectClrLst/>
+  </dgm:styleLbl>
+  <dgm:styleLbl name="dkBgShp">
+    <dgm:fillClrLst meth="repeat">
+      <a:schemeClr val="accent1">
+        <a:shade val="80000"/>
+      </a:schemeClr>
+    </dgm:fillClrLst>
+    <dgm:linClrLst meth="repeat">
+      <a:schemeClr val="accent1"/>
+    </dgm:linClrLst>
+    <dgm:effectClrLst/>
+    <dgm:txLinClrLst/>
+    <dgm:txFillClrLst meth="repeat">
+      <a:schemeClr val="lt1"/>
+    </dgm:txFillClrLst>
+    <dgm:txEffectClrLst/>
+  </dgm:styleLbl>
+  <dgm:styleLbl name="trBgShp">
+    <dgm:fillClrLst meth="repeat">
+      <a:schemeClr val="accent1">
+        <a:tint val="50000"/>
+        <a:alpha val="40000"/>
+      </a:schemeClr>
+    </dgm:fillClrLst>
+    <dgm:linClrLst meth="repeat">
+      <a:schemeClr val="accent1"/>
+    </dgm:linClrLst>
+    <dgm:effectClrLst/>
+    <dgm:txLinClrLst/>
+    <dgm:txFillClrLst meth="repeat">
+      <a:schemeClr val="lt1"/>
+    </dgm:txFillClrLst>
+    <dgm:txEffectClrLst/>
+  </dgm:styleLbl>
+  <dgm:styleLbl name="fgShp">
+    <dgm:fillClrLst meth="repeat">
+      <a:schemeClr val="accent1">
+        <a:tint val="60000"/>
+      </a:schemeClr>
+    </dgm:fillClrLst>
+    <dgm:linClrLst meth="repeat">
+      <a:schemeClr val="lt1"/>
+    </dgm:linClrLst>
+    <dgm:effectClrLst/>
+    <dgm:txLinClrLst/>
+    <dgm:txFillClrLst meth="repeat">
+      <a:schemeClr val="dk1"/>
+    </dgm:txFillClrLst>
+    <dgm:txEffectClrLst/>
+  </dgm:styleLbl>
+  <dgm:styleLbl name="revTx">
+    <dgm:fillClrLst meth="repeat">
+      <a:schemeClr val="lt1">
+        <a:alpha val="0"/>
+      </a:schemeClr>
+    </dgm:fillClrLst>
+    <dgm:linClrLst meth="repeat">
+      <a:schemeClr val="dk1">
+        <a:alpha val="0"/>
+      </a:schemeClr>
+    </dgm:linClrLst>
+    <dgm:effectClrLst/>
+    <dgm:txLinClrLst/>
+    <dgm:txFillClrLst meth="repeat">
+      <a:schemeClr val="tx1"/>
+    </dgm:txFillClrLst>
+    <dgm:txEffectClrLst/>
+  </dgm:styleLbl>
+</dgm:colorsDef>
+</file>
+
+<file path=ppt/diagrams/data1.xml><?xml version="1.0" encoding="utf-8"?>
+<dgm:dataModel xmlns:dgm="http://schemas.openxmlformats.org/drawingml/2006/diagram" xmlns:a="http://schemas.openxmlformats.org/drawingml/2006/main">
+  <dgm:ptLst>
+    <dgm:pt modelId="{6683885A-EFF9-4D68-B2BA-10BC149E1FA6}" type="doc">
+      <dgm:prSet loTypeId="urn:microsoft.com/office/officeart/2008/layout/RadialCluster" loCatId="cycle" qsTypeId="urn:microsoft.com/office/officeart/2005/8/quickstyle/simple1" qsCatId="simple" csTypeId="urn:microsoft.com/office/officeart/2005/8/colors/accent1_2" csCatId="accent1" phldr="1"/>
+      <dgm:spPr/>
+      <dgm:t>
+        <a:bodyPr/>
+        <a:lstStyle/>
+        <a:p>
+          <a:endParaRPr lang="en-GB"/>
+        </a:p>
+      </dgm:t>
+    </dgm:pt>
+    <dgm:pt modelId="{C0EF1E33-E77E-44B3-A499-839D3EFCA27F}">
+      <dgm:prSet phldrT="[Text]"/>
+      <dgm:spPr/>
+      <dgm:t>
+        <a:bodyPr/>
+        <a:lstStyle/>
+        <a:p>
+          <a:r>
+            <a:rPr lang="en-GB" dirty="0"/>
+            <a:t>Interface</a:t>
+          </a:r>
+        </a:p>
+      </dgm:t>
+    </dgm:pt>
+    <dgm:pt modelId="{25469E63-07EC-40BC-98AC-118AAB7BF90B}" type="parTrans" cxnId="{40198CF6-0D42-4FE8-A217-8A1DA346BE32}">
+      <dgm:prSet/>
+      <dgm:spPr/>
+      <dgm:t>
+        <a:bodyPr/>
+        <a:lstStyle/>
+        <a:p>
+          <a:endParaRPr lang="en-GB"/>
+        </a:p>
+      </dgm:t>
+    </dgm:pt>
+    <dgm:pt modelId="{3027AB04-47D3-40D3-8309-C6B5AB521B97}" type="sibTrans" cxnId="{40198CF6-0D42-4FE8-A217-8A1DA346BE32}">
+      <dgm:prSet/>
+      <dgm:spPr/>
+      <dgm:t>
+        <a:bodyPr/>
+        <a:lstStyle/>
+        <a:p>
+          <a:endParaRPr lang="en-GB"/>
+        </a:p>
+      </dgm:t>
+    </dgm:pt>
+    <dgm:pt modelId="{B60F802C-164F-42C1-9136-B0A0FB67813E}">
+      <dgm:prSet phldrT="[Text]"/>
+      <dgm:spPr>
+        <a:solidFill>
+          <a:schemeClr val="accent6">
+            <a:lumMod val="50000"/>
+          </a:schemeClr>
+        </a:solidFill>
+      </dgm:spPr>
+      <dgm:t>
+        <a:bodyPr/>
+        <a:lstStyle/>
+        <a:p>
+          <a:r>
+            <a:rPr lang="en-GB" dirty="0"/>
+            <a:t>Ubiquitous</a:t>
+          </a:r>
+        </a:p>
+      </dgm:t>
+    </dgm:pt>
+    <dgm:pt modelId="{2632EB70-5BEF-49DC-8427-16E2B54650A9}" type="parTrans" cxnId="{852636A6-64A7-4AF0-BBA9-737ACC9DC78F}">
+      <dgm:prSet/>
+      <dgm:spPr/>
+      <dgm:t>
+        <a:bodyPr/>
+        <a:lstStyle/>
+        <a:p>
+          <a:endParaRPr lang="en-GB"/>
+        </a:p>
+      </dgm:t>
+    </dgm:pt>
+    <dgm:pt modelId="{BA96FFB5-CC06-477B-87D6-1A1CB217354C}" type="sibTrans" cxnId="{852636A6-64A7-4AF0-BBA9-737ACC9DC78F}">
+      <dgm:prSet/>
+      <dgm:spPr/>
+      <dgm:t>
+        <a:bodyPr/>
+        <a:lstStyle/>
+        <a:p>
+          <a:endParaRPr lang="en-GB"/>
+        </a:p>
+      </dgm:t>
+    </dgm:pt>
+    <dgm:pt modelId="{49FDDCE3-7A0D-47E2-83E4-BBC503F32460}">
+      <dgm:prSet phldrT="[Text]"/>
+      <dgm:spPr>
+        <a:solidFill>
+          <a:srgbClr val="0070C0"/>
+        </a:solidFill>
+      </dgm:spPr>
+      <dgm:t>
+        <a:bodyPr/>
+        <a:lstStyle/>
+        <a:p>
+          <a:r>
+            <a:rPr lang="en-GB" dirty="0"/>
+            <a:t>Graphical User Interface</a:t>
+          </a:r>
+        </a:p>
+      </dgm:t>
+    </dgm:pt>
+    <dgm:pt modelId="{BB33F397-E9B1-43C6-B87F-AD6BB4081D59}" type="parTrans" cxnId="{D6C08F05-C945-473E-8FBD-5B0DACE291E2}">
+      <dgm:prSet/>
+      <dgm:spPr/>
+      <dgm:t>
+        <a:bodyPr/>
+        <a:lstStyle/>
+        <a:p>
+          <a:endParaRPr lang="en-GB"/>
+        </a:p>
+      </dgm:t>
+    </dgm:pt>
+    <dgm:pt modelId="{53CD1220-7047-44E2-8712-ED8262C21E4E}" type="sibTrans" cxnId="{D6C08F05-C945-473E-8FBD-5B0DACE291E2}">
+      <dgm:prSet/>
+      <dgm:spPr/>
+      <dgm:t>
+        <a:bodyPr/>
+        <a:lstStyle/>
+        <a:p>
+          <a:endParaRPr lang="en-GB"/>
+        </a:p>
+      </dgm:t>
+    </dgm:pt>
+    <dgm:pt modelId="{65460A54-7BC4-48B8-B1D8-C1F7C963C43D}">
+      <dgm:prSet phldrT="[Text]"/>
+      <dgm:spPr>
+        <a:solidFill>
+          <a:srgbClr val="0070C0"/>
+        </a:solidFill>
+      </dgm:spPr>
+      <dgm:t>
+        <a:bodyPr/>
+        <a:lstStyle/>
+        <a:p>
+          <a:r>
+            <a:rPr lang="en-GB" dirty="0"/>
+            <a:t>Abstraction</a:t>
+          </a:r>
+        </a:p>
+      </dgm:t>
+    </dgm:pt>
+    <dgm:pt modelId="{85B3A47E-82A7-4BF6-A66F-13A095B626AE}" type="parTrans" cxnId="{BA00531D-0B37-4DCC-B2A9-7ABB8D956786}">
+      <dgm:prSet/>
+      <dgm:spPr/>
+      <dgm:t>
+        <a:bodyPr/>
+        <a:lstStyle/>
+        <a:p>
+          <a:endParaRPr lang="en-GB"/>
+        </a:p>
+      </dgm:t>
+    </dgm:pt>
+    <dgm:pt modelId="{C4316ED7-8761-45E1-ADA3-A8C46A5A75C1}" type="sibTrans" cxnId="{BA00531D-0B37-4DCC-B2A9-7ABB8D956786}">
+      <dgm:prSet/>
+      <dgm:spPr/>
+      <dgm:t>
+        <a:bodyPr/>
+        <a:lstStyle/>
+        <a:p>
+          <a:endParaRPr lang="en-GB"/>
+        </a:p>
+      </dgm:t>
+    </dgm:pt>
+    <dgm:pt modelId="{84E39164-4483-46A4-82A8-BCF3BDCBFB33}">
+      <dgm:prSet phldrT="[Text]"/>
+      <dgm:spPr>
+        <a:solidFill>
+          <a:srgbClr val="0070C0"/>
+        </a:solidFill>
+      </dgm:spPr>
+      <dgm:t>
+        <a:bodyPr/>
+        <a:lstStyle/>
+        <a:p>
+          <a:r>
+            <a:rPr lang="en-GB" dirty="0"/>
+            <a:t>Façade</a:t>
+          </a:r>
+        </a:p>
+      </dgm:t>
+    </dgm:pt>
+    <dgm:pt modelId="{EBD0E90D-3BC3-4DC9-A736-B3AC54ED2BB7}" type="parTrans" cxnId="{8B2C1117-29F9-4049-BAF5-EA8C53F6952B}">
+      <dgm:prSet/>
+      <dgm:spPr/>
+      <dgm:t>
+        <a:bodyPr/>
+        <a:lstStyle/>
+        <a:p>
+          <a:endParaRPr lang="en-GB"/>
+        </a:p>
+      </dgm:t>
+    </dgm:pt>
+    <dgm:pt modelId="{56B14C83-D3C8-4760-9DA3-CD2FCDAE9A5B}" type="sibTrans" cxnId="{8B2C1117-29F9-4049-BAF5-EA8C53F6952B}">
+      <dgm:prSet/>
+      <dgm:spPr/>
+      <dgm:t>
+        <a:bodyPr/>
+        <a:lstStyle/>
+        <a:p>
+          <a:endParaRPr lang="en-GB"/>
+        </a:p>
+      </dgm:t>
+    </dgm:pt>
+    <dgm:pt modelId="{10481CA5-E7B4-44D3-A25D-82716C030B37}">
+      <dgm:prSet phldrT="[Text]"/>
+      <dgm:spPr>
+        <a:solidFill>
+          <a:srgbClr val="0070C0"/>
+        </a:solidFill>
+      </dgm:spPr>
+      <dgm:t>
+        <a:bodyPr/>
+        <a:lstStyle/>
+        <a:p>
+          <a:r>
+            <a:rPr lang="en-GB" dirty="0"/>
+            <a:t>Front face</a:t>
+          </a:r>
+        </a:p>
+      </dgm:t>
+    </dgm:pt>
+    <dgm:pt modelId="{80E19F3E-ED04-4946-9F1F-917A940505BB}" type="parTrans" cxnId="{8535B932-5DE9-427D-BE64-EEADF107DF89}">
+      <dgm:prSet/>
+      <dgm:spPr/>
+      <dgm:t>
+        <a:bodyPr/>
+        <a:lstStyle/>
+        <a:p>
+          <a:endParaRPr lang="en-GB"/>
+        </a:p>
+      </dgm:t>
+    </dgm:pt>
+    <dgm:pt modelId="{4D2DB362-417F-4090-B536-DCF01DC11D3F}" type="sibTrans" cxnId="{8535B932-5DE9-427D-BE64-EEADF107DF89}">
+      <dgm:prSet/>
+      <dgm:spPr/>
+      <dgm:t>
+        <a:bodyPr/>
+        <a:lstStyle/>
+        <a:p>
+          <a:endParaRPr lang="en-GB"/>
+        </a:p>
+      </dgm:t>
+    </dgm:pt>
+    <dgm:pt modelId="{452AD175-8807-48DA-9960-A6AB81FF3592}">
+      <dgm:prSet phldrT="[Text]"/>
+      <dgm:spPr>
+        <a:solidFill>
+          <a:srgbClr val="FF0000"/>
+        </a:solidFill>
+      </dgm:spPr>
+      <dgm:t>
+        <a:bodyPr/>
+        <a:lstStyle/>
+        <a:p>
+          <a:r>
+            <a:rPr lang="en-GB" dirty="0"/>
+            <a:t>Simplification</a:t>
+          </a:r>
+        </a:p>
+      </dgm:t>
+    </dgm:pt>
+    <dgm:pt modelId="{95655844-5818-4C22-BEFF-27CB801EF83A}" type="parTrans" cxnId="{83E3E5B6-DE11-4F38-8197-3493C1EBF4D0}">
+      <dgm:prSet/>
+      <dgm:spPr/>
+      <dgm:t>
+        <a:bodyPr/>
+        <a:lstStyle/>
+        <a:p>
+          <a:endParaRPr lang="en-GB"/>
+        </a:p>
+      </dgm:t>
+    </dgm:pt>
+    <dgm:pt modelId="{DFC35D07-A714-4F37-816E-0392420A1750}" type="sibTrans" cxnId="{83E3E5B6-DE11-4F38-8197-3493C1EBF4D0}">
+      <dgm:prSet/>
+      <dgm:spPr/>
+      <dgm:t>
+        <a:bodyPr/>
+        <a:lstStyle/>
+        <a:p>
+          <a:endParaRPr lang="en-GB"/>
+        </a:p>
+      </dgm:t>
+    </dgm:pt>
+    <dgm:pt modelId="{80C21F18-AF50-4335-800A-06B82319D9A2}">
+      <dgm:prSet phldrT="[Text]"/>
+      <dgm:spPr>
+        <a:solidFill>
+          <a:srgbClr val="FF0000"/>
+        </a:solidFill>
+      </dgm:spPr>
+      <dgm:t>
+        <a:bodyPr/>
+        <a:lstStyle/>
+        <a:p>
+          <a:r>
+            <a:rPr lang="en-GB" dirty="0"/>
+            <a:t>Behaviour</a:t>
+          </a:r>
+        </a:p>
+      </dgm:t>
+    </dgm:pt>
+    <dgm:pt modelId="{DD1115F5-1EB0-45EC-81F1-A35345711AE3}" type="parTrans" cxnId="{1105B02F-0F34-4D84-AEF8-AEEE14075BA1}">
+      <dgm:prSet/>
+      <dgm:spPr/>
+      <dgm:t>
+        <a:bodyPr/>
+        <a:lstStyle/>
+        <a:p>
+          <a:endParaRPr lang="en-GB"/>
+        </a:p>
+      </dgm:t>
+    </dgm:pt>
+    <dgm:pt modelId="{2D395A5A-D85D-4850-BB4A-FC76ADA86275}" type="sibTrans" cxnId="{1105B02F-0F34-4D84-AEF8-AEEE14075BA1}">
+      <dgm:prSet/>
+      <dgm:spPr/>
+      <dgm:t>
+        <a:bodyPr/>
+        <a:lstStyle/>
+        <a:p>
+          <a:endParaRPr lang="en-GB"/>
+        </a:p>
+      </dgm:t>
+    </dgm:pt>
+    <dgm:pt modelId="{E934EB2B-7275-4D6D-89D6-0D5F99892B3F}" type="pres">
+      <dgm:prSet presAssocID="{6683885A-EFF9-4D68-B2BA-10BC149E1FA6}" presName="Name0" presStyleCnt="0">
+        <dgm:presLayoutVars>
+          <dgm:chMax val="1"/>
+          <dgm:chPref val="1"/>
+          <dgm:dir/>
+          <dgm:animOne val="branch"/>
+          <dgm:animLvl val="lvl"/>
+        </dgm:presLayoutVars>
+      </dgm:prSet>
+      <dgm:spPr/>
+    </dgm:pt>
+    <dgm:pt modelId="{A26C62F7-05CF-4460-941A-B7C437D2AF0C}" type="pres">
+      <dgm:prSet presAssocID="{C0EF1E33-E77E-44B3-A499-839D3EFCA27F}" presName="singleCycle" presStyleCnt="0"/>
+      <dgm:spPr/>
+    </dgm:pt>
+    <dgm:pt modelId="{962DB6C4-A961-49B4-B3DA-A553E45D1838}" type="pres">
+      <dgm:prSet presAssocID="{C0EF1E33-E77E-44B3-A499-839D3EFCA27F}" presName="singleCenter" presStyleLbl="node1" presStyleIdx="0" presStyleCnt="8">
+        <dgm:presLayoutVars>
+          <dgm:chMax val="7"/>
+          <dgm:chPref val="7"/>
+        </dgm:presLayoutVars>
+      </dgm:prSet>
+      <dgm:spPr/>
+    </dgm:pt>
+    <dgm:pt modelId="{548CE318-3415-44AA-91CB-BC5917DEC467}" type="pres">
+      <dgm:prSet presAssocID="{2632EB70-5BEF-49DC-8427-16E2B54650A9}" presName="Name56" presStyleLbl="parChTrans1D2" presStyleIdx="0" presStyleCnt="7"/>
+      <dgm:spPr/>
+    </dgm:pt>
+    <dgm:pt modelId="{0AC2E062-F7B6-40B4-A7BD-7CBD09478A60}" type="pres">
+      <dgm:prSet presAssocID="{B60F802C-164F-42C1-9136-B0A0FB67813E}" presName="text0" presStyleLbl="node1" presStyleIdx="1" presStyleCnt="8">
+        <dgm:presLayoutVars>
+          <dgm:bulletEnabled val="1"/>
+        </dgm:presLayoutVars>
+      </dgm:prSet>
+      <dgm:spPr/>
+    </dgm:pt>
+    <dgm:pt modelId="{9ED133C3-F115-4E5D-8BBC-560B8FF8E38E}" type="pres">
+      <dgm:prSet presAssocID="{BB33F397-E9B1-43C6-B87F-AD6BB4081D59}" presName="Name56" presStyleLbl="parChTrans1D2" presStyleIdx="1" presStyleCnt="7"/>
+      <dgm:spPr/>
+    </dgm:pt>
+    <dgm:pt modelId="{D4C83C1B-FFE3-4EEF-8659-3B6F03DB8469}" type="pres">
+      <dgm:prSet presAssocID="{49FDDCE3-7A0D-47E2-83E4-BBC503F32460}" presName="text0" presStyleLbl="node1" presStyleIdx="2" presStyleCnt="8">
+        <dgm:presLayoutVars>
+          <dgm:bulletEnabled val="1"/>
+        </dgm:presLayoutVars>
+      </dgm:prSet>
+      <dgm:spPr/>
+    </dgm:pt>
+    <dgm:pt modelId="{A54EBAA6-AAA7-45F3-B858-5F9EB0FC6607}" type="pres">
+      <dgm:prSet presAssocID="{85B3A47E-82A7-4BF6-A66F-13A095B626AE}" presName="Name56" presStyleLbl="parChTrans1D2" presStyleIdx="2" presStyleCnt="7"/>
+      <dgm:spPr/>
+    </dgm:pt>
+    <dgm:pt modelId="{18D81CEA-8A9E-4E80-8433-E7CF8A275D70}" type="pres">
+      <dgm:prSet presAssocID="{65460A54-7BC4-48B8-B1D8-C1F7C963C43D}" presName="text0" presStyleLbl="node1" presStyleIdx="3" presStyleCnt="8">
+        <dgm:presLayoutVars>
+          <dgm:bulletEnabled val="1"/>
+        </dgm:presLayoutVars>
+      </dgm:prSet>
+      <dgm:spPr/>
+    </dgm:pt>
+    <dgm:pt modelId="{81F303B8-9E68-47B0-9EA0-AC325FCD334A}" type="pres">
+      <dgm:prSet presAssocID="{EBD0E90D-3BC3-4DC9-A736-B3AC54ED2BB7}" presName="Name56" presStyleLbl="parChTrans1D2" presStyleIdx="3" presStyleCnt="7"/>
+      <dgm:spPr/>
+    </dgm:pt>
+    <dgm:pt modelId="{F137B872-2BC0-48A5-9F58-38D98CEC13E7}" type="pres">
+      <dgm:prSet presAssocID="{84E39164-4483-46A4-82A8-BCF3BDCBFB33}" presName="text0" presStyleLbl="node1" presStyleIdx="4" presStyleCnt="8">
+        <dgm:presLayoutVars>
+          <dgm:bulletEnabled val="1"/>
+        </dgm:presLayoutVars>
+      </dgm:prSet>
+      <dgm:spPr/>
+    </dgm:pt>
+    <dgm:pt modelId="{A6D9E7C9-BA4A-41D9-B00D-F698EC193A32}" type="pres">
+      <dgm:prSet presAssocID="{80E19F3E-ED04-4946-9F1F-917A940505BB}" presName="Name56" presStyleLbl="parChTrans1D2" presStyleIdx="4" presStyleCnt="7"/>
+      <dgm:spPr/>
+    </dgm:pt>
+    <dgm:pt modelId="{DA163BBE-D73D-4850-BBAD-3F640EBE3A79}" type="pres">
+      <dgm:prSet presAssocID="{10481CA5-E7B4-44D3-A25D-82716C030B37}" presName="text0" presStyleLbl="node1" presStyleIdx="5" presStyleCnt="8">
+        <dgm:presLayoutVars>
+          <dgm:bulletEnabled val="1"/>
+        </dgm:presLayoutVars>
+      </dgm:prSet>
+      <dgm:spPr/>
+    </dgm:pt>
+    <dgm:pt modelId="{B4781E46-5BB7-4A8A-A22F-D8ECB1F17823}" type="pres">
+      <dgm:prSet presAssocID="{95655844-5818-4C22-BEFF-27CB801EF83A}" presName="Name56" presStyleLbl="parChTrans1D2" presStyleIdx="5" presStyleCnt="7"/>
+      <dgm:spPr/>
+    </dgm:pt>
+    <dgm:pt modelId="{C3FE9341-1EEB-406A-86CF-8116DBE0F87D}" type="pres">
+      <dgm:prSet presAssocID="{452AD175-8807-48DA-9960-A6AB81FF3592}" presName="text0" presStyleLbl="node1" presStyleIdx="6" presStyleCnt="8">
+        <dgm:presLayoutVars>
+          <dgm:bulletEnabled val="1"/>
+        </dgm:presLayoutVars>
+      </dgm:prSet>
+      <dgm:spPr/>
+    </dgm:pt>
+    <dgm:pt modelId="{F2ED1845-B2B1-4AEA-A3B3-AAA77E6D2D4A}" type="pres">
+      <dgm:prSet presAssocID="{DD1115F5-1EB0-45EC-81F1-A35345711AE3}" presName="Name56" presStyleLbl="parChTrans1D2" presStyleIdx="6" presStyleCnt="7"/>
+      <dgm:spPr/>
+    </dgm:pt>
+    <dgm:pt modelId="{FD28FAEE-75C8-4F91-BB2E-DBE13AC3FADC}" type="pres">
+      <dgm:prSet presAssocID="{80C21F18-AF50-4335-800A-06B82319D9A2}" presName="text0" presStyleLbl="node1" presStyleIdx="7" presStyleCnt="8">
+        <dgm:presLayoutVars>
+          <dgm:bulletEnabled val="1"/>
+        </dgm:presLayoutVars>
+      </dgm:prSet>
+      <dgm:spPr/>
+    </dgm:pt>
+  </dgm:ptLst>
+  <dgm:cxnLst>
+    <dgm:cxn modelId="{6B7A4600-EA1B-4366-BB15-16F3F4FA9094}" type="presOf" srcId="{DD1115F5-1EB0-45EC-81F1-A35345711AE3}" destId="{F2ED1845-B2B1-4AEA-A3B3-AAA77E6D2D4A}" srcOrd="0" destOrd="0" presId="urn:microsoft.com/office/officeart/2008/layout/RadialCluster"/>
+    <dgm:cxn modelId="{D6C08F05-C945-473E-8FBD-5B0DACE291E2}" srcId="{C0EF1E33-E77E-44B3-A499-839D3EFCA27F}" destId="{49FDDCE3-7A0D-47E2-83E4-BBC503F32460}" srcOrd="1" destOrd="0" parTransId="{BB33F397-E9B1-43C6-B87F-AD6BB4081D59}" sibTransId="{53CD1220-7047-44E2-8712-ED8262C21E4E}"/>
+    <dgm:cxn modelId="{AD547910-356F-45F4-869C-9DD925E77041}" type="presOf" srcId="{6683885A-EFF9-4D68-B2BA-10BC149E1FA6}" destId="{E934EB2B-7275-4D6D-89D6-0D5F99892B3F}" srcOrd="0" destOrd="0" presId="urn:microsoft.com/office/officeart/2008/layout/RadialCluster"/>
+    <dgm:cxn modelId="{8B2C1117-29F9-4049-BAF5-EA8C53F6952B}" srcId="{C0EF1E33-E77E-44B3-A499-839D3EFCA27F}" destId="{84E39164-4483-46A4-82A8-BCF3BDCBFB33}" srcOrd="3" destOrd="0" parTransId="{EBD0E90D-3BC3-4DC9-A736-B3AC54ED2BB7}" sibTransId="{56B14C83-D3C8-4760-9DA3-CD2FCDAE9A5B}"/>
+    <dgm:cxn modelId="{BA00531D-0B37-4DCC-B2A9-7ABB8D956786}" srcId="{C0EF1E33-E77E-44B3-A499-839D3EFCA27F}" destId="{65460A54-7BC4-48B8-B1D8-C1F7C963C43D}" srcOrd="2" destOrd="0" parTransId="{85B3A47E-82A7-4BF6-A66F-13A095B626AE}" sibTransId="{C4316ED7-8761-45E1-ADA3-A8C46A5A75C1}"/>
+    <dgm:cxn modelId="{1105B02F-0F34-4D84-AEF8-AEEE14075BA1}" srcId="{C0EF1E33-E77E-44B3-A499-839D3EFCA27F}" destId="{80C21F18-AF50-4335-800A-06B82319D9A2}" srcOrd="6" destOrd="0" parTransId="{DD1115F5-1EB0-45EC-81F1-A35345711AE3}" sibTransId="{2D395A5A-D85D-4850-BB4A-FC76ADA86275}"/>
+    <dgm:cxn modelId="{8535B932-5DE9-427D-BE64-EEADF107DF89}" srcId="{C0EF1E33-E77E-44B3-A499-839D3EFCA27F}" destId="{10481CA5-E7B4-44D3-A25D-82716C030B37}" srcOrd="4" destOrd="0" parTransId="{80E19F3E-ED04-4946-9F1F-917A940505BB}" sibTransId="{4D2DB362-417F-4090-B536-DCF01DC11D3F}"/>
+    <dgm:cxn modelId="{F281A162-406B-47F6-9CCB-5DADDAD4DDD6}" type="presOf" srcId="{EBD0E90D-3BC3-4DC9-A736-B3AC54ED2BB7}" destId="{81F303B8-9E68-47B0-9EA0-AC325FCD334A}" srcOrd="0" destOrd="0" presId="urn:microsoft.com/office/officeart/2008/layout/RadialCluster"/>
+    <dgm:cxn modelId="{6BF6C143-4A19-4A60-854F-62DD8B2C7ACC}" type="presOf" srcId="{65460A54-7BC4-48B8-B1D8-C1F7C963C43D}" destId="{18D81CEA-8A9E-4E80-8433-E7CF8A275D70}" srcOrd="0" destOrd="0" presId="urn:microsoft.com/office/officeart/2008/layout/RadialCluster"/>
+    <dgm:cxn modelId="{C941226E-2D91-4163-9E86-FAEE46CAC0FB}" type="presOf" srcId="{C0EF1E33-E77E-44B3-A499-839D3EFCA27F}" destId="{962DB6C4-A961-49B4-B3DA-A553E45D1838}" srcOrd="0" destOrd="0" presId="urn:microsoft.com/office/officeart/2008/layout/RadialCluster"/>
+    <dgm:cxn modelId="{8BFA1F4F-69E9-482E-A57C-C96CE21C1E9A}" type="presOf" srcId="{B60F802C-164F-42C1-9136-B0A0FB67813E}" destId="{0AC2E062-F7B6-40B4-A7BD-7CBD09478A60}" srcOrd="0" destOrd="0" presId="urn:microsoft.com/office/officeart/2008/layout/RadialCluster"/>
+    <dgm:cxn modelId="{C9FDE670-557E-4B94-BF11-EECEFDDA915B}" type="presOf" srcId="{10481CA5-E7B4-44D3-A25D-82716C030B37}" destId="{DA163BBE-D73D-4850-BBAD-3F640EBE3A79}" srcOrd="0" destOrd="0" presId="urn:microsoft.com/office/officeart/2008/layout/RadialCluster"/>
+    <dgm:cxn modelId="{12C33057-0773-4B9E-951C-4D23002B771A}" type="presOf" srcId="{95655844-5818-4C22-BEFF-27CB801EF83A}" destId="{B4781E46-5BB7-4A8A-A22F-D8ECB1F17823}" srcOrd="0" destOrd="0" presId="urn:microsoft.com/office/officeart/2008/layout/RadialCluster"/>
+    <dgm:cxn modelId="{9F74C683-0B99-4505-8163-961023D5A70A}" type="presOf" srcId="{BB33F397-E9B1-43C6-B87F-AD6BB4081D59}" destId="{9ED133C3-F115-4E5D-8BBC-560B8FF8E38E}" srcOrd="0" destOrd="0" presId="urn:microsoft.com/office/officeart/2008/layout/RadialCluster"/>
+    <dgm:cxn modelId="{1F56B885-9501-4B3A-92EA-ED34AAEDF602}" type="presOf" srcId="{80E19F3E-ED04-4946-9F1F-917A940505BB}" destId="{A6D9E7C9-BA4A-41D9-B00D-F698EC193A32}" srcOrd="0" destOrd="0" presId="urn:microsoft.com/office/officeart/2008/layout/RadialCluster"/>
+    <dgm:cxn modelId="{14C75387-B93A-42EB-B243-B7C817DC3AB6}" type="presOf" srcId="{85B3A47E-82A7-4BF6-A66F-13A095B626AE}" destId="{A54EBAA6-AAA7-45F3-B858-5F9EB0FC6607}" srcOrd="0" destOrd="0" presId="urn:microsoft.com/office/officeart/2008/layout/RadialCluster"/>
+    <dgm:cxn modelId="{8ACF6695-122A-4A4B-B20E-01CFD0F8EAD5}" type="presOf" srcId="{452AD175-8807-48DA-9960-A6AB81FF3592}" destId="{C3FE9341-1EEB-406A-86CF-8116DBE0F87D}" srcOrd="0" destOrd="0" presId="urn:microsoft.com/office/officeart/2008/layout/RadialCluster"/>
+    <dgm:cxn modelId="{E0DD8D98-A53A-448C-A771-C937AD88EAA2}" type="presOf" srcId="{49FDDCE3-7A0D-47E2-83E4-BBC503F32460}" destId="{D4C83C1B-FFE3-4EEF-8659-3B6F03DB8469}" srcOrd="0" destOrd="0" presId="urn:microsoft.com/office/officeart/2008/layout/RadialCluster"/>
+    <dgm:cxn modelId="{852636A6-64A7-4AF0-BBA9-737ACC9DC78F}" srcId="{C0EF1E33-E77E-44B3-A499-839D3EFCA27F}" destId="{B60F802C-164F-42C1-9136-B0A0FB67813E}" srcOrd="0" destOrd="0" parTransId="{2632EB70-5BEF-49DC-8427-16E2B54650A9}" sibTransId="{BA96FFB5-CC06-477B-87D6-1A1CB217354C}"/>
+    <dgm:cxn modelId="{75470CAB-9B34-41DC-BE79-07713E076636}" type="presOf" srcId="{80C21F18-AF50-4335-800A-06B82319D9A2}" destId="{FD28FAEE-75C8-4F91-BB2E-DBE13AC3FADC}" srcOrd="0" destOrd="0" presId="urn:microsoft.com/office/officeart/2008/layout/RadialCluster"/>
+    <dgm:cxn modelId="{83E3E5B6-DE11-4F38-8197-3493C1EBF4D0}" srcId="{C0EF1E33-E77E-44B3-A499-839D3EFCA27F}" destId="{452AD175-8807-48DA-9960-A6AB81FF3592}" srcOrd="5" destOrd="0" parTransId="{95655844-5818-4C22-BEFF-27CB801EF83A}" sibTransId="{DFC35D07-A714-4F37-816E-0392420A1750}"/>
+    <dgm:cxn modelId="{9BA5AEB8-859F-4AC4-8CF1-CEFCDFF65E75}" type="presOf" srcId="{2632EB70-5BEF-49DC-8427-16E2B54650A9}" destId="{548CE318-3415-44AA-91CB-BC5917DEC467}" srcOrd="0" destOrd="0" presId="urn:microsoft.com/office/officeart/2008/layout/RadialCluster"/>
+    <dgm:cxn modelId="{3AD7DAD9-007B-4B28-AC92-C1BB28BC5E27}" type="presOf" srcId="{84E39164-4483-46A4-82A8-BCF3BDCBFB33}" destId="{F137B872-2BC0-48A5-9F58-38D98CEC13E7}" srcOrd="0" destOrd="0" presId="urn:microsoft.com/office/officeart/2008/layout/RadialCluster"/>
+    <dgm:cxn modelId="{40198CF6-0D42-4FE8-A217-8A1DA346BE32}" srcId="{6683885A-EFF9-4D68-B2BA-10BC149E1FA6}" destId="{C0EF1E33-E77E-44B3-A499-839D3EFCA27F}" srcOrd="0" destOrd="0" parTransId="{25469E63-07EC-40BC-98AC-118AAB7BF90B}" sibTransId="{3027AB04-47D3-40D3-8309-C6B5AB521B97}"/>
+    <dgm:cxn modelId="{61287CC2-84A2-46AF-91B3-B1AD7DA10068}" type="presParOf" srcId="{E934EB2B-7275-4D6D-89D6-0D5F99892B3F}" destId="{A26C62F7-05CF-4460-941A-B7C437D2AF0C}" srcOrd="0" destOrd="0" presId="urn:microsoft.com/office/officeart/2008/layout/RadialCluster"/>
+    <dgm:cxn modelId="{CCF313E9-B6C3-438D-8756-CDB03E3BE795}" type="presParOf" srcId="{A26C62F7-05CF-4460-941A-B7C437D2AF0C}" destId="{962DB6C4-A961-49B4-B3DA-A553E45D1838}" srcOrd="0" destOrd="0" presId="urn:microsoft.com/office/officeart/2008/layout/RadialCluster"/>
+    <dgm:cxn modelId="{DA6EB3DF-9483-4C30-B248-D55D6983E89F}" type="presParOf" srcId="{A26C62F7-05CF-4460-941A-B7C437D2AF0C}" destId="{548CE318-3415-44AA-91CB-BC5917DEC467}" srcOrd="1" destOrd="0" presId="urn:microsoft.com/office/officeart/2008/layout/RadialCluster"/>
+    <dgm:cxn modelId="{C429AD37-EDC4-4B2F-9968-9B31D11A1CB3}" type="presParOf" srcId="{A26C62F7-05CF-4460-941A-B7C437D2AF0C}" destId="{0AC2E062-F7B6-40B4-A7BD-7CBD09478A60}" srcOrd="2" destOrd="0" presId="urn:microsoft.com/office/officeart/2008/layout/RadialCluster"/>
+    <dgm:cxn modelId="{017EC6F5-9E28-45D9-AB3E-96BA137C2C75}" type="presParOf" srcId="{A26C62F7-05CF-4460-941A-B7C437D2AF0C}" destId="{9ED133C3-F115-4E5D-8BBC-560B8FF8E38E}" srcOrd="3" destOrd="0" presId="urn:microsoft.com/office/officeart/2008/layout/RadialCluster"/>
+    <dgm:cxn modelId="{B4EE1245-C39E-4110-A6F8-451254697AE6}" type="presParOf" srcId="{A26C62F7-05CF-4460-941A-B7C437D2AF0C}" destId="{D4C83C1B-FFE3-4EEF-8659-3B6F03DB8469}" srcOrd="4" destOrd="0" presId="urn:microsoft.com/office/officeart/2008/layout/RadialCluster"/>
+    <dgm:cxn modelId="{422BFE38-45AD-4887-A6FF-75F89602331B}" type="presParOf" srcId="{A26C62F7-05CF-4460-941A-B7C437D2AF0C}" destId="{A54EBAA6-AAA7-45F3-B858-5F9EB0FC6607}" srcOrd="5" destOrd="0" presId="urn:microsoft.com/office/officeart/2008/layout/RadialCluster"/>
+    <dgm:cxn modelId="{7A40D442-F0D6-4082-9319-B6427115E51B}" type="presParOf" srcId="{A26C62F7-05CF-4460-941A-B7C437D2AF0C}" destId="{18D81CEA-8A9E-4E80-8433-E7CF8A275D70}" srcOrd="6" destOrd="0" presId="urn:microsoft.com/office/officeart/2008/layout/RadialCluster"/>
+    <dgm:cxn modelId="{BFF0A46B-2937-449F-B153-A8B60C9EB7DA}" type="presParOf" srcId="{A26C62F7-05CF-4460-941A-B7C437D2AF0C}" destId="{81F303B8-9E68-47B0-9EA0-AC325FCD334A}" srcOrd="7" destOrd="0" presId="urn:microsoft.com/office/officeart/2008/layout/RadialCluster"/>
+    <dgm:cxn modelId="{6D0430F3-4A8A-4C03-B3A4-B88BBF023B79}" type="presParOf" srcId="{A26C62F7-05CF-4460-941A-B7C437D2AF0C}" destId="{F137B872-2BC0-48A5-9F58-38D98CEC13E7}" srcOrd="8" destOrd="0" presId="urn:microsoft.com/office/officeart/2008/layout/RadialCluster"/>
+    <dgm:cxn modelId="{7362FD5F-061A-4072-8F28-2D478EEF6B8E}" type="presParOf" srcId="{A26C62F7-05CF-4460-941A-B7C437D2AF0C}" destId="{A6D9E7C9-BA4A-41D9-B00D-F698EC193A32}" srcOrd="9" destOrd="0" presId="urn:microsoft.com/office/officeart/2008/layout/RadialCluster"/>
+    <dgm:cxn modelId="{AFA42A85-B425-401F-B8E0-3EEA4EA675DE}" type="presParOf" srcId="{A26C62F7-05CF-4460-941A-B7C437D2AF0C}" destId="{DA163BBE-D73D-4850-BBAD-3F640EBE3A79}" srcOrd="10" destOrd="0" presId="urn:microsoft.com/office/officeart/2008/layout/RadialCluster"/>
+    <dgm:cxn modelId="{CAE8FD76-2765-4428-AA94-F38F5FF6A947}" type="presParOf" srcId="{A26C62F7-05CF-4460-941A-B7C437D2AF0C}" destId="{B4781E46-5BB7-4A8A-A22F-D8ECB1F17823}" srcOrd="11" destOrd="0" presId="urn:microsoft.com/office/officeart/2008/layout/RadialCluster"/>
+    <dgm:cxn modelId="{C06FADA6-602A-4AD7-8E83-74EB5FAABB2F}" type="presParOf" srcId="{A26C62F7-05CF-4460-941A-B7C437D2AF0C}" destId="{C3FE9341-1EEB-406A-86CF-8116DBE0F87D}" srcOrd="12" destOrd="0" presId="urn:microsoft.com/office/officeart/2008/layout/RadialCluster"/>
+    <dgm:cxn modelId="{F50AE5D5-C07A-4C7E-86B8-70080CE3B22D}" type="presParOf" srcId="{A26C62F7-05CF-4460-941A-B7C437D2AF0C}" destId="{F2ED1845-B2B1-4AEA-A3B3-AAA77E6D2D4A}" srcOrd="13" destOrd="0" presId="urn:microsoft.com/office/officeart/2008/layout/RadialCluster"/>
+    <dgm:cxn modelId="{55BCF472-78CA-42C2-A347-C7EB500D9173}" type="presParOf" srcId="{A26C62F7-05CF-4460-941A-B7C437D2AF0C}" destId="{FD28FAEE-75C8-4F91-BB2E-DBE13AC3FADC}" srcOrd="14" destOrd="0" presId="urn:microsoft.com/office/officeart/2008/layout/RadialCluster"/>
+  </dgm:cxnLst>
+  <dgm:bg/>
+  <dgm:whole/>
+  <dgm:extLst>
+    <a:ext uri="http://schemas.microsoft.com/office/drawing/2008/diagram">
+      <dsp:dataModelExt xmlns:dsp="http://schemas.microsoft.com/office/drawing/2008/diagram" relId="rId6" minVer="http://schemas.openxmlformats.org/drawingml/2006/diagram"/>
+    </a:ext>
+  </dgm:extLst>
+</dgm:dataModel>
+</file>
+
+<file path=ppt/diagrams/drawing1.xml><?xml version="1.0" encoding="utf-8"?>
+<dsp:drawing xmlns:dgm="http://schemas.openxmlformats.org/drawingml/2006/diagram" xmlns:dsp="http://schemas.microsoft.com/office/drawing/2008/diagram" xmlns:a="http://schemas.openxmlformats.org/drawingml/2006/main">
+  <dsp:spTree>
+    <dsp:nvGrpSpPr>
+      <dsp:cNvPr id="0" name=""/>
+      <dsp:cNvGrpSpPr/>
+    </dsp:nvGrpSpPr>
+    <dsp:grpSpPr/>
+    <dsp:sp modelId="{962DB6C4-A961-49B4-B3DA-A553E45D1838}">
+      <dsp:nvSpPr>
+        <dsp:cNvPr id="0" name=""/>
+        <dsp:cNvSpPr/>
+      </dsp:nvSpPr>
+      <dsp:spPr>
+        <a:xfrm>
+          <a:off x="3168491" y="1489554"/>
+          <a:ext cx="1206817" cy="1206817"/>
+        </a:xfrm>
+        <a:prstGeom prst="roundRect">
+          <a:avLst/>
+        </a:prstGeom>
+        <a:solidFill>
+          <a:schemeClr val="accent1">
+            <a:hueOff val="0"/>
+            <a:satOff val="0"/>
+            <a:lumOff val="0"/>
+            <a:alphaOff val="0"/>
+          </a:schemeClr>
+        </a:solidFill>
+        <a:ln w="15875" cap="flat" cmpd="sng" algn="ctr">
+          <a:solidFill>
+            <a:schemeClr val="lt1">
+              <a:hueOff val="0"/>
+              <a:satOff val="0"/>
+              <a:lumOff val="0"/>
+              <a:alphaOff val="0"/>
+            </a:schemeClr>
+          </a:solidFill>
+          <a:prstDash val="solid"/>
+        </a:ln>
+        <a:effectLst/>
+      </dsp:spPr>
+      <dsp:style>
+        <a:lnRef idx="2">
+          <a:scrgbClr r="0" g="0" b="0"/>
+        </a:lnRef>
+        <a:fillRef idx="1">
+          <a:scrgbClr r="0" g="0" b="0"/>
+        </a:fillRef>
+        <a:effectRef idx="0">
+          <a:scrgbClr r="0" g="0" b="0"/>
+        </a:effectRef>
+        <a:fontRef idx="minor">
+          <a:schemeClr val="lt1"/>
+        </a:fontRef>
+      </dsp:style>
+      <dsp:txBody>
+        <a:bodyPr spcFirstLastPara="0" vert="horz" wrap="square" lIns="53340" tIns="53340" rIns="53340" bIns="53340" numCol="1" spcCol="1270" anchor="ctr" anchorCtr="0">
+          <a:noAutofit/>
+        </a:bodyPr>
+        <a:lstStyle/>
+        <a:p>
+          <a:pPr marL="0" lvl="0" indent="0" algn="ctr" defTabSz="933450">
+            <a:lnSpc>
+              <a:spcPct val="90000"/>
+            </a:lnSpc>
+            <a:spcBef>
+              <a:spcPct val="0"/>
+            </a:spcBef>
+            <a:spcAft>
+              <a:spcPct val="35000"/>
+            </a:spcAft>
+            <a:buNone/>
+          </a:pPr>
+          <a:r>
+            <a:rPr lang="en-GB" sz="2100" kern="1200" dirty="0"/>
+            <a:t>Interface</a:t>
+          </a:r>
+        </a:p>
+      </dsp:txBody>
+      <dsp:txXfrm>
+        <a:off x="3227403" y="1548466"/>
+        <a:ext cx="1088993" cy="1088993"/>
+      </dsp:txXfrm>
+    </dsp:sp>
+    <dsp:sp modelId="{548CE318-3415-44AA-91CB-BC5917DEC467}">
+      <dsp:nvSpPr>
+        <dsp:cNvPr id="0" name=""/>
+        <dsp:cNvSpPr/>
+      </dsp:nvSpPr>
+      <dsp:spPr>
+        <a:xfrm rot="16200000">
+          <a:off x="3451755" y="1169410"/>
+          <a:ext cx="640288" cy="0"/>
+        </a:xfrm>
+        <a:custGeom>
+          <a:avLst/>
+          <a:gdLst/>
+          <a:ahLst/>
+          <a:cxnLst/>
+          <a:rect l="0" t="0" r="0" b="0"/>
+          <a:pathLst>
+            <a:path>
+              <a:moveTo>
+                <a:pt x="0" y="0"/>
+              </a:moveTo>
+              <a:lnTo>
+                <a:pt x="640288" y="0"/>
+              </a:lnTo>
+            </a:path>
+          </a:pathLst>
+        </a:custGeom>
+        <a:noFill/>
+        <a:ln w="15875" cap="flat" cmpd="sng" algn="ctr">
+          <a:solidFill>
+            <a:schemeClr val="accent1">
+              <a:shade val="60000"/>
+              <a:hueOff val="0"/>
+              <a:satOff val="0"/>
+              <a:lumOff val="0"/>
+              <a:alphaOff val="0"/>
+            </a:schemeClr>
+          </a:solidFill>
+          <a:prstDash val="solid"/>
+        </a:ln>
+        <a:effectLst/>
+      </dsp:spPr>
+      <dsp:style>
+        <a:lnRef idx="2">
+          <a:scrgbClr r="0" g="0" b="0"/>
+        </a:lnRef>
+        <a:fillRef idx="0">
+          <a:scrgbClr r="0" g="0" b="0"/>
+        </a:fillRef>
+        <a:effectRef idx="0">
+          <a:scrgbClr r="0" g="0" b="0"/>
+        </a:effectRef>
+        <a:fontRef idx="minor"/>
+      </dsp:style>
+    </dsp:sp>
+    <dsp:sp modelId="{0AC2E062-F7B6-40B4-A7BD-7CBD09478A60}">
+      <dsp:nvSpPr>
+        <dsp:cNvPr id="0" name=""/>
+        <dsp:cNvSpPr/>
+      </dsp:nvSpPr>
+      <dsp:spPr>
+        <a:xfrm>
+          <a:off x="3367616" y="40697"/>
+          <a:ext cx="808567" cy="808567"/>
+        </a:xfrm>
+        <a:prstGeom prst="roundRect">
+          <a:avLst/>
+        </a:prstGeom>
+        <a:solidFill>
+          <a:schemeClr val="accent6">
+            <a:lumMod val="50000"/>
+          </a:schemeClr>
+        </a:solidFill>
+        <a:ln w="15875" cap="flat" cmpd="sng" algn="ctr">
+          <a:solidFill>
+            <a:schemeClr val="lt1">
+              <a:hueOff val="0"/>
+              <a:satOff val="0"/>
+              <a:lumOff val="0"/>
+              <a:alphaOff val="0"/>
+            </a:schemeClr>
+          </a:solidFill>
+          <a:prstDash val="solid"/>
+        </a:ln>
+        <a:effectLst/>
+      </dsp:spPr>
+      <dsp:style>
+        <a:lnRef idx="2">
+          <a:scrgbClr r="0" g="0" b="0"/>
+        </a:lnRef>
+        <a:fillRef idx="1">
+          <a:scrgbClr r="0" g="0" b="0"/>
+        </a:fillRef>
+        <a:effectRef idx="0">
+          <a:scrgbClr r="0" g="0" b="0"/>
+        </a:effectRef>
+        <a:fontRef idx="minor">
+          <a:schemeClr val="lt1"/>
+        </a:fontRef>
+      </dsp:style>
+      <dsp:txBody>
+        <a:bodyPr spcFirstLastPara="0" vert="horz" wrap="square" lIns="27940" tIns="27940" rIns="27940" bIns="27940" numCol="1" spcCol="1270" anchor="ctr" anchorCtr="0">
+          <a:noAutofit/>
+        </a:bodyPr>
+        <a:lstStyle/>
+        <a:p>
+          <a:pPr marL="0" lvl="0" indent="0" algn="ctr" defTabSz="488950">
+            <a:lnSpc>
+              <a:spcPct val="90000"/>
+            </a:lnSpc>
+            <a:spcBef>
+              <a:spcPct val="0"/>
+            </a:spcBef>
+            <a:spcAft>
+              <a:spcPct val="35000"/>
+            </a:spcAft>
+            <a:buNone/>
+          </a:pPr>
+          <a:r>
+            <a:rPr lang="en-GB" sz="1100" kern="1200" dirty="0"/>
+            <a:t>Ubiquitous</a:t>
+          </a:r>
+        </a:p>
+      </dsp:txBody>
+      <dsp:txXfrm>
+        <a:off x="3407087" y="80168"/>
+        <a:ext cx="729625" cy="729625"/>
+      </dsp:txXfrm>
+    </dsp:sp>
+    <dsp:sp modelId="{9ED133C3-F115-4E5D-8BBC-560B8FF8E38E}">
+      <dsp:nvSpPr>
+        <dsp:cNvPr id="0" name=""/>
+        <dsp:cNvSpPr/>
+      </dsp:nvSpPr>
+      <dsp:spPr>
+        <a:xfrm rot="19285714">
+          <a:off x="4336137" y="1499814"/>
+          <a:ext cx="359094" cy="0"/>
+        </a:xfrm>
+        <a:custGeom>
+          <a:avLst/>
+          <a:gdLst/>
+          <a:ahLst/>
+          <a:cxnLst/>
+          <a:rect l="0" t="0" r="0" b="0"/>
+          <a:pathLst>
+            <a:path>
+              <a:moveTo>
+                <a:pt x="0" y="0"/>
+              </a:moveTo>
+              <a:lnTo>
+                <a:pt x="359094" y="0"/>
+              </a:lnTo>
+            </a:path>
+          </a:pathLst>
+        </a:custGeom>
+        <a:noFill/>
+        <a:ln w="15875" cap="flat" cmpd="sng" algn="ctr">
+          <a:solidFill>
+            <a:schemeClr val="accent1">
+              <a:shade val="60000"/>
+              <a:hueOff val="0"/>
+              <a:satOff val="0"/>
+              <a:lumOff val="0"/>
+              <a:alphaOff val="0"/>
+            </a:schemeClr>
+          </a:solidFill>
+          <a:prstDash val="solid"/>
+        </a:ln>
+        <a:effectLst/>
+      </dsp:spPr>
+      <dsp:style>
+        <a:lnRef idx="2">
+          <a:scrgbClr r="0" g="0" b="0"/>
+        </a:lnRef>
+        <a:fillRef idx="0">
+          <a:scrgbClr r="0" g="0" b="0"/>
+        </a:fillRef>
+        <a:effectRef idx="0">
+          <a:scrgbClr r="0" g="0" b="0"/>
+        </a:effectRef>
+        <a:fontRef idx="minor"/>
+      </dsp:style>
+    </dsp:sp>
+    <dsp:sp modelId="{D4C83C1B-FFE3-4EEF-8659-3B6F03DB8469}">
+      <dsp:nvSpPr>
+        <dsp:cNvPr id="0" name=""/>
+        <dsp:cNvSpPr/>
+      </dsp:nvSpPr>
+      <dsp:spPr>
+        <a:xfrm>
+          <a:off x="4656060" y="661179"/>
+          <a:ext cx="808567" cy="808567"/>
+        </a:xfrm>
+        <a:prstGeom prst="roundRect">
+          <a:avLst/>
+        </a:prstGeom>
+        <a:solidFill>
+          <a:srgbClr val="0070C0"/>
+        </a:solidFill>
+        <a:ln w="15875" cap="flat" cmpd="sng" algn="ctr">
+          <a:solidFill>
+            <a:schemeClr val="lt1">
+              <a:hueOff val="0"/>
+              <a:satOff val="0"/>
+              <a:lumOff val="0"/>
+              <a:alphaOff val="0"/>
+            </a:schemeClr>
+          </a:solidFill>
+          <a:prstDash val="solid"/>
+        </a:ln>
+        <a:effectLst/>
+      </dsp:spPr>
+      <dsp:style>
+        <a:lnRef idx="2">
+          <a:scrgbClr r="0" g="0" b="0"/>
+        </a:lnRef>
+        <a:fillRef idx="1">
+          <a:scrgbClr r="0" g="0" b="0"/>
+        </a:fillRef>
+        <a:effectRef idx="0">
+          <a:scrgbClr r="0" g="0" b="0"/>
+        </a:effectRef>
+        <a:fontRef idx="minor">
+          <a:schemeClr val="lt1"/>
+        </a:fontRef>
+      </dsp:style>
+      <dsp:txBody>
+        <a:bodyPr spcFirstLastPara="0" vert="horz" wrap="square" lIns="33020" tIns="33020" rIns="33020" bIns="33020" numCol="1" spcCol="1270" anchor="ctr" anchorCtr="0">
+          <a:noAutofit/>
+        </a:bodyPr>
+        <a:lstStyle/>
+        <a:p>
+          <a:pPr marL="0" lvl="0" indent="0" algn="ctr" defTabSz="577850">
+            <a:lnSpc>
+              <a:spcPct val="90000"/>
+            </a:lnSpc>
+            <a:spcBef>
+              <a:spcPct val="0"/>
+            </a:spcBef>
+            <a:spcAft>
+              <a:spcPct val="35000"/>
+            </a:spcAft>
+            <a:buNone/>
+          </a:pPr>
+          <a:r>
+            <a:rPr lang="en-GB" sz="1300" kern="1200" dirty="0"/>
+            <a:t>Graphical User Interface</a:t>
+          </a:r>
+        </a:p>
+      </dsp:txBody>
+      <dsp:txXfrm>
+        <a:off x="4695531" y="700650"/>
+        <a:ext cx="729625" cy="729625"/>
+      </dsp:txXfrm>
+    </dsp:sp>
+    <dsp:sp modelId="{A54EBAA6-AAA7-45F3-B858-5F9EB0FC6607}">
+      <dsp:nvSpPr>
+        <dsp:cNvPr id="0" name=""/>
+        <dsp:cNvSpPr/>
+      </dsp:nvSpPr>
+      <dsp:spPr>
+        <a:xfrm rot="771429">
+          <a:off x="4367606" y="2299042"/>
+          <a:ext cx="614374" cy="0"/>
+        </a:xfrm>
+        <a:custGeom>
+          <a:avLst/>
+          <a:gdLst/>
+          <a:ahLst/>
+          <a:cxnLst/>
+          <a:rect l="0" t="0" r="0" b="0"/>
+          <a:pathLst>
+            <a:path>
+              <a:moveTo>
+                <a:pt x="0" y="0"/>
+              </a:moveTo>
+              <a:lnTo>
+                <a:pt x="614374" y="0"/>
+              </a:lnTo>
+            </a:path>
+          </a:pathLst>
+        </a:custGeom>
+        <a:noFill/>
+        <a:ln w="15875" cap="flat" cmpd="sng" algn="ctr">
+          <a:solidFill>
+            <a:schemeClr val="accent1">
+              <a:shade val="60000"/>
+              <a:hueOff val="0"/>
+              <a:satOff val="0"/>
+              <a:lumOff val="0"/>
+              <a:alphaOff val="0"/>
+            </a:schemeClr>
+          </a:solidFill>
+          <a:prstDash val="solid"/>
+        </a:ln>
+        <a:effectLst/>
+      </dsp:spPr>
+      <dsp:style>
+        <a:lnRef idx="2">
+          <a:scrgbClr r="0" g="0" b="0"/>
+        </a:lnRef>
+        <a:fillRef idx="0">
+          <a:scrgbClr r="0" g="0" b="0"/>
+        </a:fillRef>
+        <a:effectRef idx="0">
+          <a:scrgbClr r="0" g="0" b="0"/>
+        </a:effectRef>
+        <a:fontRef idx="minor"/>
+      </dsp:style>
+    </dsp:sp>
+    <dsp:sp modelId="{18D81CEA-8A9E-4E80-8433-E7CF8A275D70}">
+      <dsp:nvSpPr>
+        <dsp:cNvPr id="0" name=""/>
+        <dsp:cNvSpPr/>
+      </dsp:nvSpPr>
+      <dsp:spPr>
+        <a:xfrm>
+          <a:off x="4974279" y="2055389"/>
+          <a:ext cx="808567" cy="808567"/>
+        </a:xfrm>
+        <a:prstGeom prst="roundRect">
+          <a:avLst/>
+        </a:prstGeom>
+        <a:solidFill>
+          <a:srgbClr val="0070C0"/>
+        </a:solidFill>
+        <a:ln w="15875" cap="flat" cmpd="sng" algn="ctr">
+          <a:solidFill>
+            <a:schemeClr val="lt1">
+              <a:hueOff val="0"/>
+              <a:satOff val="0"/>
+              <a:lumOff val="0"/>
+              <a:alphaOff val="0"/>
+            </a:schemeClr>
+          </a:solidFill>
+          <a:prstDash val="solid"/>
+        </a:ln>
+        <a:effectLst/>
+      </dsp:spPr>
+      <dsp:style>
+        <a:lnRef idx="2">
+          <a:scrgbClr r="0" g="0" b="0"/>
+        </a:lnRef>
+        <a:fillRef idx="1">
+          <a:scrgbClr r="0" g="0" b="0"/>
+        </a:fillRef>
+        <a:effectRef idx="0">
+          <a:scrgbClr r="0" g="0" b="0"/>
+        </a:effectRef>
+        <a:fontRef idx="minor">
+          <a:schemeClr val="lt1"/>
+        </a:fontRef>
+      </dsp:style>
+      <dsp:txBody>
+        <a:bodyPr spcFirstLastPara="0" vert="horz" wrap="square" lIns="27940" tIns="27940" rIns="27940" bIns="27940" numCol="1" spcCol="1270" anchor="ctr" anchorCtr="0">
+          <a:noAutofit/>
+        </a:bodyPr>
+        <a:lstStyle/>
+        <a:p>
+          <a:pPr marL="0" lvl="0" indent="0" algn="ctr" defTabSz="488950">
+            <a:lnSpc>
+              <a:spcPct val="90000"/>
+            </a:lnSpc>
+            <a:spcBef>
+              <a:spcPct val="0"/>
+            </a:spcBef>
+            <a:spcAft>
+              <a:spcPct val="35000"/>
+            </a:spcAft>
+            <a:buNone/>
+          </a:pPr>
+          <a:r>
+            <a:rPr lang="en-GB" sz="1100" kern="1200" dirty="0"/>
+            <a:t>Abstraction</a:t>
+          </a:r>
+        </a:p>
+      </dsp:txBody>
+      <dsp:txXfrm>
+        <a:off x="5013750" y="2094860"/>
+        <a:ext cx="729625" cy="729625"/>
+      </dsp:txXfrm>
+    </dsp:sp>
+    <dsp:sp modelId="{81F303B8-9E68-47B0-9EA0-AC325FCD334A}">
+      <dsp:nvSpPr>
+        <dsp:cNvPr id="0" name=""/>
+        <dsp:cNvSpPr/>
+      </dsp:nvSpPr>
+      <dsp:spPr>
+        <a:xfrm rot="3857143">
+          <a:off x="3912599" y="2934915"/>
+          <a:ext cx="529527" cy="0"/>
+        </a:xfrm>
+        <a:custGeom>
+          <a:avLst/>
+          <a:gdLst/>
+          <a:ahLst/>
+          <a:cxnLst/>
+          <a:rect l="0" t="0" r="0" b="0"/>
+          <a:pathLst>
+            <a:path>
+              <a:moveTo>
+                <a:pt x="0" y="0"/>
+              </a:moveTo>
+              <a:lnTo>
+                <a:pt x="529527" y="0"/>
+              </a:lnTo>
+            </a:path>
+          </a:pathLst>
+        </a:custGeom>
+        <a:noFill/>
+        <a:ln w="15875" cap="flat" cmpd="sng" algn="ctr">
+          <a:solidFill>
+            <a:schemeClr val="accent1">
+              <a:shade val="60000"/>
+              <a:hueOff val="0"/>
+              <a:satOff val="0"/>
+              <a:lumOff val="0"/>
+              <a:alphaOff val="0"/>
+            </a:schemeClr>
+          </a:solidFill>
+          <a:prstDash val="solid"/>
+        </a:ln>
+        <a:effectLst/>
+      </dsp:spPr>
+      <dsp:style>
+        <a:lnRef idx="2">
+          <a:scrgbClr r="0" g="0" b="0"/>
+        </a:lnRef>
+        <a:fillRef idx="0">
+          <a:scrgbClr r="0" g="0" b="0"/>
+        </a:fillRef>
+        <a:effectRef idx="0">
+          <a:scrgbClr r="0" g="0" b="0"/>
+        </a:effectRef>
+        <a:fontRef idx="minor"/>
+      </dsp:style>
+    </dsp:sp>
+    <dsp:sp modelId="{F137B872-2BC0-48A5-9F58-38D98CEC13E7}">
+      <dsp:nvSpPr>
+        <dsp:cNvPr id="0" name=""/>
+        <dsp:cNvSpPr/>
+      </dsp:nvSpPr>
+      <dsp:spPr>
+        <a:xfrm>
+          <a:off x="4082648" y="3173459"/>
+          <a:ext cx="808567" cy="808567"/>
+        </a:xfrm>
+        <a:prstGeom prst="roundRect">
+          <a:avLst/>
+        </a:prstGeom>
+        <a:solidFill>
+          <a:srgbClr val="0070C0"/>
+        </a:solidFill>
+        <a:ln w="15875" cap="flat" cmpd="sng" algn="ctr">
+          <a:solidFill>
+            <a:schemeClr val="lt1">
+              <a:hueOff val="0"/>
+              <a:satOff val="0"/>
+              <a:lumOff val="0"/>
+              <a:alphaOff val="0"/>
+            </a:schemeClr>
+          </a:solidFill>
+          <a:prstDash val="solid"/>
+        </a:ln>
+        <a:effectLst/>
+      </dsp:spPr>
+      <dsp:style>
+        <a:lnRef idx="2">
+          <a:scrgbClr r="0" g="0" b="0"/>
+        </a:lnRef>
+        <a:fillRef idx="1">
+          <a:scrgbClr r="0" g="0" b="0"/>
+        </a:fillRef>
+        <a:effectRef idx="0">
+          <a:scrgbClr r="0" g="0" b="0"/>
+        </a:effectRef>
+        <a:fontRef idx="minor">
+          <a:schemeClr val="lt1"/>
+        </a:fontRef>
+      </dsp:style>
+      <dsp:txBody>
+        <a:bodyPr spcFirstLastPara="0" vert="horz" wrap="square" lIns="43180" tIns="43180" rIns="43180" bIns="43180" numCol="1" spcCol="1270" anchor="ctr" anchorCtr="0">
+          <a:noAutofit/>
+        </a:bodyPr>
+        <a:lstStyle/>
+        <a:p>
+          <a:pPr marL="0" lvl="0" indent="0" algn="ctr" defTabSz="755650">
+            <a:lnSpc>
+              <a:spcPct val="90000"/>
+            </a:lnSpc>
+            <a:spcBef>
+              <a:spcPct val="0"/>
+            </a:spcBef>
+            <a:spcAft>
+              <a:spcPct val="35000"/>
+            </a:spcAft>
+            <a:buNone/>
+          </a:pPr>
+          <a:r>
+            <a:rPr lang="en-GB" sz="1700" kern="1200" dirty="0"/>
+            <a:t>Façade</a:t>
+          </a:r>
+        </a:p>
+      </dsp:txBody>
+      <dsp:txXfrm>
+        <a:off x="4122119" y="3212930"/>
+        <a:ext cx="729625" cy="729625"/>
+      </dsp:txXfrm>
+    </dsp:sp>
+    <dsp:sp modelId="{A6D9E7C9-BA4A-41D9-B00D-F698EC193A32}">
+      <dsp:nvSpPr>
+        <dsp:cNvPr id="0" name=""/>
+        <dsp:cNvSpPr/>
+      </dsp:nvSpPr>
+      <dsp:spPr>
+        <a:xfrm rot="6942857">
+          <a:off x="3101673" y="2934915"/>
+          <a:ext cx="529527" cy="0"/>
+        </a:xfrm>
+        <a:custGeom>
+          <a:avLst/>
+          <a:gdLst/>
+          <a:ahLst/>
+          <a:cxnLst/>
+          <a:rect l="0" t="0" r="0" b="0"/>
+          <a:pathLst>
+            <a:path>
+              <a:moveTo>
+                <a:pt x="0" y="0"/>
+              </a:moveTo>
+              <a:lnTo>
+                <a:pt x="529527" y="0"/>
+              </a:lnTo>
+            </a:path>
+          </a:pathLst>
+        </a:custGeom>
+        <a:noFill/>
+        <a:ln w="15875" cap="flat" cmpd="sng" algn="ctr">
+          <a:solidFill>
+            <a:schemeClr val="accent1">
+              <a:shade val="60000"/>
+              <a:hueOff val="0"/>
+              <a:satOff val="0"/>
+              <a:lumOff val="0"/>
+              <a:alphaOff val="0"/>
+            </a:schemeClr>
+          </a:solidFill>
+          <a:prstDash val="solid"/>
+        </a:ln>
+        <a:effectLst/>
+      </dsp:spPr>
+      <dsp:style>
+        <a:lnRef idx="2">
+          <a:scrgbClr r="0" g="0" b="0"/>
+        </a:lnRef>
+        <a:fillRef idx="0">
+          <a:scrgbClr r="0" g="0" b="0"/>
+        </a:fillRef>
+        <a:effectRef idx="0">
+          <a:scrgbClr r="0" g="0" b="0"/>
+        </a:effectRef>
+        <a:fontRef idx="minor"/>
+      </dsp:style>
+    </dsp:sp>
+    <dsp:sp modelId="{DA163BBE-D73D-4850-BBAD-3F640EBE3A79}">
+      <dsp:nvSpPr>
+        <dsp:cNvPr id="0" name=""/>
+        <dsp:cNvSpPr/>
+      </dsp:nvSpPr>
+      <dsp:spPr>
+        <a:xfrm>
+          <a:off x="2652583" y="3173459"/>
+          <a:ext cx="808567" cy="808567"/>
+        </a:xfrm>
+        <a:prstGeom prst="roundRect">
+          <a:avLst/>
+        </a:prstGeom>
+        <a:solidFill>
+          <a:srgbClr val="0070C0"/>
+        </a:solidFill>
+        <a:ln w="15875" cap="flat" cmpd="sng" algn="ctr">
+          <a:solidFill>
+            <a:schemeClr val="lt1">
+              <a:hueOff val="0"/>
+              <a:satOff val="0"/>
+              <a:lumOff val="0"/>
+              <a:alphaOff val="0"/>
+            </a:schemeClr>
+          </a:solidFill>
+          <a:prstDash val="solid"/>
+        </a:ln>
+        <a:effectLst/>
+      </dsp:spPr>
+      <dsp:style>
+        <a:lnRef idx="2">
+          <a:scrgbClr r="0" g="0" b="0"/>
+        </a:lnRef>
+        <a:fillRef idx="1">
+          <a:scrgbClr r="0" g="0" b="0"/>
+        </a:fillRef>
+        <a:effectRef idx="0">
+          <a:scrgbClr r="0" g="0" b="0"/>
+        </a:effectRef>
+        <a:fontRef idx="minor">
+          <a:schemeClr val="lt1"/>
+        </a:fontRef>
+      </dsp:style>
+      <dsp:txBody>
+        <a:bodyPr spcFirstLastPara="0" vert="horz" wrap="square" lIns="55880" tIns="55880" rIns="55880" bIns="55880" numCol="1" spcCol="1270" anchor="ctr" anchorCtr="0">
+          <a:noAutofit/>
+        </a:bodyPr>
+        <a:lstStyle/>
+        <a:p>
+          <a:pPr marL="0" lvl="0" indent="0" algn="ctr" defTabSz="977900">
+            <a:lnSpc>
+              <a:spcPct val="90000"/>
+            </a:lnSpc>
+            <a:spcBef>
+              <a:spcPct val="0"/>
+            </a:spcBef>
+            <a:spcAft>
+              <a:spcPct val="35000"/>
+            </a:spcAft>
+            <a:buNone/>
+          </a:pPr>
+          <a:r>
+            <a:rPr lang="en-GB" sz="2200" kern="1200" dirty="0"/>
+            <a:t>Front face</a:t>
+          </a:r>
+        </a:p>
+      </dsp:txBody>
+      <dsp:txXfrm>
+        <a:off x="2692054" y="3212930"/>
+        <a:ext cx="729625" cy="729625"/>
+      </dsp:txXfrm>
+    </dsp:sp>
+    <dsp:sp modelId="{B4781E46-5BB7-4A8A-A22F-D8ECB1F17823}">
+      <dsp:nvSpPr>
+        <dsp:cNvPr id="0" name=""/>
+        <dsp:cNvSpPr/>
+      </dsp:nvSpPr>
+      <dsp:spPr>
+        <a:xfrm rot="10028571">
+          <a:off x="2561818" y="2299042"/>
+          <a:ext cx="614374" cy="0"/>
+        </a:xfrm>
+        <a:custGeom>
+          <a:avLst/>
+          <a:gdLst/>
+          <a:ahLst/>
+          <a:cxnLst/>
+          <a:rect l="0" t="0" r="0" b="0"/>
+          <a:pathLst>
+            <a:path>
+              <a:moveTo>
+                <a:pt x="0" y="0"/>
+              </a:moveTo>
+              <a:lnTo>
+                <a:pt x="614374" y="0"/>
+              </a:lnTo>
+            </a:path>
+          </a:pathLst>
+        </a:custGeom>
+        <a:noFill/>
+        <a:ln w="15875" cap="flat" cmpd="sng" algn="ctr">
+          <a:solidFill>
+            <a:schemeClr val="accent1">
+              <a:shade val="60000"/>
+              <a:hueOff val="0"/>
+              <a:satOff val="0"/>
+              <a:lumOff val="0"/>
+              <a:alphaOff val="0"/>
+            </a:schemeClr>
+          </a:solidFill>
+          <a:prstDash val="solid"/>
+        </a:ln>
+        <a:effectLst/>
+      </dsp:spPr>
+      <dsp:style>
+        <a:lnRef idx="2">
+          <a:scrgbClr r="0" g="0" b="0"/>
+        </a:lnRef>
+        <a:fillRef idx="0">
+          <a:scrgbClr r="0" g="0" b="0"/>
+        </a:fillRef>
+        <a:effectRef idx="0">
+          <a:scrgbClr r="0" g="0" b="0"/>
+        </a:effectRef>
+        <a:fontRef idx="minor"/>
+      </dsp:style>
+    </dsp:sp>
+    <dsp:sp modelId="{C3FE9341-1EEB-406A-86CF-8116DBE0F87D}">
+      <dsp:nvSpPr>
+        <dsp:cNvPr id="0" name=""/>
+        <dsp:cNvSpPr/>
+      </dsp:nvSpPr>
+      <dsp:spPr>
+        <a:xfrm>
+          <a:off x="1760952" y="2055389"/>
+          <a:ext cx="808567" cy="808567"/>
+        </a:xfrm>
+        <a:prstGeom prst="roundRect">
+          <a:avLst/>
+        </a:prstGeom>
+        <a:solidFill>
+          <a:srgbClr val="FF0000"/>
+        </a:solidFill>
+        <a:ln w="15875" cap="flat" cmpd="sng" algn="ctr">
+          <a:solidFill>
+            <a:schemeClr val="lt1">
+              <a:hueOff val="0"/>
+              <a:satOff val="0"/>
+              <a:lumOff val="0"/>
+              <a:alphaOff val="0"/>
+            </a:schemeClr>
+          </a:solidFill>
+          <a:prstDash val="solid"/>
+        </a:ln>
+        <a:effectLst/>
+      </dsp:spPr>
+      <dsp:style>
+        <a:lnRef idx="2">
+          <a:scrgbClr r="0" g="0" b="0"/>
+        </a:lnRef>
+        <a:fillRef idx="1">
+          <a:scrgbClr r="0" g="0" b="0"/>
+        </a:fillRef>
+        <a:effectRef idx="0">
+          <a:scrgbClr r="0" g="0" b="0"/>
+        </a:effectRef>
+        <a:fontRef idx="minor">
+          <a:schemeClr val="lt1"/>
+        </a:fontRef>
+      </dsp:style>
+      <dsp:txBody>
+        <a:bodyPr spcFirstLastPara="0" vert="horz" wrap="square" lIns="22860" tIns="22860" rIns="22860" bIns="22860" numCol="1" spcCol="1270" anchor="ctr" anchorCtr="0">
+          <a:noAutofit/>
+        </a:bodyPr>
+        <a:lstStyle/>
+        <a:p>
+          <a:pPr marL="0" lvl="0" indent="0" algn="ctr" defTabSz="400050">
+            <a:lnSpc>
+              <a:spcPct val="90000"/>
+            </a:lnSpc>
+            <a:spcBef>
+              <a:spcPct val="0"/>
+            </a:spcBef>
+            <a:spcAft>
+              <a:spcPct val="35000"/>
+            </a:spcAft>
+            <a:buNone/>
+          </a:pPr>
+          <a:r>
+            <a:rPr lang="en-GB" sz="900" kern="1200" dirty="0"/>
+            <a:t>Simplification</a:t>
+          </a:r>
+        </a:p>
+      </dsp:txBody>
+      <dsp:txXfrm>
+        <a:off x="1800423" y="2094860"/>
+        <a:ext cx="729625" cy="729625"/>
+      </dsp:txXfrm>
+    </dsp:sp>
+    <dsp:sp modelId="{F2ED1845-B2B1-4AEA-A3B3-AAA77E6D2D4A}">
+      <dsp:nvSpPr>
+        <dsp:cNvPr id="0" name=""/>
+        <dsp:cNvSpPr/>
+      </dsp:nvSpPr>
+      <dsp:spPr>
+        <a:xfrm rot="13114286">
+          <a:off x="2848568" y="1499814"/>
+          <a:ext cx="359094" cy="0"/>
+        </a:xfrm>
+        <a:custGeom>
+          <a:avLst/>
+          <a:gdLst/>
+          <a:ahLst/>
+          <a:cxnLst/>
+          <a:rect l="0" t="0" r="0" b="0"/>
+          <a:pathLst>
+            <a:path>
+              <a:moveTo>
+                <a:pt x="0" y="0"/>
+              </a:moveTo>
+              <a:lnTo>
+                <a:pt x="359094" y="0"/>
+              </a:lnTo>
+            </a:path>
+          </a:pathLst>
+        </a:custGeom>
+        <a:noFill/>
+        <a:ln w="15875" cap="flat" cmpd="sng" algn="ctr">
+          <a:solidFill>
+            <a:schemeClr val="accent1">
+              <a:shade val="60000"/>
+              <a:hueOff val="0"/>
+              <a:satOff val="0"/>
+              <a:lumOff val="0"/>
+              <a:alphaOff val="0"/>
+            </a:schemeClr>
+          </a:solidFill>
+          <a:prstDash val="solid"/>
+        </a:ln>
+        <a:effectLst/>
+      </dsp:spPr>
+      <dsp:style>
+        <a:lnRef idx="2">
+          <a:scrgbClr r="0" g="0" b="0"/>
+        </a:lnRef>
+        <a:fillRef idx="0">
+          <a:scrgbClr r="0" g="0" b="0"/>
+        </a:fillRef>
+        <a:effectRef idx="0">
+          <a:scrgbClr r="0" g="0" b="0"/>
+        </a:effectRef>
+        <a:fontRef idx="minor"/>
+      </dsp:style>
+    </dsp:sp>
+    <dsp:sp modelId="{FD28FAEE-75C8-4F91-BB2E-DBE13AC3FADC}">
+      <dsp:nvSpPr>
+        <dsp:cNvPr id="0" name=""/>
+        <dsp:cNvSpPr/>
+      </dsp:nvSpPr>
+      <dsp:spPr>
+        <a:xfrm>
+          <a:off x="2079172" y="661179"/>
+          <a:ext cx="808567" cy="808567"/>
+        </a:xfrm>
+        <a:prstGeom prst="roundRect">
+          <a:avLst/>
+        </a:prstGeom>
+        <a:solidFill>
+          <a:srgbClr val="FF0000"/>
+        </a:solidFill>
+        <a:ln w="15875" cap="flat" cmpd="sng" algn="ctr">
+          <a:solidFill>
+            <a:schemeClr val="lt1">
+              <a:hueOff val="0"/>
+              <a:satOff val="0"/>
+              <a:lumOff val="0"/>
+              <a:alphaOff val="0"/>
+            </a:schemeClr>
+          </a:solidFill>
+          <a:prstDash val="solid"/>
+        </a:ln>
+        <a:effectLst/>
+      </dsp:spPr>
+      <dsp:style>
+        <a:lnRef idx="2">
+          <a:scrgbClr r="0" g="0" b="0"/>
+        </a:lnRef>
+        <a:fillRef idx="1">
+          <a:scrgbClr r="0" g="0" b="0"/>
+        </a:fillRef>
+        <a:effectRef idx="0">
+          <a:scrgbClr r="0" g="0" b="0"/>
+        </a:effectRef>
+        <a:fontRef idx="minor">
+          <a:schemeClr val="lt1"/>
+        </a:fontRef>
+      </dsp:style>
+      <dsp:txBody>
+        <a:bodyPr spcFirstLastPara="0" vert="horz" wrap="square" lIns="30480" tIns="30480" rIns="30480" bIns="30480" numCol="1" spcCol="1270" anchor="ctr" anchorCtr="0">
+          <a:noAutofit/>
+        </a:bodyPr>
+        <a:lstStyle/>
+        <a:p>
+          <a:pPr marL="0" lvl="0" indent="0" algn="ctr" defTabSz="533400">
+            <a:lnSpc>
+              <a:spcPct val="90000"/>
+            </a:lnSpc>
+            <a:spcBef>
+              <a:spcPct val="0"/>
+            </a:spcBef>
+            <a:spcAft>
+              <a:spcPct val="35000"/>
+            </a:spcAft>
+            <a:buNone/>
+          </a:pPr>
+          <a:r>
+            <a:rPr lang="en-GB" sz="1200" kern="1200" dirty="0"/>
+            <a:t>Behaviour</a:t>
+          </a:r>
+        </a:p>
+      </dsp:txBody>
+      <dsp:txXfrm>
+        <a:off x="2118643" y="700650"/>
+        <a:ext cx="729625" cy="729625"/>
+      </dsp:txXfrm>
+    </dsp:sp>
+  </dsp:spTree>
+</dsp:drawing>
+</file>
+
+<file path=ppt/diagrams/layout1.xml><?xml version="1.0" encoding="utf-8"?>
+<dgm:layoutDef xmlns:dgm="http://schemas.openxmlformats.org/drawingml/2006/diagram" xmlns:a="http://schemas.openxmlformats.org/drawingml/2006/main" uniqueId="urn:microsoft.com/office/officeart/2008/layout/RadialCluster">
+  <dgm:title val=""/>
+  <dgm:desc val=""/>
+  <dgm:catLst>
+    <dgm:cat type="relationship" pri="19500"/>
+    <dgm:cat type="cycle" pri="15000"/>
+  </dgm:catLst>
+  <dgm:sampData>
+    <dgm:dataModel>
+      <dgm:ptLst>
+        <dgm:pt modelId="0" type="doc"/>
+        <dgm:pt modelId="1">
+          <dgm:prSet phldr="1"/>
+        </dgm:pt>
+        <dgm:pt modelId="11">
+          <dgm:prSet phldr="1"/>
+        </dgm:pt>
+        <dgm:pt modelId="12">
+          <dgm:prSet phldr="1"/>
+        </dgm:pt>
+        <dgm:pt modelId="13">
+          <dgm:prSet phldr="1"/>
+        </dgm:pt>
+      </dgm:ptLst>
+      <dgm:cxnLst>
+        <dgm:cxn modelId="2" srcId="0" destId="1" srcOrd="0" destOrd="0"/>
+        <dgm:cxn modelId="3" srcId="1" destId="11" srcOrd="0" destOrd="0"/>
+        <dgm:cxn modelId="4" srcId="1" destId="12" srcOrd="1" destOrd="0"/>
+        <dgm:cxn modelId="5" srcId="1" destId="13" srcOrd="2" destOrd="0"/>
+      </dgm:cxnLst>
+      <dgm:bg/>
+      <dgm:whole/>
+    </dgm:dataModel>
+  </dgm:sampData>
+  <dgm:styleData useDef="1">
+    <dgm:dataModel>
+      <dgm:ptLst/>
+      <dgm:bg/>
+      <dgm:whole/>
+    </dgm:dataModel>
+  </dgm:styleData>
+  <dgm:clrData useDef="1">
+    <dgm:dataModel>
+      <dgm:ptLst/>
+      <dgm:bg/>
+      <dgm:whole/>
+    </dgm:dataModel>
+  </dgm:clrData>
+  <dgm:layoutNode name="Name0">
+    <dgm:varLst>
+      <dgm:chMax val="1"/>
+      <dgm:chPref val="1"/>
+      <dgm:dir/>
+      <dgm:animOne val="branch"/>
+      <dgm:animLvl val="lvl"/>
+    </dgm:varLst>
+    <dgm:alg type="composite">
+      <dgm:param type="ar" val="1.00"/>
+    </dgm:alg>
+    <dgm:shape xmlns:r="http://schemas.openxmlformats.org/officeDocument/2006/relationships" r:blip="">
+      <dgm:adjLst/>
+    </dgm:shape>
+    <dgm:choose name="Name1">
+      <dgm:if name="Name2" func="var" arg="dir" op="equ" val="norm">
+        <dgm:choose name="Name3">
+          <dgm:if name="Name4" axis="ch ch" ptType="node node" cnt="1 0" func="cnt" op="equ" val="1">
+            <dgm:constrLst>
+              <dgm:constr type="l" for="ch" forName="textCenter"/>
+              <dgm:constr type="ctrY" for="ch" forName="textCenter" refType="h" fact="0.5"/>
+              <dgm:constr type="w" for="ch" forName="textCenter" refType="w" fact="0.32"/>
+              <dgm:constr type="h" for="ch" forName="textCenter" refType="w" refFor="ch" refForName="textCenter"/>
+              <dgm:constr type="r" for="ch" forName="cycle_1" refType="w"/>
+              <dgm:constr type="ctrY" for="ch" forName="cycle_1" refType="h" fact="0.5"/>
+              <dgm:constr type="w" for="ch" forName="cycle_1" refType="w" fact="0.56"/>
+              <dgm:constr type="h" for="ch" forName="cycle_1" refType="h"/>
+              <dgm:constr type="primFontSz" for="ch" forName="textCenter" val="65"/>
+              <dgm:constr type="primFontSz" for="des" forName="childCenter1" val="65"/>
+              <dgm:constr type="primFontSz" for="des" forName="text1" op="equ" val="65"/>
+              <dgm:constr type="userS" for="des" ptType="node" refType="w" refFor="ch" refForName="textCenter" fact="0.67"/>
+            </dgm:constrLst>
+          </dgm:if>
+          <dgm:if name="Name5" axis="ch ch" ptType="node node" cnt="1 0" func="cnt" op="equ" val="2">
+            <dgm:constrLst>
+              <dgm:constr type="ctrX" for="ch" forName="textCenter" refType="w" fact="0.5"/>
+              <dgm:constr type="ctrY" for="ch" forName="textCenter" refType="h" fact="0.5"/>
+              <dgm:constr type="w" for="ch" forName="textCenter" refType="w" fact="0.25"/>
+              <dgm:constr type="h" for="ch" forName="textCenter" refType="w" refFor="ch" refForName="textCenter"/>
+              <dgm:constr type="ctrX" for="ch" forName="cycle_1" refType="w" fact="0.5"/>
+              <dgm:constr type="t" for="ch" forName="cycle_1"/>
+              <dgm:constr type="w" for="ch" forName="cycle_1" refType="w"/>
+              <dgm:constr type="h" for="ch" forName="cycle_1" refType="h" fact="0.34"/>
+              <dgm:constr type="ctrX" for="ch" forName="cycle_2" refType="w" fact="0.5"/>
+              <dgm:constr type="b" for="ch" forName="cycle_2" refType="h"/>
+              <dgm:constr type="w" for="ch" forName="cycle_2" refType="w"/>
+              <dgm:constr type="h" for="ch" forName="cycle_2" refType="h" fact="0.34"/>
+              <dgm:constr type="primFontSz" for="ch" forName="textCenter" val="65"/>
+              <dgm:constr type="primFontSz" for="des" forName="childCenter1" val="65"/>
+              <dgm:constr type="primFontSz" for="des" forName="text1" op="equ" val="65"/>
+              <dgm:constr type="primFontSz" for="des" forName="childCenter2" refType="primFontSz" refFor="des" refForName="childCenter1" op="equ"/>
+              <dgm:constr type="primFontSz" for="des" forName="text2" refType="primFontSz" refFor="des" refForName="text1" op="equ"/>
+              <dgm:constr type="userS" for="des" ptType="node" refType="w" refFor="ch" refForName="textCenter" fact="0.67"/>
+            </dgm:constrLst>
+          </dgm:if>
+          <dgm:if name="Name6" axis="ch ch" ptType="node node" cnt="1 0" func="cnt" op="equ" val="3">
+            <dgm:choose name="Name7">
+              <dgm:if name="Name8" axis="ch ch ch" ptType="node node node" st="1 2 0" cnt="1 1 0" func="cnt" op="equ" val="1">
+                <dgm:choose name="Name9">
+                  <dgm:if name="Name10" axis="ch ch ch" ptType="node node node" st="1 3 0" cnt="1 1 0" func="cnt" op="equ" val="1">
+                    <dgm:constrLst>
+                      <dgm:constr type="ctrX" for="ch" forName="textCenter" refType="w" fact="0.5"/>
+                      <dgm:constr type="t" for="ch" forName="textCenter" refType="h" fact="0.436"/>
+                      <dgm:constr type="w" for="ch" forName="textCenter" refType="w" fact="0.21"/>
+                      <dgm:constr type="h" for="ch" forName="textCenter" refType="w" refFor="ch" refForName="textCenter"/>
+                      <dgm:constr type="ctrX" for="ch" forName="cycle_1" refType="w" fact="0.5"/>
+                      <dgm:constr type="t" for="ch" forName="cycle_1"/>
+                      <dgm:constr type="w" for="ch" forName="cycle_1" refType="w" fact="0.61"/>
+                      <dgm:constr type="h" for="ch" forName="cycle_1" refType="h" fact="0.36"/>
+                      <dgm:constr type="diam" for="ch" forName="cycle_1" refType="w" fact="0.5"/>
+                      <dgm:constr type="r" for="ch" forName="cycle_2" refType="w"/>
+                      <dgm:constr type="b" for="ch" forName="cycle_2" refType="h" fact="0.85"/>
+                      <dgm:constr type="w" for="ch" forName="cycle_2" refType="w" fact="0.46"/>
+                      <dgm:constr type="h" for="ch" forName="cycle_2" refType="h" fact="0.54"/>
+                      <dgm:constr type="diam" for="ch" forName="cycle_2" refType="w" fact="0.5"/>
+                      <dgm:constr type="l" for="ch" forName="cycle_3"/>
+                      <dgm:constr type="b" for="ch" forName="cycle_3" refType="h" fact="0.85"/>
+                      <dgm:constr type="w" for="ch" forName="cycle_3" refType="w" fact="0.46"/>
+                      <dgm:constr type="h" for="ch" forName="cycle_3" refType="h" fact="0.54"/>
+                      <dgm:constr type="diam" for="ch" forName="cycle_3" refType="w" fact="0.5"/>
+                      <dgm:constr type="primFontSz" for="ch" forName="textCenter" val="65"/>
+                      <dgm:constr type="primFontSz" for="des" forName="childCenter1" val="65"/>
+                      <dgm:constr type="primFontSz" for="des" forName="text1" op="equ" val="65"/>
+                      <dgm:constr type="primFontSz" for="des" forName="childCenter2" refType="primFontSz" refFor="des" refForName="childCenter1" op="equ"/>
+                      <dgm:constr type="primFontSz" for="des" forName="text2" refType="primFontSz" refFor="des" refForName="text1" op="equ"/>
+                      <dgm:constr type="primFontSz" for="des" forName="childCenter3" refType="primFontSz" refFor="des" refForName="childCenter1" op="equ"/>
+                      <dgm:constr type="primFontSz" for="des" forName="text3" refType="primFontSz" refFor="des" refForName="text1" op="equ"/>
+                      <dgm:constr type="userS" for="des" ptType="node" refType="w" refFor="ch" refForName="textCenter" fact="0.67"/>
+                    </dgm:constrLst>
+                  </dgm:if>
+                  <dgm:else name="Name11">
+                    <dgm:constrLst>
+                      <dgm:constr type="ctrX" for="ch" forName="textCenter" refType="w" fact="0.5"/>
+                      <dgm:constr type="t" for="ch" forName="textCenter" refType="h" fact="0.436"/>
+                      <dgm:constr type="w" for="ch" forName="textCenter" refType="w" fact="0.21"/>
+                      <dgm:constr type="h" for="ch" forName="textCenter" refType="w" refFor="ch" refForName="textCenter"/>
+                      <dgm:constr type="ctrX" for="ch" forName="cycle_1" refType="w" fact="0.5"/>
+                      <dgm:constr type="t" for="ch" forName="cycle_1"/>
+                      <dgm:constr type="w" for="ch" forName="cycle_1" refType="w" fact="0.61"/>
+                      <dgm:constr type="h" for="ch" forName="cycle_1" refType="h" fact="0.36"/>
+                      <dgm:constr type="diam" for="ch" forName="cycle_1" refType="w" fact="0.5"/>
+                      <dgm:constr type="r" for="ch" forName="cycle_2" refType="w"/>
+                      <dgm:constr type="b" for="ch" forName="cycle_2" refType="h" fact="0.85"/>
+                      <dgm:constr type="w" for="ch" forName="cycle_2" refType="w" fact="0.46"/>
+                      <dgm:constr type="h" for="ch" forName="cycle_2" refType="h" fact="0.54"/>
+                      <dgm:constr type="diam" for="ch" forName="cycle_2" refType="w" fact="0.5"/>
+                      <dgm:constr type="l" for="ch" forName="cycle_3"/>
+                      <dgm:constr type="b" for="ch" forName="cycle_3" refType="h"/>
+                      <dgm:constr type="w" for="ch" forName="cycle_3" refType="w" fact="0.46"/>
+                      <dgm:constr type="h" for="ch" forName="cycle_3" refType="h" fact="0.54"/>
+                      <dgm:constr type="diam" for="ch" forName="cycle_3" refType="w" fact="0.5"/>
+                      <dgm:constr type="primFontSz" for="ch" forName="textCenter" val="65"/>
+                      <dgm:constr type="primFontSz" for="des" forName="childCenter1" val="65"/>
+                      <dgm:constr type="primFontSz" for="des" forName="text1" op="equ" val="65"/>
+                      <dgm:constr type="primFontSz" for="des" forName="childCenter2" refType="primFontSz" refFor="des" refForName="childCenter1" op="equ"/>
+                      <dgm:constr type="primFontSz" for="des" forName="text2" refType="primFontSz" refFor="des" refForName="text1" op="equ"/>
+                      <dgm:constr type="primFontSz" for="des" forName="childCenter3" refType="primFontSz" refFor="des" refForName="childCenter1" op="equ"/>
+                      <dgm:constr type="primFontSz" for="des" forName="text3" refType="primFontSz" refFor="des" refForName="text1" op="equ"/>
+                      <dgm:constr type="userS" for="des" ptType="node" refType="w" refFor="ch" refForName="textCenter" fact="0.67"/>
+                    </dgm:constrLst>
+                  </dgm:else>
+                </dgm:choose>
+              </dgm:if>
+              <dgm:else name="Name12">
+                <dgm:choose name="Name13">
+                  <dgm:if name="Name14" axis="ch ch ch" ptType="node node node" st="1 3 0" cnt="1 1 0" func="cnt" op="equ" val="1">
+                    <dgm:constrLst>
+                      <dgm:constr type="ctrX" for="ch" forName="textCenter" refType="w" fact="0.5"/>
+                      <dgm:constr type="t" for="ch" forName="textCenter" refType="h" fact="0.436"/>
+                      <dgm:constr type="w" for="ch" forName="textCenter" refType="w" fact="0.21"/>
+                      <dgm:constr type="h" for="ch" forName="textCenter" refType="w" refFor="ch" refForName="textCenter"/>
+                      <dgm:constr type="ctrX" for="ch" forName="cycle_1" refType="w" fact="0.5"/>
+                      <dgm:constr type="t" for="ch" forName="cycle_1"/>
+                      <dgm:constr type="w" for="ch" forName="cycle_1" refType="w" fact="0.61"/>
+                      <dgm:constr type="h" for="ch" forName="cycle_1" refType="h" fact="0.36"/>
+                      <dgm:constr type="diam" for="ch" forName="cycle_1" refType="w" fact="0.5"/>
+                      <dgm:constr type="r" for="ch" forName="cycle_2" refType="w"/>
+                      <dgm:constr type="b" for="ch" forName="cycle_2" refType="h"/>
+                      <dgm:constr type="w" for="ch" forName="cycle_2" refType="w" fact="0.46"/>
+                      <dgm:constr type="h" for="ch" forName="cycle_2" refType="h" fact="0.54"/>
+                      <dgm:constr type="diam" for="ch" forName="cycle_2" refType="w" fact="0.5"/>
+                      <dgm:constr type="l" for="ch" forName="cycle_3"/>
+                      <dgm:constr type="b" for="ch" forName="cycle_3" refType="h" fact="0.85"/>
+                      <dgm:constr type="w" for="ch" forName="cycle_3" refType="w" fact="0.46"/>
+                      <dgm:constr type="h" for="ch" forName="cycle_3" refType="h" fact="0.54"/>
+                      <dgm:constr type="diam" for="ch" forName="cycle_3" refType="w" fact="0.5"/>
+                      <dgm:constr type="primFontSz" for="ch" forName="textCenter" val="65"/>
+                      <dgm:constr type="primFontSz" for="des" forName="childCenter1" val="65"/>
+                      <dgm:constr type="primFontSz" for="des" forName="text1" op="equ" val="65"/>
+                      <dgm:constr type="primFontSz" for="des" forName="childCenter2" refType="primFontSz" refFor="des" refForName="childCenter1" op="equ"/>
+                      <dgm:constr type="primFontSz" for="des" forName="text2" refType="primFontSz" refFor="des" refForName="text1" op="equ"/>
+                      <dgm:constr type="primFontSz" for="des" forName="childCenter3" refType="primFontSz" refFor="des" refForName="childCenter1" op="equ"/>
+                      <dgm:constr type="primFontSz" for="des" forName="text3" refType="primFontSz" refFor="des" refForName="text1" op="equ"/>
+                      <dgm:constr type="userS" for="des" ptType="node" refType="w" refFor="ch" refForName="textCenter" fact="0.67"/>
+                    </dgm:constrLst>
+                  </dgm:if>
+                  <dgm:else name="Name15">
+                    <dgm:constrLst>
+                      <dgm:constr type="ctrX" for="ch" forName="textCenter" refType="w" fact="0.5"/>
+                      <dgm:constr type="t" for="ch" forName="textCenter" refType="h" fact="0.436"/>
+                      <dgm:constr type="w" for="ch" forName="textCenter" refType="w" fact="0.21"/>
+                      <dgm:constr type="h" for="ch" forName="textCenter" refType="w" refFor="ch" refForName="textCenter"/>
+                      <dgm:constr type="ctrX" for="ch" forName="cycle_1" refType="w" fact="0.5"/>
+                      <dgm:constr type="t" for="ch" forName="cycle_1"/>
+                      <dgm:constr type="w" for="ch" forName="cycle_1" refType="w" fact="0.61"/>
+                      <dgm:constr type="h" for="ch" forName="cycle_1" refType="h" fact="0.36"/>
+                      <dgm:constr type="diam" for="ch" forName="cycle_1" refType="w" fact="0.5"/>
+                      <dgm:constr type="r" for="ch" forName="cycle_2" refType="w"/>
+                      <dgm:constr type="b" for="ch" forName="cycle_2" refType="h"/>
+                      <dgm:constr type="w" for="ch" forName="cycle_2" refType="w" fact="0.46"/>
+                      <dgm:constr type="h" for="ch" forName="cycle_2" refType="h" fact="0.54"/>
+                      <dgm:constr type="diam" for="ch" forName="cycle_2" refType="w" fact="0.5"/>
+                      <dgm:constr type="l" for="ch" forName="cycle_3"/>
+                      <dgm:constr type="b" for="ch" forName="cycle_3" refType="h"/>
+                      <dgm:constr type="w" for="ch" forName="cycle_3" refType="w" fact="0.46"/>
+                      <dgm:constr type="h" for="ch" forName="cycle_3" refType="h" fact="0.54"/>
+                      <dgm:constr type="diam" for="ch" forName="cycle_3" refType="w" fact="0.5"/>
+                      <dgm:constr type="primFontSz" for="ch" forName="textCenter" val="65"/>
+                      <dgm:constr type="primFontSz" for="des" forName="childCenter1" val="65"/>
+                      <dgm:constr type="primFontSz" for="des" forName="text1" op="equ" val="65"/>
+                      <dgm:constr type="primFontSz" for="des" forName="childCenter2" refType="primFontSz" refFor="des" refForName="childCenter1" op="equ"/>
+                      <dgm:constr type="primFontSz" for="des" forName="text2" refType="primFontSz" refFor="des" refForName="text1" op="equ"/>
+                      <dgm:constr type="primFontSz" for="des" forName="childCenter3" refType="primFontSz" refFor="des" refForName="childCenter1" op="equ"/>
+                      <dgm:constr type="primFontSz" for="des" forName="text3" refType="primFontSz" refFor="des" refForName="text1" op="equ"/>
+                      <dgm:constr type="userS" for="des" ptType="node" refType="w" refFor="ch" refForName="textCenter" fact="0.67"/>
+                    </dgm:constrLst>
+                  </dgm:else>
+                </dgm:choose>
+              </dgm:else>
+            </dgm:choose>
+          </dgm:if>
+          <dgm:if name="Name16" axis="ch ch" ptType="node node" cnt="1 0" func="cnt" op="equ" val="4">
+            <dgm:constrLst>
+              <dgm:constr type="ctrX" for="ch" forName="textCenter" refType="w" fact="0.5"/>
+              <dgm:constr type="ctrY" for="ch" forName="textCenter" refType="h" fact="0.5"/>
+              <dgm:constr type="w" for="ch" forName="textCenter" refType="w" fact="0.2"/>
+              <dgm:constr type="h" for="ch" forName="textCenter" refType="w" refFor="ch" refForName="textCenter"/>
+              <dgm:constr type="ctrX" for="ch" forName="cycle_1" refType="w" fact="0.5"/>
+              <dgm:constr type="t" for="ch" forName="cycle_1"/>
+              <dgm:constr type="w" for="ch" forName="cycle_1" refType="w" fact="0.5"/>
+              <dgm:constr type="h" for="ch" forName="cycle_1" refType="h" fact="0.33"/>
+              <dgm:constr type="r" for="ch" forName="cycle_2" refType="w"/>
+              <dgm:constr type="ctrY" for="ch" forName="cycle_2" refType="h" fact="0.5"/>
+              <dgm:constr type="w" for="ch" forName="cycle_2" refType="w" fact="0.33"/>
+              <dgm:constr type="h" for="ch" forName="cycle_2" refType="h" fact="0.5"/>
+              <dgm:constr type="ctrX" for="ch" forName="cycle_3" refType="w" fact="0.5"/>
+              <dgm:constr type="b" for="ch" forName="cycle_3" refType="h"/>
+              <dgm:constr type="w" for="ch" forName="cycle_3" refType="w" fact="0.5"/>
+              <dgm:constr type="h" for="ch" forName="cycle_3" refType="h" fact="0.33"/>
+              <dgm:constr type="l" for="ch" forName="cycle_4"/>
+              <dgm:constr type="ctrY" for="ch" forName="cycle_4" refType="h" fact="0.5"/>
+              <dgm:constr type="w" for="ch" forName="cycle_4" refType="w" fact="0.33"/>
+              <dgm:constr type="h" for="ch" forName="cycle_4" refType="h" fact="0.5"/>
+              <dgm:constr type="primFontSz" for="ch" forName="textCenter" val="65"/>
+              <dgm:constr type="primFontSz" for="des" forName="childCenter1" val="65"/>
+              <dgm:constr type="primFontSz" for="des" forName="text1" op="equ" val="65"/>
+              <dgm:constr type="primFontSz" for="des" forName="childCenter2" refType="primFontSz" refFor="des" refForName="childCenter1" op="equ"/>
+              <dgm:constr type="primFontSz" for="des" forName="text2" refType="primFontSz" refFor="des" refForName="text1" op="equ"/>
+              <dgm:constr type="primFontSz" for="des" forName="childCenter3" refType="primFontSz" refFor="des" refForName="childCenter1" op="equ"/>
+              <dgm:constr type="primFontSz" for="des" forName="text3" refType="primFontSz" refFor="des" refForName="text1" op="equ"/>
+              <dgm:constr type="primFontSz" for="des" forName="childCenter4" refType="primFontSz" refFor="des" refForName="childCenter1" op="equ"/>
+              <dgm:constr type="primFontSz" for="des" forName="text4" refType="primFontSz" refFor="des" refForName="text1" op="equ"/>
+              <dgm:constr type="userS" for="des" ptType="node" refType="w" refFor="ch" refForName="textCenter" fact="0.67"/>
+            </dgm:constrLst>
+          </dgm:if>
+          <dgm:if name="Name17" axis="ch ch" ptType="node node" cnt="1 0" func="cnt" op="equ" val="5">
+            <dgm:constrLst>
+              <dgm:constr type="ctrX" for="ch" forName="textCenter" refType="w" fact="0.5"/>
+              <dgm:constr type="t" for="ch" forName="textCenter" refType="h" fact="0.42"/>
+              <dgm:constr type="w" for="ch" forName="textCenter" refType="w" fact="0.2"/>
+              <dgm:constr type="h" for="ch" forName="textCenter" refType="w" refFor="ch" refForName="textCenter"/>
+              <dgm:constr type="ctrX" for="ch" forName="cycle_1" refType="w" fact="0.5"/>
+              <dgm:constr type="t" for="ch" forName="cycle_1"/>
+              <dgm:constr type="w" for="ch" forName="cycle_1" refType="w" fact="0.33"/>
+              <dgm:constr type="h" for="ch" forName="cycle_1" refType="w" refFor="ch" refForName="cycle_1"/>
+              <dgm:constr type="r" for="ch" forName="cycle_2" refType="w"/>
+              <dgm:constr type="t" for="ch" forName="cycle_2" refType="h" fact="0.24"/>
+              <dgm:constr type="w" for="ch" forName="cycle_2" refType="w" fact="0.33"/>
+              <dgm:constr type="h" for="ch" forName="cycle_2" refType="w" refFor="ch" refForName="cycle_2"/>
+              <dgm:constr type="r" for="ch" forName="cycle_3" refType="w" fact="0.89"/>
+              <dgm:constr type="b" for="ch" forName="cycle_3" refType="h"/>
+              <dgm:constr type="w" for="ch" forName="cycle_3" refType="w" fact="0.33"/>
+              <dgm:constr type="h" for="ch" forName="cycle_3" refType="w" refFor="ch" refForName="cycle_3"/>
+              <dgm:constr type="l" for="ch" forName="cycle_4" refType="w" fact="0.11"/>
+              <dgm:constr type="b" for="ch" forName="cycle_4" refType="h"/>
+              <dgm:constr type="w" for="ch" forName="cycle_4" refType="w" fact="0.33"/>
+              <dgm:constr type="h" for="ch" forName="cycle_4" refType="w" refFor="ch" refForName="cycle_4"/>
+              <dgm:constr type="l" for="ch" forName="cycle_5"/>
+              <dgm:constr type="t" for="ch" forName="cycle_5" refType="h" fact="0.24"/>
+              <dgm:constr type="w" for="ch" forName="cycle_5" refType="w" fact="0.33"/>
+              <dgm:constr type="h" for="ch" forName="cycle_5" refType="w" refFor="ch" refForName="cycle_5"/>
+              <dgm:constr type="primFontSz" for="ch" forName="textCenter" val="65"/>
+              <dgm:constr type="primFontSz" for="des" forName="childCenter1" val="65"/>
+              <dgm:constr type="primFontSz" for="des" forName="text1" op="equ" val="65"/>
+              <dgm:constr type="primFontSz" for="des" forName="childCenter2" refType="primFontSz" refFor="des" refForName="childCenter1" op="equ"/>
+              <dgm:constr type="primFontSz" for="des" forName="text2" refType="primFontSz" refFor="des" refForName="text1" op="equ"/>
+              <dgm:constr type="primFontSz" for="des" forName="childCenter3" refType="primFontSz" refFor="des" refForName="childCenter1" op="equ"/>
+              <dgm:constr type="primFontSz" for="des" forName="text3" refType="primFontSz" refFor="des" refForName="text1" op="equ"/>
+              <dgm:constr type="primFontSz" for="des" forName="childCenter4" refType="primFontSz" refFor="des" refForName="childCenter1" op="equ"/>
+              <dgm:constr type="primFontSz" for="des" forName="text4" refType="primFontSz" refFor="des" refForName="text1" op="equ"/>
+              <dgm:constr type="primFontSz" for="des" forName="childCenter5" refType="primFontSz" refFor="des" refForName="childCenter1" op="equ"/>
+              <dgm:constr type="primFontSz" for="des" forName="text5" refType="primFontSz" refFor="des" refForName="text1" op="equ"/>
+              <dgm:constr type="userS" for="des" ptType="node" refType="w" refFor="ch" refForName="textCenter" fact="0.67"/>
+            </dgm:constrLst>
+          </dgm:if>
+          <dgm:if name="Name18" axis="ch ch" ptType="node node" cnt="1 0" func="cnt" op="equ" val="6">
+            <dgm:constrLst>
+              <dgm:constr type="ctrX" for="ch" forName="textCenter" refType="w" fact="0.5"/>
+              <dgm:constr type="ctrY" for="ch" forName="textCenter" refType="h" fact="0.5"/>
+              <dgm:constr type="w" for="ch" forName="textCenter" refType="w" fact="0.2"/>
+              <dgm:constr type="h" for="ch" forName="textCenter" refType="w" refFor="ch" refForName="textCenter"/>
+              <dgm:constr type="ctrX" for="ch" forName="cycle_1" refType="w" fact="0.5"/>
+              <dgm:constr type="t" for="ch" forName="cycle_1"/>
+              <dgm:constr type="w" for="ch" forName="cycle_1" refType="w" fact="0.33"/>
+              <dgm:constr type="h" for="ch" forName="cycle_1" refType="w" refFor="ch" refForName="cycle_1"/>
+              <dgm:constr type="r" for="ch" forName="cycle_2" refType="w"/>
+              <dgm:constr type="t" for="ch" forName="cycle_2" refType="h" fact="0.17"/>
+              <dgm:constr type="w" for="ch" forName="cycle_2" refType="w" fact="0.33"/>
+              <dgm:constr type="h" for="ch" forName="cycle_2" refType="w" refFor="ch" refForName="cycle_2"/>
+              <dgm:constr type="r" for="ch" forName="cycle_3" refType="w"/>
+              <dgm:constr type="b" for="ch" forName="cycle_3" refType="h" fact="0.83"/>
+              <dgm:constr type="w" for="ch" forName="cycle_3" refType="w" fact="0.33"/>
+              <dgm:constr type="h" for="ch" forName="cycle_3" refType="w" refFor="ch" refForName="cycle_3"/>
+              <dgm:constr type="ctrX" for="ch" forName="cycle_4" refType="w" fact="0.5"/>
+              <dgm:constr type="b" for="ch" forName="cycle_4" refType="h"/>
+              <dgm:constr type="w" for="ch" forName="cycle_4" refType="w" fact="0.33"/>
+              <dgm:constr type="h" for="ch" forName="cycle_4" refType="w" refFor="ch" refForName="cycle_4"/>
+              <dgm:constr type="l" for="ch" forName="cycle_5"/>
+              <dgm:constr type="b" for="ch" forName="cycle_5" refType="h" fact="0.83"/>
+              <dgm:constr type="w" for="ch" forName="cycle_5" refType="w" fact="0.33"/>
+              <dgm:constr type="h" for="ch" forName="cycle_5" refType="w" refFor="ch" refForName="cycle_5"/>
+              <dgm:constr type="l" for="ch" forName="cycle_6"/>
+              <dgm:constr type="t" for="ch" forName="cycle_6" refType="h" fact="0.17"/>
+              <dgm:constr type="w" for="ch" forName="cycle_6" refType="w" fact="0.33"/>
+              <dgm:constr type="h" for="ch" forName="cycle_6" refType="w" refFor="ch" refForName="cycle_6"/>
+              <dgm:constr type="primFontSz" for="ch" forName="textCenter" val="65"/>
+              <dgm:constr type="primFontSz" for="des" forName="childCenter1" val="65"/>
+              <dgm:constr type="primFontSz" for="des" forName="text1" op="equ" val="65"/>
+              <dgm:constr type="primFontSz" for="des" forName="childCenter2" refType="primFontSz" refFor="des" refForName="childCenter1" op="equ"/>
+              <dgm:constr type="primFontSz" for="des" forName="text2" refType="primFontSz" refFor="des" refForName="text1" op="equ"/>
+              <dgm:constr type="primFontSz" for="des" forName="childCenter3" refType="primFontSz" refFor="des" refForName="childCenter1" op="equ"/>
+              <dgm:constr type="primFontSz" for="des" forName="text3" refType="primFontSz" refFor="des" refForName="text1" op="equ"/>
+              <dgm:constr type="primFontSz" for="des" forName="childCenter4" refType="primFontSz" refFor="des" refForName="childCenter1" op="equ"/>
+              <dgm:constr type="primFontSz" for="des" forName="text4" refType="primFontSz" refFor="des" refForName="text1" op="equ"/>
+              <dgm:constr type="primFontSz" for="des" forName="childCenter5" refType="primFontSz" refFor="des" refForName="childCenter1" op="equ"/>
+              <dgm:constr type="primFontSz" for="des" forName="text5" refType="primFontSz" refFor="des" refForName="text1" op="equ"/>
+              <dgm:constr type="primFontSz" for="des" forName="childCenter6" refType="primFontSz" refFor="des" refForName="childCenter1" op="equ"/>
+              <dgm:constr type="primFontSz" for="des" forName="text6" refType="primFontSz" refFor="des" refForName="text1" op="equ"/>
+              <dgm:constr type="userS" for="des" ptType="node" refType="w" refFor="ch" refForName="textCenter" fact="0.67"/>
+            </dgm:constrLst>
+          </dgm:if>
+          <dgm:else name="Name19">
+            <dgm:constrLst>
+              <dgm:constr type="ctrX" for="ch" forName="textCenter" refType="w" fact="0.5"/>
+              <dgm:constr type="t" for="ch" forName="textCenter" refType="h" fact="0.444"/>
+              <dgm:constr type="w" for="ch" forName="textCenter" refType="w" fact="0.167"/>
+              <dgm:constr type="h" for="ch" forName="textCenter" refType="w" refFor="ch" refForName="textCenter"/>
+              <dgm:constr type="ctrX" for="ch" forName="cycle_1" refType="w" fact="0.5"/>
+              <dgm:constr type="t" for="ch" forName="cycle_1"/>
+              <dgm:constr type="w" for="ch" forName="cycle_1" refType="w" fact="0.263"/>
+              <dgm:constr type="h" for="ch" forName="cycle_1" refType="w" refFor="ch" refForName="cycle_1"/>
+              <dgm:constr type="r" for="ch" forName="cycle_2" refType="w" fact="0.938"/>
+              <dgm:constr type="t" for="ch" forName="cycle_2" refType="h" fact="0.141"/>
+              <dgm:constr type="w" for="ch" forName="cycle_2" refType="w" fact="0.263"/>
+              <dgm:constr type="h" for="ch" forName="cycle_2" refType="w" refFor="ch" refForName="cycle_2"/>
+              <dgm:constr type="r" for="ch" forName="cycle_3" refType="w"/>
+              <dgm:constr type="b" for="ch" forName="cycle_3" refType="h" fact="0.74"/>
+              <dgm:constr type="w" for="ch" forName="cycle_3" refType="w" fact="0.263"/>
+              <dgm:constr type="h" for="ch" forName="cycle_3" refType="w" refFor="ch" refForName="cycle_3"/>
+              <dgm:constr type="r" for="ch" forName="cycle_4" refType="w" fact="0.8"/>
+              <dgm:constr type="b" for="ch" forName="cycle_4" refType="h"/>
+              <dgm:constr type="w" for="ch" forName="cycle_4" refType="w" fact="0.263"/>
+              <dgm:constr type="h" for="ch" forName="cycle_4" refType="w" refFor="ch" refForName="cycle_4"/>
+              <dgm:constr type="l" for="ch" forName="cycle_5" refType="w" fact="0.2"/>
+              <dgm:constr type="b" for="ch" forName="cycle_5" refType="h"/>
+              <dgm:constr type="w" for="ch" forName="cycle_5" refType="w" fact="0.263"/>
+              <dgm:constr type="h" for="ch" forName="cycle_5" refType="w" refFor="ch" refForName="cycle_5"/>
+              <dgm:constr type="l" for="ch" forName="cycle_6"/>
+              <dgm:constr type="b" for="ch" forName="cycle_6" refType="h" fact="0.74"/>
+              <dgm:constr type="w" for="ch" forName="cycle_6" refType="w" fact="0.263"/>
+              <dgm:constr type="h" for="ch" forName="cycle_6" refType="w" refFor="ch" refForName="cycle_6"/>
+              <dgm:constr type="l" for="ch" forName="cycle_7" refType="w" fact="0.062"/>
+              <dgm:constr type="t" for="ch" forName="cycle_7" refType="h" fact="0.141"/>
+              <dgm:constr type="w" for="ch" forName="cycle_7" refType="w" fact="0.263"/>
+              <dgm:constr type="h" for="ch" forName="cycle_7" refType="w" refFor="ch" refForName="cycle_7"/>
+              <dgm:constr type="primFontSz" for="ch" forName="textCenter" val="65"/>
+              <dgm:constr type="primFontSz" for="des" forName="childCenter1" val="65"/>
+              <dgm:constr type="primFontSz" for="des" forName="text1" op="equ" val="65"/>
+              <dgm:constr type="primFontSz" for="des" forName="childCenter2" refType="primFontSz" refFor="des" refForName="childCenter1" op="equ"/>
+              <dgm:constr type="primFontSz" for="des" forName="text2" refType="primFontSz" refFor="des" refForName="text1" op="equ"/>
+              <dgm:constr type="primFontSz" for="des" forName="childCenter3" refType="primFontSz" refFor="des" refForName="childCenter1" op="equ"/>
+              <dgm:constr type="primFontSz" for="des" forName="text3" refType="primFontSz" refFor="des" refForName="text1" op="equ"/>
+              <dgm:constr type="primFontSz" for="des" forName="childCenter4" refType="primFontSz" refFor="des" refForName="childCenter1" op="equ"/>
+              <dgm:constr type="primFontSz" for="des" forName="text4" refType="primFontSz" refFor="des" refForName="text1" op="equ"/>
+              <dgm:constr type="primFontSz" for="des" forName="childCenter5" refType="primFontSz" refFor="des" refForName="childCenter1" op="equ"/>
+              <dgm:constr type="primFontSz" for="des" forName="text5" refType="primFontSz" refFor="des" refForName="text1" op="equ"/>
+              <dgm:constr type="primFontSz" for="des" forName="childCenter6" refType="primFontSz" refFor="des" refForName="childCenter1" op="equ"/>
+              <dgm:constr type="primFontSz" for="des" forName="text6" refType="primFontSz" refFor="des" refForName="text1" op="equ"/>
+              <dgm:constr type="primFontSz" for="des" forName="childCenter7" refType="primFontSz" refFor="des" refForName="childCenter1" op="equ"/>
+              <dgm:constr type="primFontSz" for="des" forName="text7" refType="primFontSz" refFor="des" refForName="text1" op="equ"/>
+              <dgm:constr type="userS" for="des" ptType="node" refType="w" refFor="ch" refForName="textCenter" fact="0.67"/>
+            </dgm:constrLst>
+          </dgm:else>
+        </dgm:choose>
+      </dgm:if>
+      <dgm:else name="Name20">
+        <dgm:choose name="Name21">
+          <dgm:if name="Name22" axis="ch ch" ptType="node node" func="cnt" op="equ" val="1">
+            <dgm:constrLst>
+              <dgm:constr type="r" for="ch" forName="textCenter" refType="w"/>
+              <dgm:constr type="ctrY" for="ch" forName="textCenter" refType="h" fact="0.5"/>
+              <dgm:constr type="w" for="ch" forName="textCenter" refType="w" fact="0.32"/>
+              <dgm:constr type="h" for="ch" forName="textCenter" refType="w" refFor="ch" refForName="textCenter"/>
+              <dgm:constr type="l" for="ch" forName="cycle_1"/>
+              <dgm:constr type="ctrY" for="ch" forName="cycle_1" refType="h" fact="0.5"/>
+              <dgm:constr type="w" for="ch" forName="cycle_1" refType="w" fact="0.56"/>
+              <dgm:constr type="h" for="ch" forName="cycle_1" refType="h"/>
+              <dgm:constr type="primFontSz" for="ch" forName="textCenter" val="65"/>
+              <dgm:constr type="primFontSz" for="des" forName="childCenter1" val="65"/>
+              <dgm:constr type="primFontSz" for="des" forName="text1" op="equ" val="65"/>
+              <dgm:constr type="userS" for="des" ptType="node" refType="w" refFor="ch" refForName="textCenter" fact="0.67"/>
+            </dgm:constrLst>
+          </dgm:if>
+          <dgm:if name="Name23" axis="ch ch" ptType="node node" func="cnt" op="equ" val="2">
+            <dgm:constrLst>
+              <dgm:constr type="ctrX" for="ch" forName="textCenter" refType="w" fact="0.5"/>
+              <dgm:constr type="ctrY" for="ch" forName="textCenter" refType="h" fact="0.5"/>
+              <dgm:constr type="w" for="ch" forName="textCenter" refType="w" fact="0.25"/>
+              <dgm:constr type="h" for="ch" forName="textCenter" refType="w" refFor="ch" refForName="textCenter"/>
+              <dgm:constr type="ctrX" for="ch" forName="cycle_1" refType="w" fact="0.5"/>
+              <dgm:constr type="t" for="ch" forName="cycle_1"/>
+              <dgm:constr type="w" for="ch" forName="cycle_1" refType="w"/>
+              <dgm:constr type="h" for="ch" forName="cycle_1" refType="h" fact="0.34"/>
+              <dgm:constr type="ctrX" for="ch" forName="cycle_2" refType="w" fact="0.5"/>
+              <dgm:constr type="b" for="ch" forName="cycle_2" refType="h"/>
+              <dgm:constr type="w" for="ch" forName="cycle_2" refType="w"/>
+              <dgm:constr type="h" for="ch" forName="cycle_2" refType="h" fact="0.34"/>
+              <dgm:constr type="primFontSz" for="ch" forName="textCenter" val="65"/>
+              <dgm:constr type="primFontSz" for="des" forName="childCenter1" val="65"/>
+              <dgm:constr type="primFontSz" for="des" forName="text1" op="equ" val="65"/>
+              <dgm:constr type="primFontSz" for="des" forName="childCenter2" refType="primFontSz" refFor="des" refForName="childCenter1" op="equ"/>
+              <dgm:constr type="primFontSz" for="des" forName="text2" refType="primFontSz" refFor="des" refForName="text1" op="equ"/>
+              <dgm:constr type="userS" for="des" ptType="node" refType="w" refFor="ch" refForName="textCenter" fact="0.67"/>
+            </dgm:constrLst>
+          </dgm:if>
+          <dgm:if name="Name24" axis="ch ch" ptType="node node" func="cnt" op="equ" val="3">
+            <dgm:choose name="Name25">
+              <dgm:if name="Name26" axis="ch ch ch" ptType="node node node" st="1 2 0" cnt="1 1 0" func="cnt" op="equ" val="1">
+                <dgm:choose name="Name27">
+                  <dgm:if name="Name28" axis="ch ch ch" ptType="node node node" st="1 3 0" cnt="1 1 0" func="cnt" op="equ" val="1">
+                    <dgm:constrLst>
+                      <dgm:constr type="ctrX" for="ch" forName="textCenter" refType="w" fact="0.5"/>
+                      <dgm:constr type="t" for="ch" forName="textCenter" refType="h" fact="0.436"/>
+                      <dgm:constr type="w" for="ch" forName="textCenter" refType="w" fact="0.21"/>
+                      <dgm:constr type="h" for="ch" forName="textCenter" refType="w" refFor="ch" refForName="textCenter"/>
+                      <dgm:constr type="ctrX" for="ch" forName="cycle_1" refType="w" fact="0.5"/>
+                      <dgm:constr type="t" for="ch" forName="cycle_1"/>
+                      <dgm:constr type="w" for="ch" forName="cycle_1" refType="w" fact="0.61"/>
+                      <dgm:constr type="h" for="ch" forName="cycle_1" refType="h" fact="0.36"/>
+                      <dgm:constr type="diam" for="ch" forName="cycle_1" refType="w" fact="0.5"/>
+                      <dgm:constr type="l" for="ch" forName="cycle_2"/>
+                      <dgm:constr type="b" for="ch" forName="cycle_2" refType="h" fact="0.85"/>
+                      <dgm:constr type="w" for="ch" forName="cycle_2" refType="w" fact="0.46"/>
+                      <dgm:constr type="h" for="ch" forName="cycle_2" refType="h" fact="0.54"/>
+                      <dgm:constr type="diam" for="ch" forName="cycle_2" refType="w" fact="0.5"/>
+                      <dgm:constr type="r" for="ch" forName="cycle_3" refType="w"/>
+                      <dgm:constr type="b" for="ch" forName="cycle_3" refType="h" fact="0.85"/>
+                      <dgm:constr type="w" for="ch" forName="cycle_3" refType="w" fact="0.46"/>
+                      <dgm:constr type="h" for="ch" forName="cycle_3" refType="h" fact="0.54"/>
+                      <dgm:constr type="diam" for="ch" forName="cycle_3" refType="w" fact="0.5"/>
+                      <dgm:constr type="primFontSz" for="ch" forName="textCenter" val="65"/>
+                      <dgm:constr type="primFontSz" for="des" forName="childCenter1" val="65"/>
+                      <dgm:constr type="primFontSz" for="des" forName="text1" op="equ" val="65"/>
+                      <dgm:constr type="primFontSz" for="des" forName="childCenter2" refType="primFontSz" refFor="des" refForName="childCenter1" op="equ"/>
+                      <dgm:constr type="primFontSz" for="des" forName="text2" refType="primFontSz" refFor="des" refForName="text1" op="equ"/>
+                      <dgm:constr type="primFontSz" for="des" forName="childCenter3" refType="primFontSz" refFor="des" refForName="childCenter1" op="equ"/>
+                      <dgm:constr type="primFontSz" for="des" forName="text3" refType="primFontSz" refFor="des" refForName="text1" op="equ"/>
+                      <dgm:constr type="userS" for="des" ptType="node" refType="w" refFor="ch" refForName="textCenter" fact="0.67"/>
+                    </dgm:constrLst>
+                  </dgm:if>
+                  <dgm:else name="Name29">
+                    <dgm:constrLst>
+                      <dgm:constr type="ctrX" for="ch" forName="textCenter" refType="w" fact="0.5"/>
+                      <dgm:constr type="t" for="ch" forName="textCenter" refType="h" fact="0.436"/>
+                      <dgm:constr type="w" for="ch" forName="textCenter" refType="w" fact="0.21"/>
+                      <dgm:constr type="h" for="ch" forName="textCenter" refType="w" refFor="ch" refForName="textCenter"/>
+                      <dgm:constr type="ctrX" for="ch" forName="cycle_1" refType="w" fact="0.5"/>
+                      <dgm:constr type="t" for="ch" forName="cycle_1"/>
+                      <dgm:constr type="w" for="ch" forName="cycle_1" refType="w" fact="0.61"/>
+                      <dgm:constr type="h" for="ch" forName="cycle_1" refType="h" fact="0.36"/>
+                      <dgm:constr type="diam" for="ch" forName="cycle_1" refType="w" fact="0.5"/>
+                      <dgm:constr type="l" for="ch" forName="cycle_2"/>
+                      <dgm:constr type="b" for="ch" forName="cycle_2" refType="h" fact="0.85"/>
+                      <dgm:constr type="w" for="ch" forName="cycle_2" refType="w" fact="0.46"/>
+                      <dgm:constr type="h" for="ch" forName="cycle_2" refType="h" fact="0.54"/>
+                      <dgm:constr type="diam" for="ch" forName="cycle_2" refType="w" fact="0.5"/>
+                      <dgm:constr type="r" for="ch" forName="cycle_3" refType="w"/>
+                      <dgm:constr type="b" for="ch" forName="cycle_3" refType="h"/>
+                      <dgm:constr type="w" for="ch" forName="cycle_3" refType="w" fact="0.46"/>
+                      <dgm:constr type="h" for="ch" forName="cycle_3" refType="h" fact="0.54"/>
+                      <dgm:constr type="diam" for="ch" forName="cycle_3" refType="w" fact="0.5"/>
+                      <dgm:constr type="primFontSz" for="ch" forName="textCenter" val="65"/>
+                      <dgm:constr type="primFontSz" for="des" forName="childCenter1" val="65"/>
+                      <dgm:constr type="primFontSz" for="des" forName="text1" op="equ" val="65"/>
+                      <dgm:constr type="primFontSz" for="des" forName="childCenter2" refType="primFontSz" refFor="des" refForName="childCenter1" op="equ"/>
+                      <dgm:constr type="primFontSz" for="des" forName="text2" refType="primFontSz" refFor="des" refForName="text1" op="equ"/>
+                      <dgm:constr type="primFontSz" for="des" forName="childCenter3" refType="primFontSz" refFor="des" refForName="childCenter1" op="equ"/>
+                      <dgm:constr type="primFontSz" for="des" forName="text3" refType="primFontSz" refFor="des" refForName="text1" op="equ"/>
+                      <dgm:constr type="userS" for="des" ptType="node" refType="w" refFor="ch" refForName="textCenter" fact="0.67"/>
+                    </dgm:constrLst>
+                  </dgm:else>
+                </dgm:choose>
+              </dgm:if>
+              <dgm:else name="Name30">
+                <dgm:choose name="Name31">
+                  <dgm:if name="Name32" axis="ch ch ch" ptType="node node node" st="1 3 0" cnt="1 1 0" func="cnt" op="equ" val="1">
+                    <dgm:constrLst>
+                      <dgm:constr type="ctrX" for="ch" forName="textCenter" refType="w" fact="0.5"/>
+                      <dgm:constr type="t" for="ch" forName="textCenter" refType="h" fact="0.436"/>
+                      <dgm:constr type="w" for="ch" forName="textCenter" refType="w" fact="0.21"/>
+                      <dgm:constr type="h" for="ch" forName="textCenter" refType="w" refFor="ch" refForName="textCenter"/>
+                      <dgm:constr type="ctrX" for="ch" forName="cycle_1" refType="w" fact="0.5"/>
+                      <dgm:constr type="t" for="ch" forName="cycle_1"/>
+                      <dgm:constr type="w" for="ch" forName="cycle_1" refType="w" fact="0.61"/>
+                      <dgm:constr type="h" for="ch" forName="cycle_1" refType="h" fact="0.36"/>
+                      <dgm:constr type="diam" for="ch" forName="cycle_1" refType="w" fact="0.5"/>
+                      <dgm:constr type="l" for="ch" forName="cycle_2"/>
+                      <dgm:constr type="b" for="ch" forName="cycle_2" refType="h"/>
+                      <dgm:constr type="w" for="ch" forName="cycle_2" refType="w" fact="0.46"/>
+                      <dgm:constr type="h" for="ch" forName="cycle_2" refType="h" fact="0.54"/>
+                      <dgm:constr type="diam" for="ch" forName="cycle_2" refType="w" fact="0.5"/>
+                      <dgm:constr type="r" for="ch" forName="cycle_3" refType="w"/>
+                      <dgm:constr type="b" for="ch" forName="cycle_3" refType="h" fact="0.85"/>
+                      <dgm:constr type="w" for="ch" forName="cycle_3" refType="w" fact="0.46"/>
+                      <dgm:constr type="h" for="ch" forName="cycle_3" refType="h" fact="0.54"/>
+                      <dgm:constr type="diam" for="ch" forName="cycle_3" refType="w" fact="0.5"/>
+                      <dgm:constr type="primFontSz" for="ch" forName="textCenter" val="65"/>
+                      <dgm:constr type="primFontSz" for="des" forName="childCenter1" val="65"/>
+                      <dgm:constr type="primFontSz" for="des" forName="text1" op="equ" val="65"/>
+                      <dgm:constr type="primFontSz" for="des" forName="childCenter2" refType="primFontSz" refFor="des" refForName="childCenter1" op="equ"/>
+                      <dgm:constr type="primFontSz" for="des" forName="text2" refType="primFontSz" refFor="des" refForName="text1" op="equ"/>
+                      <dgm:constr type="primFontSz" for="des" forName="childCenter3" refType="primFontSz" refFor="des" refForName="childCenter1" op="equ"/>
+                      <dgm:constr type="primFontSz" for="des" forName="text3" refType="primFontSz" refFor="des" refForName="text1" op="equ"/>
+                      <dgm:constr type="userS" for="des" ptType="node" refType="w" refFor="ch" refForName="textCenter" fact="0.67"/>
+                    </dgm:constrLst>
+                  </dgm:if>
+                  <dgm:else name="Name33">
+                    <dgm:constrLst>
+                      <dgm:constr type="ctrX" for="ch" forName="textCenter" refType="w" fact="0.5"/>
+                      <dgm:constr type="t" for="ch" forName="textCenter" refType="h" fact="0.436"/>
+                      <dgm:constr type="w" for="ch" forName="textCenter" refType="w" fact="0.21"/>
+                      <dgm:constr type="h" for="ch" forName="textCenter" refType="w" refFor="ch" refForName="textCenter"/>
+                      <dgm:constr type="ctrX" for="ch" forName="cycle_1" refType="w" fact="0.5"/>
+                      <dgm:constr type="t" for="ch" forName="cycle_1"/>
+                      <dgm:constr type="w" for="ch" forName="cycle_1" refType="w" fact="0.61"/>
+                      <dgm:constr type="h" for="ch" forName="cycle_1" refType="h" fact="0.36"/>
+                      <dgm:constr type="diam" for="ch" forName="cycle_1" refType="w" fact="0.5"/>
+                      <dgm:constr type="l" for="ch" forName="cycle_2"/>
+                      <dgm:constr type="b" for="ch" forName="cycle_2" refType="h"/>
+                      <dgm:constr type="w" for="ch" forName="cycle_2" refType="w" fact="0.46"/>
+                      <dgm:constr type="h" for="ch" forName="cycle_2" refType="h" fact="0.54"/>
+                      <dgm:constr type="diam" for="ch" forName="cycle_2" refType="w" fact="0.5"/>
+                      <dgm:constr type="r" for="ch" forName="cycle_3" refType="w"/>
+                      <dgm:constr type="b" for="ch" forName="cycle_3" refType="h"/>
+                      <dgm:constr type="w" for="ch" forName="cycle_3" refType="w" fact="0.46"/>
+                      <dgm:constr type="h" for="ch" forName="cycle_3" refType="h" fact="0.54"/>
+                      <dgm:constr type="diam" for="ch" forName="cycle_3" refType="w" fact="0.5"/>
+                      <dgm:constr type="primFontSz" for="ch" forName="textCenter" val="65"/>
+                      <dgm:constr type="primFontSz" for="des" forName="childCenter1" val="65"/>
+                      <dgm:constr type="primFontSz" for="des" forName="text1" op="equ" val="65"/>
+                      <dgm:constr type="primFontSz" for="des" forName="childCenter2" refType="primFontSz" refFor="des" refForName="childCenter1" op="equ"/>
+                      <dgm:constr type="primFontSz" for="des" forName="text2" refType="primFontSz" refFor="des" refForName="text1" op="equ"/>
+                      <dgm:constr type="primFontSz" for="des" forName="childCenter3" refType="primFontSz" refFor="des" refForName="childCenter1" op="equ"/>
+                      <dgm:constr type="primFontSz" for="des" forName="text3" refType="primFontSz" refFor="des" refForName="text1" op="equ"/>
+                      <dgm:constr type="userS" for="des" ptType="node" refType="w" refFor="ch" refForName="textCenter" fact="0.67"/>
+                    </dgm:constrLst>
+                  </dgm:else>
+                </dgm:choose>
+              </dgm:else>
+            </dgm:choose>
+          </dgm:if>
+          <dgm:if name="Name34" axis="ch ch" ptType="node node" func="cnt" op="equ" val="4">
+            <dgm:constrLst>
+              <dgm:constr type="ctrX" for="ch" forName="textCenter" refType="w" fact="0.5"/>
+              <dgm:constr type="ctrY" for="ch" forName="textCenter" refType="h" fact="0.5"/>
+              <dgm:constr type="w" for="ch" forName="textCenter" refType="w" fact="0.2"/>
+              <dgm:constr type="h" for="ch" forName="textCenter" refType="w" refFor="ch" refForName="textCenter"/>
+              <dgm:constr type="ctrX" for="ch" forName="cycle_1" refType="w" fact="0.5"/>
+              <dgm:constr type="t" for="ch" forName="cycle_1"/>
+              <dgm:constr type="w" for="ch" forName="cycle_1" refType="w" fact="0.5"/>
+              <dgm:constr type="h" for="ch" forName="cycle_1" refType="h" fact="0.33"/>
+              <dgm:constr type="l" for="ch" forName="cycle_2"/>
+              <dgm:constr type="ctrY" for="ch" forName="cycle_2" refType="h" fact="0.5"/>
+              <dgm:constr type="w" for="ch" forName="cycle_2" refType="w" fact="0.33"/>
+              <dgm:constr type="h" for="ch" forName="cycle_2" refType="h" fact="0.5"/>
+              <dgm:constr type="ctrX" for="ch" forName="cycle_3" refType="w" fact="0.5"/>
+              <dgm:constr type="b" for="ch" forName="cycle_3" refType="h"/>
+              <dgm:constr type="w" for="ch" forName="cycle_3" refType="w" fact="0.5"/>
+              <dgm:constr type="h" for="ch" forName="cycle_3" refType="h" fact="0.33"/>
+              <dgm:constr type="r" for="ch" forName="cycle_4" refType="w"/>
+              <dgm:constr type="ctrY" for="ch" forName="cycle_4" refType="h" fact="0.5"/>
+              <dgm:constr type="w" for="ch" forName="cycle_4" refType="w" fact="0.33"/>
+              <dgm:constr type="h" for="ch" forName="cycle_4" refType="h" fact="0.5"/>
+              <dgm:constr type="primFontSz" for="ch" forName="textCenter" val="65"/>
+              <dgm:constr type="primFontSz" for="des" forName="childCenter1" val="65"/>
+              <dgm:constr type="primFontSz" for="des" forName="text1" op="equ" val="65"/>
+              <dgm:constr type="primFontSz" for="des" forName="childCenter2" refType="primFontSz" refFor="des" refForName="childCenter1" op="equ"/>
+              <dgm:constr type="primFontSz" for="des" forName="text2" refType="primFontSz" refFor="des" refForName="text1" op="equ"/>
+              <dgm:constr type="primFontSz" for="des" forName="childCenter3" refType="primFontSz" refFor="des" refForName="childCenter1" op="equ"/>
+              <dgm:constr type="primFontSz" for="des" forName="text3" refType="primFontSz" refFor="des" refForName="text1" op="equ"/>
+              <dgm:constr type="primFontSz" for="des" forName="childCenter4" refType="primFontSz" refFor="des" refForName="childCenter1" op="equ"/>
+              <dgm:constr type="primFontSz" for="des" forName="text4" refType="primFontSz" refFor="des" refForName="text1" op="equ"/>
+              <dgm:constr type="userS" for="des" ptType="node" refType="w" refFor="ch" refForName="textCenter" fact="0.67"/>
+            </dgm:constrLst>
+          </dgm:if>
+          <dgm:if name="Name35" axis="ch ch" ptType="node node" func="cnt" op="equ" val="5">
+            <dgm:constrLst>
+              <dgm:constr type="ctrX" for="ch" forName="textCenter" refType="w" fact="0.5"/>
+              <dgm:constr type="t" for="ch" forName="textCenter" refType="h" fact="0.42"/>
+              <dgm:constr type="w" for="ch" forName="textCenter" refType="w" fact="0.2"/>
+              <dgm:constr type="h" for="ch" forName="textCenter" refType="w" refFor="ch" refForName="textCenter"/>
+              <dgm:constr type="ctrX" for="ch" forName="cycle_1" refType="w" fact="0.5"/>
+              <dgm:constr type="t" for="ch" forName="cycle_1"/>
+              <dgm:constr type="w" for="ch" forName="cycle_1" refType="w" fact="0.33"/>
+              <dgm:constr type="h" for="ch" forName="cycle_1" refType="w" refFor="ch" refForName="cycle_1"/>
+              <dgm:constr type="l" for="ch" forName="cycle_2"/>
+              <dgm:constr type="t" for="ch" forName="cycle_2" refType="h" fact="0.24"/>
+              <dgm:constr type="w" for="ch" forName="cycle_2" refType="w" fact="0.33"/>
+              <dgm:constr type="h" for="ch" forName="cycle_2" refType="w" refFor="ch" refForName="cycle_2"/>
+              <dgm:constr type="l" for="ch" forName="cycle_3" refType="w" fact="0.11"/>
+              <dgm:constr type="b" for="ch" forName="cycle_3" refType="h"/>
+              <dgm:constr type="w" for="ch" forName="cycle_3" refType="w" fact="0.33"/>
+              <dgm:constr type="h" for="ch" forName="cycle_3" refType="w" refFor="ch" refForName="cycle_3"/>
+              <dgm:constr type="r" for="ch" forName="cycle_4" refType="w" fact="0.89"/>
+              <dgm:constr type="b" for="ch" forName="cycle_4" refType="h"/>
+              <dgm:constr type="w" for="ch" forName="cycle_4" refType="w" fact="0.33"/>
+              <dgm:constr type="h" for="ch" forName="cycle_4" refType="w" refFor="ch" refForName="cycle_4"/>
+              <dgm:constr type="r" for="ch" forName="cycle_5" refType="w"/>
+              <dgm:constr type="t" for="ch" forName="cycle_5" refType="h" fact="0.24"/>
+              <dgm:constr type="w" for="ch" forName="cycle_5" refType="w" fact="0.33"/>
+              <dgm:constr type="h" for="ch" forName="cycle_5" refType="w" refFor="ch" refForName="cycle_5"/>
+              <dgm:constr type="primFontSz" for="ch" forName="textCenter" val="65"/>
+              <dgm:constr type="primFontSz" for="des" forName="childCenter1" val="65"/>
+              <dgm:constr type="primFontSz" for="des" forName="text1" op="equ" val="65"/>
+              <dgm:constr type="primFontSz" for="des" forName="childCenter2" refType="primFontSz" refFor="des" refForName="childCenter1" op="equ"/>
+              <dgm:constr type="primFontSz" for="des" forName="text2" refType="primFontSz" refFor="des" refForName="text1" op="equ"/>
+              <dgm:constr type="primFontSz" for="des" forName="childCenter3" refType="primFontSz" refFor="des" refForName="childCenter1" op="equ"/>
+              <dgm:constr type="primFontSz" for="des" forName="text3" refType="primFontSz" refFor="des" refForName="text1" op="equ"/>
+              <dgm:constr type="primFontSz" for="des" forName="childCenter4" refType="primFontSz" refFor="des" refForName="childCenter1" op="equ"/>
+              <dgm:constr type="primFontSz" for="des" forName="text4" refType="primFontSz" refFor="des" refForName="text1" op="equ"/>
+              <dgm:constr type="primFontSz" for="des" forName="childCenter5" refType="primFontSz" refFor="des" refForName="childCenter1" op="equ"/>
+              <dgm:constr type="primFontSz" for="des" forName="text5" refType="primFontSz" refFor="des" refForName="text1" op="equ"/>
+              <dgm:constr type="userS" for="des" ptType="node" refType="w" refFor="ch" refForName="textCenter" fact="0.67"/>
+            </dgm:constrLst>
+          </dgm:if>
+          <dgm:if name="Name36" axis="ch ch" ptType="node node" func="cnt" op="equ" val="6">
+            <dgm:constrLst>
+              <dgm:constr type="ctrX" for="ch" forName="textCenter" refType="w" fact="0.5"/>
+              <dgm:constr type="ctrY" for="ch" forName="textCenter" refType="h" fact="0.5"/>
+              <dgm:constr type="w" for="ch" forName="textCenter" refType="w" fact="0.2"/>
+              <dgm:constr type="h" for="ch" forName="textCenter" refType="w" refFor="ch" refForName="textCenter"/>
+              <dgm:constr type="ctrX" for="ch" forName="cycle_1" refType="w" fact="0.5"/>
+              <dgm:constr type="t" for="ch" forName="cycle_1"/>
+              <dgm:constr type="w" for="ch" forName="cycle_1" refType="w" fact="0.33"/>
+              <dgm:constr type="h" for="ch" forName="cycle_1" refType="w" refFor="ch" refForName="cycle_1"/>
+              <dgm:constr type="l" for="ch" forName="cycle_2"/>
+              <dgm:constr type="t" for="ch" forName="cycle_2" refType="h" fact="0.17"/>
+              <dgm:constr type="w" for="ch" forName="cycle_2" refType="w" fact="0.33"/>
+              <dgm:constr type="h" for="ch" forName="cycle_2" refType="w" refFor="ch" refForName="cycle_2"/>
+              <dgm:constr type="l" for="ch" forName="cycle_3"/>
+              <dgm:constr type="b" for="ch" forName="cycle_3" refType="h" fact="0.83"/>
+              <dgm:constr type="w" for="ch" forName="cycle_3" refType="w" fact="0.33"/>
+              <dgm:constr type="h" for="ch" forName="cycle_3" refType="w" refFor="ch" refForName="cycle_3"/>
+              <dgm:constr type="ctrX" for="ch" forName="cycle_4" refType="w" fact="0.5"/>
+              <dgm:constr type="b" for="ch" forName="cycle_4" refType="h"/>
+              <dgm:constr type="w" for="ch" forName="cycle_4" refType="w" fact="0.33"/>
+              <dgm:constr type="h" for="ch" forName="cycle_4" refType="w" refFor="ch" refForName="cycle_4"/>
+              <dgm:constr type="r" for="ch" forName="cycle_5" refType="w"/>
+              <dgm:constr type="b" for="ch" forName="cycle_5" refType="h" fact="0.83"/>
+              <dgm:constr type="w" for="ch" forName="cycle_5" refType="w" fact="0.33"/>
+              <dgm:constr type="h" for="ch" forName="cycle_5" refType="w" refFor="ch" refForName="cycle_5"/>
+              <dgm:constr type="r" for="ch" forName="cycle_6" refType="w"/>
+              <dgm:constr type="t" for="ch" forName="cycle_6" refType="h" fact="0.17"/>
+              <dgm:constr type="w" for="ch" forName="cycle_6" refType="w" fact="0.33"/>
+              <dgm:constr type="h" for="ch" forName="cycle_6" refType="w" refFor="ch" refForName="cycle_6"/>
+              <dgm:constr type="primFontSz" for="ch" forName="textCenter" val="65"/>
+              <dgm:constr type="primFontSz" for="des" forName="childCenter1" val="65"/>
+              <dgm:constr type="primFontSz" for="des" forName="text1" op="equ" val="65"/>
+              <dgm:constr type="primFontSz" for="des" forName="childCenter2" refType="primFontSz" refFor="des" refForName="childCenter1" op="equ"/>
+              <dgm:constr type="primFontSz" for="des" forName="text2" refType="primFontSz" refFor="des" refForName="text1" op="equ"/>
+              <dgm:constr type="primFontSz" for="des" forName="childCenter3" refType="primFontSz" refFor="des" refForName="childCenter1" op="equ"/>
+              <dgm:constr type="primFontSz" for="des" forName="text3" refType="primFontSz" refFor="des" refForName="text1" op="equ"/>
+              <dgm:constr type="primFontSz" for="des" forName="childCenter4" refType="primFontSz" refFor="des" refForName="childCenter1" op="equ"/>
+              <dgm:constr type="primFontSz" for="des" forName="text4" refType="primFontSz" refFor="des" refForName="text1" op="equ"/>
+              <dgm:constr type="primFontSz" for="des" forName="childCenter5" refType="primFontSz" refFor="des" refForName="childCenter1" op="equ"/>
+              <dgm:constr type="primFontSz" for="des" forName="text5" refType="primFontSz" refFor="des" refForName="text1" op="equ"/>
+              <dgm:constr type="primFontSz" for="des" forName="childCenter6" refType="primFontSz" refFor="des" refForName="childCenter1" op="equ"/>
+              <dgm:constr type="primFontSz" for="des" forName="text6" refType="primFontSz" refFor="des" refForName="text1" op="equ"/>
+              <dgm:constr type="userS" for="des" ptType="node" refType="w" refFor="ch" refForName="textCenter" fact="0.67"/>
+            </dgm:constrLst>
+          </dgm:if>
+          <dgm:else name="Name37">
+            <dgm:constrLst>
+              <dgm:constr type="ctrX" for="ch" forName="textCenter" refType="w" fact="0.5"/>
+              <dgm:constr type="t" for="ch" forName="textCenter" refType="h" fact="0.444"/>
+              <dgm:constr type="w" for="ch" forName="textCenter" refType="w" fact="0.167"/>
+              <dgm:constr type="h" for="ch" forName="textCenter" refType="w" refFor="ch" refForName="textCenter"/>
+              <dgm:constr type="ctrX" for="ch" forName="cycle_1" refType="w" fact="0.5"/>
+              <dgm:constr type="t" for="ch" forName="cycle_1"/>
+              <dgm:constr type="w" for="ch" forName="cycle_1" refType="w" fact="0.263"/>
+              <dgm:constr type="h" for="ch" forName="cycle_1" refType="w" refFor="ch" refForName="cycle_1"/>
+              <dgm:constr type="l" for="ch" forName="cycle_2" refType="w" fact="0.062"/>
+              <dgm:constr type="t" for="ch" forName="cycle_2" refType="h" fact="0.141"/>
+              <dgm:constr type="w" for="ch" forName="cycle_2" refType="w" fact="0.263"/>
+              <dgm:constr type="h" for="ch" forName="cycle_2" refType="w" refFor="ch" refForName="cycle_2"/>
+              <dgm:constr type="l" for="ch" forName="cycle_3"/>
+              <dgm:constr type="b" for="ch" forName="cycle_3" refType="h" fact="0.74"/>
+              <dgm:constr type="w" for="ch" forName="cycle_3" refType="w" fact="0.263"/>
+              <dgm:constr type="h" for="ch" forName="cycle_3" refType="w" refFor="ch" refForName="cycle_3"/>
+              <dgm:constr type="l" for="ch" forName="cycle_4" refType="w" fact="0.2"/>
+              <dgm:constr type="b" for="ch" forName="cycle_4" refType="h"/>
+              <dgm:constr type="w" for="ch" forName="cycle_4" refType="w" fact="0.263"/>
+              <dgm:constr type="h" for="ch" forName="cycle_4" refType="w" refFor="ch" refForName="cycle_4"/>
+              <dgm:constr type="r" for="ch" forName="cycle_5" refType="w" fact="0.8"/>
+              <dgm:constr type="b" for="ch" forName="cycle_5" refType="h"/>
+              <dgm:constr type="w" for="ch" forName="cycle_5" refType="w" fact="0.263"/>
+              <dgm:constr type="h" for="ch" forName="cycle_5" refType="w" refFor="ch" refForName="cycle_5"/>
+              <dgm:constr type="r" for="ch" forName="cycle_6" refType="w"/>
+              <dgm:constr type="b" for="ch" forName="cycle_6" refType="h" fact="0.74"/>
+              <dgm:constr type="w" for="ch" forName="cycle_6" refType="w" fact="0.263"/>
+              <dgm:constr type="h" for="ch" forName="cycle_6" refType="w" refFor="ch" refForName="cycle_6"/>
+              <dgm:constr type="r" for="ch" forName="cycle_7" refType="w" fact="0.938"/>
+              <dgm:constr type="t" for="ch" forName="cycle_7" refType="h" fact="0.141"/>
+              <dgm:constr type="w" for="ch" forName="cycle_7" refType="w" fact="0.263"/>
+              <dgm:constr type="h" for="ch" forName="cycle_7" refType="w" refFor="ch" refForName="cycle_7"/>
+              <dgm:constr type="primFontSz" for="ch" forName="textCenter" val="65"/>
+              <dgm:constr type="primFontSz" for="des" forName="childCenter1" val="65"/>
+              <dgm:constr type="primFontSz" for="des" forName="text1" op="equ" val="65"/>
+              <dgm:constr type="primFontSz" for="des" forName="childCenter2" refType="primFontSz" refFor="des" refForName="childCenter1" op="equ"/>
+              <dgm:constr type="primFontSz" for="des" forName="text2" refType="primFontSz" refFor="des" refForName="text1" op="equ"/>
+              <dgm:constr type="primFontSz" for="des" forName="childCenter3" refType="primFontSz" refFor="des" refForName="childCenter1" op="equ"/>
+              <dgm:constr type="primFontSz" for="des" forName="text3" refType="primFontSz" refFor="des" refForName="text1" op="equ"/>
+              <dgm:constr type="primFontSz" for="des" forName="childCenter4" refType="primFontSz" refFor="des" refForName="childCenter1" op="equ"/>
+              <dgm:constr type="primFontSz" for="des" forName="text4" refType="primFontSz" refFor="des" refForName="text1" op="equ"/>
+              <dgm:constr type="primFontSz" for="des" forName="childCenter5" refType="primFontSz" refFor="des" refForName="childCenter1" op="equ"/>
+              <dgm:constr type="primFontSz" for="des" forName="text5" refType="primFontSz" refFor="des" refForName="text1" op="equ"/>
+              <dgm:constr type="primFontSz" for="des" forName="childCenter6" refType="primFontSz" refFor="des" refForName="childCenter1" op="equ"/>
+              <dgm:constr type="primFontSz" for="des" forName="text6" refType="primFontSz" refFor="des" refForName="text1" op="equ"/>
+              <dgm:constr type="primFontSz" for="des" forName="childCenter7" refType="primFontSz" refFor="des" refForName="childCenter1" op="equ"/>
+              <dgm:constr type="primFontSz" for="des" forName="text7" refType="primFontSz" refFor="des" refForName="text1" op="equ"/>
+              <dgm:constr type="userS" for="des" ptType="node" refType="w" refFor="ch" refForName="textCenter" fact="0.67"/>
+            </dgm:constrLst>
+          </dgm:else>
+        </dgm:choose>
+      </dgm:else>
+    </dgm:choose>
+    <dgm:forEach name="Name38" axis="ch" ptType="node" cnt="1">
+      <dgm:choose name="Name39">
+        <dgm:if name="Name40" axis="des" func="maxDepth" op="lte" val="1">
+          <dgm:layoutNode name="singleCycle">
+            <dgm:choose name="Name41">
+              <dgm:if name="Name42" axis="ch" ptType="node" func="cnt" op="equ" val="1">
+                <dgm:choose name="Name43">
+                  <dgm:if name="Name44" func="var" arg="dir" op="equ" val="norm">
+                    <dgm:alg type="cycle">
+                      <dgm:param type="stAng" val="90"/>
+                      <dgm:param type="ctrShpMap" val="fNode"/>
+                    </dgm:alg>
+                  </dgm:if>
+                  <dgm:else name="Name45">
+                    <dgm:alg type="cycle">
+                      <dgm:param type="stAng" val="-90"/>
+                      <dgm:param type="spanAng" val="-360"/>
+                      <dgm:param type="ctrShpMap" val="fNode"/>
+                    </dgm:alg>
+                  </dgm:else>
+                </dgm:choose>
+              </dgm:if>
+              <dgm:else name="Name46">
+                <dgm:choose name="Name47">
+                  <dgm:if name="Name48" func="var" arg="dir" op="equ" val="norm">
+                    <dgm:alg type="cycle">
+                      <dgm:param type="ctrShpMap" val="fNode"/>
+                    </dgm:alg>
+                  </dgm:if>
+                  <dgm:else name="Name49">
+                    <dgm:alg type="cycle">
+                      <dgm:param type="spanAng" val="-360"/>
+                      <dgm:param type="ctrShpMap" val="fNode"/>
+                    </dgm:alg>
+                  </dgm:else>
+                </dgm:choose>
+              </dgm:else>
+            </dgm:choose>
+            <dgm:shape xmlns:r="http://schemas.openxmlformats.org/officeDocument/2006/relationships" r:blip="">
+              <dgm:adjLst/>
+            </dgm:shape>
+            <dgm:presOf/>
+            <dgm:choose name="Name50">
+              <dgm:if name="Name51" axis="ch" ptType="node" func="cnt" op="equ" val="0">
+                <dgm:constrLst>
+                  <dgm:constr type="w" for="ch" forName="singleCenter" refType="w"/>
+                  <dgm:constr type="h" for="ch" forName="singleCenter" refType="w" refFor="ch" refForName="singleCenter"/>
+                </dgm:constrLst>
+              </dgm:if>
+              <dgm:if name="Name52" axis="ch" ptType="node" func="cnt" op="equ" val="1">
+                <dgm:constrLst>
+                  <dgm:constr type="w" for="ch" forName="singleCenter" refType="w" fact="0.5"/>
+                  <dgm:constr type="h" for="ch" forName="singleCenter" refType="w" refFor="ch" refForName="singleCenter"/>
+                  <dgm:constr type="userS" for="ch" ptType="node" refType="w" refFor="ch" refForName="singleCenter" fact="0.67"/>
+                </dgm:constrLst>
+              </dgm:if>
+              <dgm:else name="Name53">
+                <dgm:constrLst>
+                  <dgm:constr type="w" for="ch" forName="singleCenter" refType="w" fact="0.3"/>
+                  <dgm:constr type="h" for="ch" forName="singleCenter" refType="w" refFor="ch" refForName="singleCenter"/>
+                  <dgm:constr type="userS" for="ch" ptType="node" refType="w" refFor="ch" refForName="singleCenter" fact="0.67"/>
+                </dgm:constrLst>
+              </dgm:else>
+            </dgm:choose>
+            <dgm:layoutNode name="singleCenter" styleLbl="node1">
+              <dgm:varLst>
+                <dgm:chMax val="7"/>
+                <dgm:chPref val="7"/>
+              </dgm:varLst>
+              <dgm:alg type="tx"/>
+              <dgm:shape xmlns:r="http://schemas.openxmlformats.org/officeDocument/2006/relationships" type="roundRect" r:blip="">
+                <dgm:adjLst/>
+              </dgm:shape>
+              <dgm:presOf axis="self" ptType="node"/>
+              <dgm:constrLst>
+                <dgm:constr type="tMarg" refType="primFontSz" fact="0.2"/>
+                <dgm:constr type="bMarg" refType="primFontSz" fact="0.2"/>
+                <dgm:constr type="lMarg" refType="primFontSz" fact="0.2"/>
+                <dgm:constr type="rMarg" refType="primFontSz" fact="0.2"/>
+              </dgm:constrLst>
+              <dgm:ruleLst>
+                <dgm:rule type="primFontSz" val="5" fact="NaN" max="NaN"/>
+              </dgm:ruleLst>
+            </dgm:layoutNode>
+            <dgm:forEach name="Name54" axis="ch" cnt="21">
+              <dgm:forEach name="Name55" axis="self" ptType="parTrans">
+                <dgm:layoutNode name="Name56">
+                  <dgm:alg type="conn">
+                    <dgm:param type="dim" val="1D"/>
+                    <dgm:param type="begPts" val="auto"/>
+                    <dgm:param type="endPts" val="auto"/>
+                    <dgm:param type="begSty" val="noArr"/>
+                    <dgm:param type="endSty" val="noArr"/>
+                  </dgm:alg>
+                  <dgm:shape xmlns:r="http://schemas.openxmlformats.org/officeDocument/2006/relationships" type="conn" r:blip="">
+                    <dgm:adjLst/>
+                  </dgm:shape>
+                  <dgm:presOf axis="self"/>
+                  <dgm:constrLst>
+                    <dgm:constr type="begPad"/>
+                    <dgm:constr type="endPad"/>
+                  </dgm:constrLst>
+                </dgm:layoutNode>
+              </dgm:forEach>
+              <dgm:forEach name="Name57" axis="self" ptType="node">
+                <dgm:layoutNode name="text0" styleLbl="node1">
+                  <dgm:varLst>
+                    <dgm:bulletEnabled val="1"/>
+                  </dgm:varLst>
+                  <dgm:alg type="tx"/>
+                  <dgm:shape xmlns:r="http://schemas.openxmlformats.org/officeDocument/2006/relationships" type="roundRect" r:blip="">
+                    <dgm:adjLst/>
+                  </dgm:shape>
+                  <dgm:presOf axis="desOrSelf" ptType="node"/>
+                  <dgm:constrLst>
+                    <dgm:constr type="userS"/>
+                    <dgm:constr type="w" refType="userS"/>
+                    <dgm:constr type="h" refType="w"/>
+                    <dgm:constr type="tMarg" refType="primFontSz" fact="0.2"/>
+                    <dgm:constr type="bMarg" refType="primFontSz" fact="0.2"/>
+                    <dgm:constr type="lMarg" refType="primFontSz" fact="0.2"/>
+                    <dgm:constr type="rMarg" refType="primFontSz" fact="0.2"/>
+                  </dgm:constrLst>
+                  <dgm:ruleLst>
+                    <dgm:rule type="primFontSz" val="5" fact="NaN" max="NaN"/>
+                  </dgm:ruleLst>
+                </dgm:layoutNode>
+              </dgm:forEach>
+            </dgm:forEach>
+          </dgm:layoutNode>
+        </dgm:if>
+        <dgm:else name="Name58">
+          <dgm:layoutNode name="textCenter" styleLbl="node1">
+            <dgm:alg type="tx"/>
+            <dgm:shape xmlns:r="http://schemas.openxmlformats.org/officeDocument/2006/relationships" type="roundRect" r:blip="">
+              <dgm:adjLst/>
+            </dgm:shape>
+            <dgm:presOf axis="self" ptType="node"/>
+            <dgm:constrLst>
+              <dgm:constr type="tMarg" refType="primFontSz" fact="0.2"/>
+              <dgm:constr type="bMarg" refType="primFontSz" fact="0.2"/>
+              <dgm:constr type="lMarg" refType="primFontSz" fact="0.2"/>
+              <dgm:constr type="rMarg" refType="primFontSz" fact="0.2"/>
+            </dgm:constrLst>
+            <dgm:ruleLst>
+              <dgm:rule type="primFontSz" val="5" fact="NaN" max="NaN"/>
+            </dgm:ruleLst>
+          </dgm:layoutNode>
+          <dgm:choose name="Name59">
+            <dgm:if name="Name60" axis="ch" ptType="node" func="cnt" op="gte" val="1">
+              <dgm:layoutNode name="cycle_1">
+                <dgm:choose name="Name61">
+                  <dgm:if name="Name62" func="var" arg="dir" op="equ" val="norm">
+                    <dgm:choose name="Name63">
+                      <dgm:if name="Name64" axis="ch" ptType="node" func="cnt" op="equ" val="1">
+                        <dgm:choose name="Name65">
+                          <dgm:if name="Name66" axis="ch ch" ptType="node node" st="1 1" cnt="1 0" func="cnt" op="equ" val="1">
+                            <dgm:alg type="cycle">
+                              <dgm:param type="ctrShpMap" val="fNode"/>
+                              <dgm:param type="stAng" val="90"/>
+                            </dgm:alg>
+                          </dgm:if>
+                          <dgm:if name="Name67" axis="ch ch" ptType="node node" st="1 1" cnt="1 0" func="cnt" op="equ" val="2">
+                            <dgm:alg type="cycle">
+                              <dgm:param type="ctrShpMap" val="fNode"/>
+                              <dgm:param type="stAng" val="45"/>
+                              <dgm:param type="spanAng" val="90"/>
+                            </dgm:alg>
+                          </dgm:if>
+                          <dgm:else name="Name68">
+                            <dgm:alg type="cycle">
+                              <dgm:param type="ctrShpMap" val="fNode"/>
+                              <dgm:param type="stAng" val="0"/>
+                              <dgm:param type="spanAng" val="180"/>
+                            </dgm:alg>
+                          </dgm:else>
+                        </dgm:choose>
+                      </dgm:if>
+                      <dgm:if name="Name69" axis="ch" ptType="node" func="cnt" op="equ" val="2">
+                        <dgm:choose name="Name70">
+                          <dgm:if name="Name71" axis="ch ch" ptType="node node" st="1 1" cnt="1 0" func="cnt" op="equ" val="1">
+                            <dgm:alg type="cycle">
+                              <dgm:param type="ctrShpMap" val="fNode"/>
+                              <dgm:param type="stAng" val="0"/>
+                            </dgm:alg>
+                          </dgm:if>
+                          <dgm:if name="Name72" axis="ch ch" ptType="node node" st="1 1" cnt="1 0" func="cnt" op="equ" val="2">
+                            <dgm:alg type="cycle">
+                              <dgm:param type="ctrShpMap" val="fNode"/>
+                              <dgm:param type="stAng" val="315"/>
+                              <dgm:param type="spanAng" val="90"/>
+                            </dgm:alg>
+                          </dgm:if>
+                          <dgm:else name="Name73">
+                            <dgm:alg type="cycle">
+                              <dgm:param type="ctrShpMap" val="fNode"/>
+                              <dgm:param type="stAng" val="270"/>
+                              <dgm:param type="spanAng" val="180"/>
+                            </dgm:alg>
+                          </dgm:else>
+                        </dgm:choose>
+                      </dgm:if>
+                      <dgm:if name="Name74" axis="ch" ptType="node" func="cnt" op="equ" val="3">
+                        <dgm:choose name="Name75">
+                          <dgm:if name="Name76" axis="ch ch" ptType="node node" st="1 1" cnt="1 0" func="cnt" op="equ" val="1">
+                            <dgm:alg type="cycle">
+                              <dgm:param type="ctrShpMap" val="fNode"/>
+                              <dgm:param type="stAng" val="0"/>
+                            </dgm:alg>
+                          </dgm:if>
+                          <dgm:if name="Name77" axis="ch ch" ptType="node node" st="1 1" cnt="1 0" func="cnt" op="equ" val="2">
+                            <dgm:alg type="cycle">
+                              <dgm:param type="ctrShpMap" val="fNode"/>
+                              <dgm:param type="stAng" val="315"/>
+                              <dgm:param type="spanAng" val="90"/>
+                            </dgm:alg>
+                          </dgm:if>
+                          <dgm:else name="Name78">
+                            <dgm:alg type="cycle">
+                              <dgm:param type="ctrShpMap" val="fNode"/>
+                              <dgm:param type="stAng" val="270"/>
+                              <dgm:param type="spanAng" val="180"/>
+                            </dgm:alg>
+                          </dgm:else>
+                        </dgm:choose>
+                      </dgm:if>
+                      <dgm:if name="Name79" axis="ch" ptType="node" func="cnt" op="equ" val="4">
+                        <dgm:choose name="Name80">
+                          <dgm:if name="Name81" axis="ch ch" ptType="node node" st="1 1" cnt="1 0" func="cnt" op="equ" val="1">
+                            <dgm:alg type="cycle">
+                              <dgm:param type="ctrShpMap" val="fNode"/>
+                              <dgm:param type="stAng" val="0"/>
+                            </dgm:alg>
+                          </dgm:if>
+                          <dgm:if name="Name82" axis="ch ch" ptType="node node" st="1 1" cnt="1 0" func="cnt" op="equ" val="2">
+                            <dgm:alg type="cycle">
+                              <dgm:param type="ctrShpMap" val="fNode"/>
+                              <dgm:param type="stAng" val="315"/>
+                              <dgm:param type="spanAng" val="90"/>
+                            </dgm:alg>
+                          </dgm:if>
+                          <dgm:else name="Name83">
+                            <dgm:alg type="cycle">
+                              <dgm:param type="ctrShpMap" val="fNode"/>
+                              <dgm:param type="stAng" val="292.5"/>
+                              <dgm:param type="spanAng" val="135"/>
+                            </dgm:alg>
+                          </dgm:else>
+                        </dgm:choose>
+                      </dgm:if>
+                      <dgm:if name="Name84" axis="ch" ptType="node" func="cnt" op="equ" val="5">
+                        <dgm:choose name="Name85">
+                          <dgm:if name="Name86" axis="ch ch" ptType="node node" st="1 1" cnt="1 0" func="cnt" op="equ" val="1">
+                            <dgm:alg type="cycle">
+                              <dgm:param type="ctrShpMap" val="fNode"/>
+                              <dgm:param type="stAng" val="0"/>
+                            </dgm:alg>
+                          </dgm:if>
+                          <dgm:if name="Name87" axis="ch ch" ptType="node node" st="1 1" cnt="1 0" func="cnt" op="equ" val="2">
+                            <dgm:alg type="cycle">
+                              <dgm:param type="ctrShpMap" val="fNode"/>
+                              <dgm:param type="stAng" val="315"/>
+                              <dgm:param type="spanAng" val="90"/>
+                            </dgm:alg>
+                          </dgm:if>
+                          <dgm:else name="Name88">
+                            <dgm:alg type="cycle">
+                              <dgm:param type="ctrShpMap" val="fNode"/>
+                              <dgm:param type="stAng" val="0"/>
+                              <dgm:param type="spanAng" val="360"/>
+                            </dgm:alg>
+                          </dgm:else>
+                        </dgm:choose>
+                      </dgm:if>
+                      <dgm:if name="Name89" axis="ch" ptType="node" func="cnt" op="equ" val="6">
+                        <dgm:choose name="Name90">
+                          <dgm:if name="Name91" axis="ch ch" ptType="node node" st="1 1" cnt="1 0" func="cnt" op="equ" val="1">
+                            <dgm:alg type="cycle">
+                              <dgm:param type="ctrShpMap" val="fNode"/>
+                              <dgm:param type="stAng" val="0"/>
+                            </dgm:alg>
+                          </dgm:if>
+                          <dgm:if name="Name92" axis="ch ch" ptType="node node" st="1 1" cnt="1 0" func="cnt" op="equ" val="2">
+                            <dgm:alg type="cycle">
+                              <dgm:param type="ctrShpMap" val="fNode"/>
+                              <dgm:param type="stAng" val="315"/>
+                              <dgm:param type="spanAng" val="90"/>
+                            </dgm:alg>
+                          </dgm:if>
+                          <dgm:else name="Name93">
+                            <dgm:alg type="cycle">
+                              <dgm:param type="ctrShpMap" val="fNode"/>
+                              <dgm:param type="stAng" val="0"/>
+                              <dgm:param type="spanAng" val="360"/>
+                            </dgm:alg>
+                          </dgm:else>
+                        </dgm:choose>
+                      </dgm:if>
+                      <dgm:if name="Name94" axis="ch" ptType="node" func="cnt" op="gte" val="7">
+                        <dgm:choose name="Name95">
+                          <dgm:if name="Name96" axis="ch ch" ptType="node node" st="1 1" cnt="1 0" func="cnt" op="equ" val="1">
+                            <dgm:alg type="cycle">
+                              <dgm:param type="ctrShpMap" val="fNode"/>
+                              <dgm:param type="stAng" val="0"/>
+                            </dgm:alg>
+                          </dgm:if>
+                          <dgm:if name="Name97" axis="ch ch" ptType="node node" st="1 1" cnt="1 0" func="cnt" op="equ" val="2">
+                            <dgm:alg type="cycle">
+                              <dgm:param type="ctrShpMap" val="fNode"/>
+                              <dgm:param type="stAng" val="315"/>
+                              <dgm:param type="spanAng" val="90"/>
+                            </dgm:alg>
+                          </dgm:if>
+                          <dgm:else name="Name98">
+                            <dgm:alg type="cycle">
+                              <dgm:param type="ctrShpMap" val="fNode"/>
+                              <dgm:param type="stAng" val="0"/>
+                              <dgm:param type="spanAng" val="360"/>
+                            </dgm:alg>
+                          </dgm:else>
+                        </dgm:choose>
+                      </dgm:if>
+                      <dgm:else name="Name99"/>
+                    </dgm:choose>
+                  </dgm:if>
+                  <dgm:else name="Name100">
+                    <dgm:choose name="Name101">
+                      <dgm:if name="Name102" axis="ch" ptType="node" func="cnt" op="equ" val="1">
+                        <dgm:choose name="Name103">
+                          <dgm:if name="Name104" axis="ch ch" ptType="node node" st="1 1" cnt="1 0" func="cnt" op="equ" val="1">
+                            <dgm:alg type="cycle">
+                              <dgm:param type="ctrShpMap" val="fNode"/>
+                              <dgm:param type="stAng" val="270"/>
+                            </dgm:alg>
+                          </dgm:if>
+                          <dgm:if name="Name105" axis="ch ch" ptType="node node" st="1 1" cnt="1 0" func="cnt" op="equ" val="2">
+                            <dgm:alg type="cycle">
+                              <dgm:param type="ctrShpMap" val="fNode"/>
+                              <dgm:param type="stAng" val="315"/>
+                              <dgm:param type="spanAng" val="-90"/>
+                            </dgm:alg>
+                          </dgm:if>
+                          <dgm:else name="Name106">
+                            <dgm:alg type="cycle">
+                              <dgm:param type="ctrShpMap" val="fNode"/>
+                              <dgm:param type="stAng" val="0"/>
+                              <dgm:param type="spanAng" val="-180"/>
+                            </dgm:alg>
+                          </dgm:else>
+                        </dgm:choose>
+                      </dgm:if>
+                      <dgm:if name="Name107" axis="ch" ptType="node" func="cnt" op="equ" val="2">
+                        <dgm:choose name="Name108">
+                          <dgm:if name="Name109" axis="ch ch" ptType="node node" st="1 1" cnt="1 0" func="cnt" op="equ" val="1">
+                            <dgm:alg type="cycle">
+                              <dgm:param type="ctrShpMap" val="fNode"/>
+                              <dgm:param type="stAng" val="0"/>
+                            </dgm:alg>
+                          </dgm:if>
+                          <dgm:if name="Name110" axis="ch ch" ptType="node node" st="1 1" cnt="1 0" func="cnt" op="equ" val="2">
+                            <dgm:alg type="cycle">
+                              <dgm:param type="ctrShpMap" val="fNode"/>
+                              <dgm:param type="stAng" val="45"/>
+                              <dgm:param type="spanAng" val="-90"/>
+                            </dgm:alg>
+                          </dgm:if>
+                          <dgm:else name="Name111">
+                            <dgm:alg type="cycle">
+                              <dgm:param type="ctrShpMap" val="fNode"/>
+                              <dgm:param type="stAng" val="90"/>
+                              <dgm:param type="spanAng" val="-180"/>
+                            </dgm:alg>
+                          </dgm:else>
+                        </dgm:choose>
+                      </dgm:if>
+                      <dgm:if name="Name112" axis="ch" ptType="node" func="cnt" op="equ" val="3">
+                        <dgm:choose name="Name113">
+                          <dgm:if name="Name114" axis="ch ch" ptType="node node" st="1 1" cnt="1 0" func="cnt" op="equ" val="1">
+                            <dgm:alg type="cycle">
+                              <dgm:param type="ctrShpMap" val="fNode"/>
+                              <dgm:param type="stAng" val="0"/>
+                            </dgm:alg>
+                          </dgm:if>
+                          <dgm:if name="Name115" axis="ch ch" ptType="node node" st="1 1" cnt="1 0" func="cnt" op="equ" val="2">
+                            <dgm:alg type="cycle">
+                              <dgm:param type="ctrShpMap" val="fNode"/>
+                              <dgm:param type="stAng" val="45"/>
+                              <dgm:param type="spanAng" val="-90"/>
+                            </dgm:alg>
+                          </dgm:if>
+                          <dgm:else name="Name116">
+                            <dgm:alg type="cycle">
+                              <dgm:param type="ctrShpMap" val="fNode"/>
+                              <dgm:param type="stAng" val="90"/>
+                              <dgm:param type="spanAng" val="-180"/>
+                            </dgm:alg>
+                          </dgm:else>
+                        </dgm:choose>
+                      </dgm:if>
+                      <dgm:if name="Name117" axis="ch" ptType="node" func="cnt" op="equ" val="4">
+                        <dgm:choose name="Name118">
+                          <dgm:if name="Name119" axis="ch ch" ptType="node node" st="1 1" cnt="1 0" func="cnt" op="equ" val="1">
+                            <dgm:alg type="cycle">
+                              <dgm:param type="ctrShpMap" val="fNode"/>
+                              <dgm:param type="stAng" val="0"/>
+                            </dgm:alg>
+                          </dgm:if>
+                          <dgm:if name="Name120" axis="ch ch" ptType="node node" st="1 1" cnt="1 0" func="cnt" op="equ" val="2">
+                            <dgm:alg type="cycle">
+                              <dgm:param type="ctrShpMap" val="fNode"/>
+                              <dgm:param type="stAng" val="45"/>
+                              <dgm:param type="spanAng" val="-90"/>
+                            </dgm:alg>
+                          </dgm:if>
+                          <dgm:else name="Name121">
+                            <dgm:alg type="cycle">
+                              <dgm:param type="ctrShpMap" val="fNode"/>
+                              <dgm:param type="stAng" val="67.5"/>
+                              <dgm:param type="spanAng" val="-135"/>
+                            </dgm:alg>
+                          </dgm:else>
+                        </dgm:choose>
+                      </dgm:if>
+                      <dgm:if name="Name122" axis="ch" ptType="node" func="cnt" op="equ" val="5">
+                        <dgm:choose name="Name123">
+                          <dgm:if name="Name124" axis="ch ch" ptType="node node" st="1 1" cnt="1 0" func="cnt" op="equ" val="1">
+                            <dgm:alg type="cycle">
+                              <dgm:param type="ctrShpMap" val="fNode"/>
+                              <dgm:param type="stAng" val="0"/>
+                            </dgm:alg>
+                          </dgm:if>
+                          <dgm:if name="Name125" axis="ch ch" ptType="node node" st="1 1" cnt="1 0" func="cnt" op="equ" val="2">
+                            <dgm:alg type="cycle">
+                              <dgm:param type="ctrShpMap" val="fNode"/>
+                              <dgm:param type="stAng" val="45"/>
+                              <dgm:param type="spanAng" val="-90"/>
+                            </dgm:alg>
+                          </dgm:if>
+                          <dgm:else name="Name126">
+                            <dgm:alg type="cycle">
+                              <dgm:param type="ctrShpMap" val="fNode"/>
+                              <dgm:param type="stAng" val="0"/>
+                              <dgm:param type="spanAng" val="-360"/>
+                            </dgm:alg>
+                          </dgm:else>
+                        </dgm:choose>
+                      </dgm:if>
+                      <dgm:if name="Name127" axis="ch" ptType="node" func="cnt" op="equ" val="6">
+                        <dgm:choose name="Name128">
+                          <dgm:if name="Name129" axis="ch ch" ptType="node node" st="1 1" cnt="1 0" func="cnt" op="equ" val="1">
+                            <dgm:alg type="cycle">
+                              <dgm:param type="ctrShpMap" val="fNode"/>
+                              <dgm:param type="stAng" val="0"/>
+                            </dgm:alg>
+                          </dgm:if>
+                          <dgm:if name="Name130" axis="ch ch" ptType="node node" st="1 1" cnt="1 0" func="cnt" op="equ" val="2">
+                            <dgm:alg type="cycle">
+                              <dgm:param type="ctrShpMap" val="fNode"/>
+                              <dgm:param type="stAng" val="45"/>
+                              <dgm:param type="spanAng" val="-90"/>
+                            </dgm:alg>
+                          </dgm:if>
+                          <dgm:else name="Name131">
+                            <dgm:alg type="cycle">
+                              <dgm:param type="ctrShpMap" val="fNode"/>
+                              <dgm:param type="stAng" val="0"/>
+                              <dgm:param type="spanAng" val="-360"/>
+                            </dgm:alg>
+                          </dgm:else>
+                        </dgm:choose>
+                      </dgm:if>
+                      <dgm:if name="Name132" axis="ch" ptType="node" func="cnt" op="gte" val="7">
+                        <dgm:choose name="Name133">
+                          <dgm:if name="Name134" axis="ch ch" ptType="node node" st="1 1" cnt="1 0" func="cnt" op="equ" val="1">
+                            <dgm:alg type="cycle">
+                              <dgm:param type="ctrShpMap" val="fNode"/>
+                              <dgm:param type="stAng" val="0"/>
+                            </dgm:alg>
+                          </dgm:if>
+                          <dgm:if name="Name135" axis="ch ch" ptType="node node" st="1 1" cnt="1 0" func="cnt" op="equ" val="2">
+                            <dgm:alg type="cycle">
+                              <dgm:param type="ctrShpMap" val="fNode"/>
+                              <dgm:param type="stAng" val="45"/>
+                              <dgm:param type="spanAng" val="-90"/>
+                            </dgm:alg>
+                          </dgm:if>
+                          <dgm:else name="Name136">
+                            <dgm:alg type="cycle">
+                              <dgm:param type="ctrShpMap" val="fNode"/>
+                              <dgm:param type="stAng" val="0"/>
+                              <dgm:param type="spanAng" val="-360"/>
+                            </dgm:alg>
+                          </dgm:else>
+                        </dgm:choose>
+                      </dgm:if>
+                      <dgm:else name="Name137"/>
+                    </dgm:choose>
+                  </dgm:else>
+                </dgm:choose>
+                <dgm:shape xmlns:r="http://schemas.openxmlformats.org/officeDocument/2006/relationships" r:blip="">
+                  <dgm:adjLst/>
+                </dgm:shape>
+                <dgm:presOf/>
+                <dgm:constrLst>
+                  <dgm:constr type="sp" refType="w" fact="0.1"/>
+                  <dgm:constr type="sibSp" refType="w" fact="0.1"/>
+                </dgm:constrLst>
+                <dgm:forEach name="Name138" axis="ch" ptType="node" cnt="1">
+                  <dgm:layoutNode name="childCenter1" styleLbl="node1">
+                    <dgm:alg type="tx"/>
+                    <dgm:shape xmlns:r="http://schemas.openxmlformats.org/officeDocument/2006/relationships" type="roundRect" r:blip="">
+                      <dgm:adjLst/>
+                    </dgm:shape>
+                    <dgm:presOf axis="self" ptType="node"/>
+                    <dgm:constrLst>
+                      <dgm:constr type="userS"/>
+                      <dgm:constr type="w" refType="userS"/>
+                      <dgm:constr type="h" refType="w"/>
+                      <dgm:constr type="tMarg" refType="primFontSz" fact="0.2"/>
+                      <dgm:constr type="bMarg" refType="primFontSz" fact="0.2"/>
+                      <dgm:constr type="lMarg" refType="primFontSz" fact="0.2"/>
+                      <dgm:constr type="rMarg" refType="primFontSz" fact="0.2"/>
+                    </dgm:constrLst>
+                    <dgm:ruleLst>
+                      <dgm:rule type="primFontSz" val="5" fact="NaN" max="NaN"/>
+                    </dgm:ruleLst>
+                  </dgm:layoutNode>
+                  <dgm:forEach name="Name139" axis="ch">
+                    <dgm:forEach name="Name140" axis="self" ptType="parTrans">
+                      <dgm:layoutNode name="Name141">
+                        <dgm:alg type="conn">
+                          <dgm:param type="dim" val="1D"/>
+                          <dgm:param type="begPts" val="auto"/>
+                          <dgm:param type="endPts" val="auto"/>
+                          <dgm:param type="begSty" val="noArr"/>
+                          <dgm:param type="endSty" val="noArr"/>
+                        </dgm:alg>
+                        <dgm:shape xmlns:r="http://schemas.openxmlformats.org/officeDocument/2006/relationships" type="conn" r:blip="">
+                          <dgm:adjLst/>
+                        </dgm:shape>
+                        <dgm:presOf axis="self"/>
+                        <dgm:constrLst>
+                          <dgm:constr type="begPad"/>
+                          <dgm:constr type="endPad"/>
+                        </dgm:constrLst>
+                      </dgm:layoutNode>
+                    </dgm:forEach>
+                    <dgm:forEach name="Name142" axis="self" ptType="node">
+                      <dgm:layoutNode name="text1" styleLbl="node1">
+                        <dgm:varLst>
+                          <dgm:bulletEnabled val="1"/>
+                        </dgm:varLst>
+                        <dgm:alg type="tx"/>
+                        <dgm:shape xmlns:r="http://schemas.openxmlformats.org/officeDocument/2006/relationships" type="roundRect" r:blip="">
+                          <dgm:adjLst/>
+                        </dgm:shape>
+                        <dgm:presOf axis="desOrSelf" ptType="node"/>
+                        <dgm:constrLst>
+                          <dgm:constr type="userS"/>
+                          <dgm:constr type="w" refType="userS"/>
+                          <dgm:constr type="h" refType="w"/>
+                          <dgm:constr type="tMarg" refType="primFontSz" fact="0.2"/>
+                          <dgm:constr type="bMarg" refType="primFontSz" fact="0.2"/>
+                          <dgm:constr type="lMarg" refType="primFontSz" fact="0.2"/>
+                          <dgm:constr type="rMarg" refType="primFontSz" fact="0.2"/>
+                        </dgm:constrLst>
+                        <dgm:ruleLst>
+                          <dgm:rule type="primFontSz" val="5" fact="NaN" max="NaN"/>
+                        </dgm:ruleLst>
+                      </dgm:layoutNode>
+                    </dgm:forEach>
+                  </dgm:forEach>
+                </dgm:forEach>
+              </dgm:layoutNode>
+              <dgm:forEach name="Name143" axis="ch" ptType="parTrans" cnt="1">
+                <dgm:layoutNode name="Name144">
+                  <dgm:alg type="conn">
+                    <dgm:param type="dim" val="1D"/>
+                    <dgm:param type="begPts" val="auto"/>
+                    <dgm:param type="endPts" val="auto"/>
+                    <dgm:param type="endSty" val="noArr"/>
+                    <dgm:param type="srcNode" val="textCenter"/>
+                    <dgm:param type="dstNode" val="childCenter1"/>
+                  </dgm:alg>
+                  <dgm:shape xmlns:r="http://schemas.openxmlformats.org/officeDocument/2006/relationships" type="conn" r:blip="" zOrderOff="-999">
+                    <dgm:adjLst/>
+                  </dgm:shape>
+                  <dgm:presOf axis="self"/>
+                  <dgm:constrLst>
+                    <dgm:constr type="h"/>
+                    <dgm:constr type="begPad"/>
+                    <dgm:constr type="endPad"/>
+                  </dgm:constrLst>
+                </dgm:layoutNode>
+              </dgm:forEach>
+            </dgm:if>
+            <dgm:else name="Name145"/>
+          </dgm:choose>
+          <dgm:choose name="Name146">
+            <dgm:if name="Name147" axis="ch" ptType="node" func="cnt" op="gte" val="2">
+              <dgm:layoutNode name="cycle_2">
+                <dgm:choose name="Name148">
+                  <dgm:if name="Name149" func="var" arg="dir" op="equ" val="norm">
+                    <dgm:choose name="Name150">
+                      <dgm:if name="Name151" axis="ch" ptType="node" func="cnt" op="equ" val="2">
+                        <dgm:choose name="Name152">
+                          <dgm:if name="Name153" axis="ch ch" ptType="node node" st="2 1" cnt="1 0" func="cnt" op="equ" val="1">
+                            <dgm:alg type="cycle">
+                              <dgm:param type="ctrShpMap" val="fNode"/>
+                              <dgm:param type="stAng" val="180"/>
+                            </dgm:alg>
+                          </dgm:if>
+                          <dgm:if name="Name154" axis="ch ch" ptType="node node" st="2 1" cnt="1 0" func="cnt" op="equ" val="2">
+                            <dgm:alg type="cycle">
+                              <dgm:param type="ctrShpMap" val="fNode"/>
+                              <dgm:param type="stAng" val="135"/>
+                              <dgm:param type="spanAng" val="90"/>
+                            </dgm:alg>
+                          </dgm:if>
+                          <dgm:else name="Name155">
+                            <dgm:alg type="cycle">
+                              <dgm:param type="ctrShpMap" val="fNode"/>
+                              <dgm:param type="stAng" val="90"/>
+                              <dgm:param type="spanAng" val="180"/>
+                            </dgm:alg>
+                          </dgm:else>
+                        </dgm:choose>
+                      </dgm:if>
+                      <dgm:if name="Name156" axis="ch" ptType="node" func="cnt" op="equ" val="3">
+                        <dgm:choose name="Name157">
+                          <dgm:if name="Name158" axis="ch ch" ptType="node node" st="2 1" cnt="1 0" func="cnt" op="equ" val="1">
+                            <dgm:alg type="cycle">
+                              <dgm:param type="ctrShpMap" val="fNode"/>
+                              <dgm:param type="stAng" val="120"/>
+                              <dgm:param type="horzAlign" val="r"/>
+                              <dgm:param type="vertAlign" val="b"/>
+                            </dgm:alg>
+                          </dgm:if>
+                          <dgm:if name="Name159" axis="ch ch" ptType="node node" st="2 1" cnt="1 0" func="cnt" op="equ" val="2">
+                            <dgm:alg type="cycle">
+                              <dgm:param type="ctrShpMap" val="fNode"/>
+                              <dgm:param type="stAng" val="75"/>
+                              <dgm:param type="spanAng" val="90"/>
+                              <dgm:param type="horzAlign" val="r"/>
+                              <dgm:param type="vertAlign" val="b"/>
+                            </dgm:alg>
+                          </dgm:if>
+                          <dgm:else name="Name160">
+                            <dgm:alg type="cycle">
+                              <dgm:param type="ctrShpMap" val="fNode"/>
+                              <dgm:param type="stAng" val="30"/>
+                              <dgm:param type="spanAng" val="180"/>
+                            </dgm:alg>
+                          </dgm:else>
+                        </dgm:choose>
+                      </dgm:if>
+                      <dgm:if name="Name161" axis="ch" ptType="node" func="cnt" op="equ" val="4">
+                        <dgm:choose name="Name162">
+                          <dgm:if name="Name163" axis="ch ch" ptType="node node" st="2 1" cnt="1 0" func="cnt" op="equ" val="1">
+                            <dgm:alg type="cycle">
+                              <dgm:param type="ctrShpMap" val="fNode"/>
+                              <dgm:param type="stAng" val="90"/>
+                            </dgm:alg>
+                          </dgm:if>
+                          <dgm:if name="Name164" axis="ch ch" ptType="node node" st="2 1" cnt="1 0" func="cnt" op="equ" val="2">
+                            <dgm:alg type="cycle">
+                              <dgm:param type="ctrShpMap" val="fNode"/>
+                              <dgm:param type="stAng" val="45"/>
+                              <dgm:param type="spanAng" val="90"/>
+                            </dgm:alg>
+                          </dgm:if>
+                          <dgm:else name="Name165">
+                            <dgm:alg type="cycle">
+                              <dgm:param type="ctrShpMap" val="fNode"/>
+                              <dgm:param type="stAng" val="22.5"/>
+                              <dgm:param type="spanAng" val="135"/>
+                            </dgm:alg>
+                          </dgm:else>
+                        </dgm:choose>
+                      </dgm:if>
+                      <dgm:if name="Name166" axis="ch" ptType="node" func="cnt" op="equ" val="5">
+                        <dgm:choose name="Name167">
+                          <dgm:if name="Name168" axis="ch ch" ptType="node node" st="2 1" cnt="1 0" func="cnt" op="equ" val="1">
+                            <dgm:alg type="cycle">
+                              <dgm:param type="ctrShpMap" val="fNode"/>
+                              <dgm:param type="stAng" val="72"/>
+                            </dgm:alg>
+                          </dgm:if>
+                          <dgm:if name="Name169" axis="ch ch" ptType="node node" st="2 1" cnt="1 0" func="cnt" op="equ" val="2">
+                            <dgm:alg type="cycle">
+                              <dgm:param type="ctrShpMap" val="fNode"/>
+                              <dgm:param type="stAng" val="27"/>
+                              <dgm:param type="spanAng" val="90"/>
+                            </dgm:alg>
+                          </dgm:if>
+                          <dgm:else name="Name170">
+                            <dgm:alg type="cycle">
+                              <dgm:param type="ctrShpMap" val="fNode"/>
+                              <dgm:param type="stAng" val="0"/>
+                              <dgm:param type="spanAng" val="360"/>
+                            </dgm:alg>
+                          </dgm:else>
+                        </dgm:choose>
+                      </dgm:if>
+                      <dgm:if name="Name171" axis="ch" ptType="node" func="cnt" op="equ" val="6">
+                        <dgm:choose name="Name172">
+                          <dgm:if name="Name173" axis="ch ch" ptType="node node" st="2 1" cnt="1 0" func="cnt" op="equ" val="1">
+                            <dgm:alg type="cycle">
+                              <dgm:param type="ctrShpMap" val="fNode"/>
+                              <dgm:param type="stAng" val="60"/>
+                            </dgm:alg>
+                          </dgm:if>
+                          <dgm:if name="Name174" axis="ch ch" ptType="node node" st="2 1" cnt="1 0" func="cnt" op="equ" val="2">
+                            <dgm:alg type="cycle">
+                              <dgm:param type="ctrShpMap" val="fNode"/>
+                              <dgm:param type="stAng" val="15"/>
+                              <dgm:param type="spanAng" val="90"/>
+                            </dgm:alg>
+                          </dgm:if>
+                          <dgm:else name="Name175">
+                            <dgm:alg type="cycle">
+                              <dgm:param type="ctrShpMap" val="fNode"/>
+                              <dgm:param type="stAng" val="0"/>
+                              <dgm:param type="spanAng" val="360"/>
+                            </dgm:alg>
+                          </dgm:else>
+                        </dgm:choose>
+                      </dgm:if>
+                      <dgm:if name="Name176" axis="ch" ptType="node" func="cnt" op="gte" val="7">
+                        <dgm:choose name="Name177">
+                          <dgm:if name="Name178" axis="ch ch" ptType="node node" st="2 1" cnt="1 0" func="cnt" op="equ" val="1">
+                            <dgm:alg type="cycle">
+                              <dgm:param type="ctrShpMap" val="fNode"/>
+                              <dgm:param type="stAng" val="51"/>
+                            </dgm:alg>
+                          </dgm:if>
+                          <dgm:if name="Name179" axis="ch ch" ptType="node node" st="2 1" cnt="1 0" func="cnt" op="equ" val="2">
+                            <dgm:alg type="cycle">
+                              <dgm:param type="ctrShpMap" val="fNode"/>
+                              <dgm:param type="stAng" val="6"/>
+                              <dgm:param type="spanAng" val="90"/>
+                            </dgm:alg>
+                          </dgm:if>
+                          <dgm:else name="Name180">
+                            <dgm:alg type="cycle">
+                              <dgm:param type="ctrShpMap" val="fNode"/>
+                              <dgm:param type="stAng" val="0"/>
+                              <dgm:param type="spanAng" val="360"/>
+                            </dgm:alg>
+                          </dgm:else>
+                        </dgm:choose>
+                      </dgm:if>
+                      <dgm:else name="Name181"/>
+                    </dgm:choose>
+                  </dgm:if>
+                  <dgm:else name="Name182">
+                    <dgm:choose name="Name183">
+                      <dgm:if name="Name184" axis="ch" ptType="node" func="cnt" op="equ" val="2">
+                        <dgm:choose name="Name185">
+                          <dgm:if name="Name186" axis="ch ch" ptType="node node" st="2 1" cnt="1 0" func="cnt" op="equ" val="1">
+                            <dgm:alg type="cycle">
+                              <dgm:param type="ctrShpMap" val="fNode"/>
+                              <dgm:param type="stAng" val="180"/>
+                            </dgm:alg>
+                          </dgm:if>
+                          <dgm:if name="Name187" axis="ch ch" ptType="node node" st="2 1" cnt="1 0" func="cnt" op="equ" val="2">
+                            <dgm:alg type="cycle">
+                              <dgm:param type="ctrShpMap" val="fNode"/>
+                              <dgm:param type="stAng" val="225"/>
+                              <dgm:param type="spanAng" val="-90"/>
+                            </dgm:alg>
+                          </dgm:if>
+                          <dgm:else name="Name188">
+                            <dgm:alg type="cycle">
+                              <dgm:param type="ctrShpMap" val="fNode"/>
+                              <dgm:param type="stAng" val="270"/>
+                              <dgm:param type="spanAng" val="-180"/>
+                            </dgm:alg>
+                          </dgm:else>
+                        </dgm:choose>
+                      </dgm:if>
+                      <dgm:if name="Name189" axis="ch" ptType="node" func="cnt" op="equ" val="3">
+                        <dgm:choose name="Name190">
+                          <dgm:if name="Name191" axis="ch ch" ptType="node node" st="2 1" cnt="1 0" func="cnt" op="equ" val="1">
+                            <dgm:alg type="cycle">
+                              <dgm:param type="ctrShpMap" val="fNode"/>
+                              <dgm:param type="stAng" val="240"/>
+                              <dgm:param type="horzAlign" val="l"/>
+                              <dgm:param type="vertAlign" val="b"/>
+                            </dgm:alg>
+                          </dgm:if>
+                          <dgm:if name="Name192" axis="ch ch" ptType="node node" st="2 1" cnt="1 0" func="cnt" op="equ" val="2">
+                            <dgm:alg type="cycle">
+                              <dgm:param type="ctrShpMap" val="fNode"/>
+                              <dgm:param type="stAng" val="285"/>
+                              <dgm:param type="spanAng" val="-90"/>
+                              <dgm:param type="horzAlign" val="l"/>
+                              <dgm:param type="vertAlign" val="b"/>
+                            </dgm:alg>
+                          </dgm:if>
+                          <dgm:else name="Name193">
+                            <dgm:alg type="cycle">
+                              <dgm:param type="ctrShpMap" val="fNode"/>
+                              <dgm:param type="stAng" val="330"/>
+                              <dgm:param type="spanAng" val="-180"/>
+                            </dgm:alg>
+                          </dgm:else>
+                        </dgm:choose>
+                      </dgm:if>
+                      <dgm:if name="Name194" axis="ch" ptType="node" func="cnt" op="equ" val="4">
+                        <dgm:choose name="Name195">
+                          <dgm:if name="Name196" axis="ch ch" ptType="node node" st="2 1" cnt="1 0" func="cnt" op="equ" val="1">
+                            <dgm:alg type="cycle">
+                              <dgm:param type="ctrShpMap" val="fNode"/>
+                              <dgm:param type="stAng" val="270"/>
+                            </dgm:alg>
+                          </dgm:if>
+                          <dgm:if name="Name197" axis="ch ch" ptType="node node" st="2 1" cnt="1 0" func="cnt" op="equ" val="2">
+                            <dgm:alg type="cycle">
+                              <dgm:param type="ctrShpMap" val="fNode"/>
+                              <dgm:param type="stAng" val="315"/>
+                              <dgm:param type="spanAng" val="-90"/>
+                            </dgm:alg>
+                          </dgm:if>
+                          <dgm:else name="Name198">
+                            <dgm:alg type="cycle">
+                              <dgm:param type="ctrShpMap" val="fNode"/>
+                              <dgm:param type="stAng" val="337.5"/>
+                              <dgm:param type="spanAng" val="-135"/>
+                            </dgm:alg>
+                          </dgm:else>
+                        </dgm:choose>
+                      </dgm:if>
+                      <dgm:if name="Name199" axis="ch" ptType="node" func="cnt" op="equ" val="5">
+                        <dgm:choose name="Name200">
+                          <dgm:if name="Name201" axis="ch ch" ptType="node node" st="2 1" cnt="1 0" func="cnt" op="equ" val="1">
+                            <dgm:alg type="cycle">
+                              <dgm:param type="ctrShpMap" val="fNode"/>
+                              <dgm:param type="stAng" val="288"/>
+                            </dgm:alg>
+                          </dgm:if>
+                          <dgm:if name="Name202" axis="ch ch" ptType="node node" st="2 1" cnt="1 0" func="cnt" op="equ" val="2">
+                            <dgm:alg type="cycle">
+                              <dgm:param type="ctrShpMap" val="fNode"/>
+                              <dgm:param type="stAng" val="333"/>
+                              <dgm:param type="spanAng" val="-90"/>
+                            </dgm:alg>
+                          </dgm:if>
+                          <dgm:else name="Name203">
+                            <dgm:alg type="cycle">
+                              <dgm:param type="ctrShpMap" val="fNode"/>
+                              <dgm:param type="stAng" val="0"/>
+                              <dgm:param type="spanAng" val="-360"/>
+                            </dgm:alg>
+                          </dgm:else>
+                        </dgm:choose>
+                      </dgm:if>
+                      <dgm:if name="Name204" axis="ch" ptType="node" func="cnt" op="equ" val="6">
+                        <dgm:choose name="Name205">
+                          <dgm:if name="Name206" axis="ch ch" ptType="node node" st="2 1" cnt="1 0" func="cnt" op="equ" val="1">
+                            <dgm:alg type="cycle">
+                              <dgm:param type="ctrShpMap" val="fNode"/>
+                              <dgm:param type="stAng" val="300"/>
+                            </dgm:alg>
+                          </dgm:if>
+                          <dgm:if name="Name207" axis="ch ch" ptType="node node" st="2 1" cnt="1 0" func="cnt" op="equ" val="2">
+                            <dgm:alg type="cycle">
+                              <dgm:param type="ctrShpMap" val="fNode"/>
+                              <dgm:param type="stAng" val="345"/>
+                              <dgm:param type="spanAng" val="-90"/>
+                            </dgm:alg>
+                          </dgm:if>
+                          <dgm:else name="Name208">
+                            <dgm:alg type="cycle">
+                              <dgm:param type="ctrShpMap" val="fNode"/>
+                              <dgm:param type="stAng" val="0"/>
+                              <dgm:param type="spanAng" val="-360"/>
+                            </dgm:alg>
+                          </dgm:else>
+                        </dgm:choose>
+                      </dgm:if>
+                      <dgm:if name="Name209" axis="ch" ptType="node" func="cnt" op="gte" val="7">
+                        <dgm:choose name="Name210">
+                          <dgm:if name="Name211" axis="ch ch" ptType="node node" st="2 1" cnt="1 0" func="cnt" op="equ" val="1">
+                            <dgm:alg type="cycle">
+                              <dgm:param type="ctrShpMap" val="fNode"/>
+                              <dgm:param type="stAng" val="308"/>
+                            </dgm:alg>
+                          </dgm:if>
+                          <dgm:if name="Name212" axis="ch ch" ptType="node node" st="2 1" cnt="1 0" func="cnt" op="equ" val="2">
+                            <dgm:alg type="cycle">
+                              <dgm:param type="ctrShpMap" val="fNode"/>
+                              <dgm:param type="stAng" val="353"/>
+                              <dgm:param type="spanAng" val="-90"/>
+                            </dgm:alg>
+                          </dgm:if>
+                          <dgm:else name="Name213">
+                            <dgm:alg type="cycle">
+                              <dgm:param type="ctrShpMap" val="fNode"/>
+                              <dgm:param type="stAng" val="0"/>
+                              <dgm:param type="spanAng" val="-360"/>
+                            </dgm:alg>
+                          </dgm:else>
+                        </dgm:choose>
+                      </dgm:if>
+                      <dgm:else name="Name214"/>
+                    </dgm:choose>
+                  </dgm:else>
+                </dgm:choose>
+                <dgm:shape xmlns:r="http://schemas.openxmlformats.org/officeDocument/2006/relationships" r:blip="">
+                  <dgm:adjLst/>
+                </dgm:shape>
+                <dgm:presOf/>
+                <dgm:constrLst>
+                  <dgm:constr type="sp" refType="w" fact="0.1"/>
+                  <dgm:constr type="sibSp" refType="w" fact="0.1"/>
+                </dgm:constrLst>
+                <dgm:forEach name="Name215" axis="ch" ptType="node" st="2" cnt="1">
+                  <dgm:layoutNode name="childCenter2" styleLbl="node1">
+                    <dgm:alg type="tx"/>
+                    <dgm:shape xmlns:r="http://schemas.openxmlformats.org/officeDocument/2006/relationships" type="roundRect" r:blip="">
+                      <dgm:adjLst/>
+                    </dgm:shape>
+                    <dgm:presOf axis="self" ptType="node"/>
+                    <dgm:constrLst>
+                      <dgm:constr type="userS"/>
+                      <dgm:constr type="w" refType="userS"/>
+                      <dgm:constr type="h" refType="w"/>
+                      <dgm:constr type="tMarg" refType="primFontSz" fact="0.2"/>
+                      <dgm:constr type="bMarg" refType="primFontSz" fact="0.2"/>
+                      <dgm:constr type="lMarg" refType="primFontSz" fact="0.2"/>
+                      <dgm:constr type="rMarg" refType="primFontSz" fact="0.2"/>
+                    </dgm:constrLst>
+                    <dgm:ruleLst>
+                      <dgm:rule type="primFontSz" val="5" fact="NaN" max="NaN"/>
+                    </dgm:ruleLst>
+                  </dgm:layoutNode>
+                  <dgm:forEach name="Name216" axis="ch">
+                    <dgm:forEach name="Name217" axis="self" ptType="parTrans">
+                      <dgm:layoutNode name="Name218">
+                        <dgm:alg type="conn">
+                          <dgm:param type="dim" val="1D"/>
+                          <dgm:param type="begPts" val="auto"/>
+                          <dgm:param type="endPts" val="auto"/>
+                          <dgm:param type="begSty" val="noArr"/>
+                          <dgm:param type="endSty" val="noArr"/>
+                        </dgm:alg>
+                        <dgm:shape xmlns:r="http://schemas.openxmlformats.org/officeDocument/2006/relationships" type="conn" r:blip="">
+                          <dgm:adjLst/>
+                        </dgm:shape>
+                        <dgm:presOf axis="self"/>
+                        <dgm:constrLst>
+                          <dgm:constr type="begPad"/>
+                          <dgm:constr type="endPad"/>
+                        </dgm:constrLst>
+                      </dgm:layoutNode>
+                    </dgm:forEach>
+                    <dgm:forEach name="Name219" axis="self" ptType="node">
+                      <dgm:layoutNode name="text2" styleLbl="node1">
+                        <dgm:varLst>
+                          <dgm:bulletEnabled val="1"/>
+                        </dgm:varLst>
+                        <dgm:alg type="tx"/>
+                        <dgm:shape xmlns:r="http://schemas.openxmlformats.org/officeDocument/2006/relationships" type="roundRect" r:blip="">
+                          <dgm:adjLst/>
+                        </dgm:shape>
+                        <dgm:presOf axis="desOrSelf" ptType="node"/>
+                        <dgm:constrLst>
+                          <dgm:constr type="userS"/>
+                          <dgm:constr type="w" refType="userS"/>
+                          <dgm:constr type="h" refType="w"/>
+                          <dgm:constr type="tMarg" refType="primFontSz" fact="0.2"/>
+                          <dgm:constr type="bMarg" refType="primFontSz" fact="0.2"/>
+                          <dgm:constr type="lMarg" refType="primFontSz" fact="0.2"/>
+                          <dgm:constr type="rMarg" refType="primFontSz" fact="0.2"/>
+                        </dgm:constrLst>
+                        <dgm:ruleLst>
+                          <dgm:rule type="primFontSz" val="5" fact="NaN" max="NaN"/>
+                        </dgm:ruleLst>
+                      </dgm:layoutNode>
+                    </dgm:forEach>
+                  </dgm:forEach>
+                </dgm:forEach>
+              </dgm:layoutNode>
+              <dgm:forEach name="Name220" axis="ch" ptType="parTrans" st="2" cnt="1">
+                <dgm:layoutNode name="Name221">
+                  <dgm:alg type="conn">
+                    <dgm:param type="dim" val="1D"/>
+                    <dgm:param type="begPts" val="auto"/>
+                    <dgm:param type="endPts" val="auto"/>
+                    <dgm:param type="endSty" val="noArr"/>
+                    <dgm:param type="srcNode" val="textCenter"/>
+                    <dgm:param type="dstNode" val="childCenter2"/>
+                  </dgm:alg>
+                  <dgm:shape xmlns:r="http://schemas.openxmlformats.org/officeDocument/2006/relationships" type="conn" r:blip="" zOrderOff="-999">
+                    <dgm:adjLst/>
+                  </dgm:shape>
+                  <dgm:presOf axis="self"/>
+                  <dgm:constrLst>
+                    <dgm:constr type="h"/>
+                    <dgm:constr type="begPad"/>
+                    <dgm:constr type="endPad"/>
+                  </dgm:constrLst>
+                </dgm:layoutNode>
+              </dgm:forEach>
+            </dgm:if>
+            <dgm:else name="Name222"/>
+          </dgm:choose>
+          <dgm:choose name="Name223">
+            <dgm:if name="Name224" axis="ch" ptType="node" func="cnt" op="gte" val="3">
+              <dgm:layoutNode name="cycle_3">
+                <dgm:choose name="Name225">
+                  <dgm:if name="Name226" func="var" arg="dir" op="equ" val="norm">
+                    <dgm:choose name="Name227">
+                      <dgm:if name="Name228" axis="ch" ptType="node" func="cnt" op="equ" val="3">
+                        <dgm:choose name="Name229">
+                          <dgm:if name="Name230" axis="ch ch" ptType="node node" st="3 1" cnt="1 0" func="cnt" op="equ" val="1">
+                            <dgm:alg type="cycle">
+                              <dgm:param type="ctrShpMap" val="fNode"/>
+                              <dgm:param type="stAng" val="240"/>
+                              <dgm:param type="horzAlign" val="l"/>
+                              <dgm:param type="vertAlign" val="b"/>
+                            </dgm:alg>
+                          </dgm:if>
+                          <dgm:if name="Name231" axis="ch ch" ptType="node node" st="3 1" cnt="1 0" func="cnt" op="equ" val="2">
+                            <dgm:alg type="cycle">
+                              <dgm:param type="ctrShpMap" val="fNode"/>
+                              <dgm:param type="stAng" val="195"/>
+                              <dgm:param type="spanAng" val="90"/>
+                              <dgm:param type="horzAlign" val="l"/>
+                              <dgm:param type="vertAlign" val="b"/>
+                            </dgm:alg>
+                          </dgm:if>
+                          <dgm:else name="Name232">
+                            <dgm:alg type="cycle">
+                              <dgm:param type="ctrShpMap" val="fNode"/>
+                              <dgm:param type="stAng" val="150"/>
+                              <dgm:param type="spanAng" val="180"/>
+                            </dgm:alg>
+                          </dgm:else>
+                        </dgm:choose>
+                      </dgm:if>
+                      <dgm:if name="Name233" axis="ch" ptType="node" func="cnt" op="equ" val="4">
+                        <dgm:choose name="Name234">
+                          <dgm:if name="Name235" axis="ch ch" ptType="node node" st="3 1" cnt="1 0" func="cnt" op="equ" val="1">
+                            <dgm:alg type="cycle">
+                              <dgm:param type="ctrShpMap" val="fNode"/>
+                              <dgm:param type="stAng" val="180"/>
+                            </dgm:alg>
+                          </dgm:if>
+                          <dgm:if name="Name236" axis="ch ch" ptType="node node" st="3 1" cnt="1 0" func="cnt" op="equ" val="2">
+                            <dgm:alg type="cycle">
+                              <dgm:param type="ctrShpMap" val="fNode"/>
+                              <dgm:param type="stAng" val="135"/>
+                              <dgm:param type="spanAng" val="90"/>
+                            </dgm:alg>
+                          </dgm:if>
+                          <dgm:else name="Name237">
+                            <dgm:alg type="cycle">
+                              <dgm:param type="ctrShpMap" val="fNode"/>
+                              <dgm:param type="stAng" val="112.5"/>
+                              <dgm:param type="spanAng" val="135"/>
+                            </dgm:alg>
+                          </dgm:else>
+                        </dgm:choose>
+                      </dgm:if>
+                      <dgm:if name="Name238" axis="ch" ptType="node" func="cnt" op="equ" val="5">
+                        <dgm:choose name="Name239">
+                          <dgm:if name="Name240" axis="ch ch" ptType="node node" st="3 1" cnt="1 0" func="cnt" op="equ" val="1">
+                            <dgm:alg type="cycle">
+                              <dgm:param type="ctrShpMap" val="fNode"/>
+                              <dgm:param type="stAng" val="144"/>
+                            </dgm:alg>
+                          </dgm:if>
+                          <dgm:if name="Name241" axis="ch ch" ptType="node node" st="3 1" cnt="1 0" func="cnt" op="equ" val="2">
+                            <dgm:alg type="cycle">
+                              <dgm:param type="ctrShpMap" val="fNode"/>
+                              <dgm:param type="stAng" val="99"/>
+                              <dgm:param type="spanAng" val="90"/>
+                            </dgm:alg>
+                          </dgm:if>
+                          <dgm:else name="Name242">
+                            <dgm:alg type="cycle">
+                              <dgm:param type="ctrShpMap" val="fNode"/>
+                              <dgm:param type="stAng" val="0"/>
+                              <dgm:param type="spanAng" val="360"/>
+                            </dgm:alg>
+                          </dgm:else>
+                        </dgm:choose>
+                      </dgm:if>
+                      <dgm:if name="Name243" axis="ch" ptType="node" func="cnt" op="equ" val="6">
+                        <dgm:choose name="Name244">
+                          <dgm:if name="Name245" axis="ch ch" ptType="node node" st="3 1" cnt="1 0" func="cnt" op="equ" val="1">
+                            <dgm:alg type="cycle">
+                              <dgm:param type="ctrShpMap" val="fNode"/>
+                              <dgm:param type="stAng" val="120"/>
+                            </dgm:alg>
+                          </dgm:if>
+                          <dgm:if name="Name246" axis="ch ch" ptType="node node" st="3 1" cnt="1 0" func="cnt" op="equ" val="2">
+                            <dgm:alg type="cycle">
+                              <dgm:param type="ctrShpMap" val="fNode"/>
+                              <dgm:param type="stAng" val="75"/>
+                              <dgm:param type="spanAng" val="90"/>
+                            </dgm:alg>
+                          </dgm:if>
+                          <dgm:else name="Name247">
+                            <dgm:alg type="cycle">
+                              <dgm:param type="ctrShpMap" val="fNode"/>
+                              <dgm:param type="stAng" val="0"/>
+                              <dgm:param type="spanAng" val="360"/>
+                            </dgm:alg>
+                          </dgm:else>
+                        </dgm:choose>
+                      </dgm:if>
+                      <dgm:if name="Name248" axis="ch" ptType="node" func="cnt" op="gte" val="7">
+                        <dgm:choose name="Name249">
+                          <dgm:if name="Name250" axis="ch ch" ptType="node node" st="3 1" cnt="1 0" func="cnt" op="equ" val="1">
+                            <dgm:alg type="cycle">
+                              <dgm:param type="ctrShpMap" val="fNode"/>
+                              <dgm:param type="stAng" val="102"/>
+                            </dgm:alg>
+                          </dgm:if>
+                          <dgm:if name="Name251" axis="ch ch" ptType="node node" st="3 1" cnt="1 0" func="cnt" op="equ" val="2">
+                            <dgm:alg type="cycle">
+                              <dgm:param type="ctrShpMap" val="fNode"/>
+                              <dgm:param type="stAng" val="57"/>
+                              <dgm:param type="spanAng" val="90"/>
+                            </dgm:alg>
+                          </dgm:if>
+                          <dgm:else name="Name252">
+                            <dgm:alg type="cycle">
+                              <dgm:param type="ctrShpMap" val="fNode"/>
+                              <dgm:param type="stAng" val="0"/>
+                              <dgm:param type="spanAng" val="360"/>
+                            </dgm:alg>
+                          </dgm:else>
+                        </dgm:choose>
+                      </dgm:if>
+                      <dgm:else name="Name253"/>
+                    </dgm:choose>
+                  </dgm:if>
+                  <dgm:else name="Name254">
+                    <dgm:choose name="Name255">
+                      <dgm:if name="Name256" axis="ch" ptType="node" func="cnt" op="equ" val="3">
+                        <dgm:choose name="Name257">
+                          <dgm:if name="Name258" axis="ch ch" ptType="node node" st="3 1" cnt="1 0" func="cnt" op="equ" val="1">
+                            <dgm:alg type="cycle">
+                              <dgm:param type="ctrShpMap" val="fNode"/>
+                              <dgm:param type="stAng" val="120"/>
+                              <dgm:param type="horzAlign" val="r"/>
+                              <dgm:param type="vertAlign" val="b"/>
+                            </dgm:alg>
+                          </dgm:if>
+                          <dgm:if name="Name259" axis="ch ch" ptType="node node" st="3 1" cnt="1 0" func="cnt" op="equ" val="2">
+                            <dgm:alg type="cycle">
+                              <dgm:param type="ctrShpMap" val="fNode"/>
+                              <dgm:param type="stAng" val="165"/>
+                              <dgm:param type="spanAng" val="-90"/>
+                              <dgm:param type="horzAlign" val="r"/>
+                              <dgm:param type="vertAlign" val="b"/>
+                            </dgm:alg>
+                          </dgm:if>
+                          <dgm:else name="Name260">
+                            <dgm:alg type="cycle">
+                              <dgm:param type="ctrShpMap" val="fNode"/>
+                              <dgm:param type="stAng" val="210"/>
+                              <dgm:param type="spanAng" val="-180"/>
+                            </dgm:alg>
+                          </dgm:else>
+                        </dgm:choose>
+                      </dgm:if>
+                      <dgm:if name="Name261" axis="ch" ptType="node" func="cnt" op="equ" val="4">
+                        <dgm:choose name="Name262">
+                          <dgm:if name="Name263" axis="ch ch" ptType="node node" st="3 1" cnt="1 0" func="cnt" op="equ" val="1">
+                            <dgm:alg type="cycle">
+                              <dgm:param type="ctrShpMap" val="fNode"/>
+                              <dgm:param type="stAng" val="180"/>
+                            </dgm:alg>
+                          </dgm:if>
+                          <dgm:if name="Name264" axis="ch ch" ptType="node node" st="3 1" cnt="1 0" func="cnt" op="equ" val="2">
+                            <dgm:alg type="cycle">
+                              <dgm:param type="ctrShpMap" val="fNode"/>
+                              <dgm:param type="stAng" val="225"/>
+                              <dgm:param type="spanAng" val="-90"/>
+                            </dgm:alg>
+                          </dgm:if>
+                          <dgm:else name="Name265">
+                            <dgm:alg type="cycle">
+                              <dgm:param type="ctrShpMap" val="fNode"/>
+                              <dgm:param type="stAng" val="247.5"/>
+                              <dgm:param type="spanAng" val="-135"/>
+                            </dgm:alg>
+                          </dgm:else>
+                        </dgm:choose>
+                      </dgm:if>
+                      <dgm:if name="Name266" axis="ch" ptType="node" func="cnt" op="equ" val="5">
+                        <dgm:choose name="Name267">
+                          <dgm:if name="Name268" axis="ch ch" ptType="node node" st="3 1" cnt="1 0" func="cnt" op="equ" val="1">
+                            <dgm:alg type="cycle">
+                              <dgm:param type="ctrShpMap" val="fNode"/>
+                              <dgm:param type="stAng" val="216"/>
+                            </dgm:alg>
+                          </dgm:if>
+                          <dgm:if name="Name269" axis="ch ch" ptType="node node" st="3 1" cnt="1 0" func="cnt" op="equ" val="2">
+                            <dgm:alg type="cycle">
+                              <dgm:param type="ctrShpMap" val="fNode"/>
+                              <dgm:param type="stAng" val="261"/>
+                              <dgm:param type="spanAng" val="-90"/>
+                            </dgm:alg>
+                          </dgm:if>
+                          <dgm:else name="Name270">
+                            <dgm:alg type="cycle">
+                              <dgm:param type="ctrShpMap" val="fNode"/>
+                              <dgm:param type="stAng" val="0"/>
+                              <dgm:param type="spanAng" val="-360"/>
+                            </dgm:alg>
+                          </dgm:else>
+                        </dgm:choose>
+                      </dgm:if>
+                      <dgm:if name="Name271" axis="ch" ptType="node" func="cnt" op="equ" val="6">
+                        <dgm:choose name="Name272">
+                          <dgm:if name="Name273" axis="ch ch" ptType="node node" st="3 1" cnt="1 0" func="cnt" op="equ" val="1">
+                            <dgm:alg type="cycle">
+                              <dgm:param type="ctrShpMap" val="fNode"/>
+                              <dgm:param type="stAng" val="240"/>
+                            </dgm:alg>
+                          </dgm:if>
+                          <dgm:if name="Name274" axis="ch ch" ptType="node node" st="3 1" cnt="1 0" func="cnt" op="equ" val="2">
+                            <dgm:alg type="cycle">
+                              <dgm:param type="ctrShpMap" val="fNode"/>
+                              <dgm:param type="stAng" val="285"/>
+                              <dgm:param type="spanAng" val="-90"/>
+                            </dgm:alg>
+                          </dgm:if>
+                          <dgm:else name="Name275">
+                            <dgm:alg type="cycle">
+                              <dgm:param type="ctrShpMap" val="fNode"/>
+                              <dgm:param type="stAng" val="0"/>
+                              <dgm:param type="spanAng" val="-360"/>
+                            </dgm:alg>
+                          </dgm:else>
+                        </dgm:choose>
+                      </dgm:if>
+                      <dgm:if name="Name276" axis="ch" ptType="node" func="cnt" op="gte" val="7">
+                        <dgm:choose name="Name277">
+                          <dgm:if name="Name278" axis="ch ch" ptType="node node" st="3 1" cnt="1 0" func="cnt" op="equ" val="1">
+                            <dgm:alg type="cycle">
+                              <dgm:param type="ctrShpMap" val="fNode"/>
+                              <dgm:param type="stAng" val="257"/>
+                            </dgm:alg>
+                          </dgm:if>
+                          <dgm:if name="Name279" axis="ch ch" ptType="node node" st="3 1" cnt="1 0" func="cnt" op="equ" val="2">
+                            <dgm:alg type="cycle">
+                              <dgm:param type="ctrShpMap" val="fNode"/>
+                              <dgm:param type="stAng" val="302"/>
+                              <dgm:param type="spanAng" val="-90"/>
+                            </dgm:alg>
+                          </dgm:if>
+                          <dgm:else name="Name280">
+                            <dgm:alg type="cycle">
+                              <dgm:param type="ctrShpMap" val="fNode"/>
+                              <dgm:param type="stAng" val="0"/>
+                              <dgm:param type="spanAng" val="-360"/>
+                            </dgm:alg>
+                          </dgm:else>
+                        </dgm:choose>
+                      </dgm:if>
+                      <dgm:else name="Name281"/>
+                    </dgm:choose>
+                  </dgm:else>
+                </dgm:choose>
+                <dgm:shape xmlns:r="http://schemas.openxmlformats.org/officeDocument/2006/relationships" r:blip="">
+                  <dgm:adjLst/>
+                </dgm:shape>
+                <dgm:presOf/>
+                <dgm:constrLst>
+                  <dgm:constr type="sp" refType="w" fact="0.1"/>
+                  <dgm:constr type="sibSp" refType="w" fact="0.1"/>
+                </dgm:constrLst>
+                <dgm:forEach name="Name282" axis="ch" ptType="node" st="3" cnt="1">
+                  <dgm:layoutNode name="childCenter3" styleLbl="node1">
+                    <dgm:alg type="tx"/>
+                    <dgm:shape xmlns:r="http://schemas.openxmlformats.org/officeDocument/2006/relationships" type="roundRect" r:blip="">
+                      <dgm:adjLst/>
+                    </dgm:shape>
+                    <dgm:presOf axis="self" ptType="node"/>
+                    <dgm:constrLst>
+                      <dgm:constr type="userS"/>
+                      <dgm:constr type="w" refType="userS"/>
+                      <dgm:constr type="h" refType="w"/>
+                      <dgm:constr type="tMarg" refType="primFontSz" fact="0.2"/>
+                      <dgm:constr type="bMarg" refType="primFontSz" fact="0.2"/>
+                      <dgm:constr type="lMarg" refType="primFontSz" fact="0.2"/>
+                      <dgm:constr type="rMarg" refType="primFontSz" fact="0.2"/>
+                    </dgm:constrLst>
+                    <dgm:ruleLst>
+                      <dgm:rule type="primFontSz" val="5" fact="NaN" max="NaN"/>
+                    </dgm:ruleLst>
+                  </dgm:layoutNode>
+                  <dgm:forEach name="Name283" axis="ch">
+                    <dgm:forEach name="Name284" axis="self" ptType="parTrans">
+                      <dgm:layoutNode name="Name285">
+                        <dgm:alg type="conn">
+                          <dgm:param type="dim" val="1D"/>
+                          <dgm:param type="begPts" val="auto"/>
+                          <dgm:param type="endPts" val="auto"/>
+                          <dgm:param type="begSty" val="noArr"/>
+                          <dgm:param type="endSty" val="noArr"/>
+                        </dgm:alg>
+                        <dgm:shape xmlns:r="http://schemas.openxmlformats.org/officeDocument/2006/relationships" type="conn" r:blip="">
+                          <dgm:adjLst/>
+                        </dgm:shape>
+                        <dgm:presOf axis="self"/>
+                        <dgm:constrLst>
+                          <dgm:constr type="begPad"/>
+                          <dgm:constr type="endPad"/>
+                        </dgm:constrLst>
+                      </dgm:layoutNode>
+                    </dgm:forEach>
+                    <dgm:forEach name="Name286" axis="self" ptType="node">
+                      <dgm:layoutNode name="text3" styleLbl="node1">
+                        <dgm:varLst>
+                          <dgm:bulletEnabled val="1"/>
+                        </dgm:varLst>
+                        <dgm:alg type="tx"/>
+                        <dgm:shape xmlns:r="http://schemas.openxmlformats.org/officeDocument/2006/relationships" type="roundRect" r:blip="">
+                          <dgm:adjLst/>
+                        </dgm:shape>
+                        <dgm:presOf axis="desOrSelf" ptType="node"/>
+                        <dgm:constrLst>
+                          <dgm:constr type="userS"/>
+                          <dgm:constr type="w" refType="userS"/>
+                          <dgm:constr type="h" refType="w"/>
+                          <dgm:constr type="tMarg" refType="primFontSz" fact="0.2"/>
+                          <dgm:constr type="bMarg" refType="primFontSz" fact="0.2"/>
+                          <dgm:constr type="lMarg" refType="primFontSz" fact="0.2"/>
+                          <dgm:constr type="rMarg" refType="primFontSz" fact="0.2"/>
+                        </dgm:constrLst>
+                        <dgm:ruleLst>
+                          <dgm:rule type="primFontSz" val="5" fact="NaN" max="NaN"/>
+                        </dgm:ruleLst>
+                      </dgm:layoutNode>
+                    </dgm:forEach>
+                  </dgm:forEach>
+                </dgm:forEach>
+              </dgm:layoutNode>
+              <dgm:forEach name="Name287" axis="ch" ptType="parTrans" st="3" cnt="1">
+                <dgm:layoutNode name="Name288">
+                  <dgm:alg type="conn">
+                    <dgm:param type="dim" val="1D"/>
+                    <dgm:param type="begPts" val="auto"/>
+                    <dgm:param type="endPts" val="auto"/>
+                    <dgm:param type="endSty" val="noArr"/>
+                    <dgm:param type="srcNode" val="textCenter"/>
+                    <dgm:param type="dstNode" val="childCenter3"/>
+                  </dgm:alg>
+                  <dgm:shape xmlns:r="http://schemas.openxmlformats.org/officeDocument/2006/relationships" type="conn" r:blip="" zOrderOff="-999">
+                    <dgm:adjLst/>
+                  </dgm:shape>
+                  <dgm:presOf axis="self"/>
+                  <dgm:constrLst>
+                    <dgm:constr type="h"/>
+                    <dgm:constr type="begPad"/>
+                    <dgm:constr type="endPad"/>
+                  </dgm:constrLst>
+                </dgm:layoutNode>
+              </dgm:forEach>
+            </dgm:if>
+            <dgm:else name="Name289"/>
+          </dgm:choose>
+          <dgm:choose name="Name290">
+            <dgm:if name="Name291" axis="ch" ptType="node" func="cnt" op="gte" val="4">
+              <dgm:layoutNode name="cycle_4">
+                <dgm:choose name="Name292">
+                  <dgm:if name="Name293" func="var" arg="dir" op="equ" val="norm">
+                    <dgm:choose name="Name294">
+                      <dgm:if name="Name295" axis="ch" ptType="node" func="cnt" op="equ" val="4">
+                        <dgm:choose name="Name296">
+                          <dgm:if name="Name297" axis="ch ch" ptType="node node" st="4 1" cnt="1 0" func="cnt" op="equ" val="1">
+                            <dgm:alg type="cycle">
+                              <dgm:param type="ctrShpMap" val="fNode"/>
+                              <dgm:param type="stAng" val="270"/>
+                            </dgm:alg>
+                          </dgm:if>
+                          <dgm:if name="Name298" axis="ch ch" ptType="node node" st="4 1" cnt="1 0" func="cnt" op="equ" val="2">
+                            <dgm:alg type="cycle">
+                              <dgm:param type="ctrShpMap" val="fNode"/>
+                              <dgm:param type="stAng" val="225"/>
+                              <dgm:param type="spanAng" val="90"/>
+                            </dgm:alg>
+                          </dgm:if>
+                          <dgm:else name="Name299">
+                            <dgm:alg type="cycle">
+                              <dgm:param type="ctrShpMap" val="fNode"/>
+                              <dgm:param type="stAng" val="202.5"/>
+                              <dgm:param type="spanAng" val="135"/>
+                            </dgm:alg>
+                          </dgm:else>
+                        </dgm:choose>
+                      </dgm:if>
+                      <dgm:if name="Name300" axis="ch" ptType="node" func="cnt" op="equ" val="5">
+                        <dgm:choose name="Name301">
+                          <dgm:if name="Name302" axis="ch ch" ptType="node node" st="4 1" cnt="1 0" func="cnt" op="equ" val="1">
+                            <dgm:alg type="cycle">
+                              <dgm:param type="ctrShpMap" val="fNode"/>
+                              <dgm:param type="stAng" val="216"/>
+                            </dgm:alg>
+                          </dgm:if>
+                          <dgm:if name="Name303" axis="ch ch" ptType="node node" st="4 1" cnt="1 0" func="cnt" op="equ" val="2">
+                            <dgm:alg type="cycle">
+                              <dgm:param type="ctrShpMap" val="fNode"/>
+                              <dgm:param type="stAng" val="171"/>
+                              <dgm:param type="spanAng" val="90"/>
+                            </dgm:alg>
+                          </dgm:if>
+                          <dgm:else name="Name304">
+                            <dgm:alg type="cycle">
+                              <dgm:param type="ctrShpMap" val="fNode"/>
+                              <dgm:param type="stAng" val="0"/>
+                              <dgm:param type="spanAng" val="360"/>
+                            </dgm:alg>
+                          </dgm:else>
+                        </dgm:choose>
+                      </dgm:if>
+                      <dgm:if name="Name305" axis="ch" ptType="node" func="cnt" op="equ" val="6">
+                        <dgm:choose name="Name306">
+                          <dgm:if name="Name307" axis="ch ch" ptType="node node" st="4 1" cnt="1 0" func="cnt" op="equ" val="1">
+                            <dgm:alg type="cycle">
+                              <dgm:param type="ctrShpMap" val="fNode"/>
+                              <dgm:param type="stAng" val="180"/>
+                            </dgm:alg>
+                          </dgm:if>
+                          <dgm:if name="Name308" axis="ch ch" ptType="node node" st="4 1" cnt="1 0" func="cnt" op="equ" val="2">
+                            <dgm:alg type="cycle">
+                              <dgm:param type="ctrShpMap" val="fNode"/>
+                              <dgm:param type="stAng" val="135"/>
+                              <dgm:param type="spanAng" val="90"/>
+                            </dgm:alg>
+                          </dgm:if>
+                          <dgm:else name="Name309">
+                            <dgm:alg type="cycle">
+                              <dgm:param type="ctrShpMap" val="fNode"/>
+                              <dgm:param type="stAng" val="0"/>
+                              <dgm:param type="spanAng" val="360"/>
+                            </dgm:alg>
+                          </dgm:else>
+                        </dgm:choose>
+                      </dgm:if>
+                      <dgm:if name="Name310" axis="ch" ptType="node" func="cnt" op="gte" val="7">
+                        <dgm:choose name="Name311">
+                          <dgm:if name="Name312" axis="ch ch" ptType="node node" st="4 1" cnt="1 0" func="cnt" op="equ" val="1">
+                            <dgm:alg type="cycle">
+                              <dgm:param type="ctrShpMap" val="fNode"/>
+                              <dgm:param type="stAng" val="154"/>
+                            </dgm:alg>
+                          </dgm:if>
+                          <dgm:if name="Name313" axis="ch ch" ptType="node node" st="4 1" cnt="1 0" func="cnt" op="equ" val="2">
+                            <dgm:alg type="cycle">
+                              <dgm:param type="ctrShpMap" val="fNode"/>
+                              <dgm:param type="stAng" val="109"/>
+                              <dgm:param type="spanAng" val="90"/>
+                            </dgm:alg>
+                          </dgm:if>
+                          <dgm:else name="Name314">
+                            <dgm:alg type="cycle">
+                              <dgm:param type="ctrShpMap" val="fNode"/>
+                              <dgm:param type="stAng" val="0"/>
+                              <dgm:param type="spanAng" val="360"/>
+                            </dgm:alg>
+                          </dgm:else>
+                        </dgm:choose>
+                      </dgm:if>
+                      <dgm:else name="Name315"/>
+                    </dgm:choose>
+                  </dgm:if>
+                  <dgm:else name="Name316">
+                    <dgm:choose name="Name317">
+                      <dgm:if name="Name318" axis="ch" ptType="node" func="cnt" op="equ" val="4">
+                        <dgm:choose name="Name319">
+                          <dgm:if name="Name320" axis="ch ch" ptType="node node" st="4 1" cnt="1 0" func="cnt" op="equ" val="1">
+                            <dgm:alg type="cycle">
+                              <dgm:param type="ctrShpMap" val="fNode"/>
+                              <dgm:param type="stAng" val="90"/>
+                            </dgm:alg>
+                          </dgm:if>
+                          <dgm:if name="Name321" axis="ch ch" ptType="node node" st="4 1" cnt="1 0" func="cnt" op="equ" val="2">
+                            <dgm:alg type="cycle">
+                              <dgm:param type="ctrShpMap" val="fNode"/>
+                              <dgm:param type="stAng" val="135"/>
+                              <dgm:param type="spanAng" val="-90"/>
+                            </dgm:alg>
+                          </dgm:if>
+                          <dgm:else name="Name322">
+                            <dgm:alg type="cycle">
+                              <dgm:param type="ctrShpMap" val="fNode"/>
+                              <dgm:param type="stAng" val="157.5"/>
+                              <dgm:param type="spanAng" val="-135"/>
+                            </dgm:alg>
+                          </dgm:else>
+                        </dgm:choose>
+                      </dgm:if>
+                      <dgm:if name="Name323" axis="ch" ptType="node" func="cnt" op="equ" val="5">
+                        <dgm:choose name="Name324">
+                          <dgm:if name="Name325" axis="ch ch" ptType="node node" st="4 1" cnt="1 0" func="cnt" op="equ" val="1">
+                            <dgm:alg type="cycle">
+                              <dgm:param type="ctrShpMap" val="fNode"/>
+                              <dgm:param type="stAng" val="144"/>
+                            </dgm:alg>
+                          </dgm:if>
+                          <dgm:if name="Name326" axis="ch ch" ptType="node node" st="4 1" cnt="1 0" func="cnt" op="equ" val="2">
+                            <dgm:alg type="cycle">
+                              <dgm:param type="ctrShpMap" val="fNode"/>
+                              <dgm:param type="stAng" val="189"/>
+                              <dgm:param type="spanAng" val="-90"/>
+                            </dgm:alg>
+                          </dgm:if>
+                          <dgm:else name="Name327">
+                            <dgm:alg type="cycle">
+                              <dgm:param type="ctrShpMap" val="fNode"/>
+                              <dgm:param type="stAng" val="0"/>
+                              <dgm:param type="spanAng" val="-360"/>
+                            </dgm:alg>
+                          </dgm:else>
+                        </dgm:choose>
+                      </dgm:if>
+                      <dgm:if name="Name328" axis="ch" ptType="node" func="cnt" op="equ" val="6">
+                        <dgm:choose name="Name329">
+                          <dgm:if name="Name330" axis="ch ch" ptType="node node" st="4 1" cnt="1 0" func="cnt" op="equ" val="1">
+                            <dgm:alg type="cycle">
+                              <dgm:param type="ctrShpMap" val="fNode"/>
+                              <dgm:param type="stAng" val="180"/>
+                            </dgm:alg>
+                          </dgm:if>
+                          <dgm:if name="Name331" axis="ch ch" ptType="node node" st="4 1" cnt="1 0" func="cnt" op="equ" val="2">
+                            <dgm:alg type="cycle">
+                              <dgm:param type="ctrShpMap" val="fNode"/>
+                              <dgm:param type="stAng" val="225"/>
+                              <dgm:param type="spanAng" val="-90"/>
+                            </dgm:alg>
+                          </dgm:if>
+                          <dgm:else name="Name332">
+                            <dgm:alg type="cycle">
+                              <dgm:param type="ctrShpMap" val="fNode"/>
+                              <dgm:param type="stAng" val="0"/>
+                              <dgm:param type="spanAng" val="-360"/>
+                            </dgm:alg>
+                          </dgm:else>
+                        </dgm:choose>
+                      </dgm:if>
+                      <dgm:if name="Name333" axis="ch" ptType="node" func="cnt" op="gte" val="7">
+                        <dgm:choose name="Name334">
+                          <dgm:if name="Name335" axis="ch ch" ptType="node node" st="4 1" cnt="1 0" func="cnt" op="equ" val="1">
+                            <dgm:alg type="cycle">
+                              <dgm:param type="ctrShpMap" val="fNode"/>
+                              <dgm:param type="stAng" val="205"/>
+                            </dgm:alg>
+                          </dgm:if>
+                          <dgm:if name="Name336" axis="ch ch" ptType="node node" st="4 1" cnt="1 0" func="cnt" op="equ" val="2">
+                            <dgm:alg type="cycle">
+                              <dgm:param type="ctrShpMap" val="fNode"/>
+                              <dgm:param type="stAng" val="250"/>
+                              <dgm:param type="spanAng" val="-90"/>
+                            </dgm:alg>
+                          </dgm:if>
+                          <dgm:else name="Name337">
+                            <dgm:alg type="cycle">
+                              <dgm:param type="ctrShpMap" val="fNode"/>
+                              <dgm:param type="stAng" val="0"/>
+                              <dgm:param type="spanAng" val="-360"/>
+                            </dgm:alg>
+                          </dgm:else>
+                        </dgm:choose>
+                      </dgm:if>
+                      <dgm:else name="Name338"/>
+                    </dgm:choose>
+                  </dgm:else>
+                </dgm:choose>
+                <dgm:shape xmlns:r="http://schemas.openxmlformats.org/officeDocument/2006/relationships" r:blip="">
+                  <dgm:adjLst/>
+                </dgm:shape>
+                <dgm:presOf/>
+                <dgm:constrLst>
+                  <dgm:constr type="sp" refType="w" fact="0.1"/>
+                  <dgm:constr type="sibSp" refType="w" fact="0.1"/>
+                </dgm:constrLst>
+                <dgm:forEach name="Name339" axis="ch" ptType="node" st="4" cnt="1">
+                  <dgm:layoutNode name="childCenter4" styleLbl="node1">
+                    <dgm:alg type="tx"/>
+                    <dgm:shape xmlns:r="http://schemas.openxmlformats.org/officeDocument/2006/relationships" type="roundRect" r:blip="">
+                      <dgm:adjLst/>
+                    </dgm:shape>
+                    <dgm:presOf axis="self" ptType="node"/>
+                    <dgm:constrLst>
+                      <dgm:constr type="userS"/>
+                      <dgm:constr type="w" refType="userS"/>
+                      <dgm:constr type="h" refType="w"/>
+                      <dgm:constr type="tMarg" refType="primFontSz" fact="0.2"/>
+                      <dgm:constr type="bMarg" refType="primFontSz" fact="0.2"/>
+                      <dgm:constr type="lMarg" refType="primFontSz" fact="0.2"/>
+                      <dgm:constr type="rMarg" refType="primFontSz" fact="0.2"/>
+                    </dgm:constrLst>
+                    <dgm:ruleLst>
+                      <dgm:rule type="primFontSz" val="5" fact="NaN" max="NaN"/>
+                    </dgm:ruleLst>
+                  </dgm:layoutNode>
+                  <dgm:forEach name="Name340" axis="ch">
+                    <dgm:forEach name="Name341" axis="self" ptType="parTrans">
+                      <dgm:layoutNode name="Name342">
+                        <dgm:alg type="conn">
+                          <dgm:param type="dim" val="1D"/>
+                          <dgm:param type="begPts" val="auto"/>
+                          <dgm:param type="endPts" val="auto"/>
+                          <dgm:param type="begSty" val="noArr"/>
+                          <dgm:param type="endSty" val="noArr"/>
+                        </dgm:alg>
+                        <dgm:shape xmlns:r="http://schemas.openxmlformats.org/officeDocument/2006/relationships" type="conn" r:blip="">
+                          <dgm:adjLst/>
+                        </dgm:shape>
+                        <dgm:presOf axis="self"/>
+                        <dgm:constrLst>
+                          <dgm:constr type="begPad"/>
+                          <dgm:constr type="endPad"/>
+                        </dgm:constrLst>
+                      </dgm:layoutNode>
+                    </dgm:forEach>
+                    <dgm:forEach name="Name343" axis="self" ptType="node">
+                      <dgm:layoutNode name="text4" styleLbl="node1">
+                        <dgm:varLst>
+                          <dgm:bulletEnabled val="1"/>
+                        </dgm:varLst>
+                        <dgm:alg type="tx"/>
+                        <dgm:shape xmlns:r="http://schemas.openxmlformats.org/officeDocument/2006/relationships" type="roundRect" r:blip="">
+                          <dgm:adjLst/>
+                        </dgm:shape>
+                        <dgm:presOf axis="desOrSelf" ptType="node"/>
+                        <dgm:constrLst>
+                          <dgm:constr type="userS"/>
+                          <dgm:constr type="w" refType="userS"/>
+                          <dgm:constr type="h" refType="w"/>
+                          <dgm:constr type="tMarg" refType="primFontSz" fact="0.2"/>
+                          <dgm:constr type="bMarg" refType="primFontSz" fact="0.2"/>
+                          <dgm:constr type="lMarg" refType="primFontSz" fact="0.2"/>
+                          <dgm:constr type="rMarg" refType="primFontSz" fact="0.2"/>
+                        </dgm:constrLst>
+                        <dgm:ruleLst>
+                          <dgm:rule type="primFontSz" val="5" fact="NaN" max="NaN"/>
+                        </dgm:ruleLst>
+                      </dgm:layoutNode>
+                    </dgm:forEach>
+                  </dgm:forEach>
+                </dgm:forEach>
+              </dgm:layoutNode>
+              <dgm:forEach name="Name344" axis="ch" ptType="parTrans" st="4" cnt="1">
+                <dgm:layoutNode name="Name345">
+                  <dgm:alg type="conn">
+                    <dgm:param type="dim" val="1D"/>
+                    <dgm:param type="begPts" val="auto"/>
+                    <dgm:param type="endPts" val="auto"/>
+                    <dgm:param type="endSty" val="noArr"/>
+                    <dgm:param type="srcNode" val="textCenter"/>
+                    <dgm:param type="dstNode" val="childCenter4"/>
+                  </dgm:alg>
+                  <dgm:shape xmlns:r="http://schemas.openxmlformats.org/officeDocument/2006/relationships" type="conn" r:blip="" zOrderOff="-999">
+                    <dgm:adjLst/>
+                  </dgm:shape>
+                  <dgm:presOf axis="self"/>
+                  <dgm:constrLst>
+                    <dgm:constr type="h"/>
+                    <dgm:constr type="begPad"/>
+                    <dgm:constr type="endPad"/>
+                  </dgm:constrLst>
+                </dgm:layoutNode>
+              </dgm:forEach>
+            </dgm:if>
+            <dgm:else name="Name346"/>
+          </dgm:choose>
+          <dgm:choose name="Name347">
+            <dgm:if name="Name348" axis="ch" ptType="node" func="cnt" op="gte" val="5">
+              <dgm:layoutNode name="cycle_5">
+                <dgm:choose name="Name349">
+                  <dgm:if name="Name350" func="var" arg="dir" op="equ" val="norm">
+                    <dgm:choose name="Name351">
+                      <dgm:if name="Name352" axis="ch" ptType="node" func="cnt" op="equ" val="5">
+                        <dgm:choose name="Name353">
+                          <dgm:if name="Name354" axis="ch ch" ptType="node node" st="5 1" cnt="1 0" func="cnt" op="equ" val="1">
+                            <dgm:alg type="cycle">
+                              <dgm:param type="ctrShpMap" val="fNode"/>
+                              <dgm:param type="stAng" val="288"/>
+                            </dgm:alg>
+                          </dgm:if>
+                          <dgm:if name="Name355" axis="ch ch" ptType="node node" st="5 1" cnt="1 0" func="cnt" op="equ" val="2">
+                            <dgm:alg type="cycle">
+                              <dgm:param type="ctrShpMap" val="fNode"/>
+                              <dgm:param type="stAng" val="243"/>
+                              <dgm:param type="spanAng" val="90"/>
+                            </dgm:alg>
+                          </dgm:if>
+                          <dgm:else name="Name356">
+                            <dgm:alg type="cycle">
+                              <dgm:param type="ctrShpMap" val="fNode"/>
+                              <dgm:param type="stAng" val="0"/>
+                              <dgm:param type="spanAng" val="360"/>
+                            </dgm:alg>
+                          </dgm:else>
+                        </dgm:choose>
+                      </dgm:if>
+                      <dgm:if name="Name357" axis="ch" ptType="node" func="cnt" op="equ" val="6">
+                        <dgm:choose name="Name358">
+                          <dgm:if name="Name359" axis="ch ch" ptType="node node" st="5 1" cnt="1 0" func="cnt" op="equ" val="1">
+                            <dgm:alg type="cycle">
+                              <dgm:param type="ctrShpMap" val="fNode"/>
+                              <dgm:param type="stAng" val="240"/>
+                            </dgm:alg>
+                          </dgm:if>
+                          <dgm:if name="Name360" axis="ch ch" ptType="node node" st="5 1" cnt="1 0" func="cnt" op="equ" val="2">
+                            <dgm:alg type="cycle">
+                              <dgm:param type="ctrShpMap" val="fNode"/>
+                              <dgm:param type="stAng" val="195"/>
+                              <dgm:param type="spanAng" val="90"/>
+                            </dgm:alg>
+                          </dgm:if>
+                          <dgm:else name="Name361">
+                            <dgm:alg type="cycle">
+                              <dgm:param type="ctrShpMap" val="fNode"/>
+                              <dgm:param type="stAng" val="0"/>
+                              <dgm:param type="spanAng" val="360"/>
+                            </dgm:alg>
+                          </dgm:else>
+                        </dgm:choose>
+                      </dgm:if>
+                      <dgm:if name="Name362" axis="ch" ptType="node" func="cnt" op="gte" val="7">
+                        <dgm:choose name="Name363">
+                          <dgm:if name="Name364" axis="ch ch" ptType="node node" st="5 1" cnt="1 0" func="cnt" op="equ" val="1">
+                            <dgm:alg type="cycle">
+                              <dgm:param type="ctrShpMap" val="fNode"/>
+                              <dgm:param type="stAng" val="205"/>
+                            </dgm:alg>
+                          </dgm:if>
+                          <dgm:if name="Name365" axis="ch ch" ptType="node node" st="5 1" cnt="1 0" func="cnt" op="equ" val="2">
+                            <dgm:alg type="cycle">
+                              <dgm:param type="ctrShpMap" val="fNode"/>
+                              <dgm:param type="stAng" val="160"/>
+                              <dgm:param type="spanAng" val="90"/>
+                            </dgm:alg>
+                          </dgm:if>
+                          <dgm:else name="Name366">
+                            <dgm:alg type="cycle">
+                              <dgm:param type="ctrShpMap" val="fNode"/>
+                              <dgm:param type="stAng" val="0"/>
+                              <dgm:param type="spanAng" val="360"/>
+                            </dgm:alg>
+                          </dgm:else>
+                        </dgm:choose>
+                      </dgm:if>
+                      <dgm:else name="Name367"/>
+                    </dgm:choose>
+                  </dgm:if>
+                  <dgm:else name="Name368">
+                    <dgm:choose name="Name369">
+                      <dgm:if name="Name370" axis="ch" ptType="node" func="cnt" op="equ" val="5">
+                        <dgm:choose name="Name371">
+                          <dgm:if name="Name372" axis="ch ch" ptType="node node" st="5 1" cnt="1 0" func="cnt" op="equ" val="1">
+                            <dgm:alg type="cycle">
+                              <dgm:param type="ctrShpMap" val="fNode"/>
+                              <dgm:param type="stAng" val="72"/>
+                            </dgm:alg>
+                          </dgm:if>
+                          <dgm:if name="Name373" axis="ch ch" ptType="node node" st="5 1" cnt="1 0" func="cnt" op="equ" val="2">
+                            <dgm:alg type="cycle">
+                              <dgm:param type="ctrShpMap" val="fNode"/>
+                              <dgm:param type="stAng" val="117"/>
+                              <dgm:param type="spanAng" val="-90"/>
+                            </dgm:alg>
+                          </dgm:if>
+                          <dgm:else name="Name374">
+                            <dgm:alg type="cycle">
+                              <dgm:param type="ctrShpMap" val="fNode"/>
+                              <dgm:param type="stAng" val="0"/>
+                              <dgm:param type="spanAng" val="-360"/>
+                            </dgm:alg>
+                          </dgm:else>
+                        </dgm:choose>
+                      </dgm:if>
+                      <dgm:if name="Name375" axis="ch" ptType="node" func="cnt" op="equ" val="6">
+                        <dgm:choose name="Name376">
+                          <dgm:if name="Name377" axis="ch ch" ptType="node node" st="5 1" cnt="1 0" func="cnt" op="equ" val="1">
+                            <dgm:alg type="cycle">
+                              <dgm:param type="ctrShpMap" val="fNode"/>
+                              <dgm:param type="stAng" val="120"/>
+                            </dgm:alg>
+                          </dgm:if>
+                          <dgm:if name="Name378" axis="ch ch" ptType="node node" st="5 1" cnt="1 0" func="cnt" op="equ" val="2">
+                            <dgm:alg type="cycle">
+                              <dgm:param type="ctrShpMap" val="fNode"/>
+                              <dgm:param type="stAng" val="165"/>
+                              <dgm:param type="spanAng" val="-90"/>
+                            </dgm:alg>
+                          </dgm:if>
+                          <dgm:else name="Name379">
+                            <dgm:alg type="cycle">
+                              <dgm:param type="ctrShpMap" val="fNode"/>
+                              <dgm:param type="stAng" val="0"/>
+                              <dgm:param type="spanAng" val="-360"/>
+                            </dgm:alg>
+                          </dgm:else>
+                        </dgm:choose>
+                      </dgm:if>
+                      <dgm:if name="Name380" axis="ch" ptType="node" func="cnt" op="gte" val="7">
+                        <dgm:choose name="Name381">
+                          <dgm:if name="Name382" axis="ch ch" ptType="node node" st="5 1" cnt="1 0" func="cnt" op="equ" val="1">
+                            <dgm:alg type="cycle">
+                              <dgm:param type="ctrShpMap" val="fNode"/>
+                              <dgm:param type="stAng" val="154"/>
+                            </dgm:alg>
+                          </dgm:if>
+                          <dgm:if name="Name383" axis="ch ch" ptType="node node" st="5 1" cnt="1 0" func="cnt" op="equ" val="2">
+                            <dgm:alg type="cycle">
+                              <dgm:param type="ctrShpMap" val="fNode"/>
+                              <dgm:param type="stAng" val="199"/>
+                              <dgm:param type="spanAng" val="-90"/>
+                            </dgm:alg>
+                          </dgm:if>
+                          <dgm:else name="Name384">
+                            <dgm:alg type="cycle">
+                              <dgm:param type="ctrShpMap" val="fNode"/>
+                              <dgm:param type="stAng" val="0"/>
+                              <dgm:param type="spanAng" val="-360"/>
+                            </dgm:alg>
+                          </dgm:else>
+                        </dgm:choose>
+                      </dgm:if>
+                      <dgm:else name="Name385"/>
+                    </dgm:choose>
+                  </dgm:else>
+                </dgm:choose>
+                <dgm:shape xmlns:r="http://schemas.openxmlformats.org/officeDocument/2006/relationships" r:blip="">
+                  <dgm:adjLst/>
+                </dgm:shape>
+                <dgm:presOf/>
+                <dgm:constrLst>
+                  <dgm:constr type="sp" refType="w" fact="0.1"/>
+                  <dgm:constr type="sibSp" refType="w" fact="0.1"/>
+                </dgm:constrLst>
+                <dgm:forEach name="Name386" axis="ch" ptType="node" st="5" cnt="1">
+                  <dgm:layoutNode name="childCenter5" styleLbl="node1">
+                    <dgm:alg type="tx"/>
+                    <dgm:shape xmlns:r="http://schemas.openxmlformats.org/officeDocument/2006/relationships" type="roundRect" r:blip="">
+                      <dgm:adjLst/>
+                    </dgm:shape>
+                    <dgm:presOf axis="self" ptType="node"/>
+                    <dgm:constrLst>
+                      <dgm:constr type="userS"/>
+                      <dgm:constr type="w" refType="userS"/>
+                      <dgm:constr type="h" refType="w"/>
+                      <dgm:constr type="tMarg" refType="primFontSz" fact="0.2"/>
+                      <dgm:constr type="bMarg" refType="primFontSz" fact="0.2"/>
+                      <dgm:constr type="lMarg" refType="primFontSz" fact="0.2"/>
+                      <dgm:constr type="rMarg" refType="primFontSz" fact="0.2"/>
+                    </dgm:constrLst>
+                    <dgm:ruleLst>
+                      <dgm:rule type="primFontSz" val="5" fact="NaN" max="NaN"/>
+                    </dgm:ruleLst>
+                  </dgm:layoutNode>
+                  <dgm:forEach name="Name387" axis="ch">
+                    <dgm:forEach name="Name388" axis="self" ptType="parTrans">
+                      <dgm:layoutNode name="Name389">
+                        <dgm:alg type="conn">
+                          <dgm:param type="dim" val="1D"/>
+                          <dgm:param type="begPts" val="auto"/>
+                          <dgm:param type="endPts" val="auto"/>
+                          <dgm:param type="begSty" val="noArr"/>
+                          <dgm:param type="endSty" val="noArr"/>
+                        </dgm:alg>
+                        <dgm:shape xmlns:r="http://schemas.openxmlformats.org/officeDocument/2006/relationships" type="conn" r:blip="">
+                          <dgm:adjLst/>
+                        </dgm:shape>
+                        <dgm:presOf axis="self"/>
+                        <dgm:constrLst>
+                          <dgm:constr type="begPad"/>
+                          <dgm:constr type="endPad"/>
+                        </dgm:constrLst>
+                      </dgm:layoutNode>
+                    </dgm:forEach>
+                    <dgm:forEach name="Name390" axis="self" ptType="node">
+                      <dgm:layoutNode name="text5" styleLbl="node1">
+                        <dgm:varLst>
+                          <dgm:bulletEnabled val="1"/>
+                        </dgm:varLst>
+                        <dgm:alg type="tx"/>
+                        <dgm:shape xmlns:r="http://schemas.openxmlformats.org/officeDocument/2006/relationships" type="roundRect" r:blip="">
+                          <dgm:adjLst/>
+                        </dgm:shape>
+                        <dgm:presOf axis="desOrSelf" ptType="node"/>
+                        <dgm:constrLst>
+                          <dgm:constr type="userS"/>
+                          <dgm:constr type="w" refType="userS"/>
+                          <dgm:constr type="h" refType="w"/>
+                          <dgm:constr type="tMarg" refType="primFontSz" fact="0.2"/>
+                          <dgm:constr type="bMarg" refType="primFontSz" fact="0.2"/>
+                          <dgm:constr type="lMarg" refType="primFontSz" fact="0.2"/>
+                          <dgm:constr type="rMarg" refType="primFontSz" fact="0.2"/>
+                        </dgm:constrLst>
+                        <dgm:ruleLst>
+                          <dgm:rule type="primFontSz" val="5" fact="NaN" max="NaN"/>
+                        </dgm:ruleLst>
+                      </dgm:layoutNode>
+                    </dgm:forEach>
+                  </dgm:forEach>
+                </dgm:forEach>
+              </dgm:layoutNode>
+              <dgm:forEach name="Name391" axis="ch" ptType="parTrans" st="5" cnt="1">
+                <dgm:layoutNode name="Name392">
+                  <dgm:alg type="conn">
+                    <dgm:param type="dim" val="1D"/>
+                    <dgm:param type="begPts" val="auto"/>
+                    <dgm:param type="endPts" val="auto"/>
+                    <dgm:param type="endSty" val="noArr"/>
+                    <dgm:param type="srcNode" val="textCenter"/>
+                    <dgm:param type="dstNode" val="childCenter5"/>
+                  </dgm:alg>
+                  <dgm:shape xmlns:r="http://schemas.openxmlformats.org/officeDocument/2006/relationships" type="conn" r:blip="" zOrderOff="-999">
+                    <dgm:adjLst/>
+                  </dgm:shape>
+                  <dgm:presOf axis="self"/>
+                  <dgm:constrLst>
+                    <dgm:constr type="h"/>
+                    <dgm:constr type="begPad"/>
+                    <dgm:constr type="endPad"/>
+                  </dgm:constrLst>
+                </dgm:layoutNode>
+              </dgm:forEach>
+            </dgm:if>
+            <dgm:else name="Name393"/>
+          </dgm:choose>
+          <dgm:choose name="Name394">
+            <dgm:if name="Name395" axis="ch" ptType="node" func="cnt" op="gte" val="6">
+              <dgm:layoutNode name="cycle_6">
+                <dgm:choose name="Name396">
+                  <dgm:if name="Name397" func="var" arg="dir" op="equ" val="norm">
+                    <dgm:choose name="Name398">
+                      <dgm:if name="Name399" axis="ch" ptType="node" func="cnt" op="equ" val="6">
+                        <dgm:choose name="Name400">
+                          <dgm:if name="Name401" axis="ch ch" ptType="node node" st="6 1" cnt="1 0" func="cnt" op="equ" val="1">
+                            <dgm:alg type="cycle">
+                              <dgm:param type="ctrShpMap" val="fNode"/>
+                              <dgm:param type="stAng" val="300"/>
+                            </dgm:alg>
+                          </dgm:if>
+                          <dgm:if name="Name402" axis="ch ch" ptType="node node" st="6 1" cnt="1 0" func="cnt" op="equ" val="2">
+                            <dgm:alg type="cycle">
+                              <dgm:param type="ctrShpMap" val="fNode"/>
+                              <dgm:param type="stAng" val="255"/>
+                              <dgm:param type="spanAng" val="90"/>
+                            </dgm:alg>
+                          </dgm:if>
+                          <dgm:else name="Name403">
+                            <dgm:alg type="cycle">
+                              <dgm:param type="ctrShpMap" val="fNode"/>
+                              <dgm:param type="stAng" val="0"/>
+                              <dgm:param type="spanAng" val="360"/>
+                            </dgm:alg>
+                          </dgm:else>
+                        </dgm:choose>
+                      </dgm:if>
+                      <dgm:if name="Name404" axis="ch" ptType="node" func="cnt" op="gte" val="7">
+                        <dgm:choose name="Name405">
+                          <dgm:if name="Name406" axis="ch ch" ptType="node node" st="6 1" cnt="1 0" func="cnt" op="equ" val="1">
+                            <dgm:alg type="cycle">
+                              <dgm:param type="ctrShpMap" val="fNode"/>
+                              <dgm:param type="stAng" val="257"/>
+                            </dgm:alg>
+                          </dgm:if>
+                          <dgm:if name="Name407" axis="ch ch" ptType="node node" st="6 1" cnt="1 0" func="cnt" op="equ" val="2">
+                            <dgm:alg type="cycle">
+                              <dgm:param type="ctrShpMap" val="fNode"/>
+                              <dgm:param type="stAng" val="212"/>
+                              <dgm:param type="spanAng" val="90"/>
+                            </dgm:alg>
+                          </dgm:if>
+                          <dgm:else name="Name408">
+                            <dgm:alg type="cycle">
+                              <dgm:param type="ctrShpMap" val="fNode"/>
+                              <dgm:param type="stAng" val="0"/>
+                              <dgm:param type="spanAng" val="360"/>
+                            </dgm:alg>
+                          </dgm:else>
+                        </dgm:choose>
+                      </dgm:if>
+                      <dgm:else name="Name409"/>
+                    </dgm:choose>
+                  </dgm:if>
+                  <dgm:else name="Name410">
+                    <dgm:choose name="Name411">
+                      <dgm:if name="Name412" axis="ch" ptType="node" func="cnt" op="equ" val="6">
+                        <dgm:choose name="Name413">
+                          <dgm:if name="Name414" axis="ch ch" ptType="node node" st="6 1" cnt="1 0" func="cnt" op="equ" val="1">
+                            <dgm:alg type="cycle">
+                              <dgm:param type="ctrShpMap" val="fNode"/>
+                              <dgm:param type="stAng" val="60"/>
+                            </dgm:alg>
+                          </dgm:if>
+                          <dgm:if name="Name415" axis="ch ch" ptType="node node" st="6 1" cnt="1 0" func="cnt" op="equ" val="2">
+                            <dgm:alg type="cycle">
+                              <dgm:param type="ctrShpMap" val="fNode"/>
+                              <dgm:param type="stAng" val="105"/>
+                              <dgm:param type="spanAng" val="-90"/>
+                            </dgm:alg>
+                          </dgm:if>
+                          <dgm:else name="Name416">
+                            <dgm:alg type="cycle">
+                              <dgm:param type="ctrShpMap" val="fNode"/>
+                              <dgm:param type="stAng" val="0"/>
+                              <dgm:param type="spanAng" val="-360"/>
+                            </dgm:alg>
+                          </dgm:else>
+                        </dgm:choose>
+                      </dgm:if>
+                      <dgm:if name="Name417" axis="ch" ptType="node" func="cnt" op="gte" val="7">
+                        <dgm:choose name="Name418">
+                          <dgm:if name="Name419" axis="ch ch" ptType="node node" st="6 1" cnt="1 0" func="cnt" op="equ" val="1">
+                            <dgm:alg type="cycle">
+                              <dgm:param type="ctrShpMap" val="fNode"/>
+                              <dgm:param type="stAng" val="102"/>
+                            </dgm:alg>
+                          </dgm:if>
+                          <dgm:if name="Name420" axis="ch ch" ptType="node node" st="6 1" cnt="1 0" func="cnt" op="equ" val="2">
+                            <dgm:alg type="cycle">
+                              <dgm:param type="ctrShpMap" val="fNode"/>
+                              <dgm:param type="stAng" val="147"/>
+                              <dgm:param type="spanAng" val="-90"/>
+                            </dgm:alg>
+                          </dgm:if>
+                          <dgm:else name="Name421">
+                            <dgm:alg type="cycle">
+                              <dgm:param type="ctrShpMap" val="fNode"/>
+                              <dgm:param type="stAng" val="0"/>
+                              <dgm:param type="spanAng" val="-360"/>
+                            </dgm:alg>
+                          </dgm:else>
+                        </dgm:choose>
+                      </dgm:if>
+                      <dgm:else name="Name422"/>
+                    </dgm:choose>
+                  </dgm:else>
+                </dgm:choose>
+                <dgm:shape xmlns:r="http://schemas.openxmlformats.org/officeDocument/2006/relationships" r:blip="">
+                  <dgm:adjLst/>
+                </dgm:shape>
+                <dgm:presOf/>
+                <dgm:constrLst>
+                  <dgm:constr type="sp" refType="w" fact="0.1"/>
+                  <dgm:constr type="sibSp" refType="w" fact="0.1"/>
+                </dgm:constrLst>
+                <dgm:forEach name="Name423" axis="ch" ptType="node" st="6" cnt="1">
+                  <dgm:layoutNode name="childCenter6" styleLbl="node1">
+                    <dgm:alg type="tx"/>
+                    <dgm:shape xmlns:r="http://schemas.openxmlformats.org/officeDocument/2006/relationships" type="roundRect" r:blip="">
+                      <dgm:adjLst/>
+                    </dgm:shape>
+                    <dgm:presOf axis="self" ptType="node"/>
+                    <dgm:constrLst>
+                      <dgm:constr type="userS"/>
+                      <dgm:constr type="w" refType="userS"/>
+                      <dgm:constr type="h" refType="w"/>
+                      <dgm:constr type="tMarg" refType="primFontSz" fact="0.2"/>
+                      <dgm:constr type="bMarg" refType="primFontSz" fact="0.2"/>
+                      <dgm:constr type="lMarg" refType="primFontSz" fact="0.2"/>
+                      <dgm:constr type="rMarg" refType="primFontSz" fact="0.2"/>
+                    </dgm:constrLst>
+                    <dgm:ruleLst>
+                      <dgm:rule type="primFontSz" val="5" fact="NaN" max="NaN"/>
+                    </dgm:ruleLst>
+                  </dgm:layoutNode>
+                  <dgm:forEach name="Name424" axis="ch">
+                    <dgm:forEach name="Name425" axis="self" ptType="parTrans">
+                      <dgm:layoutNode name="Name426">
+                        <dgm:alg type="conn">
+                          <dgm:param type="dim" val="1D"/>
+                          <dgm:param type="begPts" val="auto"/>
+                          <dgm:param type="endPts" val="auto"/>
+                          <dgm:param type="begSty" val="noArr"/>
+                          <dgm:param type="endSty" val="noArr"/>
+                        </dgm:alg>
+                        <dgm:shape xmlns:r="http://schemas.openxmlformats.org/officeDocument/2006/relationships" type="conn" r:blip="">
+                          <dgm:adjLst/>
+                        </dgm:shape>
+                        <dgm:presOf axis="self"/>
+                        <dgm:constrLst>
+                          <dgm:constr type="begPad"/>
+                          <dgm:constr type="endPad"/>
+                        </dgm:constrLst>
+                      </dgm:layoutNode>
+                    </dgm:forEach>
+                    <dgm:forEach name="Name427" axis="self" ptType="node">
+                      <dgm:layoutNode name="text6" styleLbl="node1">
+                        <dgm:varLst>
+                          <dgm:bulletEnabled val="1"/>
+                        </dgm:varLst>
+                        <dgm:alg type="tx"/>
+                        <dgm:shape xmlns:r="http://schemas.openxmlformats.org/officeDocument/2006/relationships" type="roundRect" r:blip="">
+                          <dgm:adjLst/>
+                        </dgm:shape>
+                        <dgm:presOf axis="desOrSelf" ptType="node"/>
+                        <dgm:constrLst>
+                          <dgm:constr type="userS"/>
+                          <dgm:constr type="w" refType="userS"/>
+                          <dgm:constr type="h" refType="w"/>
+                          <dgm:constr type="tMarg" refType="primFontSz" fact="0.2"/>
+                          <dgm:constr type="bMarg" refType="primFontSz" fact="0.2"/>
+                          <dgm:constr type="lMarg" refType="primFontSz" fact="0.2"/>
+                          <dgm:constr type="rMarg" refType="primFontSz" fact="0.2"/>
+                        </dgm:constrLst>
+                        <dgm:ruleLst>
+                          <dgm:rule type="primFontSz" val="5" fact="NaN" max="NaN"/>
+                        </dgm:ruleLst>
+                      </dgm:layoutNode>
+                    </dgm:forEach>
+                  </dgm:forEach>
+                </dgm:forEach>
+              </dgm:layoutNode>
+              <dgm:forEach name="Name428" axis="ch" ptType="parTrans" st="6" cnt="1">
+                <dgm:layoutNode name="Name429">
+                  <dgm:alg type="conn">
+                    <dgm:param type="dim" val="1D"/>
+                    <dgm:param type="begPts" val="auto"/>
+                    <dgm:param type="endPts" val="auto"/>
+                    <dgm:param type="endSty" val="noArr"/>
+                    <dgm:param type="srcNode" val="textCenter"/>
+                    <dgm:param type="dstNode" val="childCenter6"/>
+                  </dgm:alg>
+                  <dgm:shape xmlns:r="http://schemas.openxmlformats.org/officeDocument/2006/relationships" type="conn" r:blip="" zOrderOff="-999">
+                    <dgm:adjLst/>
+                  </dgm:shape>
+                  <dgm:presOf axis="self"/>
+                  <dgm:constrLst>
+                    <dgm:constr type="h"/>
+                    <dgm:constr type="begPad"/>
+                    <dgm:constr type="endPad"/>
+                  </dgm:constrLst>
+                </dgm:layoutNode>
+              </dgm:forEach>
+            </dgm:if>
+            <dgm:else name="Name430"/>
+          </dgm:choose>
+          <dgm:choose name="Name431">
+            <dgm:if name="Name432" axis="ch" ptType="node" func="cnt" op="gte" val="7">
+              <dgm:layoutNode name="cycle_7">
+                <dgm:choose name="Name433">
+                  <dgm:if name="Name434" func="var" arg="dir" op="equ" val="norm">
+                    <dgm:choose name="Name435">
+                      <dgm:if name="Name436" axis="ch" ptType="node" func="cnt" op="gte" val="7">
+                        <dgm:choose name="Name437">
+                          <dgm:if name="Name438" axis="ch ch" ptType="node node" st="7 1" cnt="1 0" func="cnt" op="equ" val="1">
+                            <dgm:alg type="cycle">
+                              <dgm:param type="ctrShpMap" val="fNode"/>
+                              <dgm:param type="stAng" val="308"/>
+                            </dgm:alg>
+                          </dgm:if>
+                          <dgm:if name="Name439" axis="ch ch" ptType="node node" st="7 1" cnt="1 0" func="cnt" op="equ" val="2">
+                            <dgm:alg type="cycle">
+                              <dgm:param type="ctrShpMap" val="fNode"/>
+                              <dgm:param type="stAng" val="263"/>
+                              <dgm:param type="spanAng" val="90"/>
+                            </dgm:alg>
+                          </dgm:if>
+                          <dgm:else name="Name440">
+                            <dgm:alg type="cycle">
+                              <dgm:param type="ctrShpMap" val="fNode"/>
+                              <dgm:param type="stAng" val="0"/>
+                              <dgm:param type="spanAng" val="360"/>
+                            </dgm:alg>
+                          </dgm:else>
+                        </dgm:choose>
+                      </dgm:if>
+                      <dgm:else name="Name441"/>
+                    </dgm:choose>
+                  </dgm:if>
+                  <dgm:else name="Name442">
+                    <dgm:choose name="Name443">
+                      <dgm:if name="Name444" axis="ch" ptType="node" func="cnt" op="gte" val="7">
+                        <dgm:choose name="Name445">
+                          <dgm:if name="Name446" axis="ch ch" ptType="node node" st="7 1" cnt="1 0" func="cnt" op="equ" val="1">
+                            <dgm:alg type="cycle">
+                              <dgm:param type="ctrShpMap" val="fNode"/>
+                              <dgm:param type="stAng" val="51"/>
+                            </dgm:alg>
+                          </dgm:if>
+                          <dgm:if name="Name447" axis="ch ch" ptType="node node" st="7 1" cnt="1 0" func="cnt" op="equ" val="2">
+                            <dgm:alg type="cycle">
+                              <dgm:param type="ctrShpMap" val="fNode"/>
+                              <dgm:param type="stAng" val="96"/>
+                              <dgm:param type="spanAng" val="-90"/>
+                            </dgm:alg>
+                          </dgm:if>
+                          <dgm:else name="Name448">
+                            <dgm:alg type="cycle">
+                              <dgm:param type="ctrShpMap" val="fNode"/>
+                              <dgm:param type="stAng" val="0"/>
+                              <dgm:param type="spanAng" val="-360"/>
+                            </dgm:alg>
+                          </dgm:else>
+                        </dgm:choose>
+                      </dgm:if>
+                      <dgm:else name="Name449"/>
+                    </dgm:choose>
+                  </dgm:else>
+                </dgm:choose>
+                <dgm:shape xmlns:r="http://schemas.openxmlformats.org/officeDocument/2006/relationships" r:blip="">
+                  <dgm:adjLst/>
+                </dgm:shape>
+                <dgm:presOf/>
+                <dgm:constrLst>
+                  <dgm:constr type="sp" refType="w" fact="0.1"/>
+                  <dgm:constr type="sibSp" refType="w" fact="0.1"/>
+                </dgm:constrLst>
+                <dgm:forEach name="Name450" axis="ch" ptType="node" st="7" cnt="1">
+                  <dgm:layoutNode name="childCenter7" styleLbl="node1">
+                    <dgm:alg type="tx"/>
+                    <dgm:shape xmlns:r="http://schemas.openxmlformats.org/officeDocument/2006/relationships" type="roundRect" r:blip="">
+                      <dgm:adjLst/>
+                    </dgm:shape>
+                    <dgm:presOf axis="self" ptType="node"/>
+                    <dgm:constrLst>
+                      <dgm:constr type="userS"/>
+                      <dgm:constr type="w" refType="userS"/>
+                      <dgm:constr type="h" refType="w"/>
+                      <dgm:constr type="tMarg" refType="primFontSz" fact="0.2"/>
+                      <dgm:constr type="bMarg" refType="primFontSz" fact="0.2"/>
+                      <dgm:constr type="lMarg" refType="primFontSz" fact="0.2"/>
+                      <dgm:constr type="rMarg" refType="primFontSz" fact="0.2"/>
+                    </dgm:constrLst>
+                    <dgm:ruleLst>
+                      <dgm:rule type="primFontSz" val="5" fact="NaN" max="NaN"/>
+                    </dgm:ruleLst>
+                  </dgm:layoutNode>
+                  <dgm:forEach name="Name451" axis="ch">
+                    <dgm:forEach name="Name452" axis="self" ptType="parTrans">
+                      <dgm:layoutNode name="Name453">
+                        <dgm:alg type="conn">
+                          <dgm:param type="dim" val="1D"/>
+                          <dgm:param type="begPts" val="auto"/>
+                          <dgm:param type="endPts" val="auto"/>
+                          <dgm:param type="begSty" val="noArr"/>
+                          <dgm:param type="endSty" val="noArr"/>
+                        </dgm:alg>
+                        <dgm:shape xmlns:r="http://schemas.openxmlformats.org/officeDocument/2006/relationships" type="conn" r:blip="">
+                          <dgm:adjLst/>
+                        </dgm:shape>
+                        <dgm:presOf axis="self"/>
+                        <dgm:constrLst>
+                          <dgm:constr type="begPad"/>
+                          <dgm:constr type="endPad"/>
+                        </dgm:constrLst>
+                      </dgm:layoutNode>
+                    </dgm:forEach>
+                    <dgm:forEach name="Name454" axis="self" ptType="node">
+                      <dgm:layoutNode name="text7" styleLbl="node1">
+                        <dgm:varLst>
+                          <dgm:bulletEnabled val="1"/>
+                        </dgm:varLst>
+                        <dgm:alg type="tx"/>
+                        <dgm:shape xmlns:r="http://schemas.openxmlformats.org/officeDocument/2006/relationships" type="roundRect" r:blip="">
+                          <dgm:adjLst/>
+                        </dgm:shape>
+                        <dgm:presOf axis="desOrSelf" ptType="node"/>
+                        <dgm:constrLst>
+                          <dgm:constr type="userS"/>
+                          <dgm:constr type="w" refType="userS"/>
+                          <dgm:constr type="h" refType="w"/>
+                          <dgm:constr type="tMarg" refType="primFontSz" fact="0.2"/>
+                          <dgm:constr type="bMarg" refType="primFontSz" fact="0.2"/>
+                          <dgm:constr type="lMarg" refType="primFontSz" fact="0.2"/>
+                          <dgm:constr type="rMarg" refType="primFontSz" fact="0.2"/>
+                        </dgm:constrLst>
+                        <dgm:ruleLst>
+                          <dgm:rule type="primFontSz" val="5" fact="NaN" max="NaN"/>
+                        </dgm:ruleLst>
+                      </dgm:layoutNode>
+                    </dgm:forEach>
+                  </dgm:forEach>
+                </dgm:forEach>
+              </dgm:layoutNode>
+              <dgm:forEach name="Name455" axis="ch" ptType="parTrans" st="7" cnt="1">
+                <dgm:layoutNode name="Name456">
+                  <dgm:alg type="conn">
+                    <dgm:param type="dim" val="1D"/>
+                    <dgm:param type="begPts" val="auto"/>
+                    <dgm:param type="endPts" val="auto"/>
+                    <dgm:param type="endSty" val="noArr"/>
+                    <dgm:param type="srcNode" val="textCenter"/>
+                    <dgm:param type="dstNode" val="childCenter7"/>
+                  </dgm:alg>
+                  <dgm:shape xmlns:r="http://schemas.openxmlformats.org/officeDocument/2006/relationships" type="conn" r:blip="" zOrderOff="-999">
+                    <dgm:adjLst/>
+                  </dgm:shape>
+                  <dgm:presOf axis="self"/>
+                  <dgm:constrLst>
+                    <dgm:constr type="h"/>
+                    <dgm:constr type="begPad"/>
+                    <dgm:constr type="endPad"/>
+                  </dgm:constrLst>
+                </dgm:layoutNode>
+              </dgm:forEach>
+            </dgm:if>
+            <dgm:else name="Name457"/>
+          </dgm:choose>
+        </dgm:else>
+      </dgm:choose>
+    </dgm:forEach>
+  </dgm:layoutNode>
+</dgm:layoutDef>
+</file>
+
+<file path=ppt/diagrams/quickStyle1.xml><?xml version="1.0" encoding="utf-8"?>
+<dgm:styleDef xmlns:dgm="http://schemas.openxmlformats.org/drawingml/2006/diagram" xmlns:a="http://schemas.openxmlformats.org/drawingml/2006/main" uniqueId="urn:microsoft.com/office/officeart/2005/8/quickstyle/simple1">
+  <dgm:title val=""/>
+  <dgm:desc val=""/>
+  <dgm:catLst>
+    <dgm:cat type="simple" pri="10100"/>
+  </dgm:catLst>
+  <dgm:scene3d>
+    <a:camera prst="orthographicFront"/>
+    <a:lightRig rig="threePt" dir="t"/>
+  </dgm:scene3d>
+  <dgm:styleLbl name="node0">
+    <dgm:scene3d>
+      <a:camera prst="orthographicFront"/>
+      <a:lightRig rig="threePt" dir="t"/>
+    </dgm:scene3d>
+    <dgm:sp3d/>
+    <dgm:txPr/>
+    <dgm:style>
+      <a:lnRef idx="2">
+        <a:scrgbClr r="0" g="0" b="0"/>
+      </a:lnRef>
+      <a:fillRef idx="1">
+        <a:scrgbClr r="0" g="0" b="0"/>
+      </a:fillRef>
+      <a:effectRef idx="0">
+        <a:scrgbClr r="0" g="0" b="0"/>
+      </a:effectRef>
+      <a:fontRef idx="minor">
+        <a:schemeClr val="lt1"/>
+      </a:fontRef>
+    </dgm:style>
+  </dgm:styleLbl>
+  <dgm:styleLbl name="lnNode1">
+    <dgm:scene3d>
+      <a:camera prst="orthographicFront"/>
+      <a:lightRig rig="threePt" dir="t"/>
+    </dgm:scene3d>
+    <dgm:sp3d/>
+    <dgm:txPr/>
+    <dgm:style>
+      <a:lnRef idx="2">
+        <a:scrgbClr r="0" g="0" b="0"/>
+      </a:lnRef>
+      <a:fillRef idx="1">
+        <a:scrgbClr r="0" g="0" b="0"/>
+      </a:fillRef>
+      <a:effectRef idx="0">
+        <a:scrgbClr r="0" g="0" b="0"/>
+      </a:effectRef>
+      <a:fontRef idx="minor">
+        <a:schemeClr val="lt1"/>
+      </a:fontRef>
+    </dgm:style>
+  </dgm:styleLbl>
+  <dgm:styleLbl name="vennNode1">
+    <dgm:scene3d>
+      <a:camera prst="orthographicFront"/>
+      <a:lightRig rig="threePt" dir="t"/>
+    </dgm:scene3d>
+    <dgm:sp3d/>
+    <dgm:txPr/>
+    <dgm:style>
+      <a:lnRef idx="2">
+        <a:scrgbClr r="0" g="0" b="0"/>
+      </a:lnRef>
+      <a:fillRef idx="1">
+        <a:scrgbClr r="0" g="0" b="0"/>
+      </a:fillRef>
+      <a:effectRef idx="0">
+        <a:scrgbClr r="0" g="0" b="0"/>
+      </a:effectRef>
+      <a:fontRef idx="minor">
+        <a:schemeClr val="tx1"/>
+      </a:fontRef>
+    </dgm:style>
+  </dgm:styleLbl>
+  <dgm:styleLbl name="alignNode1">
+    <dgm:scene3d>
+      <a:camera prst="orthographicFront"/>
+      <a:lightRig rig="threePt" dir="t"/>
+    </dgm:scene3d>
+    <dgm:sp3d/>
+    <dgm:txPr/>
+    <dgm:style>
+      <a:lnRef idx="2">
+        <a:scrgbClr r="0" g="0" b="0"/>
+      </a:lnRef>
+      <a:fillRef idx="1">
+        <a:scrgbClr r="0" g="0" b="0"/>
+      </a:fillRef>
+      <a:effectRef idx="0">
+        <a:scrgbClr r="0" g="0" b="0"/>
+      </a:effectRef>
+      <a:fontRef idx="minor">
+        <a:schemeClr val="lt1"/>
+      </a:fontRef>
+    </dgm:style>
+  </dgm:styleLbl>
+  <dgm:styleLbl name="node1">
+    <dgm:scene3d>
+      <a:camera prst="orthographicFront"/>
+      <a:lightRig rig="threePt" dir="t"/>
+    </dgm:scene3d>
+    <dgm:sp3d/>
+    <dgm:txPr/>
+    <dgm:style>
+      <a:lnRef idx="2">
+        <a:scrgbClr r="0" g="0" b="0"/>
+      </a:lnRef>
+      <a:fillRef idx="1">
+        <a:scrgbClr r="0" g="0" b="0"/>
+      </a:fillRef>
+      <a:effectRef idx="0">
+        <a:scrgbClr r="0" g="0" b="0"/>
+      </a:effectRef>
+      <a:fontRef idx="minor">
+        <a:schemeClr val="lt1"/>
+      </a:fontRef>
+    </dgm:style>
+  </dgm:styleLbl>
+  <dgm:styleLbl name="node2">
+    <dgm:scene3d>
+      <a:camera prst="orthographicFront"/>
+      <a:lightRig rig="threePt" dir="t"/>
+    </dgm:scene3d>
+    <dgm:sp3d/>
+    <dgm:txPr/>
+    <dgm:style>
+      <a:lnRef idx="2">
+        <a:scrgbClr r="0" g="0" b="0"/>
+      </a:lnRef>
+      <a:fillRef idx="1">
+        <a:scrgbClr r="0" g="0" b="0"/>
+      </a:fillRef>
+      <a:effectRef idx="0">
+        <a:scrgbClr r="0" g="0" b="0"/>
+      </a:effectRef>
+      <a:fontRef idx="minor">
+        <a:schemeClr val="lt1"/>
+      </a:fontRef>
+    </dgm:style>
+  </dgm:styleLbl>
+  <dgm:styleLbl name="node3">
+    <dgm:scene3d>
+      <a:camera prst="orthographicFront"/>
+      <a:lightRig rig="threePt" dir="t"/>
+    </dgm:scene3d>
+    <dgm:sp3d/>
+    <dgm:txPr/>
+    <dgm:style>
+      <a:lnRef idx="2">
+        <a:scrgbClr r="0" g="0" b="0"/>
+      </a:lnRef>
+      <a:fillRef idx="1">
+        <a:scrgbClr r="0" g="0" b="0"/>
+      </a:fillRef>
+      <a:effectRef idx="0">
+        <a:scrgbClr r="0" g="0" b="0"/>
+      </a:effectRef>
+      <a:fontRef idx="minor">
+        <a:schemeClr val="lt1"/>
+      </a:fontRef>
+    </dgm:style>
+  </dgm:styleLbl>
+  <dgm:styleLbl name="node4">
+    <dgm:scene3d>
+      <a:camera prst="orthographicFront"/>
+      <a:lightRig rig="threePt" dir="t"/>
+    </dgm:scene3d>
+    <dgm:sp3d/>
+    <dgm:txPr/>
+    <dgm:style>
+      <a:lnRef idx="2">
+        <a:scrgbClr r="0" g="0" b="0"/>
+      </a:lnRef>
+      <a:fillRef idx="1">
+        <a:scrgbClr r="0" g="0" b="0"/>
+      </a:fillRef>
+      <a:effectRef idx="0">
+        <a:scrgbClr r="0" g="0" b="0"/>
+      </a:effectRef>
+      <a:fontRef idx="minor">
+        <a:schemeClr val="lt1"/>
+      </a:fontRef>
+    </dgm:style>
+  </dgm:styleLbl>
+  <dgm:styleLbl name="fgImgPlace1">
+    <dgm:scene3d>
+      <a:camera prst="orthographicFront"/>
+      <a:lightRig rig="threePt" dir="t"/>
+    </dgm:scene3d>
+    <dgm:sp3d/>
+    <dgm:txPr/>
+    <dgm:style>
+      <a:lnRef idx="2">
+        <a:scrgbClr r="0" g="0" b="0"/>
+      </a:lnRef>
+      <a:fillRef idx="1">
+        <a:scrgbClr r="0" g="0" b="0"/>
+      </a:fillRef>
+      <a:effectRef idx="0">
+        <a:scrgbClr r="0" g="0" b="0"/>
+      </a:effectRef>
+      <a:fontRef idx="minor"/>
+    </dgm:style>
+  </dgm:styleLbl>
+  <dgm:styleLbl name="alignImgPlace1">
+    <dgm:scene3d>
+      <a:camera prst="orthographicFront"/>
+      <a:lightRig rig="threePt" dir="t"/>
+    </dgm:scene3d>
+    <dgm:sp3d/>
+    <dgm:txPr/>
+    <dgm:style>
+      <a:lnRef idx="2">
+        <a:scrgbClr r="0" g="0" b="0"/>
+      </a:lnRef>
+      <a:fillRef idx="1">
+        <a:scrgbClr r="0" g="0" b="0"/>
+      </a:fillRef>
+      <a:effectRef idx="0">
+        <a:scrgbClr r="0" g="0" b="0"/>
+      </a:effectRef>
+      <a:fontRef idx="minor"/>
+    </dgm:style>
+  </dgm:styleLbl>
+  <dgm:styleLbl name="bgImgPlace1">
+    <dgm:scene3d>
+      <a:camera prst="orthographicFront"/>
+      <a:lightRig rig="threePt" dir="t"/>
+    </dgm:scene3d>
+    <dgm:sp3d/>
+    <dgm:txPr/>
+    <dgm:style>
+      <a:lnRef idx="2">
+        <a:scrgbClr r="0" g="0" b="0"/>
+      </a:lnRef>
+      <a:fillRef idx="1">
+        <a:scrgbClr r="0" g="0" b="0"/>
+      </a:fillRef>
+      <a:effectRef idx="0">
+        <a:scrgbClr r="0" g="0" b="0"/>
+      </a:effectRef>
+      <a:fontRef idx="minor"/>
+    </dgm:style>
+  </dgm:styleLbl>
+  <dgm:styleLbl name="sibTrans2D1">
+    <dgm:scene3d>
+      <a:camera prst="orthographicFront"/>
+      <a:lightRig rig="threePt" dir="t"/>
+    </dgm:scene3d>
+    <dgm:sp3d/>
+    <dgm:txPr/>
+    <dgm:style>
+      <a:lnRef idx="0">
+        <a:scrgbClr r="0" g="0" b="0"/>
+      </a:lnRef>
+      <a:fillRef idx="1">
+        <a:scrgbClr r="0" g="0" b="0"/>
+      </a:fillRef>
+      <a:effectRef idx="0">
+        <a:scrgbClr r="0" g="0" b="0"/>
+      </a:effectRef>
+      <a:fontRef idx="minor">
+        <a:schemeClr val="lt1"/>
+      </a:fontRef>
+    </dgm:style>
+  </dgm:styleLbl>
+  <dgm:styleLbl name="fgSibTrans2D1">
+    <dgm:scene3d>
+      <a:camera prst="orthographicFront"/>
+      <a:lightRig rig="threePt" dir="t"/>
+    </dgm:scene3d>
+    <dgm:sp3d/>
+    <dgm:txPr/>
+    <dgm:style>
+      <a:lnRef idx="0">
+        <a:scrgbClr r="0" g="0" b="0"/>
+      </a:lnRef>
+      <a:fillRef idx="1">
+        <a:scrgbClr r="0" g="0" b="0"/>
+      </a:fillRef>
+      <a:effectRef idx="0">
+        <a:scrgbClr r="0" g="0" b="0"/>
+      </a:effectRef>
+      <a:fontRef idx="minor">
+        <a:schemeClr val="lt1"/>
+      </a:fontRef>
+    </dgm:style>
+  </dgm:styleLbl>
+  <dgm:styleLbl name="bgSibTrans2D1">
+    <dgm:scene3d>
+      <a:camera prst="orthographicFront"/>
+      <a:lightRig rig="threePt" dir="t"/>
+    </dgm:scene3d>
+    <dgm:sp3d/>
+    <dgm:txPr/>
+    <dgm:style>
+      <a:lnRef idx="0">
+        <a:scrgbClr r="0" g="0" b="0"/>
+      </a:lnRef>
+      <a:fillRef idx="1">
+        <a:scrgbClr r="0" g="0" b="0"/>
+      </a:fillRef>
+      <a:effectRef idx="0">
+        <a:scrgbClr r="0" g="0" b="0"/>
+      </a:effectRef>
+      <a:fontRef idx="minor">
+        <a:schemeClr val="lt1"/>
+      </a:fontRef>
+    </dgm:style>
+  </dgm:styleLbl>
+  <dgm:styleLbl name="sibTrans1D1">
+    <dgm:scene3d>
+      <a:camera prst="orthographicFront"/>
+      <a:lightRig rig="threePt" dir="t"/>
+    </dgm:scene3d>
+    <dgm:sp3d/>
+    <dgm:txPr/>
+    <dgm:style>
+      <a:lnRef idx="1">
+        <a:scrgbClr r="0" g="0" b="0"/>
+      </a:lnRef>
+      <a:fillRef idx="0">
+        <a:scrgbClr r="0" g="0" b="0"/>
+      </a:fillRef>
+      <a:effectRef idx="0">
+        <a:scrgbClr r="0" g="0" b="0"/>
+      </a:effectRef>
+      <a:fontRef idx="minor"/>
+    </dgm:style>
+  </dgm:styleLbl>
+  <dgm:styleLbl name="callout">
+    <dgm:scene3d>
+      <a:camera prst="orthographicFront"/>
+      <a:lightRig rig="threePt" dir="t"/>
+    </dgm:scene3d>
+    <dgm:sp3d/>
+    <dgm:txPr/>
+    <dgm:style>
+      <a:lnRef idx="2">
+        <a:scrgbClr r="0" g="0" b="0"/>
+      </a:lnRef>
+      <a:fillRef idx="1">
+        <a:scrgbClr r="0" g="0" b="0"/>
+      </a:fillRef>
+      <a:effectRef idx="0">
+        <a:scrgbClr r="0" g="0" b="0"/>
+      </a:effectRef>
+      <a:fontRef idx="minor"/>
+    </dgm:style>
+  </dgm:styleLbl>
+  <dgm:styleLbl name="asst0">
+    <dgm:scene3d>
+      <a:camera prst="orthographicFront"/>
+      <a:lightRig rig="threePt" dir="t"/>
+    </dgm:scene3d>
+    <dgm:sp3d/>
+    <dgm:txPr/>
+    <dgm:style>
+      <a:lnRef idx="2">
+        <a:scrgbClr r="0" g="0" b="0"/>
+      </a:lnRef>
+      <a:fillRef idx="1">
+        <a:scrgbClr r="0" g="0" b="0"/>
+      </a:fillRef>
+      <a:effectRef idx="0">
+        <a:scrgbClr r="0" g="0" b="0"/>
+      </a:effectRef>
+      <a:fontRef idx="minor">
+        <a:schemeClr val="lt1"/>
+      </a:fontRef>
+    </dgm:style>
+  </dgm:styleLbl>
+  <dgm:styleLbl name="asst1">
+    <dgm:scene3d>
+      <a:camera prst="orthographicFront"/>
+      <a:lightRig rig="threePt" dir="t"/>
+    </dgm:scene3d>
+    <dgm:sp3d/>
+    <dgm:txPr/>
+    <dgm:style>
+      <a:lnRef idx="2">
+        <a:scrgbClr r="0" g="0" b="0"/>
+      </a:lnRef>
+      <a:fillRef idx="1">
+        <a:scrgbClr r="0" g="0" b="0"/>
+      </a:fillRef>
+      <a:effectRef idx="0">
+        <a:scrgbClr r="0" g="0" b="0"/>
+      </a:effectRef>
+      <a:fontRef idx="minor">
+        <a:schemeClr val="lt1"/>
+      </a:fontRef>
+    </dgm:style>
+  </dgm:styleLbl>
+  <dgm:styleLbl name="asst2">
+    <dgm:scene3d>
+      <a:camera prst="orthographicFront"/>
+      <a:lightRig rig="threePt" dir="t"/>
+    </dgm:scene3d>
+    <dgm:sp3d/>
+    <dgm:txPr/>
+    <dgm:style>
+      <a:lnRef idx="2">
+        <a:scrgbClr r="0" g="0" b="0"/>
+      </a:lnRef>
+      <a:fillRef idx="1">
+        <a:scrgbClr r="0" g="0" b="0"/>
+      </a:fillRef>
+      <a:effectRef idx="0">
+        <a:scrgbClr r="0" g="0" b="0"/>
+      </a:effectRef>
+      <a:fontRef idx="minor">
+        <a:schemeClr val="lt1"/>
+      </a:fontRef>
+    </dgm:style>
+  </dgm:styleLbl>
+  <dgm:styleLbl name="asst3">
+    <dgm:scene3d>
+      <a:camera prst="orthographicFront"/>
+      <a:lightRig rig="threePt" dir="t"/>
+    </dgm:scene3d>
+    <dgm:sp3d/>
+    <dgm:txPr/>
+    <dgm:style>
+      <a:lnRef idx="2">
+        <a:scrgbClr r="0" g="0" b="0"/>
+      </a:lnRef>
+      <a:fillRef idx="1">
+        <a:scrgbClr r="0" g="0" b="0"/>
+      </a:fillRef>
+      <a:effectRef idx="0">
+        <a:scrgbClr r="0" g="0" b="0"/>
+      </a:effectRef>
+      <a:fontRef idx="minor">
+        <a:schemeClr val="lt1"/>
+      </a:fontRef>
+    </dgm:style>
+  </dgm:styleLbl>
+  <dgm:styleLbl name="asst4">
+    <dgm:scene3d>
+      <a:camera prst="orthographicFront"/>
+      <a:lightRig rig="threePt" dir="t"/>
+    </dgm:scene3d>
+    <dgm:sp3d/>
+    <dgm:txPr/>
+    <dgm:style>
+      <a:lnRef idx="2">
+        <a:scrgbClr r="0" g="0" b="0"/>
+      </a:lnRef>
+      <a:fillRef idx="1">
+        <a:scrgbClr r="0" g="0" b="0"/>
+      </a:fillRef>
+      <a:effectRef idx="0">
+        <a:scrgbClr r="0" g="0" b="0"/>
+      </a:effectRef>
+      <a:fontRef idx="minor">
+        <a:schemeClr val="lt1"/>
+      </a:fontRef>
+    </dgm:style>
+  </dgm:styleLbl>
+  <dgm:styleLbl name="parChTrans2D1">
+    <dgm:scene3d>
+      <a:camera prst="orthographicFront"/>
+      <a:lightRig rig="threePt" dir="t"/>
+    </dgm:scene3d>
+    <dgm:sp3d/>
+    <dgm:txPr/>
+    <dgm:style>
+      <a:lnRef idx="2">
+        <a:scrgbClr r="0" g="0" b="0"/>
+      </a:lnRef>
+      <a:fillRef idx="1">
+        <a:scrgbClr r="0" g="0" b="0"/>
+      </a:fillRef>
+      <a:effectRef idx="0">
+        <a:scrgbClr r="0" g="0" b="0"/>
+      </a:effectRef>
+      <a:fontRef idx="minor">
+        <a:schemeClr val="lt1"/>
+      </a:fontRef>
+    </dgm:style>
+  </dgm:styleLbl>
+  <dgm:styleLbl name="parChTrans2D2">
+    <dgm:scene3d>
+      <a:camera prst="orthographicFront"/>
+      <a:lightRig rig="threePt" dir="t"/>
+    </dgm:scene3d>
+    <dgm:sp3d/>
+    <dgm:txPr/>
+    <dgm:style>
+      <a:lnRef idx="2">
+        <a:scrgbClr r="0" g="0" b="0"/>
+      </a:lnRef>
+      <a:fillRef idx="1">
+        <a:scrgbClr r="0" g="0" b="0"/>
+      </a:fillRef>
+      <a:effectRef idx="0">
+        <a:scrgbClr r="0" g="0" b="0"/>
+      </a:effectRef>
+      <a:fontRef idx="minor">
+        <a:schemeClr val="lt1"/>
+      </a:fontRef>
+    </dgm:style>
+  </dgm:styleLbl>
+  <dgm:styleLbl name="parChTrans2D3">
+    <dgm:scene3d>
+      <a:camera prst="orthographicFront"/>
+      <a:lightRig rig="threePt" dir="t"/>
+    </dgm:scene3d>
+    <dgm:sp3d/>
+    <dgm:txPr/>
+    <dgm:style>
+      <a:lnRef idx="2">
+        <a:scrgbClr r="0" g="0" b="0"/>
+      </a:lnRef>
+      <a:fillRef idx="1">
+        <a:scrgbClr r="0" g="0" b="0"/>
+      </a:fillRef>
+      <a:effectRef idx="0">
+        <a:scrgbClr r="0" g="0" b="0"/>
+      </a:effectRef>
+      <a:fontRef idx="minor">
+        <a:schemeClr val="lt1"/>
+      </a:fontRef>
+    </dgm:style>
+  </dgm:styleLbl>
+  <dgm:styleLbl name="parChTrans2D4">
+    <dgm:scene3d>
+      <a:camera prst="orthographicFront"/>
+      <a:lightRig rig="threePt" dir="t"/>
+    </dgm:scene3d>
+    <dgm:sp3d/>
+    <dgm:txPr/>
+    <dgm:style>
+      <a:lnRef idx="2">
+        <a:scrgbClr r="0" g="0" b="0"/>
+      </a:lnRef>
+      <a:fillRef idx="1">
+        <a:scrgbClr r="0" g="0" b="0"/>
+      </a:fillRef>
+      <a:effectRef idx="0">
+        <a:scrgbClr r="0" g="0" b="0"/>
+      </a:effectRef>
+      <a:fontRef idx="minor">
+        <a:schemeClr val="lt1"/>
+      </a:fontRef>
+    </dgm:style>
+  </dgm:styleLbl>
+  <dgm:styleLbl name="parChTrans1D1">
+    <dgm:scene3d>
+      <a:camera prst="orthographicFront"/>
+      <a:lightRig rig="threePt" dir="t"/>
+    </dgm:scene3d>
+    <dgm:sp3d/>
+    <dgm:txPr/>
+    <dgm:style>
+      <a:lnRef idx="2">
+        <a:scrgbClr r="0" g="0" b="0"/>
+      </a:lnRef>
+      <a:fillRef idx="0">
+        <a:scrgbClr r="0" g="0" b="0"/>
+      </a:fillRef>
+      <a:effectRef idx="0">
+        <a:scrgbClr r="0" g="0" b="0"/>
+      </a:effectRef>
+      <a:fontRef idx="minor"/>
+    </dgm:style>
+  </dgm:styleLbl>
+  <dgm:styleLbl name="parChTrans1D2">
+    <dgm:scene3d>
+      <a:camera prst="orthographicFront"/>
+      <a:lightRig rig="threePt" dir="t"/>
+    </dgm:scene3d>
+    <dgm:sp3d/>
+    <dgm:txPr/>
+    <dgm:style>
+      <a:lnRef idx="2">
+        <a:scrgbClr r="0" g="0" b="0"/>
+      </a:lnRef>
+      <a:fillRef idx="0">
+        <a:scrgbClr r="0" g="0" b="0"/>
+      </a:fillRef>
+      <a:effectRef idx="0">
+        <a:scrgbClr r="0" g="0" b="0"/>
+      </a:effectRef>
+      <a:fontRef idx="minor"/>
+    </dgm:style>
+  </dgm:styleLbl>
+  <dgm:styleLbl name="parChTrans1D3">
+    <dgm:scene3d>
+      <a:camera prst="orthographicFront"/>
+      <a:lightRig rig="threePt" dir="t"/>
+    </dgm:scene3d>
+    <dgm:sp3d/>
+    <dgm:txPr/>
+    <dgm:style>
+      <a:lnRef idx="2">
+        <a:scrgbClr r="0" g="0" b="0"/>
+      </a:lnRef>
+      <a:fillRef idx="0">
+        <a:scrgbClr r="0" g="0" b="0"/>
+      </a:fillRef>
+      <a:effectRef idx="0">
+        <a:scrgbClr r="0" g="0" b="0"/>
+      </a:effectRef>
+      <a:fontRef idx="minor"/>
+    </dgm:style>
+  </dgm:styleLbl>
+  <dgm:styleLbl name="parChTrans1D4">
+    <dgm:scene3d>
+      <a:camera prst="orthographicFront"/>
+      <a:lightRig rig="threePt" dir="t"/>
+    </dgm:scene3d>
+    <dgm:sp3d/>
+    <dgm:txPr/>
+    <dgm:style>
+      <a:lnRef idx="2">
+        <a:scrgbClr r="0" g="0" b="0"/>
+      </a:lnRef>
+      <a:fillRef idx="0">
+        <a:scrgbClr r="0" g="0" b="0"/>
+      </a:fillRef>
+      <a:effectRef idx="0">
+        <a:scrgbClr r="0" g="0" b="0"/>
+      </a:effectRef>
+      <a:fontRef idx="minor"/>
+    </dgm:style>
+  </dgm:styleLbl>
+  <dgm:styleLbl name="fgAcc1">
+    <dgm:scene3d>
+      <a:camera prst="orthographicFront"/>
+      <a:lightRig rig="threePt" dir="t"/>
+    </dgm:scene3d>
+    <dgm:sp3d/>
+    <dgm:txPr/>
+    <dgm:style>
+      <a:lnRef idx="2">
+        <a:scrgbClr r="0" g="0" b="0"/>
+      </a:lnRef>
+      <a:fillRef idx="1">
+        <a:scrgbClr r="0" g="0" b="0"/>
+      </a:fillRef>
+      <a:effectRef idx="0">
+        <a:scrgbClr r="0" g="0" b="0"/>
+      </a:effectRef>
+      <a:fontRef idx="minor"/>
+    </dgm:style>
+  </dgm:styleLbl>
+  <dgm:styleLbl name="conFgAcc1">
+    <dgm:scene3d>
+      <a:camera prst="orthographicFront"/>
+      <a:lightRig rig="threePt" dir="t"/>
+    </dgm:scene3d>
+    <dgm:sp3d/>
+    <dgm:txPr/>
+    <dgm:style>
+      <a:lnRef idx="2">
+        <a:scrgbClr r="0" g="0" b="0"/>
+      </a:lnRef>
+      <a:fillRef idx="1">
+        <a:scrgbClr r="0" g="0" b="0"/>
+      </a:fillRef>
+      <a:effectRef idx="0">
+        <a:scrgbClr r="0" g="0" b="0"/>
+      </a:effectRef>
+      <a:fontRef idx="minor"/>
+    </dgm:style>
+  </dgm:styleLbl>
+  <dgm:styleLbl name="alignAcc1">
+    <dgm:scene3d>
+      <a:camera prst="orthographicFront"/>
+      <a:lightRig rig="threePt" dir="t"/>
+    </dgm:scene3d>
+    <dgm:sp3d/>
+    <dgm:txPr/>
+    <dgm:style>
+      <a:lnRef idx="2">
+        <a:scrgbClr r="0" g="0" b="0"/>
+      </a:lnRef>
+      <a:fillRef idx="1">
+        <a:scrgbClr r="0" g="0" b="0"/>
+      </a:fillRef>
+      <a:effectRef idx="0">
+        <a:scrgbClr r="0" g="0" b="0"/>
+      </a:effectRef>
+      <a:fontRef idx="minor"/>
+    </dgm:style>
+  </dgm:styleLbl>
+  <dgm:styleLbl name="trAlignAcc1">
+    <dgm:scene3d>
+      <a:camera prst="orthographicFront"/>
+      <a:lightRig rig="threePt" dir="t"/>
+    </dgm:scene3d>
+    <dgm:sp3d/>
+    <dgm:txPr/>
+    <dgm:style>
+      <a:lnRef idx="1">
+        <a:scrgbClr r="0" g="0" b="0"/>
+      </a:lnRef>
+      <a:fillRef idx="1">
+        <a:scrgbClr r="0" g="0" b="0"/>
+      </a:fillRef>
+      <a:effectRef idx="0">
+        <a:scrgbClr r="0" g="0" b="0"/>
+      </a:effectRef>
+      <a:fontRef idx="minor"/>
+    </dgm:style>
+  </dgm:styleLbl>
+  <dgm:styleLbl name="bgAcc1">
+    <dgm:scene3d>
+      <a:camera prst="orthographicFront"/>
+      <a:lightRig rig="threePt" dir="t"/>
+    </dgm:scene3d>
+    <dgm:sp3d/>
+    <dgm:txPr/>
+    <dgm:style>
+      <a:lnRef idx="2">
+        <a:scrgbClr r="0" g="0" b="0"/>
+      </a:lnRef>
+      <a:fillRef idx="1">
+        <a:scrgbClr r="0" g="0" b="0"/>
+      </a:fillRef>
+      <a:effectRef idx="0">
+        <a:scrgbClr r="0" g="0" b="0"/>
+      </a:effectRef>
+      <a:fontRef idx="minor"/>
+    </dgm:style>
+  </dgm:styleLbl>
+  <dgm:styleLbl name="solidFgAcc1">
+    <dgm:scene3d>
+      <a:camera prst="orthographicFront"/>
+      <a:lightRig rig="threePt" dir="t"/>
+    </dgm:scene3d>
+    <dgm:sp3d/>
+    <dgm:txPr/>
+    <dgm:style>
+      <a:lnRef idx="2">
+        <a:scrgbClr r="0" g="0" b="0"/>
+      </a:lnRef>
+      <a:fillRef idx="1">
+        <a:scrgbClr r="0" g="0" b="0"/>
+      </a:fillRef>
+      <a:effectRef idx="0">
+        <a:scrgbClr r="0" g="0" b="0"/>
+      </a:effectRef>
+      <a:fontRef idx="minor"/>
+    </dgm:style>
+  </dgm:styleLbl>
+  <dgm:styleLbl name="solidAlignAcc1">
+    <dgm:scene3d>
+      <a:camera prst="orthographicFront"/>
+      <a:lightRig rig="threePt" dir="t"/>
+    </dgm:scene3d>
+    <dgm:sp3d/>
+    <dgm:txPr/>
+    <dgm:style>
+      <a:lnRef idx="2">
+        <a:scrgbClr r="0" g="0" b="0"/>
+      </a:lnRef>
+      <a:fillRef idx="1">
+        <a:scrgbClr r="0" g="0" b="0"/>
+      </a:fillRef>
+      <a:effectRef idx="0">
+        <a:scrgbClr r="0" g="0" b="0"/>
+      </a:effectRef>
+      <a:fontRef idx="minor"/>
+    </dgm:style>
+  </dgm:styleLbl>
+  <dgm:styleLbl name="solidBgAcc1">
+    <dgm:scene3d>
+      <a:camera prst="orthographicFront"/>
+      <a:lightRig rig="threePt" dir="t"/>
+    </dgm:scene3d>
+    <dgm:sp3d/>
+    <dgm:txPr/>
+    <dgm:style>
+      <a:lnRef idx="2">
+        <a:scrgbClr r="0" g="0" b="0"/>
+      </a:lnRef>
+      <a:fillRef idx="1">
+        <a:scrgbClr r="0" g="0" b="0"/>
+      </a:fillRef>
+      <a:effectRef idx="0">
+        <a:scrgbClr r="0" g="0" b="0"/>
+      </a:effectRef>
+      <a:fontRef idx="minor"/>
+    </dgm:style>
+  </dgm:styleLbl>
+  <dgm:styleLbl name="fgAccFollowNode1">
+    <dgm:scene3d>
+      <a:camera prst="orthographicFront"/>
+      <a:lightRig rig="threePt" dir="t"/>
+    </dgm:scene3d>
+    <dgm:sp3d/>
+    <dgm:txPr/>
+    <dgm:style>
+      <a:lnRef idx="2">
+        <a:scrgbClr r="0" g="0" b="0"/>
+      </a:lnRef>
+      <a:fillRef idx="1">
+        <a:scrgbClr r="0" g="0" b="0"/>
+      </a:fillRef>
+      <a:effectRef idx="0">
+        <a:scrgbClr r="0" g="0" b="0"/>
+      </a:effectRef>
+      <a:fontRef idx="minor"/>
+    </dgm:style>
+  </dgm:styleLbl>
+  <dgm:styleLbl name="alignAccFollowNode1">
+    <dgm:scene3d>
+      <a:camera prst="orthographicFront"/>
+      <a:lightRig rig="threePt" dir="t"/>
+    </dgm:scene3d>
+    <dgm:sp3d/>
+    <dgm:txPr/>
+    <dgm:style>
+      <a:lnRef idx="2">
+        <a:scrgbClr r="0" g="0" b="0"/>
+      </a:lnRef>
+      <a:fillRef idx="1">
+        <a:scrgbClr r="0" g="0" b="0"/>
+      </a:fillRef>
+      <a:effectRef idx="0">
+        <a:scrgbClr r="0" g="0" b="0"/>
+      </a:effectRef>
+      <a:fontRef idx="minor"/>
+    </dgm:style>
+  </dgm:styleLbl>
+  <dgm:styleLbl name="bgAccFollowNode1">
+    <dgm:scene3d>
+      <a:camera prst="orthographicFront"/>
+      <a:lightRig rig="threePt" dir="t"/>
+    </dgm:scene3d>
+    <dgm:sp3d/>
+    <dgm:txPr/>
+    <dgm:style>
+      <a:lnRef idx="2">
+        <a:scrgbClr r="0" g="0" b="0"/>
+      </a:lnRef>
+      <a:fillRef idx="1">
+        <a:scrgbClr r="0" g="0" b="0"/>
+      </a:fillRef>
+      <a:effectRef idx="0">
+        <a:scrgbClr r="0" g="0" b="0"/>
+      </a:effectRef>
+      <a:fontRef idx="minor"/>
+    </dgm:style>
+  </dgm:styleLbl>
+  <dgm:styleLbl name="fgAcc0">
+    <dgm:scene3d>
+      <a:camera prst="orthographicFront"/>
+      <a:lightRig rig="threePt" dir="t"/>
+    </dgm:scene3d>
+    <dgm:sp3d/>
+    <dgm:txPr/>
+    <dgm:style>
+      <a:lnRef idx="2">
+        <a:scrgbClr r="0" g="0" b="0"/>
+      </a:lnRef>
+      <a:fillRef idx="1">
+        <a:scrgbClr r="0" g="0" b="0"/>
+      </a:fillRef>
+      <a:effectRef idx="0">
+        <a:scrgbClr r="0" g="0" b="0"/>
+      </a:effectRef>
+      <a:fontRef idx="minor"/>
+    </dgm:style>
+  </dgm:styleLbl>
+  <dgm:styleLbl name="fgAcc2">
+    <dgm:scene3d>
+      <a:camera prst="orthographicFront"/>
+      <a:lightRig rig="threePt" dir="t"/>
+    </dgm:scene3d>
+    <dgm:sp3d/>
+    <dgm:txPr/>
+    <dgm:style>
+      <a:lnRef idx="2">
+        <a:scrgbClr r="0" g="0" b="0"/>
+      </a:lnRef>
+      <a:fillRef idx="1">
+        <a:scrgbClr r="0" g="0" b="0"/>
+      </a:fillRef>
+      <a:effectRef idx="0">
+        <a:scrgbClr r="0" g="0" b="0"/>
+      </a:effectRef>
+      <a:fontRef idx="minor"/>
+    </dgm:style>
+  </dgm:styleLbl>
+  <dgm:styleLbl name="fgAcc3">
+    <dgm:scene3d>
+      <a:camera prst="orthographicFront"/>
+      <a:lightRig rig="threePt" dir="t"/>
+    </dgm:scene3d>
+    <dgm:sp3d/>
+    <dgm:txPr/>
+    <dgm:style>
+      <a:lnRef idx="2">
+        <a:scrgbClr r="0" g="0" b="0"/>
+      </a:lnRef>
+      <a:fillRef idx="1">
+        <a:scrgbClr r="0" g="0" b="0"/>
+      </a:fillRef>
+      <a:effectRef idx="0">
+        <a:scrgbClr r="0" g="0" b="0"/>
+      </a:effectRef>
+      <a:fontRef idx="minor"/>
+    </dgm:style>
+  </dgm:styleLbl>
+  <dgm:styleLbl name="fgAcc4">
+    <dgm:scene3d>
+      <a:camera prst="orthographicFront"/>
+      <a:lightRig rig="threePt" dir="t"/>
+    </dgm:scene3d>
+    <dgm:sp3d/>
+    <dgm:txPr/>
+    <dgm:style>
+      <a:lnRef idx="2">
+        <a:scrgbClr r="0" g="0" b="0"/>
+      </a:lnRef>
+      <a:fillRef idx="1">
+        <a:scrgbClr r="0" g="0" b="0"/>
+      </a:fillRef>
+      <a:effectRef idx="0">
+        <a:scrgbClr r="0" g="0" b="0"/>
+      </a:effectRef>
+      <a:fontRef idx="minor"/>
+    </dgm:style>
+  </dgm:styleLbl>
+  <dgm:styleLbl name="bgShp">
+    <dgm:scene3d>
+      <a:camera prst="orthographicFront"/>
+      <a:lightRig rig="threePt" dir="t"/>
+    </dgm:scene3d>
+    <dgm:sp3d/>
+    <dgm:txPr/>
+    <dgm:style>
+      <a:lnRef idx="0">
+        <a:scrgbClr r="0" g="0" b="0"/>
+      </a:lnRef>
+      <a:fillRef idx="1">
+        <a:scrgbClr r="0" g="0" b="0"/>
+      </a:fillRef>
+      <a:effectRef idx="0">
+        <a:scrgbClr r="0" g="0" b="0"/>
+      </a:effectRef>
+      <a:fontRef idx="minor"/>
+    </dgm:style>
+  </dgm:styleLbl>
+  <dgm:styleLbl name="dkBgShp">
+    <dgm:scene3d>
+      <a:camera prst="orthographicFront"/>
+      <a:lightRig rig="threePt" dir="t"/>
+    </dgm:scene3d>
+    <dgm:sp3d/>
+    <dgm:txPr/>
+    <dgm:style>
+      <a:lnRef idx="0">
+        <a:scrgbClr r="0" g="0" b="0"/>
+      </a:lnRef>
+      <a:fillRef idx="1">
+        <a:scrgbClr r="0" g="0" b="0"/>
+      </a:fillRef>
+      <a:effectRef idx="0">
+        <a:scrgbClr r="0" g="0" b="0"/>
+      </a:effectRef>
+      <a:fontRef idx="minor"/>
+    </dgm:style>
+  </dgm:styleLbl>
+  <dgm:styleLbl name="trBgShp">
+    <dgm:scene3d>
+      <a:camera prst="orthographicFront"/>
+      <a:lightRig rig="threePt" dir="t"/>
+    </dgm:scene3d>
+    <dgm:sp3d/>
+    <dgm:txPr/>
+    <dgm:style>
+      <a:lnRef idx="0">
+        <a:scrgbClr r="0" g="0" b="0"/>
+      </a:lnRef>
+      <a:fillRef idx="1">
+        <a:scrgbClr r="0" g="0" b="0"/>
+      </a:fillRef>
+      <a:effectRef idx="0">
+        <a:scrgbClr r="0" g="0" b="0"/>
+      </a:effectRef>
+      <a:fontRef idx="minor"/>
+    </dgm:style>
+  </dgm:styleLbl>
+  <dgm:styleLbl name="fgShp">
+    <dgm:scene3d>
+      <a:camera prst="orthographicFront"/>
+      <a:lightRig rig="threePt" dir="t"/>
+    </dgm:scene3d>
+    <dgm:sp3d/>
+    <dgm:txPr/>
+    <dgm:style>
+      <a:lnRef idx="2">
+        <a:scrgbClr r="0" g="0" b="0"/>
+      </a:lnRef>
+      <a:fillRef idx="1">
+        <a:scrgbClr r="0" g="0" b="0"/>
+      </a:fillRef>
+      <a:effectRef idx="0">
+        <a:scrgbClr r="0" g="0" b="0"/>
+      </a:effectRef>
+      <a:fontRef idx="minor"/>
+    </dgm:style>
+  </dgm:styleLbl>
+  <dgm:styleLbl name="revTx">
+    <dgm:scene3d>
+      <a:camera prst="orthographicFront"/>
+      <a:lightRig rig="threePt" dir="t"/>
+    </dgm:scene3d>
+    <dgm:sp3d/>
+    <dgm:txPr/>
+    <dgm:style>
+      <a:lnRef idx="0">
+        <a:scrgbClr r="0" g="0" b="0"/>
+      </a:lnRef>
+      <a:fillRef idx="0">
+        <a:scrgbClr r="0" g="0" b="0"/>
+      </a:fillRef>
+      <a:effectRef idx="0">
+        <a:scrgbClr r="0" g="0" b="0"/>
+      </a:effectRef>
+      <a:fontRef idx="minor"/>
+    </dgm:style>
+  </dgm:styleLbl>
+</dgm:styleDef>
 </file>
 
 <file path=ppt/slideLayouts/slideLayout1.xml><?xml version="1.0" encoding="utf-8"?>
@@ -373,7 +6707,7 @@
           <a:p>
             <a:fld id="{CD13FC2D-BEDB-45BE-AF82-649A39BEFF71}" type="datetimeFigureOut">
               <a:rPr lang="en-GB" smtClean="0"/>
-              <a:t>16/10/2020</a:t>
+              <a:t>17/10/2020</a:t>
             </a:fld>
             <a:endParaRPr lang="en-GB"/>
           </a:p>
@@ -581,7 +6915,7 @@
           <a:p>
             <a:fld id="{CD13FC2D-BEDB-45BE-AF82-649A39BEFF71}" type="datetimeFigureOut">
               <a:rPr lang="en-GB" smtClean="0"/>
-              <a:t>16/10/2020</a:t>
+              <a:t>17/10/2020</a:t>
             </a:fld>
             <a:endParaRPr lang="en-GB"/>
           </a:p>
@@ -837,7 +7171,7 @@
           <a:p>
             <a:fld id="{CD13FC2D-BEDB-45BE-AF82-649A39BEFF71}" type="datetimeFigureOut">
               <a:rPr lang="en-GB" smtClean="0"/>
-              <a:t>16/10/2020</a:t>
+              <a:t>17/10/2020</a:t>
             </a:fld>
             <a:endParaRPr lang="en-GB"/>
           </a:p>
@@ -1007,7 +7341,7 @@
           <a:p>
             <a:fld id="{CD13FC2D-BEDB-45BE-AF82-649A39BEFF71}" type="datetimeFigureOut">
               <a:rPr lang="en-GB" smtClean="0"/>
-              <a:t>16/10/2020</a:t>
+              <a:t>17/10/2020</a:t>
             </a:fld>
             <a:endParaRPr lang="en-GB"/>
           </a:p>
@@ -1350,7 +7684,7 @@
           <a:p>
             <a:fld id="{CD13FC2D-BEDB-45BE-AF82-649A39BEFF71}" type="datetimeFigureOut">
               <a:rPr lang="en-GB" smtClean="0"/>
-              <a:t>16/10/2020</a:t>
+              <a:t>17/10/2020</a:t>
             </a:fld>
             <a:endParaRPr lang="en-GB"/>
           </a:p>
@@ -1625,7 +7959,7 @@
           <a:p>
             <a:fld id="{CD13FC2D-BEDB-45BE-AF82-649A39BEFF71}" type="datetimeFigureOut">
               <a:rPr lang="en-GB" smtClean="0"/>
-              <a:t>16/10/2020</a:t>
+              <a:t>17/10/2020</a:t>
             </a:fld>
             <a:endParaRPr lang="en-GB"/>
           </a:p>
@@ -2004,7 +8338,7 @@
           <a:p>
             <a:fld id="{CD13FC2D-BEDB-45BE-AF82-649A39BEFF71}" type="datetimeFigureOut">
               <a:rPr lang="en-GB" smtClean="0"/>
-              <a:t>16/10/2020</a:t>
+              <a:t>17/10/2020</a:t>
             </a:fld>
             <a:endParaRPr lang="en-GB"/>
           </a:p>
@@ -2122,7 +8456,7 @@
           <a:p>
             <a:fld id="{CD13FC2D-BEDB-45BE-AF82-649A39BEFF71}" type="datetimeFigureOut">
               <a:rPr lang="en-GB" smtClean="0"/>
-              <a:t>16/10/2020</a:t>
+              <a:t>17/10/2020</a:t>
             </a:fld>
             <a:endParaRPr lang="en-GB"/>
           </a:p>
@@ -2293,7 +8627,7 @@
           <a:p>
             <a:fld id="{CD13FC2D-BEDB-45BE-AF82-649A39BEFF71}" type="datetimeFigureOut">
               <a:rPr lang="en-GB" smtClean="0"/>
-              <a:t>16/10/2020</a:t>
+              <a:t>17/10/2020</a:t>
             </a:fld>
             <a:endParaRPr lang="en-GB"/>
           </a:p>
@@ -2647,7 +8981,7 @@
           <a:p>
             <a:fld id="{CD13FC2D-BEDB-45BE-AF82-649A39BEFF71}" type="datetimeFigureOut">
               <a:rPr lang="en-GB" smtClean="0"/>
-              <a:t>16/10/2020</a:t>
+              <a:t>17/10/2020</a:t>
             </a:fld>
             <a:endParaRPr lang="en-GB"/>
           </a:p>
@@ -3029,7 +9363,7 @@
           <a:p>
             <a:fld id="{CD13FC2D-BEDB-45BE-AF82-649A39BEFF71}" type="datetimeFigureOut">
               <a:rPr lang="en-GB" smtClean="0"/>
-              <a:t>16/10/2020</a:t>
+              <a:t>17/10/2020</a:t>
             </a:fld>
             <a:endParaRPr lang="en-GB"/>
           </a:p>
@@ -3316,7 +9650,7 @@
           <a:p>
             <a:fld id="{CD13FC2D-BEDB-45BE-AF82-649A39BEFF71}" type="datetimeFigureOut">
               <a:rPr lang="en-GB" smtClean="0"/>
-              <a:t>16/10/2020</a:t>
+              <a:t>17/10/2020</a:t>
             </a:fld>
             <a:endParaRPr lang="en-GB"/>
           </a:p>
@@ -4792,7 +11126,7 @@
     </p:spTree>
     <p:extLst>
       <p:ext uri="{BB962C8B-B14F-4D97-AF65-F5344CB8AC3E}">
-        <p14:creationId xmlns:p14="http://schemas.microsoft.com/office/powerpoint/2010/main" val="3183160452"/>
+        <p14:creationId xmlns:p14="http://schemas.microsoft.com/office/powerpoint/2010/main" val="671176909"/>
       </p:ext>
     </p:extLst>
   </p:cSld>
@@ -5451,6 +11785,314 @@
 </file>
 
 <file path=ppt/slides/slide19.xml><?xml version="1.0" encoding="utf-8"?>
+<p:sld xmlns:a="http://schemas.openxmlformats.org/drawingml/2006/main" xmlns:r="http://schemas.openxmlformats.org/officeDocument/2006/relationships" xmlns:p="http://schemas.openxmlformats.org/presentationml/2006/main">
+  <p:cSld>
+    <p:spTree>
+      <p:nvGrpSpPr>
+        <p:cNvPr id="1" name=""/>
+        <p:cNvGrpSpPr/>
+        <p:nvPr/>
+      </p:nvGrpSpPr>
+      <p:grpSpPr>
+        <a:xfrm>
+          <a:off x="0" y="0"/>
+          <a:ext cx="0" cy="0"/>
+          <a:chOff x="0" y="0"/>
+          <a:chExt cx="0" cy="0"/>
+        </a:xfrm>
+      </p:grpSpPr>
+      <p:sp>
+        <p:nvSpPr>
+          <p:cNvPr id="2" name="Title 1">
+            <a:extLst>
+              <a:ext uri="{FF2B5EF4-FFF2-40B4-BE49-F238E27FC236}">
+                <a16:creationId xmlns:a16="http://schemas.microsoft.com/office/drawing/2014/main" id="{7304BBA7-9D5E-4B9A-95AF-2E54F4B41C0E}"/>
+              </a:ext>
+            </a:extLst>
+          </p:cNvPr>
+          <p:cNvSpPr>
+            <a:spLocks noGrp="1"/>
+          </p:cNvSpPr>
+          <p:nvPr>
+            <p:ph type="title"/>
+          </p:nvPr>
+        </p:nvSpPr>
+        <p:spPr>
+          <a:xfrm>
+            <a:off x="822960" y="286605"/>
+            <a:ext cx="7543800" cy="1258110"/>
+          </a:xfrm>
+        </p:spPr>
+        <p:txBody>
+          <a:bodyPr>
+            <a:noAutofit/>
+          </a:bodyPr>
+          <a:lstStyle/>
+          <a:p>
+            <a:r>
+              <a:rPr lang="en-GB" sz="3600" dirty="0"/>
+              <a:t>Interface vs Inheritance </a:t>
+            </a:r>
+            <a:br>
+              <a:rPr lang="en-GB" sz="3600" dirty="0"/>
+            </a:br>
+            <a:r>
+              <a:rPr lang="en-GB" sz="3600" dirty="0"/>
+              <a:t>– Why so many faces</a:t>
+            </a:r>
+          </a:p>
+        </p:txBody>
+      </p:sp>
+      <p:graphicFrame>
+        <p:nvGraphicFramePr>
+          <p:cNvPr id="9" name="Content Placeholder 8">
+            <a:extLst>
+              <a:ext uri="{FF2B5EF4-FFF2-40B4-BE49-F238E27FC236}">
+                <a16:creationId xmlns:a16="http://schemas.microsoft.com/office/drawing/2014/main" id="{576623B1-B900-4844-A9B6-1079C8169299}"/>
+              </a:ext>
+            </a:extLst>
+          </p:cNvPr>
+          <p:cNvGraphicFramePr>
+            <a:graphicFrameLocks noGrp="1"/>
+          </p:cNvGraphicFramePr>
+          <p:nvPr>
+            <p:ph idx="1"/>
+            <p:extLst>
+              <p:ext uri="{D42A27DB-BD31-4B8C-83A1-F6EECF244321}">
+                <p14:modId xmlns:p14="http://schemas.microsoft.com/office/powerpoint/2010/main" val="1566404360"/>
+              </p:ext>
+            </p:extLst>
+          </p:nvPr>
+        </p:nvGraphicFramePr>
+        <p:xfrm>
+          <a:off x="822325" y="1846263"/>
+          <a:ext cx="7543800" cy="4022725"/>
+        </p:xfrm>
+        <a:graphic>
+          <a:graphicData uri="http://schemas.openxmlformats.org/drawingml/2006/diagram">
+            <dgm:relIds xmlns:dgm="http://schemas.openxmlformats.org/drawingml/2006/diagram" xmlns:r="http://schemas.openxmlformats.org/officeDocument/2006/relationships" r:dm="rId2" r:lo="rId3" r:qs="rId4" r:cs="rId5"/>
+          </a:graphicData>
+        </a:graphic>
+      </p:graphicFrame>
+    </p:spTree>
+    <p:extLst>
+      <p:ext uri="{BB962C8B-B14F-4D97-AF65-F5344CB8AC3E}">
+        <p14:creationId xmlns:p14="http://schemas.microsoft.com/office/powerpoint/2010/main" val="3183160452"/>
+      </p:ext>
+    </p:extLst>
+  </p:cSld>
+  <p:clrMapOvr>
+    <a:masterClrMapping/>
+  </p:clrMapOvr>
+</p:sld>
+</file>
+
+<file path=ppt/slides/slide2.xml><?xml version="1.0" encoding="utf-8"?>
+<p:sld xmlns:a="http://schemas.openxmlformats.org/drawingml/2006/main" xmlns:r="http://schemas.openxmlformats.org/officeDocument/2006/relationships" xmlns:p="http://schemas.openxmlformats.org/presentationml/2006/main">
+  <p:cSld>
+    <p:spTree>
+      <p:nvGrpSpPr>
+        <p:cNvPr id="1" name=""/>
+        <p:cNvGrpSpPr/>
+        <p:nvPr/>
+      </p:nvGrpSpPr>
+      <p:grpSpPr>
+        <a:xfrm>
+          <a:off x="0" y="0"/>
+          <a:ext cx="0" cy="0"/>
+          <a:chOff x="0" y="0"/>
+          <a:chExt cx="0" cy="0"/>
+        </a:xfrm>
+      </p:grpSpPr>
+      <p:sp>
+        <p:nvSpPr>
+          <p:cNvPr id="2" name="Title 1">
+            <a:extLst>
+              <a:ext uri="{FF2B5EF4-FFF2-40B4-BE49-F238E27FC236}">
+                <a16:creationId xmlns:a16="http://schemas.microsoft.com/office/drawing/2014/main" id="{7304BBA7-9D5E-4B9A-95AF-2E54F4B41C0E}"/>
+              </a:ext>
+            </a:extLst>
+          </p:cNvPr>
+          <p:cNvSpPr>
+            <a:spLocks noGrp="1"/>
+          </p:cNvSpPr>
+          <p:nvPr>
+            <p:ph type="title"/>
+          </p:nvPr>
+        </p:nvSpPr>
+        <p:spPr/>
+        <p:txBody>
+          <a:bodyPr/>
+          <a:lstStyle/>
+          <a:p>
+            <a:r>
+              <a:rPr lang="en-GB" dirty="0"/>
+              <a:t>Outline</a:t>
+            </a:r>
+          </a:p>
+        </p:txBody>
+      </p:sp>
+      <p:sp>
+        <p:nvSpPr>
+          <p:cNvPr id="3" name="Content Placeholder 2">
+            <a:extLst>
+              <a:ext uri="{FF2B5EF4-FFF2-40B4-BE49-F238E27FC236}">
+                <a16:creationId xmlns:a16="http://schemas.microsoft.com/office/drawing/2014/main" id="{3AB586B9-467B-4F63-B336-2E9D19321584}"/>
+              </a:ext>
+            </a:extLst>
+          </p:cNvPr>
+          <p:cNvSpPr>
+            <a:spLocks noGrp="1"/>
+          </p:cNvSpPr>
+          <p:nvPr>
+            <p:ph idx="1"/>
+          </p:nvPr>
+        </p:nvSpPr>
+        <p:spPr>
+          <a:xfrm>
+            <a:off x="822960" y="1788584"/>
+            <a:ext cx="4682490" cy="4023360"/>
+          </a:xfrm>
+        </p:spPr>
+        <p:txBody>
+          <a:bodyPr>
+            <a:noAutofit/>
+          </a:bodyPr>
+          <a:lstStyle/>
+          <a:p>
+            <a:pPr>
+              <a:spcBef>
+                <a:spcPts val="600"/>
+              </a:spcBef>
+              <a:buFont typeface="Wingdings" panose="05000000000000000000" pitchFamily="2" charset="2"/>
+              <a:buChar char="v"/>
+            </a:pPr>
+            <a:r>
+              <a:rPr lang="en-US" sz="1600" dirty="0"/>
+              <a:t> Getters and setters</a:t>
+            </a:r>
+          </a:p>
+          <a:p>
+            <a:pPr>
+              <a:spcBef>
+                <a:spcPts val="600"/>
+              </a:spcBef>
+              <a:buFont typeface="Wingdings" panose="05000000000000000000" pitchFamily="2" charset="2"/>
+              <a:buChar char="v"/>
+            </a:pPr>
+            <a:r>
+              <a:rPr lang="en-US" sz="1600" dirty="0"/>
+              <a:t> Inheritance</a:t>
+            </a:r>
+          </a:p>
+          <a:p>
+            <a:pPr>
+              <a:spcBef>
+                <a:spcPts val="600"/>
+              </a:spcBef>
+              <a:buFont typeface="Wingdings" panose="05000000000000000000" pitchFamily="2" charset="2"/>
+              <a:buChar char="v"/>
+            </a:pPr>
+            <a:r>
+              <a:rPr lang="en-US" sz="1600" dirty="0"/>
+              <a:t> Polymorphism</a:t>
+            </a:r>
+            <a:endParaRPr lang="en-GB" sz="1600" dirty="0"/>
+          </a:p>
+          <a:p>
+            <a:pPr>
+              <a:spcBef>
+                <a:spcPts val="600"/>
+              </a:spcBef>
+              <a:buFont typeface="Wingdings" panose="05000000000000000000" pitchFamily="2" charset="2"/>
+              <a:buChar char="v"/>
+            </a:pPr>
+            <a:r>
+              <a:rPr lang="en-US" sz="1600" dirty="0"/>
+              <a:t> Composition vs Inheritance</a:t>
+            </a:r>
+          </a:p>
+          <a:p>
+            <a:pPr>
+              <a:spcBef>
+                <a:spcPts val="600"/>
+              </a:spcBef>
+              <a:buFont typeface="Wingdings" panose="05000000000000000000" pitchFamily="2" charset="2"/>
+              <a:buChar char="v"/>
+            </a:pPr>
+            <a:r>
+              <a:rPr lang="en-US" sz="1600" dirty="0"/>
+              <a:t> Interface vs Inheritance</a:t>
+            </a:r>
+          </a:p>
+          <a:p>
+            <a:pPr>
+              <a:spcBef>
+                <a:spcPts val="600"/>
+              </a:spcBef>
+              <a:buFont typeface="Wingdings" panose="05000000000000000000" pitchFamily="2" charset="2"/>
+              <a:buChar char="v"/>
+            </a:pPr>
+            <a:r>
+              <a:rPr lang="en-US" sz="1600" dirty="0"/>
+              <a:t> Abstract class vs interface vs inheritance</a:t>
+            </a:r>
+          </a:p>
+          <a:p>
+            <a:pPr>
+              <a:spcBef>
+                <a:spcPts val="600"/>
+              </a:spcBef>
+              <a:buFont typeface="Wingdings" panose="05000000000000000000" pitchFamily="2" charset="2"/>
+              <a:buChar char="v"/>
+            </a:pPr>
+            <a:r>
+              <a:rPr lang="en-US" sz="1600" dirty="0"/>
+              <a:t> Inner classes</a:t>
+            </a:r>
+          </a:p>
+          <a:p>
+            <a:pPr>
+              <a:spcBef>
+                <a:spcPts val="600"/>
+              </a:spcBef>
+              <a:buFont typeface="Wingdings" panose="05000000000000000000" pitchFamily="2" charset="2"/>
+              <a:buChar char="v"/>
+            </a:pPr>
+            <a:r>
+              <a:rPr lang="en-US" sz="1600" dirty="0"/>
+              <a:t> Java packages</a:t>
+            </a:r>
+          </a:p>
+          <a:p>
+            <a:pPr>
+              <a:spcBef>
+                <a:spcPts val="600"/>
+              </a:spcBef>
+              <a:buFont typeface="Wingdings" panose="05000000000000000000" pitchFamily="2" charset="2"/>
+              <a:buChar char="v"/>
+            </a:pPr>
+            <a:r>
+              <a:rPr lang="en-US" sz="1600" dirty="0"/>
+              <a:t> Java library and standard classes</a:t>
+            </a:r>
+          </a:p>
+        </p:txBody>
+      </p:sp>
+    </p:spTree>
+    <p:extLst>
+      <p:ext uri="{BB962C8B-B14F-4D97-AF65-F5344CB8AC3E}">
+        <p14:creationId xmlns:p14="http://schemas.microsoft.com/office/powerpoint/2010/main" val="129472628"/>
+      </p:ext>
+    </p:extLst>
+  </p:cSld>
+  <p:clrMapOvr>
+    <a:masterClrMapping/>
+  </p:clrMapOvr>
+</p:sld>
+</file>
+
+<file path=ppt/slides/slide20.xml><?xml version="1.0" encoding="utf-8"?>
 <p:sld xmlns:a="http://schemas.openxmlformats.org/drawingml/2006/main" xmlns:r="http://schemas.openxmlformats.org/officeDocument/2006/relationships" xmlns:p="http://schemas.openxmlformats.org/presentationml/2006/main">
   <p:cSld>
     <p:spTree>
@@ -5610,212 +12252,7 @@
 </p:sld>
 </file>
 
-<file path=ppt/slides/slide2.xml><?xml version="1.0" encoding="utf-8"?>
-<p:sld xmlns:a="http://schemas.openxmlformats.org/drawingml/2006/main" xmlns:r="http://schemas.openxmlformats.org/officeDocument/2006/relationships" xmlns:p="http://schemas.openxmlformats.org/presentationml/2006/main">
-  <p:cSld>
-    <p:spTree>
-      <p:nvGrpSpPr>
-        <p:cNvPr id="1" name=""/>
-        <p:cNvGrpSpPr/>
-        <p:nvPr/>
-      </p:nvGrpSpPr>
-      <p:grpSpPr>
-        <a:xfrm>
-          <a:off x="0" y="0"/>
-          <a:ext cx="0" cy="0"/>
-          <a:chOff x="0" y="0"/>
-          <a:chExt cx="0" cy="0"/>
-        </a:xfrm>
-      </p:grpSpPr>
-      <p:sp>
-        <p:nvSpPr>
-          <p:cNvPr id="2" name="Title 1">
-            <a:extLst>
-              <a:ext uri="{FF2B5EF4-FFF2-40B4-BE49-F238E27FC236}">
-                <a16:creationId xmlns:a16="http://schemas.microsoft.com/office/drawing/2014/main" id="{7304BBA7-9D5E-4B9A-95AF-2E54F4B41C0E}"/>
-              </a:ext>
-            </a:extLst>
-          </p:cNvPr>
-          <p:cNvSpPr>
-            <a:spLocks noGrp="1"/>
-          </p:cNvSpPr>
-          <p:nvPr>
-            <p:ph type="title"/>
-          </p:nvPr>
-        </p:nvSpPr>
-        <p:spPr/>
-        <p:txBody>
-          <a:bodyPr/>
-          <a:lstStyle/>
-          <a:p>
-            <a:r>
-              <a:rPr lang="en-GB" dirty="0"/>
-              <a:t>Outline</a:t>
-            </a:r>
-          </a:p>
-        </p:txBody>
-      </p:sp>
-      <p:sp>
-        <p:nvSpPr>
-          <p:cNvPr id="3" name="Content Placeholder 2">
-            <a:extLst>
-              <a:ext uri="{FF2B5EF4-FFF2-40B4-BE49-F238E27FC236}">
-                <a16:creationId xmlns:a16="http://schemas.microsoft.com/office/drawing/2014/main" id="{3AB586B9-467B-4F63-B336-2E9D19321584}"/>
-              </a:ext>
-            </a:extLst>
-          </p:cNvPr>
-          <p:cNvSpPr>
-            <a:spLocks noGrp="1"/>
-          </p:cNvSpPr>
-          <p:nvPr>
-            <p:ph idx="1"/>
-          </p:nvPr>
-        </p:nvSpPr>
-        <p:spPr>
-          <a:xfrm>
-            <a:off x="822960" y="1788584"/>
-            <a:ext cx="4682490" cy="4023360"/>
-          </a:xfrm>
-        </p:spPr>
-        <p:txBody>
-          <a:bodyPr>
-            <a:noAutofit/>
-          </a:bodyPr>
-          <a:lstStyle/>
-          <a:p>
-            <a:pPr>
-              <a:spcBef>
-                <a:spcPts val="600"/>
-              </a:spcBef>
-              <a:buFont typeface="Wingdings" panose="05000000000000000000" pitchFamily="2" charset="2"/>
-              <a:buChar char="v"/>
-            </a:pPr>
-            <a:r>
-              <a:rPr lang="en-US" sz="1600" dirty="0"/>
-              <a:t> Getters and setters</a:t>
-            </a:r>
-          </a:p>
-          <a:p>
-            <a:pPr>
-              <a:spcBef>
-                <a:spcPts val="600"/>
-              </a:spcBef>
-              <a:buFont typeface="Wingdings" panose="05000000000000000000" pitchFamily="2" charset="2"/>
-              <a:buChar char="v"/>
-            </a:pPr>
-            <a:r>
-              <a:rPr lang="en-US" sz="1600" dirty="0"/>
-              <a:t> Inheritance</a:t>
-            </a:r>
-          </a:p>
-          <a:p>
-            <a:pPr>
-              <a:spcBef>
-                <a:spcPts val="600"/>
-              </a:spcBef>
-              <a:buFont typeface="Wingdings" panose="05000000000000000000" pitchFamily="2" charset="2"/>
-              <a:buChar char="v"/>
-            </a:pPr>
-            <a:r>
-              <a:rPr lang="en-US" sz="1600" dirty="0"/>
-              <a:t> Polymorphism</a:t>
-            </a:r>
-            <a:endParaRPr lang="en-GB" sz="1600" dirty="0"/>
-          </a:p>
-          <a:p>
-            <a:pPr>
-              <a:spcBef>
-                <a:spcPts val="600"/>
-              </a:spcBef>
-              <a:buFont typeface="Wingdings" panose="05000000000000000000" pitchFamily="2" charset="2"/>
-              <a:buChar char="v"/>
-            </a:pPr>
-            <a:r>
-              <a:rPr lang="en-US" sz="1600" dirty="0"/>
-              <a:t> Composition vs Inheritance</a:t>
-            </a:r>
-          </a:p>
-          <a:p>
-            <a:pPr>
-              <a:spcBef>
-                <a:spcPts val="600"/>
-              </a:spcBef>
-              <a:buFont typeface="Wingdings" panose="05000000000000000000" pitchFamily="2" charset="2"/>
-              <a:buChar char="v"/>
-            </a:pPr>
-            <a:r>
-              <a:rPr lang="en-US" sz="1600" dirty="0"/>
-              <a:t> Interface vs Inheritance</a:t>
-            </a:r>
-          </a:p>
-          <a:p>
-            <a:pPr>
-              <a:spcBef>
-                <a:spcPts val="600"/>
-              </a:spcBef>
-              <a:buFont typeface="Wingdings" panose="05000000000000000000" pitchFamily="2" charset="2"/>
-              <a:buChar char="v"/>
-            </a:pPr>
-            <a:r>
-              <a:rPr lang="en-US" sz="1600" dirty="0"/>
-              <a:t> Abstract class vs interface vs inheritance</a:t>
-            </a:r>
-          </a:p>
-          <a:p>
-            <a:pPr>
-              <a:spcBef>
-                <a:spcPts val="600"/>
-              </a:spcBef>
-              <a:buFont typeface="Wingdings" panose="05000000000000000000" pitchFamily="2" charset="2"/>
-              <a:buChar char="v"/>
-            </a:pPr>
-            <a:r>
-              <a:rPr lang="en-US" sz="1600" dirty="0"/>
-              <a:t> Inner classes</a:t>
-            </a:r>
-          </a:p>
-          <a:p>
-            <a:pPr>
-              <a:spcBef>
-                <a:spcPts val="600"/>
-              </a:spcBef>
-              <a:buFont typeface="Wingdings" panose="05000000000000000000" pitchFamily="2" charset="2"/>
-              <a:buChar char="v"/>
-            </a:pPr>
-            <a:r>
-              <a:rPr lang="en-US" sz="1600" dirty="0"/>
-              <a:t> Java packages</a:t>
-            </a:r>
-          </a:p>
-          <a:p>
-            <a:pPr>
-              <a:spcBef>
-                <a:spcPts val="600"/>
-              </a:spcBef>
-              <a:buFont typeface="Wingdings" panose="05000000000000000000" pitchFamily="2" charset="2"/>
-              <a:buChar char="v"/>
-            </a:pPr>
-            <a:r>
-              <a:rPr lang="en-US" sz="1600" dirty="0"/>
-              <a:t> Java library and standard classes</a:t>
-            </a:r>
-          </a:p>
-        </p:txBody>
-      </p:sp>
-    </p:spTree>
-    <p:extLst>
-      <p:ext uri="{BB962C8B-B14F-4D97-AF65-F5344CB8AC3E}">
-        <p14:creationId xmlns:p14="http://schemas.microsoft.com/office/powerpoint/2010/main" val="129472628"/>
-      </p:ext>
-    </p:extLst>
-  </p:cSld>
-  <p:clrMapOvr>
-    <a:masterClrMapping/>
-  </p:clrMapOvr>
-</p:sld>
-</file>
-
-<file path=ppt/slides/slide20.xml><?xml version="1.0" encoding="utf-8"?>
+<file path=ppt/slides/slide21.xml><?xml version="1.0" encoding="utf-8"?>
 <p:sld xmlns:a="http://schemas.openxmlformats.org/drawingml/2006/main" xmlns:r="http://schemas.openxmlformats.org/officeDocument/2006/relationships" xmlns:p="http://schemas.openxmlformats.org/presentationml/2006/main">
   <p:cSld>
     <p:spTree>
@@ -5879,194 +12316,6 @@
     <p:extLst>
       <p:ext uri="{BB962C8B-B14F-4D97-AF65-F5344CB8AC3E}">
         <p14:creationId xmlns:p14="http://schemas.microsoft.com/office/powerpoint/2010/main" val="1861674963"/>
-      </p:ext>
-    </p:extLst>
-  </p:cSld>
-  <p:clrMapOvr>
-    <a:masterClrMapping/>
-  </p:clrMapOvr>
-</p:sld>
-</file>
-
-<file path=ppt/slides/slide21.xml><?xml version="1.0" encoding="utf-8"?>
-<p:sld xmlns:a="http://schemas.openxmlformats.org/drawingml/2006/main" xmlns:r="http://schemas.openxmlformats.org/officeDocument/2006/relationships" xmlns:p="http://schemas.openxmlformats.org/presentationml/2006/main">
-  <p:cSld>
-    <p:spTree>
-      <p:nvGrpSpPr>
-        <p:cNvPr id="1" name=""/>
-        <p:cNvGrpSpPr/>
-        <p:nvPr/>
-      </p:nvGrpSpPr>
-      <p:grpSpPr>
-        <a:xfrm>
-          <a:off x="0" y="0"/>
-          <a:ext cx="0" cy="0"/>
-          <a:chOff x="0" y="0"/>
-          <a:chExt cx="0" cy="0"/>
-        </a:xfrm>
-      </p:grpSpPr>
-      <p:sp>
-        <p:nvSpPr>
-          <p:cNvPr id="2" name="Title 1">
-            <a:extLst>
-              <a:ext uri="{FF2B5EF4-FFF2-40B4-BE49-F238E27FC236}">
-                <a16:creationId xmlns:a16="http://schemas.microsoft.com/office/drawing/2014/main" id="{7304BBA7-9D5E-4B9A-95AF-2E54F4B41C0E}"/>
-              </a:ext>
-            </a:extLst>
-          </p:cNvPr>
-          <p:cNvSpPr>
-            <a:spLocks noGrp="1"/>
-          </p:cNvSpPr>
-          <p:nvPr>
-            <p:ph type="title"/>
-          </p:nvPr>
-        </p:nvSpPr>
-        <p:spPr/>
-        <p:txBody>
-          <a:bodyPr/>
-          <a:lstStyle/>
-          <a:p>
-            <a:r>
-              <a:rPr lang="en-GB" dirty="0"/>
-              <a:t>Abstract class vs Interface vs Inheritance</a:t>
-            </a:r>
-          </a:p>
-        </p:txBody>
-      </p:sp>
-      <p:sp>
-        <p:nvSpPr>
-          <p:cNvPr id="3" name="Content Placeholder 2">
-            <a:extLst>
-              <a:ext uri="{FF2B5EF4-FFF2-40B4-BE49-F238E27FC236}">
-                <a16:creationId xmlns:a16="http://schemas.microsoft.com/office/drawing/2014/main" id="{3AB586B9-467B-4F63-B336-2E9D19321584}"/>
-              </a:ext>
-            </a:extLst>
-          </p:cNvPr>
-          <p:cNvSpPr>
-            <a:spLocks noGrp="1"/>
-          </p:cNvSpPr>
-          <p:nvPr>
-            <p:ph idx="1"/>
-          </p:nvPr>
-        </p:nvSpPr>
-        <p:spPr>
-          <a:xfrm>
-            <a:off x="822960" y="1788584"/>
-            <a:ext cx="7415518" cy="4023360"/>
-          </a:xfrm>
-        </p:spPr>
-        <p:txBody>
-          <a:bodyPr>
-            <a:noAutofit/>
-          </a:bodyPr>
-          <a:lstStyle/>
-          <a:p>
-            <a:pPr>
-              <a:spcBef>
-                <a:spcPts val="600"/>
-              </a:spcBef>
-              <a:buFont typeface="Wingdings" panose="05000000000000000000" pitchFamily="2" charset="2"/>
-              <a:buChar char="v"/>
-            </a:pPr>
-            <a:r>
-              <a:rPr lang="en-GB" sz="2400" dirty="0"/>
-              <a:t> There are limitations associated with an interface which include:</a:t>
-            </a:r>
-          </a:p>
-          <a:p>
-            <a:pPr marL="658368" lvl="1" indent="-457200">
-              <a:spcBef>
-                <a:spcPts val="600"/>
-              </a:spcBef>
-              <a:buFont typeface="+mj-lt"/>
-              <a:buAutoNum type="arabicPeriod"/>
-            </a:pPr>
-            <a:r>
-              <a:rPr lang="en-GB" sz="2200" dirty="0"/>
-              <a:t>An interface does not have data members only methods.</a:t>
-            </a:r>
-          </a:p>
-          <a:p>
-            <a:pPr marL="658368" lvl="1" indent="-457200">
-              <a:spcBef>
-                <a:spcPts val="600"/>
-              </a:spcBef>
-              <a:buFont typeface="+mj-lt"/>
-              <a:buAutoNum type="arabicPeriod"/>
-            </a:pPr>
-            <a:r>
-              <a:rPr lang="en-GB" sz="2200" dirty="0"/>
-              <a:t>All the methods declared within an interface must be implemented.</a:t>
-            </a:r>
-          </a:p>
-          <a:p>
-            <a:pPr>
-              <a:spcBef>
-                <a:spcPts val="600"/>
-              </a:spcBef>
-              <a:buFont typeface="Wingdings" panose="05000000000000000000" pitchFamily="2" charset="2"/>
-              <a:buChar char="v"/>
-            </a:pPr>
-            <a:r>
-              <a:rPr lang="en-GB" sz="2400" dirty="0"/>
-              <a:t> An abstract class is a go between a super class and an interface because it allows</a:t>
-            </a:r>
-          </a:p>
-          <a:p>
-            <a:pPr marL="658368" lvl="1" indent="-457200">
-              <a:spcBef>
-                <a:spcPts val="600"/>
-              </a:spcBef>
-              <a:buFont typeface="+mj-lt"/>
-              <a:buAutoNum type="arabicPeriod"/>
-            </a:pPr>
-            <a:r>
-              <a:rPr lang="en-GB" sz="2200" dirty="0"/>
-              <a:t>certain methods that must be overridden and others that are optionally overridden.</a:t>
-            </a:r>
-          </a:p>
-          <a:p>
-            <a:pPr marL="658368" lvl="1" indent="-457200">
-              <a:spcBef>
-                <a:spcPts val="600"/>
-              </a:spcBef>
-              <a:buFont typeface="+mj-lt"/>
-              <a:buAutoNum type="arabicPeriod"/>
-            </a:pPr>
-            <a:r>
-              <a:rPr lang="en-GB" sz="2200" dirty="0"/>
-              <a:t>data members which can be private, public, protected etc.</a:t>
-            </a:r>
-          </a:p>
-          <a:p>
-            <a:pPr>
-              <a:spcBef>
-                <a:spcPts val="600"/>
-              </a:spcBef>
-              <a:buFont typeface="Wingdings" panose="05000000000000000000" pitchFamily="2" charset="2"/>
-              <a:buChar char="v"/>
-            </a:pPr>
-            <a:r>
-              <a:rPr lang="en-GB" sz="2400" dirty="0"/>
-              <a:t> Methods within an abstract class that must be overridden are called abstract methods.</a:t>
-            </a:r>
-          </a:p>
-          <a:p>
-            <a:pPr marL="658368" lvl="1" indent="-457200">
-              <a:spcBef>
-                <a:spcPts val="600"/>
-              </a:spcBef>
-              <a:buFont typeface="+mj-lt"/>
-              <a:buAutoNum type="arabicPeriod"/>
-            </a:pPr>
-            <a:endParaRPr lang="en-GB" sz="2200" dirty="0"/>
-          </a:p>
-        </p:txBody>
-      </p:sp>
-    </p:spTree>
-    <p:extLst>
-      <p:ext uri="{BB962C8B-B14F-4D97-AF65-F5344CB8AC3E}">
-        <p14:creationId xmlns:p14="http://schemas.microsoft.com/office/powerpoint/2010/main" val="2085896691"/>
       </p:ext>
     </p:extLst>
   </p:cSld>
@@ -6116,6 +12365,194 @@
           <a:p>
             <a:r>
               <a:rPr lang="en-GB" dirty="0"/>
+              <a:t>Abstract class vs Interface vs Inheritance</a:t>
+            </a:r>
+          </a:p>
+        </p:txBody>
+      </p:sp>
+      <p:sp>
+        <p:nvSpPr>
+          <p:cNvPr id="3" name="Content Placeholder 2">
+            <a:extLst>
+              <a:ext uri="{FF2B5EF4-FFF2-40B4-BE49-F238E27FC236}">
+                <a16:creationId xmlns:a16="http://schemas.microsoft.com/office/drawing/2014/main" id="{3AB586B9-467B-4F63-B336-2E9D19321584}"/>
+              </a:ext>
+            </a:extLst>
+          </p:cNvPr>
+          <p:cNvSpPr>
+            <a:spLocks noGrp="1"/>
+          </p:cNvSpPr>
+          <p:nvPr>
+            <p:ph idx="1"/>
+          </p:nvPr>
+        </p:nvSpPr>
+        <p:spPr>
+          <a:xfrm>
+            <a:off x="822960" y="1788584"/>
+            <a:ext cx="7415518" cy="4023360"/>
+          </a:xfrm>
+        </p:spPr>
+        <p:txBody>
+          <a:bodyPr>
+            <a:noAutofit/>
+          </a:bodyPr>
+          <a:lstStyle/>
+          <a:p>
+            <a:pPr>
+              <a:spcBef>
+                <a:spcPts val="600"/>
+              </a:spcBef>
+              <a:buFont typeface="Wingdings" panose="05000000000000000000" pitchFamily="2" charset="2"/>
+              <a:buChar char="v"/>
+            </a:pPr>
+            <a:r>
+              <a:rPr lang="en-GB" sz="2400" dirty="0"/>
+              <a:t> There are limitations associated with an interface which include:</a:t>
+            </a:r>
+          </a:p>
+          <a:p>
+            <a:pPr marL="658368" lvl="1" indent="-457200">
+              <a:spcBef>
+                <a:spcPts val="600"/>
+              </a:spcBef>
+              <a:buFont typeface="+mj-lt"/>
+              <a:buAutoNum type="arabicPeriod"/>
+            </a:pPr>
+            <a:r>
+              <a:rPr lang="en-GB" sz="2200" dirty="0"/>
+              <a:t>An interface does not have data members only methods.</a:t>
+            </a:r>
+          </a:p>
+          <a:p>
+            <a:pPr marL="658368" lvl="1" indent="-457200">
+              <a:spcBef>
+                <a:spcPts val="600"/>
+              </a:spcBef>
+              <a:buFont typeface="+mj-lt"/>
+              <a:buAutoNum type="arabicPeriod"/>
+            </a:pPr>
+            <a:r>
+              <a:rPr lang="en-GB" sz="2200" dirty="0"/>
+              <a:t>All the methods declared within an interface must be implemented.</a:t>
+            </a:r>
+          </a:p>
+          <a:p>
+            <a:pPr>
+              <a:spcBef>
+                <a:spcPts val="600"/>
+              </a:spcBef>
+              <a:buFont typeface="Wingdings" panose="05000000000000000000" pitchFamily="2" charset="2"/>
+              <a:buChar char="v"/>
+            </a:pPr>
+            <a:r>
+              <a:rPr lang="en-GB" sz="2400" dirty="0"/>
+              <a:t> An abstract class is a go between a super class and an interface because it allows</a:t>
+            </a:r>
+          </a:p>
+          <a:p>
+            <a:pPr marL="658368" lvl="1" indent="-457200">
+              <a:spcBef>
+                <a:spcPts val="600"/>
+              </a:spcBef>
+              <a:buFont typeface="+mj-lt"/>
+              <a:buAutoNum type="arabicPeriod"/>
+            </a:pPr>
+            <a:r>
+              <a:rPr lang="en-GB" sz="2200" dirty="0"/>
+              <a:t>certain methods that must be overridden and others that are optionally overridden.</a:t>
+            </a:r>
+          </a:p>
+          <a:p>
+            <a:pPr marL="658368" lvl="1" indent="-457200">
+              <a:spcBef>
+                <a:spcPts val="600"/>
+              </a:spcBef>
+              <a:buFont typeface="+mj-lt"/>
+              <a:buAutoNum type="arabicPeriod"/>
+            </a:pPr>
+            <a:r>
+              <a:rPr lang="en-GB" sz="2200" dirty="0"/>
+              <a:t>data members which can be private, public, protected etc.</a:t>
+            </a:r>
+          </a:p>
+          <a:p>
+            <a:pPr>
+              <a:spcBef>
+                <a:spcPts val="600"/>
+              </a:spcBef>
+              <a:buFont typeface="Wingdings" panose="05000000000000000000" pitchFamily="2" charset="2"/>
+              <a:buChar char="v"/>
+            </a:pPr>
+            <a:r>
+              <a:rPr lang="en-GB" sz="2400" dirty="0"/>
+              <a:t> Methods within an abstract class that must be overridden are called abstract methods.</a:t>
+            </a:r>
+          </a:p>
+          <a:p>
+            <a:pPr marL="658368" lvl="1" indent="-457200">
+              <a:spcBef>
+                <a:spcPts val="600"/>
+              </a:spcBef>
+              <a:buFont typeface="+mj-lt"/>
+              <a:buAutoNum type="arabicPeriod"/>
+            </a:pPr>
+            <a:endParaRPr lang="en-GB" sz="2200" dirty="0"/>
+          </a:p>
+        </p:txBody>
+      </p:sp>
+    </p:spTree>
+    <p:extLst>
+      <p:ext uri="{BB962C8B-B14F-4D97-AF65-F5344CB8AC3E}">
+        <p14:creationId xmlns:p14="http://schemas.microsoft.com/office/powerpoint/2010/main" val="2085896691"/>
+      </p:ext>
+    </p:extLst>
+  </p:cSld>
+  <p:clrMapOvr>
+    <a:masterClrMapping/>
+  </p:clrMapOvr>
+</p:sld>
+</file>
+
+<file path=ppt/slides/slide23.xml><?xml version="1.0" encoding="utf-8"?>
+<p:sld xmlns:a="http://schemas.openxmlformats.org/drawingml/2006/main" xmlns:r="http://schemas.openxmlformats.org/officeDocument/2006/relationships" xmlns:p="http://schemas.openxmlformats.org/presentationml/2006/main">
+  <p:cSld>
+    <p:spTree>
+      <p:nvGrpSpPr>
+        <p:cNvPr id="1" name=""/>
+        <p:cNvGrpSpPr/>
+        <p:nvPr/>
+      </p:nvGrpSpPr>
+      <p:grpSpPr>
+        <a:xfrm>
+          <a:off x="0" y="0"/>
+          <a:ext cx="0" cy="0"/>
+          <a:chOff x="0" y="0"/>
+          <a:chExt cx="0" cy="0"/>
+        </a:xfrm>
+      </p:grpSpPr>
+      <p:sp>
+        <p:nvSpPr>
+          <p:cNvPr id="2" name="Title 1">
+            <a:extLst>
+              <a:ext uri="{FF2B5EF4-FFF2-40B4-BE49-F238E27FC236}">
+                <a16:creationId xmlns:a16="http://schemas.microsoft.com/office/drawing/2014/main" id="{7304BBA7-9D5E-4B9A-95AF-2E54F4B41C0E}"/>
+              </a:ext>
+            </a:extLst>
+          </p:cNvPr>
+          <p:cNvSpPr>
+            <a:spLocks noGrp="1"/>
+          </p:cNvSpPr>
+          <p:nvPr>
+            <p:ph type="title"/>
+          </p:nvPr>
+        </p:nvSpPr>
+        <p:spPr/>
+        <p:txBody>
+          <a:bodyPr/>
+          <a:lstStyle/>
+          <a:p>
+            <a:r>
+              <a:rPr lang="en-GB" dirty="0"/>
               <a:t>Abstract class Example</a:t>
             </a:r>
           </a:p>
@@ -6159,7 +12596,7 @@
 </p:sld>
 </file>
 
-<file path=ppt/slides/slide23.xml><?xml version="1.0" encoding="utf-8"?>
+<file path=ppt/slides/slide24.xml><?xml version="1.0" encoding="utf-8"?>
 <p:sld xmlns:a="http://schemas.openxmlformats.org/drawingml/2006/main" xmlns:r="http://schemas.openxmlformats.org/officeDocument/2006/relationships" xmlns:p="http://schemas.openxmlformats.org/presentationml/2006/main">
   <p:cSld>
     <p:spTree>
@@ -6232,7 +12669,7 @@
 </p:sld>
 </file>
 
-<file path=ppt/slides/slide24.xml><?xml version="1.0" encoding="utf-8"?>
+<file path=ppt/slides/slide25.xml><?xml version="1.0" encoding="utf-8"?>
 <p:sld xmlns:a="http://schemas.openxmlformats.org/drawingml/2006/main" xmlns:r="http://schemas.openxmlformats.org/officeDocument/2006/relationships" xmlns:p="http://schemas.openxmlformats.org/presentationml/2006/main">
   <p:cSld>
     <p:spTree>
@@ -6422,7 +12859,7 @@
 </p:sld>
 </file>
 
-<file path=ppt/slides/slide25.xml><?xml version="1.0" encoding="utf-8"?>
+<file path=ppt/slides/slide26.xml><?xml version="1.0" encoding="utf-8"?>
 <p:sld xmlns:a="http://schemas.openxmlformats.org/drawingml/2006/main" xmlns:r="http://schemas.openxmlformats.org/officeDocument/2006/relationships" xmlns:p="http://schemas.openxmlformats.org/presentationml/2006/main">
   <p:cSld>
     <p:spTree>
@@ -6505,7 +12942,7 @@
 </p:sld>
 </file>
 
-<file path=ppt/slides/slide26.xml><?xml version="1.0" encoding="utf-8"?>
+<file path=ppt/slides/slide27.xml><?xml version="1.0" encoding="utf-8"?>
 <p:sld xmlns:a="http://schemas.openxmlformats.org/drawingml/2006/main" xmlns:r="http://schemas.openxmlformats.org/officeDocument/2006/relationships" xmlns:p="http://schemas.openxmlformats.org/presentationml/2006/main">
   <p:cSld>
     <p:spTree>
@@ -6578,7 +13015,7 @@
 </p:sld>
 </file>
 
-<file path=ppt/slides/slide27.xml><?xml version="1.0" encoding="utf-8"?>
+<file path=ppt/slides/slide28.xml><?xml version="1.0" encoding="utf-8"?>
 <p:sld xmlns:a="http://schemas.openxmlformats.org/drawingml/2006/main" xmlns:r="http://schemas.openxmlformats.org/officeDocument/2006/relationships" xmlns:p="http://schemas.openxmlformats.org/presentationml/2006/main">
   <p:cSld>
     <p:spTree>
@@ -6977,7 +13414,7 @@
 </p:sld>
 </file>
 
-<file path=ppt/slides/slide28.xml><?xml version="1.0" encoding="utf-8"?>
+<file path=ppt/slides/slide29.xml><?xml version="1.0" encoding="utf-8"?>
 <p:sld xmlns:a="http://schemas.openxmlformats.org/drawingml/2006/main" xmlns:r="http://schemas.openxmlformats.org/officeDocument/2006/relationships" xmlns:p="http://schemas.openxmlformats.org/presentationml/2006/main">
   <p:cSld>
     <p:spTree>
@@ -7082,79 +13519,6 @@
     <p:extLst>
       <p:ext uri="{BB962C8B-B14F-4D97-AF65-F5344CB8AC3E}">
         <p14:creationId xmlns:p14="http://schemas.microsoft.com/office/powerpoint/2010/main" val="2685341136"/>
-      </p:ext>
-    </p:extLst>
-  </p:cSld>
-  <p:clrMapOvr>
-    <a:masterClrMapping/>
-  </p:clrMapOvr>
-</p:sld>
-</file>
-
-<file path=ppt/slides/slide29.xml><?xml version="1.0" encoding="utf-8"?>
-<p:sld xmlns:a="http://schemas.openxmlformats.org/drawingml/2006/main" xmlns:r="http://schemas.openxmlformats.org/officeDocument/2006/relationships" xmlns:p="http://schemas.openxmlformats.org/presentationml/2006/main">
-  <p:cSld>
-    <p:spTree>
-      <p:nvGrpSpPr>
-        <p:cNvPr id="1" name=""/>
-        <p:cNvGrpSpPr/>
-        <p:nvPr/>
-      </p:nvGrpSpPr>
-      <p:grpSpPr>
-        <a:xfrm>
-          <a:off x="0" y="0"/>
-          <a:ext cx="0" cy="0"/>
-          <a:chOff x="0" y="0"/>
-          <a:chExt cx="0" cy="0"/>
-        </a:xfrm>
-      </p:grpSpPr>
-      <p:sp>
-        <p:nvSpPr>
-          <p:cNvPr id="3" name="Content Placeholder 2">
-            <a:extLst>
-              <a:ext uri="{FF2B5EF4-FFF2-40B4-BE49-F238E27FC236}">
-                <a16:creationId xmlns:a16="http://schemas.microsoft.com/office/drawing/2014/main" id="{6C7F13ED-B066-4225-805E-0889FD78E024}"/>
-              </a:ext>
-            </a:extLst>
-          </p:cNvPr>
-          <p:cNvSpPr>
-            <a:spLocks noGrp="1"/>
-          </p:cNvSpPr>
-          <p:nvPr>
-            <p:ph idx="1"/>
-          </p:nvPr>
-        </p:nvSpPr>
-        <p:spPr/>
-        <p:txBody>
-          <a:bodyPr>
-            <a:normAutofit/>
-          </a:bodyPr>
-          <a:lstStyle/>
-          <a:p>
-            <a:pPr algn="ctr"/>
-            <a:endParaRPr lang="en-GB" sz="4800" dirty="0"/>
-          </a:p>
-          <a:p>
-            <a:pPr marL="0" indent="0" algn="ctr">
-              <a:buNone/>
-            </a:pPr>
-            <a:endParaRPr lang="en-GB" sz="4800" dirty="0"/>
-          </a:p>
-          <a:p>
-            <a:pPr marL="0" indent="0" algn="ctr">
-              <a:buNone/>
-            </a:pPr>
-            <a:r>
-              <a:rPr lang="en-GB" sz="4800" dirty="0"/>
-              <a:t>Any Questions?</a:t>
-            </a:r>
-          </a:p>
-        </p:txBody>
-      </p:sp>
-    </p:spTree>
-    <p:extLst>
-      <p:ext uri="{BB962C8B-B14F-4D97-AF65-F5344CB8AC3E}">
-        <p14:creationId xmlns:p14="http://schemas.microsoft.com/office/powerpoint/2010/main" val="2181367514"/>
       </p:ext>
     </p:extLst>
   </p:cSld>
@@ -7283,6 +13647,79 @@
       </p:grpSpPr>
       <p:sp>
         <p:nvSpPr>
+          <p:cNvPr id="3" name="Content Placeholder 2">
+            <a:extLst>
+              <a:ext uri="{FF2B5EF4-FFF2-40B4-BE49-F238E27FC236}">
+                <a16:creationId xmlns:a16="http://schemas.microsoft.com/office/drawing/2014/main" id="{6C7F13ED-B066-4225-805E-0889FD78E024}"/>
+              </a:ext>
+            </a:extLst>
+          </p:cNvPr>
+          <p:cNvSpPr>
+            <a:spLocks noGrp="1"/>
+          </p:cNvSpPr>
+          <p:nvPr>
+            <p:ph idx="1"/>
+          </p:nvPr>
+        </p:nvSpPr>
+        <p:spPr/>
+        <p:txBody>
+          <a:bodyPr>
+            <a:normAutofit/>
+          </a:bodyPr>
+          <a:lstStyle/>
+          <a:p>
+            <a:pPr algn="ctr"/>
+            <a:endParaRPr lang="en-GB" sz="4800" dirty="0"/>
+          </a:p>
+          <a:p>
+            <a:pPr marL="0" indent="0" algn="ctr">
+              <a:buNone/>
+            </a:pPr>
+            <a:endParaRPr lang="en-GB" sz="4800" dirty="0"/>
+          </a:p>
+          <a:p>
+            <a:pPr marL="0" indent="0" algn="ctr">
+              <a:buNone/>
+            </a:pPr>
+            <a:r>
+              <a:rPr lang="en-GB" sz="4800" dirty="0"/>
+              <a:t>Any Questions?</a:t>
+            </a:r>
+          </a:p>
+        </p:txBody>
+      </p:sp>
+    </p:spTree>
+    <p:extLst>
+      <p:ext uri="{BB962C8B-B14F-4D97-AF65-F5344CB8AC3E}">
+        <p14:creationId xmlns:p14="http://schemas.microsoft.com/office/powerpoint/2010/main" val="2181367514"/>
+      </p:ext>
+    </p:extLst>
+  </p:cSld>
+  <p:clrMapOvr>
+    <a:masterClrMapping/>
+  </p:clrMapOvr>
+</p:sld>
+</file>
+
+<file path=ppt/slides/slide31.xml><?xml version="1.0" encoding="utf-8"?>
+<p:sld xmlns:a="http://schemas.openxmlformats.org/drawingml/2006/main" xmlns:r="http://schemas.openxmlformats.org/officeDocument/2006/relationships" xmlns:p="http://schemas.openxmlformats.org/presentationml/2006/main">
+  <p:cSld>
+    <p:spTree>
+      <p:nvGrpSpPr>
+        <p:cNvPr id="1" name=""/>
+        <p:cNvGrpSpPr/>
+        <p:nvPr/>
+      </p:nvGrpSpPr>
+      <p:grpSpPr>
+        <a:xfrm>
+          <a:off x="0" y="0"/>
+          <a:ext cx="0" cy="0"/>
+          <a:chOff x="0" y="0"/>
+          <a:chExt cx="0" cy="0"/>
+        </a:xfrm>
+      </p:grpSpPr>
+      <p:sp>
+        <p:nvSpPr>
           <p:cNvPr id="2" name="Title 1">
             <a:extLst>
               <a:ext uri="{FF2B5EF4-FFF2-40B4-BE49-F238E27FC236}">
@@ -7452,7 +13889,7 @@
 </p:sld>
 </file>
 
-<file path=ppt/slides/slide31.xml><?xml version="1.0" encoding="utf-8"?>
+<file path=ppt/slides/slide32.xml><?xml version="1.0" encoding="utf-8"?>
 <p:sld xmlns:a="http://schemas.openxmlformats.org/drawingml/2006/main" xmlns:r="http://schemas.openxmlformats.org/officeDocument/2006/relationships" xmlns:p="http://schemas.openxmlformats.org/presentationml/2006/main">
   <p:cSld>
     <p:spTree>
@@ -8081,7 +14518,7 @@
 </p:sld>
 </file>
 
-<file path=ppt/slides/slide32.xml><?xml version="1.0" encoding="utf-8"?>
+<file path=ppt/slides/slide33.xml><?xml version="1.0" encoding="utf-8"?>
 <p:sld xmlns:a="http://schemas.openxmlformats.org/drawingml/2006/main" xmlns:r="http://schemas.openxmlformats.org/officeDocument/2006/relationships" xmlns:p="http://schemas.openxmlformats.org/presentationml/2006/main">
   <p:cSld>
     <p:spTree>
@@ -8154,7 +14591,7 @@
 </p:sld>
 </file>
 
-<file path=ppt/slides/slide33.xml><?xml version="1.0" encoding="utf-8"?>
+<file path=ppt/slides/slide34.xml><?xml version="1.0" encoding="utf-8"?>
 <p:sld xmlns:a="http://schemas.openxmlformats.org/drawingml/2006/main" xmlns:r="http://schemas.openxmlformats.org/officeDocument/2006/relationships" xmlns:p="http://schemas.openxmlformats.org/presentationml/2006/main">
   <p:cSld>
     <p:spTree>
@@ -8356,7 +14793,7 @@
 </p:sld>
 </file>
 
-<file path=ppt/slides/slide34.xml><?xml version="1.0" encoding="utf-8"?>
+<file path=ppt/slides/slide35.xml><?xml version="1.0" encoding="utf-8"?>
 <p:sld xmlns:a="http://schemas.openxmlformats.org/drawingml/2006/main" xmlns:r="http://schemas.openxmlformats.org/officeDocument/2006/relationships" xmlns:p="http://schemas.openxmlformats.org/presentationml/2006/main">
   <p:cSld>
     <p:spTree>
@@ -8527,7 +14964,7 @@
 </p:sld>
 </file>
 
-<file path=ppt/slides/slide35.xml><?xml version="1.0" encoding="utf-8"?>
+<file path=ppt/slides/slide36.xml><?xml version="1.0" encoding="utf-8"?>
 <p:sld xmlns:a="http://schemas.openxmlformats.org/drawingml/2006/main" xmlns:r="http://schemas.openxmlformats.org/officeDocument/2006/relationships" xmlns:p="http://schemas.openxmlformats.org/presentationml/2006/main">
   <p:cSld>
     <p:spTree>
@@ -8574,7 +15011,7 @@
         </p:blipFill>
         <p:spPr>
           <a:xfrm>
-            <a:off x="2000608" y="2539569"/>
+            <a:off x="2000608" y="2450789"/>
             <a:ext cx="5142784" cy="3878986"/>
           </a:xfrm>
         </p:spPr>
@@ -8598,7 +15035,7 @@
         <p:spPr>
           <a:xfrm>
             <a:off x="822960" y="286605"/>
-            <a:ext cx="7543800" cy="734328"/>
+            <a:ext cx="7543800" cy="1240354"/>
           </a:xfrm>
         </p:spPr>
         <p:txBody>
@@ -8628,7 +15065,7 @@
         </p:nvSpPr>
         <p:spPr>
           <a:xfrm>
-            <a:off x="806682" y="1740023"/>
+            <a:off x="806682" y="1651243"/>
             <a:ext cx="7543800" cy="878890"/>
           </a:xfrm>
           <a:prstGeom prst="rect">
@@ -8698,7 +15135,7 @@
 </p:sld>
 </file>
 
-<file path=ppt/slides/slide36.xml><?xml version="1.0" encoding="utf-8"?>
+<file path=ppt/slides/slide37.xml><?xml version="1.0" encoding="utf-8"?>
 <p:sld xmlns:a="http://schemas.openxmlformats.org/drawingml/2006/main" xmlns:r="http://schemas.openxmlformats.org/officeDocument/2006/relationships" xmlns:p="http://schemas.openxmlformats.org/presentationml/2006/main">
   <p:cSld>
     <p:spTree>
@@ -9754,6 +16191,12 @@
 </file>
 
 <file path=customXml/item1.xml><?xml version="1.0" encoding="utf-8"?>
+<p:properties xmlns:p="http://schemas.microsoft.com/office/2006/metadata/properties" xmlns:xsi="http://www.w3.org/2001/XMLSchema-instance" xmlns:pc="http://schemas.microsoft.com/office/infopath/2007/PartnerControls">
+  <documentManagement/>
+</p:properties>
+</file>
+
+<file path=customXml/item2.xml><?xml version="1.0" encoding="utf-8"?>
 <ct:contentTypeSchema xmlns:ct="http://schemas.microsoft.com/office/2006/metadata/contentType" xmlns:ma="http://schemas.microsoft.com/office/2006/metadata/properties/metaAttributes" ct:_="" ma:_="" ma:contentTypeName="Document" ma:contentTypeID="0x010100062A1965C0ED8D4B93D90EC9097FB304" ma:contentTypeVersion="13" ma:contentTypeDescription="Create a new document." ma:contentTypeScope="" ma:versionID="ad8c00255a362f38b965062bb6973433">
   <xsd:schema xmlns:xsd="http://www.w3.org/2001/XMLSchema" xmlns:xs="http://www.w3.org/2001/XMLSchema" xmlns:p="http://schemas.microsoft.com/office/2006/metadata/properties" xmlns:ns3="cab83b3b-4db3-4a13-8dd4-e60be6d87cf5" xmlns:ns4="c2e86655-d7ed-4420-bc92-1b9547829f54" targetNamespace="http://schemas.microsoft.com/office/2006/metadata/properties" ma:root="true" ma:fieldsID="d47f86c9060cacabc5fb99b2dd628c7d" ns3:_="" ns4:_="">
     <xsd:import namespace="cab83b3b-4db3-4a13-8dd4-e60be6d87cf5"/>
@@ -9976,12 +16419,6 @@
 </ct:contentTypeSchema>
 </file>
 
-<file path=customXml/item2.xml><?xml version="1.0" encoding="utf-8"?>
-<p:properties xmlns:p="http://schemas.microsoft.com/office/2006/metadata/properties" xmlns:xsi="http://www.w3.org/2001/XMLSchema-instance" xmlns:pc="http://schemas.microsoft.com/office/infopath/2007/PartnerControls">
-  <documentManagement/>
-</p:properties>
-</file>
-
 <file path=customXml/item3.xml><?xml version="1.0" encoding="utf-8"?>
 <?mso-contentType ?>
 <FormTemplates xmlns="http://schemas.microsoft.com/sharepoint/v3/contenttype/forms">
@@ -9992,6 +16429,23 @@
 </file>
 
 <file path=customXml/itemProps1.xml><?xml version="1.0" encoding="utf-8"?>
+<ds:datastoreItem xmlns:ds="http://schemas.openxmlformats.org/officeDocument/2006/customXml" ds:itemID="{1B174DBE-1AD7-495B-B168-212A7EE723A6}">
+  <ds:schemaRefs>
+    <ds:schemaRef ds:uri="http://schemas.microsoft.com/office/2006/documentManagement/types"/>
+    <ds:schemaRef ds:uri="http://schemas.openxmlformats.org/package/2006/metadata/core-properties"/>
+    <ds:schemaRef ds:uri="c2e86655-d7ed-4420-bc92-1b9547829f54"/>
+    <ds:schemaRef ds:uri="http://purl.org/dc/elements/1.1/"/>
+    <ds:schemaRef ds:uri="http://schemas.microsoft.com/office/infopath/2007/PartnerControls"/>
+    <ds:schemaRef ds:uri="cab83b3b-4db3-4a13-8dd4-e60be6d87cf5"/>
+    <ds:schemaRef ds:uri="http://schemas.microsoft.com/office/2006/metadata/properties"/>
+    <ds:schemaRef ds:uri="http://purl.org/dc/terms/"/>
+    <ds:schemaRef ds:uri="http://www.w3.org/XML/1998/namespace"/>
+    <ds:schemaRef ds:uri="http://purl.org/dc/dcmitype/"/>
+  </ds:schemaRefs>
+</ds:datastoreItem>
+</file>
+
+<file path=customXml/itemProps2.xml><?xml version="1.0" encoding="utf-8"?>
 <ds:datastoreItem xmlns:ds="http://schemas.openxmlformats.org/officeDocument/2006/customXml" ds:itemID="{03233C07-2685-44F7-9601-FF64EA49BA1B}">
   <ds:schemaRefs>
     <ds:schemaRef ds:uri="http://schemas.microsoft.com/office/2006/metadata/contentType"/>
@@ -10010,23 +16464,6 @@
 </ds:datastoreItem>
 </file>
 
-<file path=customXml/itemProps2.xml><?xml version="1.0" encoding="utf-8"?>
-<ds:datastoreItem xmlns:ds="http://schemas.openxmlformats.org/officeDocument/2006/customXml" ds:itemID="{1B174DBE-1AD7-495B-B168-212A7EE723A6}">
-  <ds:schemaRefs>
-    <ds:schemaRef ds:uri="http://schemas.microsoft.com/office/2006/documentManagement/types"/>
-    <ds:schemaRef ds:uri="http://schemas.openxmlformats.org/package/2006/metadata/core-properties"/>
-    <ds:schemaRef ds:uri="c2e86655-d7ed-4420-bc92-1b9547829f54"/>
-    <ds:schemaRef ds:uri="http://purl.org/dc/elements/1.1/"/>
-    <ds:schemaRef ds:uri="http://schemas.microsoft.com/office/infopath/2007/PartnerControls"/>
-    <ds:schemaRef ds:uri="cab83b3b-4db3-4a13-8dd4-e60be6d87cf5"/>
-    <ds:schemaRef ds:uri="http://schemas.microsoft.com/office/2006/metadata/properties"/>
-    <ds:schemaRef ds:uri="http://purl.org/dc/terms/"/>
-    <ds:schemaRef ds:uri="http://www.w3.org/XML/1998/namespace"/>
-    <ds:schemaRef ds:uri="http://purl.org/dc/dcmitype/"/>
-  </ds:schemaRefs>
-</ds:datastoreItem>
-</file>
-
 <file path=customXml/itemProps3.xml><?xml version="1.0" encoding="utf-8"?>
 <ds:datastoreItem xmlns:ds="http://schemas.openxmlformats.org/officeDocument/2006/customXml" ds:itemID="{07A05CC1-FF68-453F-AE9C-352B80151440}">
   <ds:schemaRefs>

--- a/thesis/ukapp2/wqu_isc/sofware_design/Lesson 4 - Java.pptx
+++ b/thesis/ukapp2/wqu_isc/sofware_design/Lesson 4 - Java.pptx
@@ -37,11 +37,12 @@
     <p:sldId id="306" r:id="rId34"/>
     <p:sldId id="288" r:id="rId35"/>
     <p:sldId id="289" r:id="rId36"/>
-    <p:sldId id="298" r:id="rId37"/>
-    <p:sldId id="290" r:id="rId38"/>
-    <p:sldId id="301" r:id="rId39"/>
-    <p:sldId id="302" r:id="rId40"/>
-    <p:sldId id="304" r:id="rId41"/>
+    <p:sldId id="308" r:id="rId37"/>
+    <p:sldId id="298" r:id="rId38"/>
+    <p:sldId id="290" r:id="rId39"/>
+    <p:sldId id="301" r:id="rId40"/>
+    <p:sldId id="302" r:id="rId41"/>
+    <p:sldId id="304" r:id="rId42"/>
   </p:sldIdLst>
   <p:sldSz cx="9144000" cy="6858000" type="screen4x3"/>
   <p:notesSz cx="6858000" cy="9144000"/>
@@ -6707,7 +6708,7 @@
           <a:p>
             <a:fld id="{CD13FC2D-BEDB-45BE-AF82-649A39BEFF71}" type="datetimeFigureOut">
               <a:rPr lang="en-GB" smtClean="0"/>
-              <a:t>17/10/2020</a:t>
+              <a:t>19/10/2020</a:t>
             </a:fld>
             <a:endParaRPr lang="en-GB"/>
           </a:p>
@@ -6915,7 +6916,7 @@
           <a:p>
             <a:fld id="{CD13FC2D-BEDB-45BE-AF82-649A39BEFF71}" type="datetimeFigureOut">
               <a:rPr lang="en-GB" smtClean="0"/>
-              <a:t>17/10/2020</a:t>
+              <a:t>19/10/2020</a:t>
             </a:fld>
             <a:endParaRPr lang="en-GB"/>
           </a:p>
@@ -7171,7 +7172,7 @@
           <a:p>
             <a:fld id="{CD13FC2D-BEDB-45BE-AF82-649A39BEFF71}" type="datetimeFigureOut">
               <a:rPr lang="en-GB" smtClean="0"/>
-              <a:t>17/10/2020</a:t>
+              <a:t>19/10/2020</a:t>
             </a:fld>
             <a:endParaRPr lang="en-GB"/>
           </a:p>
@@ -7341,7 +7342,7 @@
           <a:p>
             <a:fld id="{CD13FC2D-BEDB-45BE-AF82-649A39BEFF71}" type="datetimeFigureOut">
               <a:rPr lang="en-GB" smtClean="0"/>
-              <a:t>17/10/2020</a:t>
+              <a:t>19/10/2020</a:t>
             </a:fld>
             <a:endParaRPr lang="en-GB"/>
           </a:p>
@@ -7684,7 +7685,7 @@
           <a:p>
             <a:fld id="{CD13FC2D-BEDB-45BE-AF82-649A39BEFF71}" type="datetimeFigureOut">
               <a:rPr lang="en-GB" smtClean="0"/>
-              <a:t>17/10/2020</a:t>
+              <a:t>19/10/2020</a:t>
             </a:fld>
             <a:endParaRPr lang="en-GB"/>
           </a:p>
@@ -7959,7 +7960,7 @@
           <a:p>
             <a:fld id="{CD13FC2D-BEDB-45BE-AF82-649A39BEFF71}" type="datetimeFigureOut">
               <a:rPr lang="en-GB" smtClean="0"/>
-              <a:t>17/10/2020</a:t>
+              <a:t>19/10/2020</a:t>
             </a:fld>
             <a:endParaRPr lang="en-GB"/>
           </a:p>
@@ -8338,7 +8339,7 @@
           <a:p>
             <a:fld id="{CD13FC2D-BEDB-45BE-AF82-649A39BEFF71}" type="datetimeFigureOut">
               <a:rPr lang="en-GB" smtClean="0"/>
-              <a:t>17/10/2020</a:t>
+              <a:t>19/10/2020</a:t>
             </a:fld>
             <a:endParaRPr lang="en-GB"/>
           </a:p>
@@ -8456,7 +8457,7 @@
           <a:p>
             <a:fld id="{CD13FC2D-BEDB-45BE-AF82-649A39BEFF71}" type="datetimeFigureOut">
               <a:rPr lang="en-GB" smtClean="0"/>
-              <a:t>17/10/2020</a:t>
+              <a:t>19/10/2020</a:t>
             </a:fld>
             <a:endParaRPr lang="en-GB"/>
           </a:p>
@@ -8627,7 +8628,7 @@
           <a:p>
             <a:fld id="{CD13FC2D-BEDB-45BE-AF82-649A39BEFF71}" type="datetimeFigureOut">
               <a:rPr lang="en-GB" smtClean="0"/>
-              <a:t>17/10/2020</a:t>
+              <a:t>19/10/2020</a:t>
             </a:fld>
             <a:endParaRPr lang="en-GB"/>
           </a:p>
@@ -8981,7 +8982,7 @@
           <a:p>
             <a:fld id="{CD13FC2D-BEDB-45BE-AF82-649A39BEFF71}" type="datetimeFigureOut">
               <a:rPr lang="en-GB" smtClean="0"/>
-              <a:t>17/10/2020</a:t>
+              <a:t>19/10/2020</a:t>
             </a:fld>
             <a:endParaRPr lang="en-GB"/>
           </a:p>
@@ -9363,7 +9364,7 @@
           <a:p>
             <a:fld id="{CD13FC2D-BEDB-45BE-AF82-649A39BEFF71}" type="datetimeFigureOut">
               <a:rPr lang="en-GB" smtClean="0"/>
-              <a:t>17/10/2020</a:t>
+              <a:t>19/10/2020</a:t>
             </a:fld>
             <a:endParaRPr lang="en-GB"/>
           </a:p>
@@ -9650,7 +9651,7 @@
           <a:p>
             <a:fld id="{CD13FC2D-BEDB-45BE-AF82-649A39BEFF71}" type="datetimeFigureOut">
               <a:rPr lang="en-GB" smtClean="0"/>
-              <a:t>17/10/2020</a:t>
+              <a:t>19/10/2020</a:t>
             </a:fld>
             <a:endParaRPr lang="en-GB"/>
           </a:p>
@@ -10393,7 +10394,7 @@
             </a:pPr>
             <a:r>
               <a:rPr lang="en-GB" dirty="0"/>
-              <a:t> Note that for method overloading to work, the input parameters or arguments must be different in other words, the method signature or prototype must be different for each overloaded method.</a:t>
+              <a:t> Note that for method overloading to work, the input parameter types or argument types must be different in other words, the method signature or prototype must be different for each overloaded method.</a:t>
             </a:r>
           </a:p>
           <a:p>
@@ -11950,8 +11951,8 @@
         </p:nvSpPr>
         <p:spPr>
           <a:xfrm>
-            <a:off x="822960" y="1788584"/>
-            <a:ext cx="4682490" cy="4023360"/>
+            <a:off x="938368" y="2063792"/>
+            <a:ext cx="5648861" cy="4023360"/>
           </a:xfrm>
         </p:spPr>
         <p:txBody>
@@ -11968,7 +11969,7 @@
               <a:buChar char="v"/>
             </a:pPr>
             <a:r>
-              <a:rPr lang="en-US" sz="1600" dirty="0"/>
+              <a:rPr lang="en-US" sz="2400" dirty="0"/>
               <a:t> Getters and setters</a:t>
             </a:r>
           </a:p>
@@ -11981,7 +11982,7 @@
               <a:buChar char="v"/>
             </a:pPr>
             <a:r>
-              <a:rPr lang="en-US" sz="1600" dirty="0"/>
+              <a:rPr lang="en-US" sz="2400" dirty="0"/>
               <a:t> Inheritance</a:t>
             </a:r>
           </a:p>
@@ -11994,10 +11995,10 @@
               <a:buChar char="v"/>
             </a:pPr>
             <a:r>
-              <a:rPr lang="en-US" sz="1600" dirty="0"/>
+              <a:rPr lang="en-US" sz="2400" dirty="0"/>
               <a:t> Polymorphism</a:t>
             </a:r>
-            <a:endParaRPr lang="en-GB" sz="1600" dirty="0"/>
+            <a:endParaRPr lang="en-GB" sz="2400" dirty="0"/>
           </a:p>
           <a:p>
             <a:pPr>
@@ -12008,7 +12009,7 @@
               <a:buChar char="v"/>
             </a:pPr>
             <a:r>
-              <a:rPr lang="en-US" sz="1600" dirty="0"/>
+              <a:rPr lang="en-US" sz="2400" dirty="0"/>
               <a:t> Composition vs Inheritance</a:t>
             </a:r>
           </a:p>
@@ -12021,7 +12022,7 @@
               <a:buChar char="v"/>
             </a:pPr>
             <a:r>
-              <a:rPr lang="en-US" sz="1600" dirty="0"/>
+              <a:rPr lang="en-US" sz="2400" dirty="0"/>
               <a:t> Interface vs Inheritance</a:t>
             </a:r>
           </a:p>
@@ -12034,7 +12035,7 @@
               <a:buChar char="v"/>
             </a:pPr>
             <a:r>
-              <a:rPr lang="en-US" sz="1600" dirty="0"/>
+              <a:rPr lang="en-US" sz="2400" dirty="0"/>
               <a:t> Abstract class vs interface vs inheritance</a:t>
             </a:r>
           </a:p>
@@ -12047,7 +12048,7 @@
               <a:buChar char="v"/>
             </a:pPr>
             <a:r>
-              <a:rPr lang="en-US" sz="1600" dirty="0"/>
+              <a:rPr lang="en-US" sz="2400" dirty="0"/>
               <a:t> Inner classes</a:t>
             </a:r>
           </a:p>
@@ -12060,7 +12061,7 @@
               <a:buChar char="v"/>
             </a:pPr>
             <a:r>
-              <a:rPr lang="en-US" sz="1600" dirty="0"/>
+              <a:rPr lang="en-US" sz="2400" dirty="0"/>
               <a:t> Java packages</a:t>
             </a:r>
           </a:p>
@@ -12073,7 +12074,7 @@
               <a:buChar char="v"/>
             </a:pPr>
             <a:r>
-              <a:rPr lang="en-US" sz="1600" dirty="0"/>
+              <a:rPr lang="en-US" sz="2400" dirty="0"/>
               <a:t> Java library and standard classes</a:t>
             </a:r>
           </a:p>
@@ -13511,7 +13512,168 @@
               </a:spcBef>
               <a:buNone/>
             </a:pPr>
-            <a:endParaRPr lang="en-GB" sz="2200" dirty="0"/>
+            <a:r>
+              <a:rPr lang="en-GB" sz="2400" dirty="0"/>
+              <a:t>e.g.</a:t>
+            </a:r>
+          </a:p>
+          <a:p>
+            <a:pPr marL="0" indent="0">
+              <a:spcBef>
+                <a:spcPts val="600"/>
+              </a:spcBef>
+              <a:buNone/>
+            </a:pPr>
+            <a:endParaRPr lang="en-GB" sz="1800" dirty="0"/>
+          </a:p>
+          <a:p>
+            <a:pPr marL="0" indent="0">
+              <a:spcBef>
+                <a:spcPts val="600"/>
+              </a:spcBef>
+              <a:buNone/>
+            </a:pPr>
+            <a:r>
+              <a:rPr lang="en-GB" sz="1800" dirty="0"/>
+              <a:t>package </a:t>
+            </a:r>
+            <a:r>
+              <a:rPr lang="en-GB" sz="1800" dirty="0" err="1"/>
+              <a:t>addbook</a:t>
+            </a:r>
+            <a:r>
+              <a:rPr lang="en-GB" sz="1800" dirty="0"/>
+              <a:t>; //references </a:t>
+            </a:r>
+            <a:r>
+              <a:rPr lang="en-GB" sz="1800" dirty="0" err="1"/>
+              <a:t>AddressBook</a:t>
+            </a:r>
+            <a:r>
+              <a:rPr lang="en-GB" sz="1800" dirty="0"/>
+              <a:t> class inside </a:t>
+            </a:r>
+            <a:r>
+              <a:rPr lang="en-GB" sz="1800" dirty="0" err="1"/>
+              <a:t>addbook</a:t>
+            </a:r>
+            <a:r>
+              <a:rPr lang="en-GB" sz="1800" dirty="0"/>
+              <a:t> folder</a:t>
+            </a:r>
+          </a:p>
+          <a:p>
+            <a:pPr marL="0" indent="0">
+              <a:spcBef>
+                <a:spcPts val="600"/>
+              </a:spcBef>
+              <a:buNone/>
+            </a:pPr>
+            <a:r>
+              <a:rPr lang="en-GB" sz="1800" dirty="0"/>
+              <a:t>import </a:t>
+            </a:r>
+            <a:r>
+              <a:rPr lang="en-GB" sz="1800" dirty="0" err="1"/>
+              <a:t>java.util.ArrayList</a:t>
+            </a:r>
+            <a:r>
+              <a:rPr lang="en-GB" sz="1800" dirty="0"/>
+              <a:t>; //imports </a:t>
+            </a:r>
+            <a:r>
+              <a:rPr lang="en-GB" sz="1800" dirty="0" err="1"/>
+              <a:t>ArrayList</a:t>
+            </a:r>
+            <a:r>
+              <a:rPr lang="en-GB" sz="1800" dirty="0"/>
+              <a:t> class from </a:t>
+            </a:r>
+            <a:r>
+              <a:rPr lang="en-GB" sz="1800" dirty="0" err="1"/>
+              <a:t>java.util</a:t>
+            </a:r>
+            <a:r>
+              <a:rPr lang="en-GB" sz="1800" dirty="0"/>
+              <a:t> package</a:t>
+            </a:r>
+          </a:p>
+          <a:p>
+            <a:pPr marL="0" indent="0">
+              <a:spcBef>
+                <a:spcPts val="600"/>
+              </a:spcBef>
+              <a:buNone/>
+            </a:pPr>
+            <a:endParaRPr lang="en-GB" sz="1800" dirty="0"/>
+          </a:p>
+          <a:p>
+            <a:pPr marL="0" indent="0">
+              <a:spcBef>
+                <a:spcPts val="600"/>
+              </a:spcBef>
+              <a:buNone/>
+            </a:pPr>
+            <a:r>
+              <a:rPr lang="en-GB" sz="1800" dirty="0"/>
+              <a:t>class </a:t>
+            </a:r>
+            <a:r>
+              <a:rPr lang="en-GB" sz="1800" dirty="0" err="1"/>
+              <a:t>AddressBook</a:t>
+            </a:r>
+            <a:r>
+              <a:rPr lang="en-GB" sz="1800" dirty="0"/>
+              <a:t>{</a:t>
+            </a:r>
+          </a:p>
+          <a:p>
+            <a:pPr marL="0" indent="0">
+              <a:spcBef>
+                <a:spcPts val="600"/>
+              </a:spcBef>
+              <a:buNone/>
+            </a:pPr>
+            <a:r>
+              <a:rPr lang="en-GB" sz="1800" dirty="0"/>
+              <a:t> private </a:t>
+            </a:r>
+            <a:r>
+              <a:rPr lang="en-GB" sz="1800" dirty="0" err="1"/>
+              <a:t>ArrayList</a:t>
+            </a:r>
+            <a:r>
+              <a:rPr lang="en-GB" sz="1800" dirty="0"/>
+              <a:t> </a:t>
+            </a:r>
+            <a:r>
+              <a:rPr lang="en-GB" sz="1800" dirty="0" err="1"/>
+              <a:t>addressBook</a:t>
+            </a:r>
+            <a:r>
+              <a:rPr lang="en-GB" sz="1800" dirty="0"/>
+              <a:t> =new </a:t>
+            </a:r>
+            <a:r>
+              <a:rPr lang="en-GB" sz="1800" dirty="0" err="1"/>
+              <a:t>ArrayList</a:t>
+            </a:r>
+            <a:r>
+              <a:rPr lang="en-GB" sz="1800" dirty="0"/>
+              <a:t>();  //using the imported class</a:t>
+            </a:r>
+          </a:p>
+          <a:p>
+            <a:pPr marL="0" indent="0">
+              <a:spcBef>
+                <a:spcPts val="600"/>
+              </a:spcBef>
+              <a:buNone/>
+            </a:pPr>
+            <a:r>
+              <a:rPr lang="en-GB" sz="1800" dirty="0"/>
+              <a:t>}</a:t>
+            </a:r>
           </a:p>
         </p:txBody>
       </p:sp>
@@ -14537,10 +14699,38 @@
       </p:grpSpPr>
       <p:sp>
         <p:nvSpPr>
+          <p:cNvPr id="2" name="Title 1">
+            <a:extLst>
+              <a:ext uri="{FF2B5EF4-FFF2-40B4-BE49-F238E27FC236}">
+                <a16:creationId xmlns:a16="http://schemas.microsoft.com/office/drawing/2014/main" id="{20721FAF-DDB2-4586-83BB-F26CA081996D}"/>
+              </a:ext>
+            </a:extLst>
+          </p:cNvPr>
+          <p:cNvSpPr>
+            <a:spLocks noGrp="1"/>
+          </p:cNvSpPr>
+          <p:nvPr>
+            <p:ph type="title"/>
+          </p:nvPr>
+        </p:nvSpPr>
+        <p:spPr/>
+        <p:txBody>
+          <a:bodyPr/>
+          <a:lstStyle/>
+          <a:p>
+            <a:r>
+              <a:rPr lang="en-GB" dirty="0"/>
+              <a:t>Further Reading</a:t>
+            </a:r>
+          </a:p>
+        </p:txBody>
+      </p:sp>
+      <p:sp>
+        <p:nvSpPr>
           <p:cNvPr id="3" name="Content Placeholder 2">
             <a:extLst>
               <a:ext uri="{FF2B5EF4-FFF2-40B4-BE49-F238E27FC236}">
-                <a16:creationId xmlns:a16="http://schemas.microsoft.com/office/drawing/2014/main" id="{6C7F13ED-B066-4225-805E-0889FD78E024}"/>
+                <a16:creationId xmlns:a16="http://schemas.microsoft.com/office/drawing/2014/main" id="{B26FDC53-4F5E-445F-AA49-8E6340B0A703}"/>
               </a:ext>
             </a:extLst>
           </p:cNvPr>
@@ -14553,35 +14743,34 @@
         </p:nvSpPr>
         <p:spPr/>
         <p:txBody>
-          <a:bodyPr>
-            <a:normAutofit/>
-          </a:bodyPr>
+          <a:bodyPr/>
           <a:lstStyle/>
           <a:p>
-            <a:pPr algn="ctr"/>
-            <a:endParaRPr lang="en-GB" sz="4800" dirty="0"/>
-          </a:p>
-          <a:p>
-            <a:pPr marL="0" indent="0" algn="ctr">
-              <a:buNone/>
+            <a:pPr>
+              <a:buFont typeface="Wingdings" panose="05000000000000000000" pitchFamily="2" charset="2"/>
+              <a:buChar char="v"/>
             </a:pPr>
-            <a:endParaRPr lang="en-GB" sz="4800" dirty="0"/>
-          </a:p>
-          <a:p>
-            <a:pPr marL="0" indent="0" algn="ctr">
-              <a:buNone/>
+            <a:r>
+              <a:rPr lang="en-GB" dirty="0">
+                <a:hlinkClick r:id="rId2"/>
+              </a:rPr>
+              <a:t> String builder vs  String buffer</a:t>
+            </a:r>
+            <a:endParaRPr lang="en-GB" dirty="0"/>
+          </a:p>
+          <a:p>
+            <a:pPr>
+              <a:buFont typeface="Wingdings" panose="05000000000000000000" pitchFamily="2" charset="2"/>
+              <a:buChar char="v"/>
             </a:pPr>
-            <a:r>
-              <a:rPr lang="en-GB" sz="4800" dirty="0"/>
-              <a:t>Any Questions?</a:t>
-            </a:r>
+            <a:endParaRPr lang="en-GB" dirty="0"/>
           </a:p>
         </p:txBody>
       </p:sp>
     </p:spTree>
     <p:extLst>
       <p:ext uri="{BB962C8B-B14F-4D97-AF65-F5344CB8AC3E}">
-        <p14:creationId xmlns:p14="http://schemas.microsoft.com/office/powerpoint/2010/main" val="3235970615"/>
+        <p14:creationId xmlns:p14="http://schemas.microsoft.com/office/powerpoint/2010/main" val="1570587103"/>
       </p:ext>
     </p:extLst>
   </p:cSld>
@@ -14610,38 +14799,10 @@
       </p:grpSpPr>
       <p:sp>
         <p:nvSpPr>
-          <p:cNvPr id="2" name="Title 1">
+          <p:cNvPr id="3" name="Content Placeholder 2">
             <a:extLst>
               <a:ext uri="{FF2B5EF4-FFF2-40B4-BE49-F238E27FC236}">
-                <a16:creationId xmlns:a16="http://schemas.microsoft.com/office/drawing/2014/main" id="{7304BBA7-9D5E-4B9A-95AF-2E54F4B41C0E}"/>
-              </a:ext>
-            </a:extLst>
-          </p:cNvPr>
-          <p:cNvSpPr>
-            <a:spLocks noGrp="1"/>
-          </p:cNvSpPr>
-          <p:nvPr>
-            <p:ph type="title"/>
-          </p:nvPr>
-        </p:nvSpPr>
-        <p:spPr/>
-        <p:txBody>
-          <a:bodyPr/>
-          <a:lstStyle/>
-          <a:p>
-            <a:r>
-              <a:rPr lang="en-GB" dirty="0"/>
-              <a:t>Exercise 1</a:t>
-            </a:r>
-          </a:p>
-        </p:txBody>
-      </p:sp>
-      <p:sp>
-        <p:nvSpPr>
-          <p:cNvPr id="5" name="Content Placeholder 4">
-            <a:extLst>
-              <a:ext uri="{FF2B5EF4-FFF2-40B4-BE49-F238E27FC236}">
-                <a16:creationId xmlns:a16="http://schemas.microsoft.com/office/drawing/2014/main" id="{AF203300-7D37-4228-9E5D-E484446273EE}"/>
+                <a16:creationId xmlns:a16="http://schemas.microsoft.com/office/drawing/2014/main" id="{6C7F13ED-B066-4225-805E-0889FD78E024}"/>
               </a:ext>
             </a:extLst>
           </p:cNvPr>
@@ -14659,131 +14820,30 @@
           </a:bodyPr>
           <a:lstStyle/>
           <a:p>
-            <a:pPr>
-              <a:buFont typeface="Wingdings" panose="05000000000000000000" pitchFamily="2" charset="2"/>
-              <a:buChar char="v"/>
-            </a:pPr>
-            <a:r>
-              <a:rPr lang="en-GB" dirty="0"/>
-              <a:t>Voltage can be obtained from various parameters. </a:t>
-            </a:r>
+            <a:pPr algn="ctr"/>
+            <a:endParaRPr lang="en-GB" sz="4800" dirty="0"/>
           </a:p>
           <a:p>
             <a:pPr marL="0" indent="0" algn="ctr">
               <a:buNone/>
             </a:pPr>
-            <a:r>
-              <a:rPr lang="en-GB" dirty="0"/>
-              <a:t>V=IR=It/C=</a:t>
-            </a:r>
-            <a:r>
-              <a:rPr lang="en-GB" dirty="0" err="1"/>
-              <a:t>IpL</a:t>
-            </a:r>
-            <a:r>
-              <a:rPr lang="en-GB" dirty="0"/>
-              <a:t>/A</a:t>
-            </a:r>
-          </a:p>
-          <a:p>
-            <a:pPr>
-              <a:buFont typeface="Wingdings" panose="05000000000000000000" pitchFamily="2" charset="2"/>
-              <a:buChar char="v"/>
+            <a:endParaRPr lang="en-GB" sz="4800" dirty="0"/>
+          </a:p>
+          <a:p>
+            <a:pPr marL="0" indent="0" algn="ctr">
+              <a:buNone/>
             </a:pPr>
             <a:r>
-              <a:rPr lang="en-GB" dirty="0"/>
-              <a:t> Where </a:t>
-            </a:r>
-          </a:p>
-          <a:p>
-            <a:pPr lvl="1">
-              <a:buFont typeface="Wingdings" panose="05000000000000000000" pitchFamily="2" charset="2"/>
-              <a:buChar char="v"/>
-            </a:pPr>
-            <a:r>
-              <a:rPr lang="en-GB" dirty="0"/>
-              <a:t> I = Current (amperes)</a:t>
-            </a:r>
-          </a:p>
-          <a:p>
-            <a:pPr lvl="1">
-              <a:buFont typeface="Wingdings" panose="05000000000000000000" pitchFamily="2" charset="2"/>
-              <a:buChar char="v"/>
-            </a:pPr>
-            <a:r>
-              <a:rPr lang="en-GB" dirty="0"/>
-              <a:t> R = Voltage (volts)</a:t>
-            </a:r>
-          </a:p>
-          <a:p>
-            <a:pPr lvl="1">
-              <a:buFont typeface="Wingdings" panose="05000000000000000000" pitchFamily="2" charset="2"/>
-              <a:buChar char="v"/>
-            </a:pPr>
-            <a:r>
-              <a:rPr lang="en-GB" dirty="0"/>
-              <a:t> t = time (seconds)</a:t>
-            </a:r>
-          </a:p>
-          <a:p>
-            <a:pPr lvl="1">
-              <a:buFont typeface="Wingdings" panose="05000000000000000000" pitchFamily="2" charset="2"/>
-              <a:buChar char="v"/>
-            </a:pPr>
-            <a:r>
-              <a:rPr lang="en-GB" dirty="0"/>
-              <a:t> C = Capacitance (farads)</a:t>
-            </a:r>
-          </a:p>
-          <a:p>
-            <a:pPr lvl="1">
-              <a:buFont typeface="Wingdings" panose="05000000000000000000" pitchFamily="2" charset="2"/>
-              <a:buChar char="v"/>
-            </a:pPr>
-            <a:r>
-              <a:rPr lang="en-GB" dirty="0"/>
-              <a:t> p = Resistivity (Ohm-meter)</a:t>
-            </a:r>
-          </a:p>
-          <a:p>
-            <a:pPr lvl="1">
-              <a:buFont typeface="Wingdings" panose="05000000000000000000" pitchFamily="2" charset="2"/>
-              <a:buChar char="v"/>
-            </a:pPr>
-            <a:r>
-              <a:rPr lang="en-GB" dirty="0"/>
-              <a:t> L = Length</a:t>
-            </a:r>
-          </a:p>
-          <a:p>
-            <a:pPr lvl="1">
-              <a:buFont typeface="Wingdings" panose="05000000000000000000" pitchFamily="2" charset="2"/>
-              <a:buChar char="v"/>
-            </a:pPr>
-            <a:r>
-              <a:rPr lang="en-GB" dirty="0"/>
-              <a:t> A = cross sectional area</a:t>
-            </a:r>
-          </a:p>
-          <a:p>
-            <a:pPr>
-              <a:buFont typeface="Wingdings" panose="05000000000000000000" pitchFamily="2" charset="2"/>
-              <a:buChar char="v"/>
-            </a:pPr>
-            <a:r>
-              <a:rPr lang="en-GB" dirty="0"/>
-              <a:t> Calculate the following voltages</a:t>
-            </a:r>
-          </a:p>
-          <a:p>
-            <a:endParaRPr lang="en-GB" dirty="0"/>
+              <a:rPr lang="en-GB" sz="4800" dirty="0"/>
+              <a:t>Any Questions?</a:t>
+            </a:r>
           </a:p>
         </p:txBody>
       </p:sp>
     </p:spTree>
     <p:extLst>
       <p:ext uri="{BB962C8B-B14F-4D97-AF65-F5344CB8AC3E}">
-        <p14:creationId xmlns:p14="http://schemas.microsoft.com/office/powerpoint/2010/main" val="2057213361"/>
+        <p14:creationId xmlns:p14="http://schemas.microsoft.com/office/powerpoint/2010/main" val="3235970615"/>
       </p:ext>
     </p:extLst>
   </p:cSld>
@@ -14826,10 +14886,212 @@
             <p:ph type="title"/>
           </p:nvPr>
         </p:nvSpPr>
+        <p:spPr/>
+        <p:txBody>
+          <a:bodyPr/>
+          <a:lstStyle/>
+          <a:p>
+            <a:r>
+              <a:rPr lang="en-GB" dirty="0"/>
+              <a:t>Exercise 1</a:t>
+            </a:r>
+          </a:p>
+        </p:txBody>
+      </p:sp>
+      <p:sp>
+        <p:nvSpPr>
+          <p:cNvPr id="5" name="Content Placeholder 4">
+            <a:extLst>
+              <a:ext uri="{FF2B5EF4-FFF2-40B4-BE49-F238E27FC236}">
+                <a16:creationId xmlns:a16="http://schemas.microsoft.com/office/drawing/2014/main" id="{AF203300-7D37-4228-9E5D-E484446273EE}"/>
+              </a:ext>
+            </a:extLst>
+          </p:cNvPr>
+          <p:cNvSpPr>
+            <a:spLocks noGrp="1"/>
+          </p:cNvSpPr>
+          <p:nvPr>
+            <p:ph idx="1"/>
+          </p:nvPr>
+        </p:nvSpPr>
+        <p:spPr/>
+        <p:txBody>
+          <a:bodyPr>
+            <a:normAutofit/>
+          </a:bodyPr>
+          <a:lstStyle/>
+          <a:p>
+            <a:pPr>
+              <a:buFont typeface="Wingdings" panose="05000000000000000000" pitchFamily="2" charset="2"/>
+              <a:buChar char="v"/>
+            </a:pPr>
+            <a:r>
+              <a:rPr lang="en-GB" dirty="0"/>
+              <a:t>Voltage can be obtained from various parameters. </a:t>
+            </a:r>
+          </a:p>
+          <a:p>
+            <a:pPr marL="0" indent="0" algn="ctr">
+              <a:buNone/>
+            </a:pPr>
+            <a:r>
+              <a:rPr lang="en-GB" dirty="0"/>
+              <a:t>V=IR=It/C=</a:t>
+            </a:r>
+            <a:r>
+              <a:rPr lang="en-GB" dirty="0" err="1"/>
+              <a:t>IpL</a:t>
+            </a:r>
+            <a:r>
+              <a:rPr lang="en-GB" dirty="0"/>
+              <a:t>/A</a:t>
+            </a:r>
+          </a:p>
+          <a:p>
+            <a:pPr>
+              <a:buFont typeface="Wingdings" panose="05000000000000000000" pitchFamily="2" charset="2"/>
+              <a:buChar char="v"/>
+            </a:pPr>
+            <a:r>
+              <a:rPr lang="en-GB" dirty="0"/>
+              <a:t> Where </a:t>
+            </a:r>
+          </a:p>
+          <a:p>
+            <a:pPr lvl="1">
+              <a:buFont typeface="Wingdings" panose="05000000000000000000" pitchFamily="2" charset="2"/>
+              <a:buChar char="v"/>
+            </a:pPr>
+            <a:r>
+              <a:rPr lang="en-GB" dirty="0"/>
+              <a:t> I = Current (amperes)</a:t>
+            </a:r>
+          </a:p>
+          <a:p>
+            <a:pPr lvl="1">
+              <a:buFont typeface="Wingdings" panose="05000000000000000000" pitchFamily="2" charset="2"/>
+              <a:buChar char="v"/>
+            </a:pPr>
+            <a:r>
+              <a:rPr lang="en-GB" dirty="0"/>
+              <a:t> R = Voltage (volts)</a:t>
+            </a:r>
+          </a:p>
+          <a:p>
+            <a:pPr lvl="1">
+              <a:buFont typeface="Wingdings" panose="05000000000000000000" pitchFamily="2" charset="2"/>
+              <a:buChar char="v"/>
+            </a:pPr>
+            <a:r>
+              <a:rPr lang="en-GB" dirty="0"/>
+              <a:t> t = time (seconds)</a:t>
+            </a:r>
+          </a:p>
+          <a:p>
+            <a:pPr lvl="1">
+              <a:buFont typeface="Wingdings" panose="05000000000000000000" pitchFamily="2" charset="2"/>
+              <a:buChar char="v"/>
+            </a:pPr>
+            <a:r>
+              <a:rPr lang="en-GB" dirty="0"/>
+              <a:t> C = Capacitance (farads)</a:t>
+            </a:r>
+          </a:p>
+          <a:p>
+            <a:pPr lvl="1">
+              <a:buFont typeface="Wingdings" panose="05000000000000000000" pitchFamily="2" charset="2"/>
+              <a:buChar char="v"/>
+            </a:pPr>
+            <a:r>
+              <a:rPr lang="en-GB" dirty="0"/>
+              <a:t> p = Resistivity (Ohm-meter)</a:t>
+            </a:r>
+          </a:p>
+          <a:p>
+            <a:pPr lvl="1">
+              <a:buFont typeface="Wingdings" panose="05000000000000000000" pitchFamily="2" charset="2"/>
+              <a:buChar char="v"/>
+            </a:pPr>
+            <a:r>
+              <a:rPr lang="en-GB" dirty="0"/>
+              <a:t> L = Length</a:t>
+            </a:r>
+          </a:p>
+          <a:p>
+            <a:pPr lvl="1">
+              <a:buFont typeface="Wingdings" panose="05000000000000000000" pitchFamily="2" charset="2"/>
+              <a:buChar char="v"/>
+            </a:pPr>
+            <a:r>
+              <a:rPr lang="en-GB" dirty="0"/>
+              <a:t> A = cross sectional area</a:t>
+            </a:r>
+          </a:p>
+          <a:p>
+            <a:pPr>
+              <a:buFont typeface="Wingdings" panose="05000000000000000000" pitchFamily="2" charset="2"/>
+              <a:buChar char="v"/>
+            </a:pPr>
+            <a:r>
+              <a:rPr lang="en-GB" dirty="0"/>
+              <a:t> Calculate the following voltages</a:t>
+            </a:r>
+          </a:p>
+          <a:p>
+            <a:endParaRPr lang="en-GB" dirty="0"/>
+          </a:p>
+        </p:txBody>
+      </p:sp>
+    </p:spTree>
+    <p:extLst>
+      <p:ext uri="{BB962C8B-B14F-4D97-AF65-F5344CB8AC3E}">
+        <p14:creationId xmlns:p14="http://schemas.microsoft.com/office/powerpoint/2010/main" val="2057213361"/>
+      </p:ext>
+    </p:extLst>
+  </p:cSld>
+  <p:clrMapOvr>
+    <a:masterClrMapping/>
+  </p:clrMapOvr>
+</p:sld>
+</file>
+
+<file path=ppt/slides/slide36.xml><?xml version="1.0" encoding="utf-8"?>
+<p:sld xmlns:a="http://schemas.openxmlformats.org/drawingml/2006/main" xmlns:r="http://schemas.openxmlformats.org/officeDocument/2006/relationships" xmlns:p="http://schemas.openxmlformats.org/presentationml/2006/main">
+  <p:cSld>
+    <p:spTree>
+      <p:nvGrpSpPr>
+        <p:cNvPr id="1" name=""/>
+        <p:cNvGrpSpPr/>
+        <p:nvPr/>
+      </p:nvGrpSpPr>
+      <p:grpSpPr>
+        <a:xfrm>
+          <a:off x="0" y="0"/>
+          <a:ext cx="0" cy="0"/>
+          <a:chOff x="0" y="0"/>
+          <a:chExt cx="0" cy="0"/>
+        </a:xfrm>
+      </p:grpSpPr>
+      <p:sp>
+        <p:nvSpPr>
+          <p:cNvPr id="2" name="Title 1">
+            <a:extLst>
+              <a:ext uri="{FF2B5EF4-FFF2-40B4-BE49-F238E27FC236}">
+                <a16:creationId xmlns:a16="http://schemas.microsoft.com/office/drawing/2014/main" id="{7304BBA7-9D5E-4B9A-95AF-2E54F4B41C0E}"/>
+              </a:ext>
+            </a:extLst>
+          </p:cNvPr>
+          <p:cNvSpPr>
+            <a:spLocks noGrp="1"/>
+          </p:cNvSpPr>
+          <p:nvPr>
+            <p:ph type="title"/>
+          </p:nvPr>
+        </p:nvSpPr>
         <p:spPr>
           <a:xfrm>
-            <a:off x="822960" y="286605"/>
-            <a:ext cx="7543800" cy="734328"/>
+            <a:off x="822960" y="286604"/>
+            <a:ext cx="7543800" cy="1435663"/>
           </a:xfrm>
         </p:spPr>
         <p:txBody>
@@ -14918,10 +15180,10 @@
       </p:sp>
       <p:pic>
         <p:nvPicPr>
-          <p:cNvPr id="8" name="Content Placeholder 7" descr="Diagram&#10;&#10;Description automatically generated">
+          <p:cNvPr id="16" name="Content Placeholder 15" descr="Diagram&#10;&#10;Description automatically generated">
             <a:extLst>
               <a:ext uri="{FF2B5EF4-FFF2-40B4-BE49-F238E27FC236}">
-                <a16:creationId xmlns:a16="http://schemas.microsoft.com/office/drawing/2014/main" id="{25A3E940-AA60-423B-87CA-0AC454A03A18}"/>
+                <a16:creationId xmlns:a16="http://schemas.microsoft.com/office/drawing/2014/main" id="{31D8CD41-5C13-488D-94FA-9E98DA716976}"/>
               </a:ext>
             </a:extLst>
           </p:cNvPr>
@@ -14946,8 +15208,8 @@
         </p:blipFill>
         <p:spPr>
           <a:xfrm>
-            <a:off x="213054" y="2994410"/>
-            <a:ext cx="8708468" cy="3015773"/>
+            <a:off x="922337" y="2830960"/>
+            <a:ext cx="7343775" cy="2781300"/>
           </a:xfrm>
         </p:spPr>
       </p:pic>
@@ -14964,7 +15226,7 @@
 </p:sld>
 </file>
 
-<file path=ppt/slides/slide36.xml><?xml version="1.0" encoding="utf-8"?>
+<file path=ppt/slides/slide37.xml><?xml version="1.0" encoding="utf-8"?>
 <p:sld xmlns:a="http://schemas.openxmlformats.org/drawingml/2006/main" xmlns:r="http://schemas.openxmlformats.org/officeDocument/2006/relationships" xmlns:p="http://schemas.openxmlformats.org/presentationml/2006/main">
   <p:cSld>
     <p:spTree>
@@ -15135,7 +15397,7 @@
 </p:sld>
 </file>
 
-<file path=ppt/slides/slide37.xml><?xml version="1.0" encoding="utf-8"?>
+<file path=ppt/slides/slide38.xml><?xml version="1.0" encoding="utf-8"?>
 <p:sld xmlns:a="http://schemas.openxmlformats.org/drawingml/2006/main" xmlns:r="http://schemas.openxmlformats.org/officeDocument/2006/relationships" xmlns:p="http://schemas.openxmlformats.org/presentationml/2006/main">
   <p:cSld>
     <p:spTree>
@@ -16191,12 +16453,6 @@
 </file>
 
 <file path=customXml/item1.xml><?xml version="1.0" encoding="utf-8"?>
-<p:properties xmlns:p="http://schemas.microsoft.com/office/2006/metadata/properties" xmlns:xsi="http://www.w3.org/2001/XMLSchema-instance" xmlns:pc="http://schemas.microsoft.com/office/infopath/2007/PartnerControls">
-  <documentManagement/>
-</p:properties>
-</file>
-
-<file path=customXml/item2.xml><?xml version="1.0" encoding="utf-8"?>
 <ct:contentTypeSchema xmlns:ct="http://schemas.microsoft.com/office/2006/metadata/contentType" xmlns:ma="http://schemas.microsoft.com/office/2006/metadata/properties/metaAttributes" ct:_="" ma:_="" ma:contentTypeName="Document" ma:contentTypeID="0x010100062A1965C0ED8D4B93D90EC9097FB304" ma:contentTypeVersion="13" ma:contentTypeDescription="Create a new document." ma:contentTypeScope="" ma:versionID="ad8c00255a362f38b965062bb6973433">
   <xsd:schema xmlns:xsd="http://www.w3.org/2001/XMLSchema" xmlns:xs="http://www.w3.org/2001/XMLSchema" xmlns:p="http://schemas.microsoft.com/office/2006/metadata/properties" xmlns:ns3="cab83b3b-4db3-4a13-8dd4-e60be6d87cf5" xmlns:ns4="c2e86655-d7ed-4420-bc92-1b9547829f54" targetNamespace="http://schemas.microsoft.com/office/2006/metadata/properties" ma:root="true" ma:fieldsID="d47f86c9060cacabc5fb99b2dd628c7d" ns3:_="" ns4:_="">
     <xsd:import namespace="cab83b3b-4db3-4a13-8dd4-e60be6d87cf5"/>
@@ -16419,7 +16675,7 @@
 </ct:contentTypeSchema>
 </file>
 
-<file path=customXml/item3.xml><?xml version="1.0" encoding="utf-8"?>
+<file path=customXml/item2.xml><?xml version="1.0" encoding="utf-8"?>
 <?mso-contentType ?>
 <FormTemplates xmlns="http://schemas.microsoft.com/sharepoint/v3/contenttype/forms">
   <Display>DocumentLibraryForm</Display>
@@ -16428,24 +16684,13 @@
 </FormTemplates>
 </file>
 
-<file path=customXml/itemProps1.xml><?xml version="1.0" encoding="utf-8"?>
-<ds:datastoreItem xmlns:ds="http://schemas.openxmlformats.org/officeDocument/2006/customXml" ds:itemID="{1B174DBE-1AD7-495B-B168-212A7EE723A6}">
-  <ds:schemaRefs>
-    <ds:schemaRef ds:uri="http://schemas.microsoft.com/office/2006/documentManagement/types"/>
-    <ds:schemaRef ds:uri="http://schemas.openxmlformats.org/package/2006/metadata/core-properties"/>
-    <ds:schemaRef ds:uri="c2e86655-d7ed-4420-bc92-1b9547829f54"/>
-    <ds:schemaRef ds:uri="http://purl.org/dc/elements/1.1/"/>
-    <ds:schemaRef ds:uri="http://schemas.microsoft.com/office/infopath/2007/PartnerControls"/>
-    <ds:schemaRef ds:uri="cab83b3b-4db3-4a13-8dd4-e60be6d87cf5"/>
-    <ds:schemaRef ds:uri="http://schemas.microsoft.com/office/2006/metadata/properties"/>
-    <ds:schemaRef ds:uri="http://purl.org/dc/terms/"/>
-    <ds:schemaRef ds:uri="http://www.w3.org/XML/1998/namespace"/>
-    <ds:schemaRef ds:uri="http://purl.org/dc/dcmitype/"/>
-  </ds:schemaRefs>
-</ds:datastoreItem>
+<file path=customXml/item3.xml><?xml version="1.0" encoding="utf-8"?>
+<p:properties xmlns:p="http://schemas.microsoft.com/office/2006/metadata/properties" xmlns:xsi="http://www.w3.org/2001/XMLSchema-instance" xmlns:pc="http://schemas.microsoft.com/office/infopath/2007/PartnerControls">
+  <documentManagement/>
+</p:properties>
 </file>
 
-<file path=customXml/itemProps2.xml><?xml version="1.0" encoding="utf-8"?>
+<file path=customXml/itemProps1.xml><?xml version="1.0" encoding="utf-8"?>
 <ds:datastoreItem xmlns:ds="http://schemas.openxmlformats.org/officeDocument/2006/customXml" ds:itemID="{03233C07-2685-44F7-9601-FF64EA49BA1B}">
   <ds:schemaRefs>
     <ds:schemaRef ds:uri="http://schemas.microsoft.com/office/2006/metadata/contentType"/>
@@ -16464,10 +16709,27 @@
 </ds:datastoreItem>
 </file>
 
-<file path=customXml/itemProps3.xml><?xml version="1.0" encoding="utf-8"?>
+<file path=customXml/itemProps2.xml><?xml version="1.0" encoding="utf-8"?>
 <ds:datastoreItem xmlns:ds="http://schemas.openxmlformats.org/officeDocument/2006/customXml" ds:itemID="{07A05CC1-FF68-453F-AE9C-352B80151440}">
   <ds:schemaRefs>
     <ds:schemaRef ds:uri="http://schemas.microsoft.com/sharepoint/v3/contenttype/forms"/>
   </ds:schemaRefs>
 </ds:datastoreItem>
+</file>
+
+<file path=customXml/itemProps3.xml><?xml version="1.0" encoding="utf-8"?>
+<ds:datastoreItem xmlns:ds="http://schemas.openxmlformats.org/officeDocument/2006/customXml" ds:itemID="{1B174DBE-1AD7-495B-B168-212A7EE723A6}">
+  <ds:schemaRefs>
+    <ds:schemaRef ds:uri="http://schemas.microsoft.com/office/2006/documentManagement/types"/>
+    <ds:schemaRef ds:uri="http://schemas.openxmlformats.org/package/2006/metadata/core-properties"/>
+    <ds:schemaRef ds:uri="c2e86655-d7ed-4420-bc92-1b9547829f54"/>
+    <ds:schemaRef ds:uri="http://purl.org/dc/elements/1.1/"/>
+    <ds:schemaRef ds:uri="http://schemas.microsoft.com/office/infopath/2007/PartnerControls"/>
+    <ds:schemaRef ds:uri="cab83b3b-4db3-4a13-8dd4-e60be6d87cf5"/>
+    <ds:schemaRef ds:uri="http://schemas.microsoft.com/office/2006/metadata/properties"/>
+    <ds:schemaRef ds:uri="http://purl.org/dc/terms/"/>
+    <ds:schemaRef ds:uri="http://www.w3.org/XML/1998/namespace"/>
+    <ds:schemaRef ds:uri="http://purl.org/dc/dcmitype/"/>
+  </ds:schemaRefs>
+</ds:datastoreItem>
 </file>